--- a/Python tutorial.pptx
+++ b/Python tutorial.pptx
@@ -1,44 +1,44 @@
 
 <file path=ppt/presentation.xml><?xml version="1.0" encoding="utf-8"?>
-<p:presentation xmlns:a="http://schemas.openxmlformats.org/drawingml/2006/main" xmlns:r="http://schemas.openxmlformats.org/officeDocument/2006/relationships" xmlns:mc="http://schemas.openxmlformats.org/markup-compatibility/2006" xmlns:mv="urn:schemas-microsoft-com:mac:vml" xmlns:p="http://schemas.openxmlformats.org/presentationml/2006/main" xmlns:c="http://schemas.openxmlformats.org/drawingml/2006/chart" xmlns:dgm="http://schemas.openxmlformats.org/drawingml/2006/diagram" xmlns:o="urn:schemas-microsoft-com:office:office" xmlns:v="urn:schemas-microsoft-com:vml" xmlns:pvml="urn:schemas-microsoft-com:office:powerpoint" xmlns:com="http://schemas.openxmlformats.org/drawingml/2006/compatibility" xmlns:p14="http://schemas.microsoft.com/office/powerpoint/2010/main" autoCompressPictures="0" strictFirstAndLastChars="0" saveSubsetFonts="1">
+<p:presentation xmlns:a="http://schemas.openxmlformats.org/drawingml/2006/main" xmlns:r="http://schemas.openxmlformats.org/officeDocument/2006/relationships" xmlns:p="http://schemas.openxmlformats.org/presentationml/2006/main" strictFirstAndLastChars="0" saveSubsetFonts="1" autoCompressPictures="0">
   <p:sldMasterIdLst>
-    <p:sldMasterId id="2147483654" r:id="rId4"/>
+    <p:sldMasterId id="2147483654" r:id="rId1"/>
   </p:sldMasterIdLst>
   <p:notesMasterIdLst>
-    <p:notesMasterId r:id="rId5"/>
+    <p:notesMasterId r:id="rId28"/>
   </p:notesMasterIdLst>
   <p:sldIdLst>
-    <p:sldId id="256" r:id="rId6"/>
-    <p:sldId id="257" r:id="rId7"/>
-    <p:sldId id="258" r:id="rId8"/>
-    <p:sldId id="259" r:id="rId9"/>
-    <p:sldId id="260" r:id="rId10"/>
-    <p:sldId id="261" r:id="rId11"/>
-    <p:sldId id="262" r:id="rId12"/>
-    <p:sldId id="263" r:id="rId13"/>
-    <p:sldId id="264" r:id="rId14"/>
-    <p:sldId id="265" r:id="rId15"/>
-    <p:sldId id="266" r:id="rId16"/>
-    <p:sldId id="267" r:id="rId17"/>
-    <p:sldId id="268" r:id="rId18"/>
-    <p:sldId id="269" r:id="rId19"/>
-    <p:sldId id="270" r:id="rId20"/>
-    <p:sldId id="271" r:id="rId21"/>
-    <p:sldId id="272" r:id="rId22"/>
-    <p:sldId id="273" r:id="rId23"/>
-    <p:sldId id="274" r:id="rId24"/>
-    <p:sldId id="275" r:id="rId25"/>
-    <p:sldId id="276" r:id="rId26"/>
-    <p:sldId id="277" r:id="rId27"/>
-    <p:sldId id="278" r:id="rId28"/>
-    <p:sldId id="279" r:id="rId29"/>
-    <p:sldId id="280" r:id="rId30"/>
-    <p:sldId id="281" r:id="rId31"/>
+    <p:sldId id="256" r:id="rId2"/>
+    <p:sldId id="257" r:id="rId3"/>
+    <p:sldId id="258" r:id="rId4"/>
+    <p:sldId id="259" r:id="rId5"/>
+    <p:sldId id="260" r:id="rId6"/>
+    <p:sldId id="261" r:id="rId7"/>
+    <p:sldId id="262" r:id="rId8"/>
+    <p:sldId id="263" r:id="rId9"/>
+    <p:sldId id="264" r:id="rId10"/>
+    <p:sldId id="265" r:id="rId11"/>
+    <p:sldId id="266" r:id="rId12"/>
+    <p:sldId id="267" r:id="rId13"/>
+    <p:sldId id="268" r:id="rId14"/>
+    <p:sldId id="269" r:id="rId15"/>
+    <p:sldId id="270" r:id="rId16"/>
+    <p:sldId id="271" r:id="rId17"/>
+    <p:sldId id="272" r:id="rId18"/>
+    <p:sldId id="273" r:id="rId19"/>
+    <p:sldId id="274" r:id="rId20"/>
+    <p:sldId id="275" r:id="rId21"/>
+    <p:sldId id="276" r:id="rId22"/>
+    <p:sldId id="277" r:id="rId23"/>
+    <p:sldId id="278" r:id="rId24"/>
+    <p:sldId id="279" r:id="rId25"/>
+    <p:sldId id="280" r:id="rId26"/>
+    <p:sldId id="281" r:id="rId27"/>
   </p:sldIdLst>
-  <p:sldSz cy="6858000" cx="9144000"/>
+  <p:sldSz cx="9144000" cy="6858000" type="screen4x3"/>
   <p:notesSz cx="6858000" cy="9144000"/>
   <p:defaultTextStyle>
-    <a:defPPr lvl="0" marR="0" rtl="0" algn="l">
+    <a:defPPr marR="0" lvl="0" algn="l" rtl="0">
       <a:lnSpc>
         <a:spcPct val="100000"/>
       </a:lnSpc>
@@ -49,7 +49,7 @@
         <a:spcPts val="0"/>
       </a:spcAft>
     </a:defPPr>
-    <a:lvl1pPr lvl="0" marR="0" rtl="0" algn="l">
+    <a:lvl1pPr marR="0" lvl="0" algn="l" rtl="0">
       <a:lnSpc>
         <a:spcPct val="100000"/>
       </a:lnSpc>
@@ -60,7 +60,7 @@
         <a:spcPts val="0"/>
       </a:spcAft>
       <a:buNone/>
-      <a:defRPr b="0" i="0" sz="1400" u="none" cap="none" strike="noStrike">
+      <a:defRPr sz="1400" b="0" i="0" u="none" strike="noStrike" cap="none">
         <a:solidFill>
           <a:srgbClr val="000000"/>
         </a:solidFill>
@@ -70,7 +70,7 @@
         <a:sym typeface="Arial"/>
       </a:defRPr>
     </a:lvl1pPr>
-    <a:lvl2pPr lvl="1" marR="0" rtl="0" algn="l">
+    <a:lvl2pPr marR="0" lvl="1" algn="l" rtl="0">
       <a:lnSpc>
         <a:spcPct val="100000"/>
       </a:lnSpc>
@@ -81,7 +81,7 @@
         <a:spcPts val="0"/>
       </a:spcAft>
       <a:buNone/>
-      <a:defRPr b="0" i="0" sz="1400" u="none" cap="none" strike="noStrike">
+      <a:defRPr sz="1400" b="0" i="0" u="none" strike="noStrike" cap="none">
         <a:solidFill>
           <a:srgbClr val="000000"/>
         </a:solidFill>
@@ -91,7 +91,7 @@
         <a:sym typeface="Arial"/>
       </a:defRPr>
     </a:lvl2pPr>
-    <a:lvl3pPr lvl="2" marR="0" rtl="0" algn="l">
+    <a:lvl3pPr marR="0" lvl="2" algn="l" rtl="0">
       <a:lnSpc>
         <a:spcPct val="100000"/>
       </a:lnSpc>
@@ -102,7 +102,7 @@
         <a:spcPts val="0"/>
       </a:spcAft>
       <a:buNone/>
-      <a:defRPr b="0" i="0" sz="1400" u="none" cap="none" strike="noStrike">
+      <a:defRPr sz="1400" b="0" i="0" u="none" strike="noStrike" cap="none">
         <a:solidFill>
           <a:srgbClr val="000000"/>
         </a:solidFill>
@@ -112,7 +112,7 @@
         <a:sym typeface="Arial"/>
       </a:defRPr>
     </a:lvl3pPr>
-    <a:lvl4pPr lvl="3" marR="0" rtl="0" algn="l">
+    <a:lvl4pPr marR="0" lvl="3" algn="l" rtl="0">
       <a:lnSpc>
         <a:spcPct val="100000"/>
       </a:lnSpc>
@@ -123,7 +123,7 @@
         <a:spcPts val="0"/>
       </a:spcAft>
       <a:buNone/>
-      <a:defRPr b="0" i="0" sz="1400" u="none" cap="none" strike="noStrike">
+      <a:defRPr sz="1400" b="0" i="0" u="none" strike="noStrike" cap="none">
         <a:solidFill>
           <a:srgbClr val="000000"/>
         </a:solidFill>
@@ -133,7 +133,7 @@
         <a:sym typeface="Arial"/>
       </a:defRPr>
     </a:lvl4pPr>
-    <a:lvl5pPr lvl="4" marR="0" rtl="0" algn="l">
+    <a:lvl5pPr marR="0" lvl="4" algn="l" rtl="0">
       <a:lnSpc>
         <a:spcPct val="100000"/>
       </a:lnSpc>
@@ -144,7 +144,7 @@
         <a:spcPts val="0"/>
       </a:spcAft>
       <a:buNone/>
-      <a:defRPr b="0" i="0" sz="1400" u="none" cap="none" strike="noStrike">
+      <a:defRPr sz="1400" b="0" i="0" u="none" strike="noStrike" cap="none">
         <a:solidFill>
           <a:srgbClr val="000000"/>
         </a:solidFill>
@@ -154,7 +154,7 @@
         <a:sym typeface="Arial"/>
       </a:defRPr>
     </a:lvl5pPr>
-    <a:lvl6pPr lvl="5" marR="0" rtl="0" algn="l">
+    <a:lvl6pPr marR="0" lvl="5" algn="l" rtl="0">
       <a:lnSpc>
         <a:spcPct val="100000"/>
       </a:lnSpc>
@@ -165,7 +165,7 @@
         <a:spcPts val="0"/>
       </a:spcAft>
       <a:buNone/>
-      <a:defRPr b="0" i="0" sz="1400" u="none" cap="none" strike="noStrike">
+      <a:defRPr sz="1400" b="0" i="0" u="none" strike="noStrike" cap="none">
         <a:solidFill>
           <a:srgbClr val="000000"/>
         </a:solidFill>
@@ -175,7 +175,7 @@
         <a:sym typeface="Arial"/>
       </a:defRPr>
     </a:lvl6pPr>
-    <a:lvl7pPr lvl="6" marR="0" rtl="0" algn="l">
+    <a:lvl7pPr marR="0" lvl="6" algn="l" rtl="0">
       <a:lnSpc>
         <a:spcPct val="100000"/>
       </a:lnSpc>
@@ -186,7 +186,7 @@
         <a:spcPts val="0"/>
       </a:spcAft>
       <a:buNone/>
-      <a:defRPr b="0" i="0" sz="1400" u="none" cap="none" strike="noStrike">
+      <a:defRPr sz="1400" b="0" i="0" u="none" strike="noStrike" cap="none">
         <a:solidFill>
           <a:srgbClr val="000000"/>
         </a:solidFill>
@@ -196,7 +196,7 @@
         <a:sym typeface="Arial"/>
       </a:defRPr>
     </a:lvl7pPr>
-    <a:lvl8pPr lvl="7" marR="0" rtl="0" algn="l">
+    <a:lvl8pPr marR="0" lvl="7" algn="l" rtl="0">
       <a:lnSpc>
         <a:spcPct val="100000"/>
       </a:lnSpc>
@@ -207,7 +207,7 @@
         <a:spcPts val="0"/>
       </a:spcAft>
       <a:buNone/>
-      <a:defRPr b="0" i="0" sz="1400" u="none" cap="none" strike="noStrike">
+      <a:defRPr sz="1400" b="0" i="0" u="none" strike="noStrike" cap="none">
         <a:solidFill>
           <a:srgbClr val="000000"/>
         </a:solidFill>
@@ -217,7 +217,7 @@
         <a:sym typeface="Arial"/>
       </a:defRPr>
     </a:lvl8pPr>
-    <a:lvl9pPr lvl="8" marR="0" rtl="0" algn="l">
+    <a:lvl9pPr marR="0" lvl="8" algn="l" rtl="0">
       <a:lnSpc>
         <a:spcPct val="100000"/>
       </a:lnSpc>
@@ -228,7 +228,7 @@
         <a:spcPts val="0"/>
       </a:spcAft>
       <a:buNone/>
-      <a:defRPr b="0" i="0" sz="1400" u="none" cap="none" strike="noStrike">
+      <a:defRPr sz="1400" b="0" i="0" u="none" strike="noStrike" cap="none">
         <a:solidFill>
           <a:srgbClr val="000000"/>
         </a:solidFill>
@@ -243,31 +243,31 @@
 </file>
 
 <file path=ppt/commentAuthors.xml><?xml version="1.0" encoding="utf-8"?>
-<p:cmAuthorLst xmlns:a="http://schemas.openxmlformats.org/drawingml/2006/main" xmlns:r="http://schemas.openxmlformats.org/officeDocument/2006/relationships" xmlns:mc="http://schemas.openxmlformats.org/markup-compatibility/2006" xmlns:mv="urn:schemas-microsoft-com:mac:vml" xmlns:p="http://schemas.openxmlformats.org/presentationml/2006/main" xmlns:c="http://schemas.openxmlformats.org/drawingml/2006/chart" xmlns:dgm="http://schemas.openxmlformats.org/drawingml/2006/diagram" xmlns:o="urn:schemas-microsoft-com:office:office" xmlns:v="urn:schemas-microsoft-com:vml" xmlns:pvml="urn:schemas-microsoft-com:office:powerpoint" xmlns:com="http://schemas.openxmlformats.org/drawingml/2006/compatibility" xmlns:p14="http://schemas.microsoft.com/office/powerpoint/2010/main">
-  <p:cmAuthor clrIdx="0" id="0" initials="" lastIdx="5" name="Courtney Peck"/>
-  <p:cmAuthor clrIdx="1" id="1" initials="" lastIdx="5" name="Morgan Rehnberg"/>
+<p:cmAuthorLst xmlns:a="http://schemas.openxmlformats.org/drawingml/2006/main" xmlns:r="http://schemas.openxmlformats.org/officeDocument/2006/relationships" xmlns:p="http://schemas.openxmlformats.org/presentationml/2006/main">
+  <p:cmAuthor id="0" name="Courtney Peck" initials="" lastIdx="5" clrIdx="0"/>
+  <p:cmAuthor id="1" name="Morgan Rehnberg" initials="" lastIdx="5" clrIdx="1"/>
 </p:cmAuthorLst>
 </file>
 
 <file path=ppt/comments/comment1.xml><?xml version="1.0" encoding="utf-8"?>
-<p:cmLst xmlns:a="http://schemas.openxmlformats.org/drawingml/2006/main" xmlns:r="http://schemas.openxmlformats.org/officeDocument/2006/relationships" xmlns:mc="http://schemas.openxmlformats.org/markup-compatibility/2006" xmlns:mv="urn:schemas-microsoft-com:mac:vml" xmlns:p="http://schemas.openxmlformats.org/presentationml/2006/main" xmlns:c="http://schemas.openxmlformats.org/drawingml/2006/chart" xmlns:dgm="http://schemas.openxmlformats.org/drawingml/2006/diagram" xmlns:o="urn:schemas-microsoft-com:office:office" xmlns:v="urn:schemas-microsoft-com:vml" xmlns:pvml="urn:schemas-microsoft-com:office:powerpoint" xmlns:com="http://schemas.openxmlformats.org/drawingml/2006/compatibility" xmlns:p14="http://schemas.microsoft.com/office/powerpoint/2010/main">
-  <p:cm authorId="0" idx="1">
-    <p:pos x="6000" y="0"/>
-    <p:text>Maybe I'm bad at English, but don't you use 'ensure' in this case?</p:text>
+<p:cmLst xmlns:a="http://schemas.openxmlformats.org/drawingml/2006/main" xmlns:r="http://schemas.openxmlformats.org/officeDocument/2006/relationships" xmlns:p="http://schemas.openxmlformats.org/presentationml/2006/main">
+  <p:cm authorId="0" idx="2">
+    <p:pos x="6000" y="200"/>
+    <p:text>I find all the super important errors :P</p:text>
   </p:cm>
   <p:cm authorId="1" idx="1">
     <p:pos x="6000" y="100"/>
     <p:text>Yes :p it was just a silly title until we came up with a real one</p:text>
   </p:cm>
-  <p:cm authorId="0" idx="2">
-    <p:pos x="6000" y="200"/>
-    <p:text>I find all the super important errors :P</p:text>
+  <p:cm authorId="0" idx="1">
+    <p:pos x="6000" y="0"/>
+    <p:text>Maybe I'm bad at English, but don't you use 'ensure' in this case?</p:text>
   </p:cm>
 </p:cmLst>
 </file>
 
 <file path=ppt/comments/comment2.xml><?xml version="1.0" encoding="utf-8"?>
-<p:cmLst xmlns:a="http://schemas.openxmlformats.org/drawingml/2006/main" xmlns:r="http://schemas.openxmlformats.org/officeDocument/2006/relationships" xmlns:mc="http://schemas.openxmlformats.org/markup-compatibility/2006" xmlns:mv="urn:schemas-microsoft-com:mac:vml" xmlns:p="http://schemas.openxmlformats.org/presentationml/2006/main" xmlns:c="http://schemas.openxmlformats.org/drawingml/2006/chart" xmlns:dgm="http://schemas.openxmlformats.org/drawingml/2006/diagram" xmlns:o="urn:schemas-microsoft-com:office:office" xmlns:v="urn:schemas-microsoft-com:vml" xmlns:pvml="urn:schemas-microsoft-com:office:powerpoint" xmlns:com="http://schemas.openxmlformats.org/drawingml/2006/compatibility" xmlns:p14="http://schemas.microsoft.com/office/powerpoint/2010/main">
+<p:cmLst xmlns:a="http://schemas.openxmlformats.org/drawingml/2006/main" xmlns:r="http://schemas.openxmlformats.org/officeDocument/2006/relationships" xmlns:p="http://schemas.openxmlformats.org/presentationml/2006/main">
   <p:cm authorId="0" idx="5">
     <p:pos x="6000" y="0"/>
     <p:text>wasn't super clear if i'm supposed to be in interactive mode or writing as a function. Would certainly be clear during presentation though.</p:text>
@@ -276,45 +276,50 @@
 </file>
 
 <file path=ppt/comments/comment3.xml><?xml version="1.0" encoding="utf-8"?>
-<p:cmLst xmlns:a="http://schemas.openxmlformats.org/drawingml/2006/main" xmlns:r="http://schemas.openxmlformats.org/officeDocument/2006/relationships" xmlns:mc="http://schemas.openxmlformats.org/markup-compatibility/2006" xmlns:mv="urn:schemas-microsoft-com:mac:vml" xmlns:p="http://schemas.openxmlformats.org/presentationml/2006/main" xmlns:c="http://schemas.openxmlformats.org/drawingml/2006/chart" xmlns:dgm="http://schemas.openxmlformats.org/drawingml/2006/diagram" xmlns:o="urn:schemas-microsoft-com:office:office" xmlns:v="urn:schemas-microsoft-com:vml" xmlns:pvml="urn:schemas-microsoft-com:office:powerpoint" xmlns:com="http://schemas.openxmlformats.org/drawingml/2006/compatibility" xmlns:p14="http://schemas.microsoft.com/office/powerpoint/2010/main">
-  <p:cm authorId="0" idx="4">
-    <p:pos x="6000" y="0"/>
-    <p:text>Why can't i type print(primes[primes]) and have it return all prime numbers in the array</p:text>
+<p:cmLst xmlns:a="http://schemas.openxmlformats.org/drawingml/2006/main" xmlns:r="http://schemas.openxmlformats.org/officeDocument/2006/relationships" xmlns:p="http://schemas.openxmlformats.org/presentationml/2006/main">
+  <p:cm authorId="1" idx="5">
+    <p:pos x="6000" y="300"/>
+    <p:text>primes is an array of values, not an array of indicies. The statement primes &gt; 7 generates an array of indicies where that statement is true.</p:text>
+  </p:cm>
+  <p:cm authorId="1" idx="4">
+    <p:pos x="6000" y="200"/>
+    <p:text>_Re-opened_</p:text>
   </p:cm>
   <p:cm authorId="1" idx="3">
     <p:pos x="6000" y="100"/>
     <p:text>_Marked as resolved_</p:text>
   </p:cm>
-  <p:cm authorId="1" idx="4">
-    <p:pos x="6000" y="200"/>
-    <p:text>_Re-opened_</p:text>
-  </p:cm>
-  <p:cm authorId="1" idx="5">
-    <p:pos x="6000" y="300"/>
-    <p:text>primes is an array of values, not an array of indicies. The statement primes &gt; 7 generates an array of indicies where that statement is true.</p:text>
+  <p:cm authorId="0" idx="4">
+    <p:pos x="6000" y="0"/>
+    <p:text>Why can't i type print(primes[primes]) and have it return all prime numbers in the array</p:text>
   </p:cm>
 </p:cmLst>
 </file>
 
 <file path=ppt/comments/comment4.xml><?xml version="1.0" encoding="utf-8"?>
-<p:cmLst xmlns:a="http://schemas.openxmlformats.org/drawingml/2006/main" xmlns:r="http://schemas.openxmlformats.org/officeDocument/2006/relationships" xmlns:mc="http://schemas.openxmlformats.org/markup-compatibility/2006" xmlns:mv="urn:schemas-microsoft-com:mac:vml" xmlns:p="http://schemas.openxmlformats.org/presentationml/2006/main" xmlns:c="http://schemas.openxmlformats.org/drawingml/2006/chart" xmlns:dgm="http://schemas.openxmlformats.org/drawingml/2006/diagram" xmlns:o="urn:schemas-microsoft-com:office:office" xmlns:v="urn:schemas-microsoft-com:vml" xmlns:pvml="urn:schemas-microsoft-com:office:powerpoint" xmlns:com="http://schemas.openxmlformats.org/drawingml/2006/compatibility" xmlns:p14="http://schemas.microsoft.com/office/powerpoint/2010/main">
+<p:cmLst xmlns:a="http://schemas.openxmlformats.org/drawingml/2006/main" xmlns:r="http://schemas.openxmlformats.org/officeDocument/2006/relationships" xmlns:p="http://schemas.openxmlformats.org/presentationml/2006/main">
+  <p:cm authorId="1" idx="2">
+    <p:pos x="6000" y="100"/>
+    <p:text>Oops, good catch!</p:text>
+  </p:cm>
   <p:cm authorId="0" idx="3">
     <p:pos x="6000" y="0"/>
     <p:text>Why didn't this print 'Hello, file!'?</p:text>
-  </p:cm>
-  <p:cm authorId="1" idx="2">
-    <p:pos x="6000" y="100"/>
-    <p:text>Oops, good catch!</p:text>
   </p:cm>
 </p:cmLst>
 </file>
 
 <file path=ppt/notesMasters/notesMaster1.xml><?xml version="1.0" encoding="utf-8"?>
-<p:notesMaster xmlns:a="http://schemas.openxmlformats.org/drawingml/2006/main" xmlns:r="http://schemas.openxmlformats.org/officeDocument/2006/relationships" xmlns:mc="http://schemas.openxmlformats.org/markup-compatibility/2006" xmlns:mv="urn:schemas-microsoft-com:mac:vml" xmlns:p="http://schemas.openxmlformats.org/presentationml/2006/main" xmlns:c="http://schemas.openxmlformats.org/drawingml/2006/chart" xmlns:dgm="http://schemas.openxmlformats.org/drawingml/2006/diagram" xmlns:o="urn:schemas-microsoft-com:office:office" xmlns:v="urn:schemas-microsoft-com:vml" xmlns:pvml="urn:schemas-microsoft-com:office:powerpoint" xmlns:com="http://schemas.openxmlformats.org/drawingml/2006/compatibility" xmlns:p14="http://schemas.microsoft.com/office/powerpoint/2010/main">
+<p:notesMaster xmlns:a="http://schemas.openxmlformats.org/drawingml/2006/main" xmlns:r="http://schemas.openxmlformats.org/officeDocument/2006/relationships" xmlns:p="http://schemas.openxmlformats.org/presentationml/2006/main">
   <p:cSld>
+    <p:bg>
+      <p:bgRef idx="1001">
+        <a:schemeClr val="bg1"/>
+      </p:bgRef>
+    </p:bg>
     <p:spTree>
       <p:nvGrpSpPr>
-        <p:cNvPr id="2" name="Shape 2"/>
+        <p:cNvPr id="1" name="Shape 2"/>
         <p:cNvGrpSpPr/>
         <p:nvPr/>
       </p:nvGrpSpPr>
@@ -329,9 +334,11 @@
       <p:sp>
         <p:nvSpPr>
           <p:cNvPr id="3" name="Shape 3"/>
-          <p:cNvSpPr/>
+          <p:cNvSpPr>
+            <a:spLocks noGrp="1" noRot="1" noChangeAspect="1"/>
+          </p:cNvSpPr>
           <p:nvPr>
-            <p:ph idx="2" type="sldImg"/>
+            <p:ph type="sldImg" idx="2"/>
           </p:nvPr>
         </p:nvSpPr>
         <p:spPr>
@@ -340,8 +347,13 @@
             <a:ext cx="4572299" cy="3429000"/>
           </a:xfrm>
           <a:custGeom>
+            <a:avLst/>
+            <a:gdLst/>
+            <a:ahLst/>
+            <a:cxnLst/>
+            <a:rect l="0" t="0" r="0" b="0"/>
             <a:pathLst>
-              <a:path extrusionOk="0" h="120000" w="120000">
+              <a:path w="120000" h="120000" extrusionOk="0">
                 <a:moveTo>
                   <a:pt x="0" y="0"/>
                 </a:moveTo>
@@ -359,23 +371,25 @@
             </a:pathLst>
           </a:custGeom>
           <a:noFill/>
-          <a:ln cap="flat" cmpd="sng" w="9525">
+          <a:ln w="9525" cap="flat" cmpd="sng">
             <a:solidFill>
               <a:srgbClr val="000000"/>
             </a:solidFill>
             <a:prstDash val="solid"/>
             <a:round/>
-            <a:headEnd len="med" w="med" type="none"/>
-            <a:tailEnd len="med" w="med" type="none"/>
+            <a:headEnd type="none" w="med" len="med"/>
+            <a:tailEnd type="none" w="med" len="med"/>
           </a:ln>
         </p:spPr>
       </p:sp>
       <p:sp>
         <p:nvSpPr>
           <p:cNvPr id="4" name="Shape 4"/>
-          <p:cNvSpPr txBox="1"/>
+          <p:cNvSpPr txBox="1">
+            <a:spLocks noGrp="1"/>
+          </p:cNvSpPr>
           <p:nvPr>
-            <p:ph idx="1" type="body"/>
+            <p:ph type="body" idx="1"/>
           </p:nvPr>
         </p:nvSpPr>
         <p:spPr>
@@ -392,7 +406,7 @@
           </a:ln>
         </p:spPr>
         <p:txBody>
-          <a:bodyPr anchorCtr="0" anchor="t" bIns="91425" lIns="91425" rIns="91425" tIns="91425"/>
+          <a:bodyPr lIns="91425" tIns="91425" rIns="91425" bIns="91425" anchor="t" anchorCtr="0"/>
           <a:lstStyle>
             <a:lvl1pPr lvl="0">
               <a:spcBef>
@@ -449,21 +463,120 @@
               <a:defRPr sz="1100"/>
             </a:lvl9pPr>
           </a:lstStyle>
-          <a:p/>
+          <a:p>
+            <a:endParaRPr/>
+          </a:p>
         </p:txBody>
       </p:sp>
     </p:spTree>
+    <p:extLst>
+      <p:ext uri="{BB962C8B-B14F-4D97-AF65-F5344CB8AC3E}">
+        <p14:creationId xmlns:p14="http://schemas.microsoft.com/office/powerpoint/2010/main" val="1557238380"/>
+      </p:ext>
+    </p:extLst>
   </p:cSld>
-  <p:clrMap accent1="accent1" accent2="accent2" accent3="accent3" accent4="accent4" accent5="accent5" accent6="accent6" bg1="lt1" bg2="dk2" tx1="dk1" tx2="lt2" folHlink="folHlink" hlink="hlink"/>
+  <p:clrMap bg1="lt1" tx1="dk1" bg2="dk2" tx2="lt2" accent1="accent1" accent2="accent2" accent3="accent3" accent4="accent4" accent5="accent5" accent6="accent6" hlink="hlink" folHlink="folHlink"/>
+  <p:notesStyle>
+    <a:lvl1pPr marL="0" algn="l" defTabSz="914400" rtl="0" eaLnBrk="1" latinLnBrk="0" hangingPunct="1">
+      <a:defRPr sz="1200" kern="1200">
+        <a:solidFill>
+          <a:schemeClr val="tx1"/>
+        </a:solidFill>
+        <a:latin typeface="+mn-lt"/>
+        <a:ea typeface="+mn-ea"/>
+        <a:cs typeface="+mn-cs"/>
+      </a:defRPr>
+    </a:lvl1pPr>
+    <a:lvl2pPr marL="457200" algn="l" defTabSz="914400" rtl="0" eaLnBrk="1" latinLnBrk="0" hangingPunct="1">
+      <a:defRPr sz="1200" kern="1200">
+        <a:solidFill>
+          <a:schemeClr val="tx1"/>
+        </a:solidFill>
+        <a:latin typeface="+mn-lt"/>
+        <a:ea typeface="+mn-ea"/>
+        <a:cs typeface="+mn-cs"/>
+      </a:defRPr>
+    </a:lvl2pPr>
+    <a:lvl3pPr marL="914400" algn="l" defTabSz="914400" rtl="0" eaLnBrk="1" latinLnBrk="0" hangingPunct="1">
+      <a:defRPr sz="1200" kern="1200">
+        <a:solidFill>
+          <a:schemeClr val="tx1"/>
+        </a:solidFill>
+        <a:latin typeface="+mn-lt"/>
+        <a:ea typeface="+mn-ea"/>
+        <a:cs typeface="+mn-cs"/>
+      </a:defRPr>
+    </a:lvl3pPr>
+    <a:lvl4pPr marL="1371600" algn="l" defTabSz="914400" rtl="0" eaLnBrk="1" latinLnBrk="0" hangingPunct="1">
+      <a:defRPr sz="1200" kern="1200">
+        <a:solidFill>
+          <a:schemeClr val="tx1"/>
+        </a:solidFill>
+        <a:latin typeface="+mn-lt"/>
+        <a:ea typeface="+mn-ea"/>
+        <a:cs typeface="+mn-cs"/>
+      </a:defRPr>
+    </a:lvl4pPr>
+    <a:lvl5pPr marL="1828800" algn="l" defTabSz="914400" rtl="0" eaLnBrk="1" latinLnBrk="0" hangingPunct="1">
+      <a:defRPr sz="1200" kern="1200">
+        <a:solidFill>
+          <a:schemeClr val="tx1"/>
+        </a:solidFill>
+        <a:latin typeface="+mn-lt"/>
+        <a:ea typeface="+mn-ea"/>
+        <a:cs typeface="+mn-cs"/>
+      </a:defRPr>
+    </a:lvl5pPr>
+    <a:lvl6pPr marL="2286000" algn="l" defTabSz="914400" rtl="0" eaLnBrk="1" latinLnBrk="0" hangingPunct="1">
+      <a:defRPr sz="1200" kern="1200">
+        <a:solidFill>
+          <a:schemeClr val="tx1"/>
+        </a:solidFill>
+        <a:latin typeface="+mn-lt"/>
+        <a:ea typeface="+mn-ea"/>
+        <a:cs typeface="+mn-cs"/>
+      </a:defRPr>
+    </a:lvl6pPr>
+    <a:lvl7pPr marL="2743200" algn="l" defTabSz="914400" rtl="0" eaLnBrk="1" latinLnBrk="0" hangingPunct="1">
+      <a:defRPr sz="1200" kern="1200">
+        <a:solidFill>
+          <a:schemeClr val="tx1"/>
+        </a:solidFill>
+        <a:latin typeface="+mn-lt"/>
+        <a:ea typeface="+mn-ea"/>
+        <a:cs typeface="+mn-cs"/>
+      </a:defRPr>
+    </a:lvl7pPr>
+    <a:lvl8pPr marL="3200400" algn="l" defTabSz="914400" rtl="0" eaLnBrk="1" latinLnBrk="0" hangingPunct="1">
+      <a:defRPr sz="1200" kern="1200">
+        <a:solidFill>
+          <a:schemeClr val="tx1"/>
+        </a:solidFill>
+        <a:latin typeface="+mn-lt"/>
+        <a:ea typeface="+mn-ea"/>
+        <a:cs typeface="+mn-cs"/>
+      </a:defRPr>
+    </a:lvl8pPr>
+    <a:lvl9pPr marL="3657600" algn="l" defTabSz="914400" rtl="0" eaLnBrk="1" latinLnBrk="0" hangingPunct="1">
+      <a:defRPr sz="1200" kern="1200">
+        <a:solidFill>
+          <a:schemeClr val="tx1"/>
+        </a:solidFill>
+        <a:latin typeface="+mn-lt"/>
+        <a:ea typeface="+mn-ea"/>
+        <a:cs typeface="+mn-cs"/>
+      </a:defRPr>
+    </a:lvl9pPr>
+  </p:notesStyle>
 </p:notesMaster>
 </file>
 
 <file path=ppt/notesSlides/notesSlide1.xml><?xml version="1.0" encoding="utf-8"?>
-<p:notes xmlns:a="http://schemas.openxmlformats.org/drawingml/2006/main" xmlns:r="http://schemas.openxmlformats.org/officeDocument/2006/relationships" xmlns:mc="http://schemas.openxmlformats.org/markup-compatibility/2006" xmlns:mv="urn:schemas-microsoft-com:mac:vml" xmlns:p="http://schemas.openxmlformats.org/presentationml/2006/main" xmlns:c="http://schemas.openxmlformats.org/drawingml/2006/chart" xmlns:dgm="http://schemas.openxmlformats.org/drawingml/2006/diagram" xmlns:o="urn:schemas-microsoft-com:office:office" xmlns:v="urn:schemas-microsoft-com:vml" xmlns:pvml="urn:schemas-microsoft-com:office:powerpoint" xmlns:com="http://schemas.openxmlformats.org/drawingml/2006/compatibility" xmlns:p14="http://schemas.microsoft.com/office/powerpoint/2010/main" showMasterPhAnim="0" showMasterSp="0">
+<p:notes xmlns:a="http://schemas.openxmlformats.org/drawingml/2006/main" xmlns:r="http://schemas.openxmlformats.org/officeDocument/2006/relationships" xmlns:p="http://schemas.openxmlformats.org/presentationml/2006/main" showMasterSp="0" showMasterPhAnim="0">
   <p:cSld>
     <p:spTree>
       <p:nvGrpSpPr>
-        <p:cNvPr id="30" name="Shape 30"/>
+        <p:cNvPr id="1" name="Shape 30"/>
         <p:cNvGrpSpPr/>
         <p:nvPr/>
       </p:nvGrpSpPr>
@@ -478,9 +591,11 @@
       <p:sp>
         <p:nvSpPr>
           <p:cNvPr id="31" name="Shape 31"/>
-          <p:cNvSpPr/>
+          <p:cNvSpPr>
+            <a:spLocks noGrp="1" noRot="1" noChangeAspect="1"/>
+          </p:cNvSpPr>
           <p:nvPr>
-            <p:ph idx="2" type="sldImg"/>
+            <p:ph type="sldImg" idx="2"/>
           </p:nvPr>
         </p:nvSpPr>
         <p:spPr>
@@ -489,8 +604,13 @@
             <a:ext cx="4572299" cy="3429000"/>
           </a:xfrm>
           <a:custGeom>
+            <a:avLst/>
+            <a:gdLst/>
+            <a:ahLst/>
+            <a:cxnLst/>
+            <a:rect l="0" t="0" r="0" b="0"/>
             <a:pathLst>
-              <a:path extrusionOk="0" h="120000" w="120000">
+              <a:path w="120000" h="120000" extrusionOk="0">
                 <a:moveTo>
                   <a:pt x="0" y="0"/>
                 </a:moveTo>
@@ -512,9 +632,11 @@
       <p:sp>
         <p:nvSpPr>
           <p:cNvPr id="32" name="Shape 32"/>
-          <p:cNvSpPr txBox="1"/>
+          <p:cNvSpPr txBox="1">
+            <a:spLocks noGrp="1"/>
+          </p:cNvSpPr>
           <p:nvPr>
-            <p:ph idx="1" type="body"/>
+            <p:ph type="body" idx="1"/>
           </p:nvPr>
         </p:nvSpPr>
         <p:spPr>
@@ -527,7 +649,7 @@
           </a:prstGeom>
         </p:spPr>
         <p:txBody>
-          <a:bodyPr anchorCtr="0" anchor="t" bIns="91425" lIns="91425" rIns="91425" tIns="91425">
+          <a:bodyPr lIns="91425" tIns="91425" rIns="91425" bIns="91425" anchor="t" anchorCtr="0">
             <a:noAutofit/>
           </a:bodyPr>
           <a:lstStyle/>
@@ -538,14 +660,16 @@
               </a:spcBef>
               <a:buNone/>
             </a:pPr>
-            <a:r>
-              <a:t/>
-            </a:r>
             <a:endParaRPr/>
           </a:p>
         </p:txBody>
       </p:sp>
     </p:spTree>
+    <p:extLst>
+      <p:ext uri="{BB962C8B-B14F-4D97-AF65-F5344CB8AC3E}">
+        <p14:creationId xmlns:p14="http://schemas.microsoft.com/office/powerpoint/2010/main" val="1122246671"/>
+      </p:ext>
+    </p:extLst>
   </p:cSld>
   <p:clrMapOvr>
     <a:masterClrMapping/>
@@ -554,11 +678,11 @@
 </file>
 
 <file path=ppt/notesSlides/notesSlide10.xml><?xml version="1.0" encoding="utf-8"?>
-<p:notes xmlns:a="http://schemas.openxmlformats.org/drawingml/2006/main" xmlns:r="http://schemas.openxmlformats.org/officeDocument/2006/relationships" xmlns:mc="http://schemas.openxmlformats.org/markup-compatibility/2006" xmlns:mv="urn:schemas-microsoft-com:mac:vml" xmlns:p="http://schemas.openxmlformats.org/presentationml/2006/main" xmlns:c="http://schemas.openxmlformats.org/drawingml/2006/chart" xmlns:dgm="http://schemas.openxmlformats.org/drawingml/2006/diagram" xmlns:o="urn:schemas-microsoft-com:office:office" xmlns:v="urn:schemas-microsoft-com:vml" xmlns:pvml="urn:schemas-microsoft-com:office:powerpoint" xmlns:com="http://schemas.openxmlformats.org/drawingml/2006/compatibility" xmlns:p14="http://schemas.microsoft.com/office/powerpoint/2010/main" showMasterPhAnim="0" showMasterSp="0">
+<p:notes xmlns:a="http://schemas.openxmlformats.org/drawingml/2006/main" xmlns:r="http://schemas.openxmlformats.org/officeDocument/2006/relationships" xmlns:p="http://schemas.openxmlformats.org/presentationml/2006/main" showMasterSp="0" showMasterPhAnim="0">
   <p:cSld>
     <p:spTree>
       <p:nvGrpSpPr>
-        <p:cNvPr id="117" name="Shape 117"/>
+        <p:cNvPr id="1" name="Shape 117"/>
         <p:cNvGrpSpPr/>
         <p:nvPr/>
       </p:nvGrpSpPr>
@@ -573,9 +697,11 @@
       <p:sp>
         <p:nvSpPr>
           <p:cNvPr id="118" name="Shape 118"/>
-          <p:cNvSpPr/>
+          <p:cNvSpPr>
+            <a:spLocks noGrp="1" noRot="1" noChangeAspect="1"/>
+          </p:cNvSpPr>
           <p:nvPr>
-            <p:ph idx="2" type="sldImg"/>
+            <p:ph type="sldImg" idx="2"/>
           </p:nvPr>
         </p:nvSpPr>
         <p:spPr>
@@ -584,8 +710,13 @@
             <a:ext cx="4572299" cy="3429000"/>
           </a:xfrm>
           <a:custGeom>
+            <a:avLst/>
+            <a:gdLst/>
+            <a:ahLst/>
+            <a:cxnLst/>
+            <a:rect l="0" t="0" r="0" b="0"/>
             <a:pathLst>
-              <a:path extrusionOk="0" h="120000" w="120000">
+              <a:path w="120000" h="120000" extrusionOk="0">
                 <a:moveTo>
                   <a:pt x="0" y="0"/>
                 </a:moveTo>
@@ -607,9 +738,11 @@
       <p:sp>
         <p:nvSpPr>
           <p:cNvPr id="119" name="Shape 119"/>
-          <p:cNvSpPr txBox="1"/>
+          <p:cNvSpPr txBox="1">
+            <a:spLocks noGrp="1"/>
+          </p:cNvSpPr>
           <p:nvPr>
-            <p:ph idx="1" type="body"/>
+            <p:ph type="body" idx="1"/>
           </p:nvPr>
         </p:nvSpPr>
         <p:spPr>
@@ -622,7 +755,7 @@
           </a:prstGeom>
         </p:spPr>
         <p:txBody>
-          <a:bodyPr anchorCtr="0" anchor="t" bIns="91425" lIns="91425" rIns="91425" tIns="91425">
+          <a:bodyPr lIns="91425" tIns="91425" rIns="91425" bIns="91425" anchor="t" anchorCtr="0">
             <a:noAutofit/>
           </a:bodyPr>
           <a:lstStyle/>
@@ -633,14 +766,16 @@
               </a:spcBef>
               <a:buNone/>
             </a:pPr>
-            <a:r>
-              <a:t/>
-            </a:r>
             <a:endParaRPr/>
           </a:p>
         </p:txBody>
       </p:sp>
     </p:spTree>
+    <p:extLst>
+      <p:ext uri="{BB962C8B-B14F-4D97-AF65-F5344CB8AC3E}">
+        <p14:creationId xmlns:p14="http://schemas.microsoft.com/office/powerpoint/2010/main" val="155484223"/>
+      </p:ext>
+    </p:extLst>
   </p:cSld>
   <p:clrMapOvr>
     <a:masterClrMapping/>
@@ -649,11 +784,11 @@
 </file>
 
 <file path=ppt/notesSlides/notesSlide11.xml><?xml version="1.0" encoding="utf-8"?>
-<p:notes xmlns:a="http://schemas.openxmlformats.org/drawingml/2006/main" xmlns:r="http://schemas.openxmlformats.org/officeDocument/2006/relationships" xmlns:mc="http://schemas.openxmlformats.org/markup-compatibility/2006" xmlns:mv="urn:schemas-microsoft-com:mac:vml" xmlns:p="http://schemas.openxmlformats.org/presentationml/2006/main" xmlns:c="http://schemas.openxmlformats.org/drawingml/2006/chart" xmlns:dgm="http://schemas.openxmlformats.org/drawingml/2006/diagram" xmlns:o="urn:schemas-microsoft-com:office:office" xmlns:v="urn:schemas-microsoft-com:vml" xmlns:pvml="urn:schemas-microsoft-com:office:powerpoint" xmlns:com="http://schemas.openxmlformats.org/drawingml/2006/compatibility" xmlns:p14="http://schemas.microsoft.com/office/powerpoint/2010/main" showMasterPhAnim="0" showMasterSp="0">
+<p:notes xmlns:a="http://schemas.openxmlformats.org/drawingml/2006/main" xmlns:r="http://schemas.openxmlformats.org/officeDocument/2006/relationships" xmlns:p="http://schemas.openxmlformats.org/presentationml/2006/main" showMasterSp="0" showMasterPhAnim="0">
   <p:cSld>
     <p:spTree>
       <p:nvGrpSpPr>
-        <p:cNvPr id="125" name="Shape 125"/>
+        <p:cNvPr id="1" name="Shape 125"/>
         <p:cNvGrpSpPr/>
         <p:nvPr/>
       </p:nvGrpSpPr>
@@ -668,9 +803,11 @@
       <p:sp>
         <p:nvSpPr>
           <p:cNvPr id="126" name="Shape 126"/>
-          <p:cNvSpPr/>
+          <p:cNvSpPr>
+            <a:spLocks noGrp="1" noRot="1" noChangeAspect="1"/>
+          </p:cNvSpPr>
           <p:nvPr>
-            <p:ph idx="2" type="sldImg"/>
+            <p:ph type="sldImg" idx="2"/>
           </p:nvPr>
         </p:nvSpPr>
         <p:spPr>
@@ -679,8 +816,13 @@
             <a:ext cx="4572299" cy="3429000"/>
           </a:xfrm>
           <a:custGeom>
+            <a:avLst/>
+            <a:gdLst/>
+            <a:ahLst/>
+            <a:cxnLst/>
+            <a:rect l="0" t="0" r="0" b="0"/>
             <a:pathLst>
-              <a:path extrusionOk="0" h="120000" w="120000">
+              <a:path w="120000" h="120000" extrusionOk="0">
                 <a:moveTo>
                   <a:pt x="0" y="0"/>
                 </a:moveTo>
@@ -702,9 +844,11 @@
       <p:sp>
         <p:nvSpPr>
           <p:cNvPr id="127" name="Shape 127"/>
-          <p:cNvSpPr txBox="1"/>
+          <p:cNvSpPr txBox="1">
+            <a:spLocks noGrp="1"/>
+          </p:cNvSpPr>
           <p:nvPr>
-            <p:ph idx="1" type="body"/>
+            <p:ph type="body" idx="1"/>
           </p:nvPr>
         </p:nvSpPr>
         <p:spPr>
@@ -717,7 +861,7 @@
           </a:prstGeom>
         </p:spPr>
         <p:txBody>
-          <a:bodyPr anchorCtr="0" anchor="t" bIns="91425" lIns="91425" rIns="91425" tIns="91425">
+          <a:bodyPr lIns="91425" tIns="91425" rIns="91425" bIns="91425" anchor="t" anchorCtr="0">
             <a:noAutofit/>
           </a:bodyPr>
           <a:lstStyle/>
@@ -728,14 +872,16 @@
               </a:spcBef>
               <a:buNone/>
             </a:pPr>
-            <a:r>
-              <a:t/>
-            </a:r>
             <a:endParaRPr/>
           </a:p>
         </p:txBody>
       </p:sp>
     </p:spTree>
+    <p:extLst>
+      <p:ext uri="{BB962C8B-B14F-4D97-AF65-F5344CB8AC3E}">
+        <p14:creationId xmlns:p14="http://schemas.microsoft.com/office/powerpoint/2010/main" val="1883221209"/>
+      </p:ext>
+    </p:extLst>
   </p:cSld>
   <p:clrMapOvr>
     <a:masterClrMapping/>
@@ -744,11 +890,11 @@
 </file>
 
 <file path=ppt/notesSlides/notesSlide12.xml><?xml version="1.0" encoding="utf-8"?>
-<p:notes xmlns:a="http://schemas.openxmlformats.org/drawingml/2006/main" xmlns:r="http://schemas.openxmlformats.org/officeDocument/2006/relationships" xmlns:mc="http://schemas.openxmlformats.org/markup-compatibility/2006" xmlns:mv="urn:schemas-microsoft-com:mac:vml" xmlns:p="http://schemas.openxmlformats.org/presentationml/2006/main" xmlns:c="http://schemas.openxmlformats.org/drawingml/2006/chart" xmlns:dgm="http://schemas.openxmlformats.org/drawingml/2006/diagram" xmlns:o="urn:schemas-microsoft-com:office:office" xmlns:v="urn:schemas-microsoft-com:vml" xmlns:pvml="urn:schemas-microsoft-com:office:powerpoint" xmlns:com="http://schemas.openxmlformats.org/drawingml/2006/compatibility" xmlns:p14="http://schemas.microsoft.com/office/powerpoint/2010/main" showMasterPhAnim="0" showMasterSp="0">
+<p:notes xmlns:a="http://schemas.openxmlformats.org/drawingml/2006/main" xmlns:r="http://schemas.openxmlformats.org/officeDocument/2006/relationships" xmlns:p="http://schemas.openxmlformats.org/presentationml/2006/main" showMasterSp="0" showMasterPhAnim="0">
   <p:cSld>
     <p:spTree>
       <p:nvGrpSpPr>
-        <p:cNvPr id="131" name="Shape 131"/>
+        <p:cNvPr id="1" name="Shape 131"/>
         <p:cNvGrpSpPr/>
         <p:nvPr/>
       </p:nvGrpSpPr>
@@ -763,9 +909,11 @@
       <p:sp>
         <p:nvSpPr>
           <p:cNvPr id="132" name="Shape 132"/>
-          <p:cNvSpPr/>
+          <p:cNvSpPr>
+            <a:spLocks noGrp="1" noRot="1" noChangeAspect="1"/>
+          </p:cNvSpPr>
           <p:nvPr>
-            <p:ph idx="2" type="sldImg"/>
+            <p:ph type="sldImg" idx="2"/>
           </p:nvPr>
         </p:nvSpPr>
         <p:spPr>
@@ -774,8 +922,13 @@
             <a:ext cx="4572299" cy="3429000"/>
           </a:xfrm>
           <a:custGeom>
+            <a:avLst/>
+            <a:gdLst/>
+            <a:ahLst/>
+            <a:cxnLst/>
+            <a:rect l="0" t="0" r="0" b="0"/>
             <a:pathLst>
-              <a:path extrusionOk="0" h="120000" w="120000">
+              <a:path w="120000" h="120000" extrusionOk="0">
                 <a:moveTo>
                   <a:pt x="0" y="0"/>
                 </a:moveTo>
@@ -797,9 +950,11 @@
       <p:sp>
         <p:nvSpPr>
           <p:cNvPr id="133" name="Shape 133"/>
-          <p:cNvSpPr txBox="1"/>
+          <p:cNvSpPr txBox="1">
+            <a:spLocks noGrp="1"/>
+          </p:cNvSpPr>
           <p:nvPr>
-            <p:ph idx="1" type="body"/>
+            <p:ph type="body" idx="1"/>
           </p:nvPr>
         </p:nvSpPr>
         <p:spPr>
@@ -812,7 +967,7 @@
           </a:prstGeom>
         </p:spPr>
         <p:txBody>
-          <a:bodyPr anchorCtr="0" anchor="t" bIns="91425" lIns="91425" rIns="91425" tIns="91425">
+          <a:bodyPr lIns="91425" tIns="91425" rIns="91425" bIns="91425" anchor="t" anchorCtr="0">
             <a:noAutofit/>
           </a:bodyPr>
           <a:lstStyle/>
@@ -823,14 +978,16 @@
               </a:spcBef>
               <a:buNone/>
             </a:pPr>
-            <a:r>
-              <a:t/>
-            </a:r>
             <a:endParaRPr/>
           </a:p>
         </p:txBody>
       </p:sp>
     </p:spTree>
+    <p:extLst>
+      <p:ext uri="{BB962C8B-B14F-4D97-AF65-F5344CB8AC3E}">
+        <p14:creationId xmlns:p14="http://schemas.microsoft.com/office/powerpoint/2010/main" val="1684870177"/>
+      </p:ext>
+    </p:extLst>
   </p:cSld>
   <p:clrMapOvr>
     <a:masterClrMapping/>
@@ -839,11 +996,11 @@
 </file>
 
 <file path=ppt/notesSlides/notesSlide13.xml><?xml version="1.0" encoding="utf-8"?>
-<p:notes xmlns:a="http://schemas.openxmlformats.org/drawingml/2006/main" xmlns:r="http://schemas.openxmlformats.org/officeDocument/2006/relationships" xmlns:mc="http://schemas.openxmlformats.org/markup-compatibility/2006" xmlns:mv="urn:schemas-microsoft-com:mac:vml" xmlns:p="http://schemas.openxmlformats.org/presentationml/2006/main" xmlns:c="http://schemas.openxmlformats.org/drawingml/2006/chart" xmlns:dgm="http://schemas.openxmlformats.org/drawingml/2006/diagram" xmlns:o="urn:schemas-microsoft-com:office:office" xmlns:v="urn:schemas-microsoft-com:vml" xmlns:pvml="urn:schemas-microsoft-com:office:powerpoint" xmlns:com="http://schemas.openxmlformats.org/drawingml/2006/compatibility" xmlns:p14="http://schemas.microsoft.com/office/powerpoint/2010/main" showMasterPhAnim="0" showMasterSp="0">
+<p:notes xmlns:a="http://schemas.openxmlformats.org/drawingml/2006/main" xmlns:r="http://schemas.openxmlformats.org/officeDocument/2006/relationships" xmlns:p="http://schemas.openxmlformats.org/presentationml/2006/main" showMasterSp="0" showMasterPhAnim="0">
   <p:cSld>
     <p:spTree>
       <p:nvGrpSpPr>
-        <p:cNvPr id="137" name="Shape 137"/>
+        <p:cNvPr id="1" name="Shape 137"/>
         <p:cNvGrpSpPr/>
         <p:nvPr/>
       </p:nvGrpSpPr>
@@ -858,9 +1015,11 @@
       <p:sp>
         <p:nvSpPr>
           <p:cNvPr id="138" name="Shape 138"/>
-          <p:cNvSpPr/>
+          <p:cNvSpPr>
+            <a:spLocks noGrp="1" noRot="1" noChangeAspect="1"/>
+          </p:cNvSpPr>
           <p:nvPr>
-            <p:ph idx="2" type="sldImg"/>
+            <p:ph type="sldImg" idx="2"/>
           </p:nvPr>
         </p:nvSpPr>
         <p:spPr>
@@ -869,8 +1028,13 @@
             <a:ext cx="4572299" cy="3429000"/>
           </a:xfrm>
           <a:custGeom>
+            <a:avLst/>
+            <a:gdLst/>
+            <a:ahLst/>
+            <a:cxnLst/>
+            <a:rect l="0" t="0" r="0" b="0"/>
             <a:pathLst>
-              <a:path extrusionOk="0" h="120000" w="120000">
+              <a:path w="120000" h="120000" extrusionOk="0">
                 <a:moveTo>
                   <a:pt x="0" y="0"/>
                 </a:moveTo>
@@ -892,9 +1056,11 @@
       <p:sp>
         <p:nvSpPr>
           <p:cNvPr id="139" name="Shape 139"/>
-          <p:cNvSpPr txBox="1"/>
+          <p:cNvSpPr txBox="1">
+            <a:spLocks noGrp="1"/>
+          </p:cNvSpPr>
           <p:nvPr>
-            <p:ph idx="1" type="body"/>
+            <p:ph type="body" idx="1"/>
           </p:nvPr>
         </p:nvSpPr>
         <p:spPr>
@@ -907,7 +1073,7 @@
           </a:prstGeom>
         </p:spPr>
         <p:txBody>
-          <a:bodyPr anchorCtr="0" anchor="t" bIns="91425" lIns="91425" rIns="91425" tIns="91425">
+          <a:bodyPr lIns="91425" tIns="91425" rIns="91425" bIns="91425" anchor="t" anchorCtr="0">
             <a:noAutofit/>
           </a:bodyPr>
           <a:lstStyle/>
@@ -918,14 +1084,16 @@
               </a:spcBef>
               <a:buNone/>
             </a:pPr>
-            <a:r>
-              <a:t/>
-            </a:r>
             <a:endParaRPr/>
           </a:p>
         </p:txBody>
       </p:sp>
     </p:spTree>
+    <p:extLst>
+      <p:ext uri="{BB962C8B-B14F-4D97-AF65-F5344CB8AC3E}">
+        <p14:creationId xmlns:p14="http://schemas.microsoft.com/office/powerpoint/2010/main" val="893695497"/>
+      </p:ext>
+    </p:extLst>
   </p:cSld>
   <p:clrMapOvr>
     <a:masterClrMapping/>
@@ -934,11 +1102,11 @@
 </file>
 
 <file path=ppt/notesSlides/notesSlide14.xml><?xml version="1.0" encoding="utf-8"?>
-<p:notes xmlns:a="http://schemas.openxmlformats.org/drawingml/2006/main" xmlns:r="http://schemas.openxmlformats.org/officeDocument/2006/relationships" xmlns:mc="http://schemas.openxmlformats.org/markup-compatibility/2006" xmlns:mv="urn:schemas-microsoft-com:mac:vml" xmlns:p="http://schemas.openxmlformats.org/presentationml/2006/main" xmlns:c="http://schemas.openxmlformats.org/drawingml/2006/chart" xmlns:dgm="http://schemas.openxmlformats.org/drawingml/2006/diagram" xmlns:o="urn:schemas-microsoft-com:office:office" xmlns:v="urn:schemas-microsoft-com:vml" xmlns:pvml="urn:schemas-microsoft-com:office:powerpoint" xmlns:com="http://schemas.openxmlformats.org/drawingml/2006/compatibility" xmlns:p14="http://schemas.microsoft.com/office/powerpoint/2010/main" showMasterPhAnim="0" showMasterSp="0">
+<p:notes xmlns:a="http://schemas.openxmlformats.org/drawingml/2006/main" xmlns:r="http://schemas.openxmlformats.org/officeDocument/2006/relationships" xmlns:p="http://schemas.openxmlformats.org/presentationml/2006/main" showMasterSp="0" showMasterPhAnim="0">
   <p:cSld>
     <p:spTree>
       <p:nvGrpSpPr>
-        <p:cNvPr id="147" name="Shape 147"/>
+        <p:cNvPr id="1" name="Shape 147"/>
         <p:cNvGrpSpPr/>
         <p:nvPr/>
       </p:nvGrpSpPr>
@@ -953,9 +1121,11 @@
       <p:sp>
         <p:nvSpPr>
           <p:cNvPr id="148" name="Shape 148"/>
-          <p:cNvSpPr/>
+          <p:cNvSpPr>
+            <a:spLocks noGrp="1" noRot="1" noChangeAspect="1"/>
+          </p:cNvSpPr>
           <p:nvPr>
-            <p:ph idx="2" type="sldImg"/>
+            <p:ph type="sldImg" idx="2"/>
           </p:nvPr>
         </p:nvSpPr>
         <p:spPr>
@@ -964,8 +1134,13 @@
             <a:ext cx="4572299" cy="3429000"/>
           </a:xfrm>
           <a:custGeom>
+            <a:avLst/>
+            <a:gdLst/>
+            <a:ahLst/>
+            <a:cxnLst/>
+            <a:rect l="0" t="0" r="0" b="0"/>
             <a:pathLst>
-              <a:path extrusionOk="0" h="120000" w="120000">
+              <a:path w="120000" h="120000" extrusionOk="0">
                 <a:moveTo>
                   <a:pt x="0" y="0"/>
                 </a:moveTo>
@@ -987,9 +1162,11 @@
       <p:sp>
         <p:nvSpPr>
           <p:cNvPr id="149" name="Shape 149"/>
-          <p:cNvSpPr txBox="1"/>
+          <p:cNvSpPr txBox="1">
+            <a:spLocks noGrp="1"/>
+          </p:cNvSpPr>
           <p:nvPr>
-            <p:ph idx="1" type="body"/>
+            <p:ph type="body" idx="1"/>
           </p:nvPr>
         </p:nvSpPr>
         <p:spPr>
@@ -1002,7 +1179,7 @@
           </a:prstGeom>
         </p:spPr>
         <p:txBody>
-          <a:bodyPr anchorCtr="0" anchor="t" bIns="91425" lIns="91425" rIns="91425" tIns="91425">
+          <a:bodyPr lIns="91425" tIns="91425" rIns="91425" bIns="91425" anchor="t" anchorCtr="0">
             <a:noAutofit/>
           </a:bodyPr>
           <a:lstStyle/>
@@ -1013,14 +1190,16 @@
               </a:spcBef>
               <a:buNone/>
             </a:pPr>
-            <a:r>
-              <a:t/>
-            </a:r>
             <a:endParaRPr/>
           </a:p>
         </p:txBody>
       </p:sp>
     </p:spTree>
+    <p:extLst>
+      <p:ext uri="{BB962C8B-B14F-4D97-AF65-F5344CB8AC3E}">
+        <p14:creationId xmlns:p14="http://schemas.microsoft.com/office/powerpoint/2010/main" val="839590961"/>
+      </p:ext>
+    </p:extLst>
   </p:cSld>
   <p:clrMapOvr>
     <a:masterClrMapping/>
@@ -1029,11 +1208,11 @@
 </file>
 
 <file path=ppt/notesSlides/notesSlide15.xml><?xml version="1.0" encoding="utf-8"?>
-<p:notes xmlns:a="http://schemas.openxmlformats.org/drawingml/2006/main" xmlns:r="http://schemas.openxmlformats.org/officeDocument/2006/relationships" xmlns:mc="http://schemas.openxmlformats.org/markup-compatibility/2006" xmlns:mv="urn:schemas-microsoft-com:mac:vml" xmlns:p="http://schemas.openxmlformats.org/presentationml/2006/main" xmlns:c="http://schemas.openxmlformats.org/drawingml/2006/chart" xmlns:dgm="http://schemas.openxmlformats.org/drawingml/2006/diagram" xmlns:o="urn:schemas-microsoft-com:office:office" xmlns:v="urn:schemas-microsoft-com:vml" xmlns:pvml="urn:schemas-microsoft-com:office:powerpoint" xmlns:com="http://schemas.openxmlformats.org/drawingml/2006/compatibility" xmlns:p14="http://schemas.microsoft.com/office/powerpoint/2010/main" showMasterPhAnim="0" showMasterSp="0">
+<p:notes xmlns:a="http://schemas.openxmlformats.org/drawingml/2006/main" xmlns:r="http://schemas.openxmlformats.org/officeDocument/2006/relationships" xmlns:p="http://schemas.openxmlformats.org/presentationml/2006/main" showMasterSp="0" showMasterPhAnim="0">
   <p:cSld>
     <p:spTree>
       <p:nvGrpSpPr>
-        <p:cNvPr id="157" name="Shape 157"/>
+        <p:cNvPr id="1" name="Shape 157"/>
         <p:cNvGrpSpPr/>
         <p:nvPr/>
       </p:nvGrpSpPr>
@@ -1048,9 +1227,11 @@
       <p:sp>
         <p:nvSpPr>
           <p:cNvPr id="158" name="Shape 158"/>
-          <p:cNvSpPr/>
+          <p:cNvSpPr>
+            <a:spLocks noGrp="1" noRot="1" noChangeAspect="1"/>
+          </p:cNvSpPr>
           <p:nvPr>
-            <p:ph idx="2" type="sldImg"/>
+            <p:ph type="sldImg" idx="2"/>
           </p:nvPr>
         </p:nvSpPr>
         <p:spPr>
@@ -1059,8 +1240,13 @@
             <a:ext cx="4572299" cy="3429000"/>
           </a:xfrm>
           <a:custGeom>
+            <a:avLst/>
+            <a:gdLst/>
+            <a:ahLst/>
+            <a:cxnLst/>
+            <a:rect l="0" t="0" r="0" b="0"/>
             <a:pathLst>
-              <a:path extrusionOk="0" h="120000" w="120000">
+              <a:path w="120000" h="120000" extrusionOk="0">
                 <a:moveTo>
                   <a:pt x="0" y="0"/>
                 </a:moveTo>
@@ -1082,9 +1268,11 @@
       <p:sp>
         <p:nvSpPr>
           <p:cNvPr id="159" name="Shape 159"/>
-          <p:cNvSpPr txBox="1"/>
+          <p:cNvSpPr txBox="1">
+            <a:spLocks noGrp="1"/>
+          </p:cNvSpPr>
           <p:nvPr>
-            <p:ph idx="1" type="body"/>
+            <p:ph type="body" idx="1"/>
           </p:nvPr>
         </p:nvSpPr>
         <p:spPr>
@@ -1097,7 +1285,7 @@
           </a:prstGeom>
         </p:spPr>
         <p:txBody>
-          <a:bodyPr anchorCtr="0" anchor="t" bIns="91425" lIns="91425" rIns="91425" tIns="91425">
+          <a:bodyPr lIns="91425" tIns="91425" rIns="91425" bIns="91425" anchor="t" anchorCtr="0">
             <a:noAutofit/>
           </a:bodyPr>
           <a:lstStyle/>
@@ -1108,14 +1296,16 @@
               </a:spcBef>
               <a:buNone/>
             </a:pPr>
-            <a:r>
-              <a:t/>
-            </a:r>
             <a:endParaRPr/>
           </a:p>
         </p:txBody>
       </p:sp>
     </p:spTree>
+    <p:extLst>
+      <p:ext uri="{BB962C8B-B14F-4D97-AF65-F5344CB8AC3E}">
+        <p14:creationId xmlns:p14="http://schemas.microsoft.com/office/powerpoint/2010/main" val="2037720737"/>
+      </p:ext>
+    </p:extLst>
   </p:cSld>
   <p:clrMapOvr>
     <a:masterClrMapping/>
@@ -1124,11 +1314,11 @@
 </file>
 
 <file path=ppt/notesSlides/notesSlide16.xml><?xml version="1.0" encoding="utf-8"?>
-<p:notes xmlns:a="http://schemas.openxmlformats.org/drawingml/2006/main" xmlns:r="http://schemas.openxmlformats.org/officeDocument/2006/relationships" xmlns:mc="http://schemas.openxmlformats.org/markup-compatibility/2006" xmlns:mv="urn:schemas-microsoft-com:mac:vml" xmlns:p="http://schemas.openxmlformats.org/presentationml/2006/main" xmlns:c="http://schemas.openxmlformats.org/drawingml/2006/chart" xmlns:dgm="http://schemas.openxmlformats.org/drawingml/2006/diagram" xmlns:o="urn:schemas-microsoft-com:office:office" xmlns:v="urn:schemas-microsoft-com:vml" xmlns:pvml="urn:schemas-microsoft-com:office:powerpoint" xmlns:com="http://schemas.openxmlformats.org/drawingml/2006/compatibility" xmlns:p14="http://schemas.microsoft.com/office/powerpoint/2010/main" showMasterPhAnim="0" showMasterSp="0">
+<p:notes xmlns:a="http://schemas.openxmlformats.org/drawingml/2006/main" xmlns:r="http://schemas.openxmlformats.org/officeDocument/2006/relationships" xmlns:p="http://schemas.openxmlformats.org/presentationml/2006/main" showMasterSp="0" showMasterPhAnim="0">
   <p:cSld>
     <p:spTree>
       <p:nvGrpSpPr>
-        <p:cNvPr id="163" name="Shape 163"/>
+        <p:cNvPr id="1" name="Shape 163"/>
         <p:cNvGrpSpPr/>
         <p:nvPr/>
       </p:nvGrpSpPr>
@@ -1143,9 +1333,11 @@
       <p:sp>
         <p:nvSpPr>
           <p:cNvPr id="164" name="Shape 164"/>
-          <p:cNvSpPr/>
+          <p:cNvSpPr>
+            <a:spLocks noGrp="1" noRot="1" noChangeAspect="1"/>
+          </p:cNvSpPr>
           <p:nvPr>
-            <p:ph idx="2" type="sldImg"/>
+            <p:ph type="sldImg" idx="2"/>
           </p:nvPr>
         </p:nvSpPr>
         <p:spPr>
@@ -1154,8 +1346,13 @@
             <a:ext cx="4572299" cy="3429000"/>
           </a:xfrm>
           <a:custGeom>
+            <a:avLst/>
+            <a:gdLst/>
+            <a:ahLst/>
+            <a:cxnLst/>
+            <a:rect l="0" t="0" r="0" b="0"/>
             <a:pathLst>
-              <a:path extrusionOk="0" h="120000" w="120000">
+              <a:path w="120000" h="120000" extrusionOk="0">
                 <a:moveTo>
                   <a:pt x="0" y="0"/>
                 </a:moveTo>
@@ -1177,9 +1374,11 @@
       <p:sp>
         <p:nvSpPr>
           <p:cNvPr id="165" name="Shape 165"/>
-          <p:cNvSpPr txBox="1"/>
+          <p:cNvSpPr txBox="1">
+            <a:spLocks noGrp="1"/>
+          </p:cNvSpPr>
           <p:nvPr>
-            <p:ph idx="1" type="body"/>
+            <p:ph type="body" idx="1"/>
           </p:nvPr>
         </p:nvSpPr>
         <p:spPr>
@@ -1192,7 +1391,7 @@
           </a:prstGeom>
         </p:spPr>
         <p:txBody>
-          <a:bodyPr anchorCtr="0" anchor="t" bIns="91425" lIns="91425" rIns="91425" tIns="91425">
+          <a:bodyPr lIns="91425" tIns="91425" rIns="91425" bIns="91425" anchor="t" anchorCtr="0">
             <a:noAutofit/>
           </a:bodyPr>
           <a:lstStyle/>
@@ -1203,14 +1402,16 @@
               </a:spcBef>
               <a:buNone/>
             </a:pPr>
-            <a:r>
-              <a:t/>
-            </a:r>
             <a:endParaRPr/>
           </a:p>
         </p:txBody>
       </p:sp>
     </p:spTree>
+    <p:extLst>
+      <p:ext uri="{BB962C8B-B14F-4D97-AF65-F5344CB8AC3E}">
+        <p14:creationId xmlns:p14="http://schemas.microsoft.com/office/powerpoint/2010/main" val="2050708050"/>
+      </p:ext>
+    </p:extLst>
   </p:cSld>
   <p:clrMapOvr>
     <a:masterClrMapping/>
@@ -1219,11 +1420,11 @@
 </file>
 
 <file path=ppt/notesSlides/notesSlide17.xml><?xml version="1.0" encoding="utf-8"?>
-<p:notes xmlns:a="http://schemas.openxmlformats.org/drawingml/2006/main" xmlns:r="http://schemas.openxmlformats.org/officeDocument/2006/relationships" xmlns:mc="http://schemas.openxmlformats.org/markup-compatibility/2006" xmlns:mv="urn:schemas-microsoft-com:mac:vml" xmlns:p="http://schemas.openxmlformats.org/presentationml/2006/main" xmlns:c="http://schemas.openxmlformats.org/drawingml/2006/chart" xmlns:dgm="http://schemas.openxmlformats.org/drawingml/2006/diagram" xmlns:o="urn:schemas-microsoft-com:office:office" xmlns:v="urn:schemas-microsoft-com:vml" xmlns:pvml="urn:schemas-microsoft-com:office:powerpoint" xmlns:com="http://schemas.openxmlformats.org/drawingml/2006/compatibility" xmlns:p14="http://schemas.microsoft.com/office/powerpoint/2010/main" showMasterPhAnim="0" showMasterSp="0">
+<p:notes xmlns:a="http://schemas.openxmlformats.org/drawingml/2006/main" xmlns:r="http://schemas.openxmlformats.org/officeDocument/2006/relationships" xmlns:p="http://schemas.openxmlformats.org/presentationml/2006/main" showMasterSp="0" showMasterPhAnim="0">
   <p:cSld>
     <p:spTree>
       <p:nvGrpSpPr>
-        <p:cNvPr id="169" name="Shape 169"/>
+        <p:cNvPr id="1" name="Shape 169"/>
         <p:cNvGrpSpPr/>
         <p:nvPr/>
       </p:nvGrpSpPr>
@@ -1238,9 +1439,11 @@
       <p:sp>
         <p:nvSpPr>
           <p:cNvPr id="170" name="Shape 170"/>
-          <p:cNvSpPr/>
+          <p:cNvSpPr>
+            <a:spLocks noGrp="1" noRot="1" noChangeAspect="1"/>
+          </p:cNvSpPr>
           <p:nvPr>
-            <p:ph idx="2" type="sldImg"/>
+            <p:ph type="sldImg" idx="2"/>
           </p:nvPr>
         </p:nvSpPr>
         <p:spPr>
@@ -1249,8 +1452,13 @@
             <a:ext cx="4572299" cy="3429000"/>
           </a:xfrm>
           <a:custGeom>
+            <a:avLst/>
+            <a:gdLst/>
+            <a:ahLst/>
+            <a:cxnLst/>
+            <a:rect l="0" t="0" r="0" b="0"/>
             <a:pathLst>
-              <a:path extrusionOk="0" h="120000" w="120000">
+              <a:path w="120000" h="120000" extrusionOk="0">
                 <a:moveTo>
                   <a:pt x="0" y="0"/>
                 </a:moveTo>
@@ -1272,9 +1480,11 @@
       <p:sp>
         <p:nvSpPr>
           <p:cNvPr id="171" name="Shape 171"/>
-          <p:cNvSpPr txBox="1"/>
+          <p:cNvSpPr txBox="1">
+            <a:spLocks noGrp="1"/>
+          </p:cNvSpPr>
           <p:nvPr>
-            <p:ph idx="1" type="body"/>
+            <p:ph type="body" idx="1"/>
           </p:nvPr>
         </p:nvSpPr>
         <p:spPr>
@@ -1287,7 +1497,7 @@
           </a:prstGeom>
         </p:spPr>
         <p:txBody>
-          <a:bodyPr anchorCtr="0" anchor="t" bIns="91425" lIns="91425" rIns="91425" tIns="91425">
+          <a:bodyPr lIns="91425" tIns="91425" rIns="91425" bIns="91425" anchor="t" anchorCtr="0">
             <a:noAutofit/>
           </a:bodyPr>
           <a:lstStyle/>
@@ -1298,14 +1508,16 @@
               </a:spcBef>
               <a:buNone/>
             </a:pPr>
-            <a:r>
-              <a:t/>
-            </a:r>
             <a:endParaRPr/>
           </a:p>
         </p:txBody>
       </p:sp>
     </p:spTree>
+    <p:extLst>
+      <p:ext uri="{BB962C8B-B14F-4D97-AF65-F5344CB8AC3E}">
+        <p14:creationId xmlns:p14="http://schemas.microsoft.com/office/powerpoint/2010/main" val="1285145647"/>
+      </p:ext>
+    </p:extLst>
   </p:cSld>
   <p:clrMapOvr>
     <a:masterClrMapping/>
@@ -1314,11 +1526,11 @@
 </file>
 
 <file path=ppt/notesSlides/notesSlide18.xml><?xml version="1.0" encoding="utf-8"?>
-<p:notes xmlns:a="http://schemas.openxmlformats.org/drawingml/2006/main" xmlns:r="http://schemas.openxmlformats.org/officeDocument/2006/relationships" xmlns:mc="http://schemas.openxmlformats.org/markup-compatibility/2006" xmlns:mv="urn:schemas-microsoft-com:mac:vml" xmlns:p="http://schemas.openxmlformats.org/presentationml/2006/main" xmlns:c="http://schemas.openxmlformats.org/drawingml/2006/chart" xmlns:dgm="http://schemas.openxmlformats.org/drawingml/2006/diagram" xmlns:o="urn:schemas-microsoft-com:office:office" xmlns:v="urn:schemas-microsoft-com:vml" xmlns:pvml="urn:schemas-microsoft-com:office:powerpoint" xmlns:com="http://schemas.openxmlformats.org/drawingml/2006/compatibility" xmlns:p14="http://schemas.microsoft.com/office/powerpoint/2010/main" showMasterPhAnim="0" showMasterSp="0">
+<p:notes xmlns:a="http://schemas.openxmlformats.org/drawingml/2006/main" xmlns:r="http://schemas.openxmlformats.org/officeDocument/2006/relationships" xmlns:p="http://schemas.openxmlformats.org/presentationml/2006/main" showMasterSp="0" showMasterPhAnim="0">
   <p:cSld>
     <p:spTree>
       <p:nvGrpSpPr>
-        <p:cNvPr id="175" name="Shape 175"/>
+        <p:cNvPr id="1" name="Shape 175"/>
         <p:cNvGrpSpPr/>
         <p:nvPr/>
       </p:nvGrpSpPr>
@@ -1333,9 +1545,11 @@
       <p:sp>
         <p:nvSpPr>
           <p:cNvPr id="176" name="Shape 176"/>
-          <p:cNvSpPr/>
+          <p:cNvSpPr>
+            <a:spLocks noGrp="1" noRot="1" noChangeAspect="1"/>
+          </p:cNvSpPr>
           <p:nvPr>
-            <p:ph idx="2" type="sldImg"/>
+            <p:ph type="sldImg" idx="2"/>
           </p:nvPr>
         </p:nvSpPr>
         <p:spPr>
@@ -1344,8 +1558,13 @@
             <a:ext cx="4572299" cy="3429000"/>
           </a:xfrm>
           <a:custGeom>
+            <a:avLst/>
+            <a:gdLst/>
+            <a:ahLst/>
+            <a:cxnLst/>
+            <a:rect l="0" t="0" r="0" b="0"/>
             <a:pathLst>
-              <a:path extrusionOk="0" h="120000" w="120000">
+              <a:path w="120000" h="120000" extrusionOk="0">
                 <a:moveTo>
                   <a:pt x="0" y="0"/>
                 </a:moveTo>
@@ -1367,9 +1586,11 @@
       <p:sp>
         <p:nvSpPr>
           <p:cNvPr id="177" name="Shape 177"/>
-          <p:cNvSpPr txBox="1"/>
+          <p:cNvSpPr txBox="1">
+            <a:spLocks noGrp="1"/>
+          </p:cNvSpPr>
           <p:nvPr>
-            <p:ph idx="1" type="body"/>
+            <p:ph type="body" idx="1"/>
           </p:nvPr>
         </p:nvSpPr>
         <p:spPr>
@@ -1382,7 +1603,7 @@
           </a:prstGeom>
         </p:spPr>
         <p:txBody>
-          <a:bodyPr anchorCtr="0" anchor="t" bIns="91425" lIns="91425" rIns="91425" tIns="91425">
+          <a:bodyPr lIns="91425" tIns="91425" rIns="91425" bIns="91425" anchor="t" anchorCtr="0">
             <a:noAutofit/>
           </a:bodyPr>
           <a:lstStyle/>
@@ -1393,14 +1614,16 @@
               </a:spcBef>
               <a:buNone/>
             </a:pPr>
-            <a:r>
-              <a:t/>
-            </a:r>
             <a:endParaRPr/>
           </a:p>
         </p:txBody>
       </p:sp>
     </p:spTree>
+    <p:extLst>
+      <p:ext uri="{BB962C8B-B14F-4D97-AF65-F5344CB8AC3E}">
+        <p14:creationId xmlns:p14="http://schemas.microsoft.com/office/powerpoint/2010/main" val="52367603"/>
+      </p:ext>
+    </p:extLst>
   </p:cSld>
   <p:clrMapOvr>
     <a:masterClrMapping/>
@@ -1409,11 +1632,11 @@
 </file>
 
 <file path=ppt/notesSlides/notesSlide19.xml><?xml version="1.0" encoding="utf-8"?>
-<p:notes xmlns:a="http://schemas.openxmlformats.org/drawingml/2006/main" xmlns:r="http://schemas.openxmlformats.org/officeDocument/2006/relationships" xmlns:mc="http://schemas.openxmlformats.org/markup-compatibility/2006" xmlns:mv="urn:schemas-microsoft-com:mac:vml" xmlns:p="http://schemas.openxmlformats.org/presentationml/2006/main" xmlns:c="http://schemas.openxmlformats.org/drawingml/2006/chart" xmlns:dgm="http://schemas.openxmlformats.org/drawingml/2006/diagram" xmlns:o="urn:schemas-microsoft-com:office:office" xmlns:v="urn:schemas-microsoft-com:vml" xmlns:pvml="urn:schemas-microsoft-com:office:powerpoint" xmlns:com="http://schemas.openxmlformats.org/drawingml/2006/compatibility" xmlns:p14="http://schemas.microsoft.com/office/powerpoint/2010/main" showMasterPhAnim="0" showMasterSp="0">
+<p:notes xmlns:a="http://schemas.openxmlformats.org/drawingml/2006/main" xmlns:r="http://schemas.openxmlformats.org/officeDocument/2006/relationships" xmlns:p="http://schemas.openxmlformats.org/presentationml/2006/main" showMasterSp="0" showMasterPhAnim="0">
   <p:cSld>
     <p:spTree>
       <p:nvGrpSpPr>
-        <p:cNvPr id="188" name="Shape 188"/>
+        <p:cNvPr id="1" name="Shape 188"/>
         <p:cNvGrpSpPr/>
         <p:nvPr/>
       </p:nvGrpSpPr>
@@ -1428,9 +1651,11 @@
       <p:sp>
         <p:nvSpPr>
           <p:cNvPr id="189" name="Shape 189"/>
-          <p:cNvSpPr/>
+          <p:cNvSpPr>
+            <a:spLocks noGrp="1" noRot="1" noChangeAspect="1"/>
+          </p:cNvSpPr>
           <p:nvPr>
-            <p:ph idx="2" type="sldImg"/>
+            <p:ph type="sldImg" idx="2"/>
           </p:nvPr>
         </p:nvSpPr>
         <p:spPr>
@@ -1439,8 +1664,13 @@
             <a:ext cx="4572299" cy="3429000"/>
           </a:xfrm>
           <a:custGeom>
+            <a:avLst/>
+            <a:gdLst/>
+            <a:ahLst/>
+            <a:cxnLst/>
+            <a:rect l="0" t="0" r="0" b="0"/>
             <a:pathLst>
-              <a:path extrusionOk="0" h="120000" w="120000">
+              <a:path w="120000" h="120000" extrusionOk="0">
                 <a:moveTo>
                   <a:pt x="0" y="0"/>
                 </a:moveTo>
@@ -1462,9 +1692,11 @@
       <p:sp>
         <p:nvSpPr>
           <p:cNvPr id="190" name="Shape 190"/>
-          <p:cNvSpPr txBox="1"/>
+          <p:cNvSpPr txBox="1">
+            <a:spLocks noGrp="1"/>
+          </p:cNvSpPr>
           <p:nvPr>
-            <p:ph idx="1" type="body"/>
+            <p:ph type="body" idx="1"/>
           </p:nvPr>
         </p:nvSpPr>
         <p:spPr>
@@ -1477,7 +1709,7 @@
           </a:prstGeom>
         </p:spPr>
         <p:txBody>
-          <a:bodyPr anchorCtr="0" anchor="t" bIns="91425" lIns="91425" rIns="91425" tIns="91425">
+          <a:bodyPr lIns="91425" tIns="91425" rIns="91425" bIns="91425" anchor="t" anchorCtr="0">
             <a:noAutofit/>
           </a:bodyPr>
           <a:lstStyle/>
@@ -1488,14 +1720,16 @@
               </a:spcBef>
               <a:buNone/>
             </a:pPr>
-            <a:r>
-              <a:t/>
-            </a:r>
             <a:endParaRPr/>
           </a:p>
         </p:txBody>
       </p:sp>
     </p:spTree>
+    <p:extLst>
+      <p:ext uri="{BB962C8B-B14F-4D97-AF65-F5344CB8AC3E}">
+        <p14:creationId xmlns:p14="http://schemas.microsoft.com/office/powerpoint/2010/main" val="1821491998"/>
+      </p:ext>
+    </p:extLst>
   </p:cSld>
   <p:clrMapOvr>
     <a:masterClrMapping/>
@@ -1504,11 +1738,11 @@
 </file>
 
 <file path=ppt/notesSlides/notesSlide2.xml><?xml version="1.0" encoding="utf-8"?>
-<p:notes xmlns:a="http://schemas.openxmlformats.org/drawingml/2006/main" xmlns:r="http://schemas.openxmlformats.org/officeDocument/2006/relationships" xmlns:mc="http://schemas.openxmlformats.org/markup-compatibility/2006" xmlns:mv="urn:schemas-microsoft-com:mac:vml" xmlns:p="http://schemas.openxmlformats.org/presentationml/2006/main" xmlns:c="http://schemas.openxmlformats.org/drawingml/2006/chart" xmlns:dgm="http://schemas.openxmlformats.org/drawingml/2006/diagram" xmlns:o="urn:schemas-microsoft-com:office:office" xmlns:v="urn:schemas-microsoft-com:vml" xmlns:pvml="urn:schemas-microsoft-com:office:powerpoint" xmlns:com="http://schemas.openxmlformats.org/drawingml/2006/compatibility" xmlns:p14="http://schemas.microsoft.com/office/powerpoint/2010/main" showMasterPhAnim="0" showMasterSp="0">
+<p:notes xmlns:a="http://schemas.openxmlformats.org/drawingml/2006/main" xmlns:r="http://schemas.openxmlformats.org/officeDocument/2006/relationships" xmlns:p="http://schemas.openxmlformats.org/presentationml/2006/main" showMasterSp="0" showMasterPhAnim="0">
   <p:cSld>
     <p:spTree>
       <p:nvGrpSpPr>
-        <p:cNvPr id="35" name="Shape 35"/>
+        <p:cNvPr id="1" name="Shape 35"/>
         <p:cNvGrpSpPr/>
         <p:nvPr/>
       </p:nvGrpSpPr>
@@ -1523,19 +1757,26 @@
       <p:sp>
         <p:nvSpPr>
           <p:cNvPr id="36" name="Shape 36"/>
-          <p:cNvSpPr/>
+          <p:cNvSpPr>
+            <a:spLocks noGrp="1" noRot="1" noChangeAspect="1"/>
+          </p:cNvSpPr>
           <p:nvPr>
-            <p:ph idx="2" type="sldImg"/>
+            <p:ph type="sldImg" idx="2"/>
           </p:nvPr>
         </p:nvSpPr>
         <p:spPr>
           <a:xfrm>
-            <a:off x="1143225" y="685800"/>
-            <a:ext cx="4572299" cy="3429000"/>
+            <a:off x="1143000" y="685800"/>
+            <a:ext cx="4572000" cy="3429000"/>
           </a:xfrm>
           <a:custGeom>
+            <a:avLst/>
+            <a:gdLst/>
+            <a:ahLst/>
+            <a:cxnLst/>
+            <a:rect l="0" t="0" r="0" b="0"/>
             <a:pathLst>
-              <a:path extrusionOk="0" h="120000" w="120000">
+              <a:path w="120000" h="120000" extrusionOk="0">
                 <a:moveTo>
                   <a:pt x="0" y="0"/>
                 </a:moveTo>
@@ -1557,9 +1798,11 @@
       <p:sp>
         <p:nvSpPr>
           <p:cNvPr id="37" name="Shape 37"/>
-          <p:cNvSpPr txBox="1"/>
+          <p:cNvSpPr txBox="1">
+            <a:spLocks noGrp="1"/>
+          </p:cNvSpPr>
           <p:nvPr>
-            <p:ph idx="1" type="body"/>
+            <p:ph type="body" idx="1"/>
           </p:nvPr>
         </p:nvSpPr>
         <p:spPr>
@@ -1572,7 +1815,7 @@
           </a:prstGeom>
         </p:spPr>
         <p:txBody>
-          <a:bodyPr anchorCtr="0" anchor="t" bIns="91425" lIns="91425" rIns="91425" tIns="91425">
+          <a:bodyPr lIns="91425" tIns="91425" rIns="91425" bIns="91425" anchor="t" anchorCtr="0">
             <a:noAutofit/>
           </a:bodyPr>
           <a:lstStyle/>
@@ -1583,14 +1826,16 @@
               </a:spcBef>
               <a:buNone/>
             </a:pPr>
-            <a:r>
-              <a:t/>
-            </a:r>
             <a:endParaRPr/>
           </a:p>
         </p:txBody>
       </p:sp>
     </p:spTree>
+    <p:extLst>
+      <p:ext uri="{BB962C8B-B14F-4D97-AF65-F5344CB8AC3E}">
+        <p14:creationId xmlns:p14="http://schemas.microsoft.com/office/powerpoint/2010/main" val="250927896"/>
+      </p:ext>
+    </p:extLst>
   </p:cSld>
   <p:clrMapOvr>
     <a:masterClrMapping/>
@@ -1599,11 +1844,11 @@
 </file>
 
 <file path=ppt/notesSlides/notesSlide20.xml><?xml version="1.0" encoding="utf-8"?>
-<p:notes xmlns:a="http://schemas.openxmlformats.org/drawingml/2006/main" xmlns:r="http://schemas.openxmlformats.org/officeDocument/2006/relationships" xmlns:mc="http://schemas.openxmlformats.org/markup-compatibility/2006" xmlns:mv="urn:schemas-microsoft-com:mac:vml" xmlns:p="http://schemas.openxmlformats.org/presentationml/2006/main" xmlns:c="http://schemas.openxmlformats.org/drawingml/2006/chart" xmlns:dgm="http://schemas.openxmlformats.org/drawingml/2006/diagram" xmlns:o="urn:schemas-microsoft-com:office:office" xmlns:v="urn:schemas-microsoft-com:vml" xmlns:pvml="urn:schemas-microsoft-com:office:powerpoint" xmlns:com="http://schemas.openxmlformats.org/drawingml/2006/compatibility" xmlns:p14="http://schemas.microsoft.com/office/powerpoint/2010/main" showMasterPhAnim="0" showMasterSp="0">
+<p:notes xmlns:a="http://schemas.openxmlformats.org/drawingml/2006/main" xmlns:r="http://schemas.openxmlformats.org/officeDocument/2006/relationships" xmlns:p="http://schemas.openxmlformats.org/presentationml/2006/main" showMasterSp="0" showMasterPhAnim="0">
   <p:cSld>
     <p:spTree>
       <p:nvGrpSpPr>
-        <p:cNvPr id="197" name="Shape 197"/>
+        <p:cNvPr id="1" name="Shape 197"/>
         <p:cNvGrpSpPr/>
         <p:nvPr/>
       </p:nvGrpSpPr>
@@ -1618,9 +1863,11 @@
       <p:sp>
         <p:nvSpPr>
           <p:cNvPr id="198" name="Shape 198"/>
-          <p:cNvSpPr/>
+          <p:cNvSpPr>
+            <a:spLocks noGrp="1" noRot="1" noChangeAspect="1"/>
+          </p:cNvSpPr>
           <p:nvPr>
-            <p:ph idx="2" type="sldImg"/>
+            <p:ph type="sldImg" idx="2"/>
           </p:nvPr>
         </p:nvSpPr>
         <p:spPr>
@@ -1629,8 +1876,13 @@
             <a:ext cx="4572299" cy="3429000"/>
           </a:xfrm>
           <a:custGeom>
+            <a:avLst/>
+            <a:gdLst/>
+            <a:ahLst/>
+            <a:cxnLst/>
+            <a:rect l="0" t="0" r="0" b="0"/>
             <a:pathLst>
-              <a:path extrusionOk="0" h="120000" w="120000">
+              <a:path w="120000" h="120000" extrusionOk="0">
                 <a:moveTo>
                   <a:pt x="0" y="0"/>
                 </a:moveTo>
@@ -1652,9 +1904,11 @@
       <p:sp>
         <p:nvSpPr>
           <p:cNvPr id="199" name="Shape 199"/>
-          <p:cNvSpPr txBox="1"/>
+          <p:cNvSpPr txBox="1">
+            <a:spLocks noGrp="1"/>
+          </p:cNvSpPr>
           <p:nvPr>
-            <p:ph idx="1" type="body"/>
+            <p:ph type="body" idx="1"/>
           </p:nvPr>
         </p:nvSpPr>
         <p:spPr>
@@ -1667,7 +1921,7 @@
           </a:prstGeom>
         </p:spPr>
         <p:txBody>
-          <a:bodyPr anchorCtr="0" anchor="t" bIns="91425" lIns="91425" rIns="91425" tIns="91425">
+          <a:bodyPr lIns="91425" tIns="91425" rIns="91425" bIns="91425" anchor="t" anchorCtr="0">
             <a:noAutofit/>
           </a:bodyPr>
           <a:lstStyle/>
@@ -1678,14 +1932,16 @@
               </a:spcBef>
               <a:buNone/>
             </a:pPr>
-            <a:r>
-              <a:t/>
-            </a:r>
             <a:endParaRPr/>
           </a:p>
         </p:txBody>
       </p:sp>
     </p:spTree>
+    <p:extLst>
+      <p:ext uri="{BB962C8B-B14F-4D97-AF65-F5344CB8AC3E}">
+        <p14:creationId xmlns:p14="http://schemas.microsoft.com/office/powerpoint/2010/main" val="1436622401"/>
+      </p:ext>
+    </p:extLst>
   </p:cSld>
   <p:clrMapOvr>
     <a:masterClrMapping/>
@@ -1694,11 +1950,11 @@
 </file>
 
 <file path=ppt/notesSlides/notesSlide21.xml><?xml version="1.0" encoding="utf-8"?>
-<p:notes xmlns:a="http://schemas.openxmlformats.org/drawingml/2006/main" xmlns:r="http://schemas.openxmlformats.org/officeDocument/2006/relationships" xmlns:mc="http://schemas.openxmlformats.org/markup-compatibility/2006" xmlns:mv="urn:schemas-microsoft-com:mac:vml" xmlns:p="http://schemas.openxmlformats.org/presentationml/2006/main" xmlns:c="http://schemas.openxmlformats.org/drawingml/2006/chart" xmlns:dgm="http://schemas.openxmlformats.org/drawingml/2006/diagram" xmlns:o="urn:schemas-microsoft-com:office:office" xmlns:v="urn:schemas-microsoft-com:vml" xmlns:pvml="urn:schemas-microsoft-com:office:powerpoint" xmlns:com="http://schemas.openxmlformats.org/drawingml/2006/compatibility" xmlns:p14="http://schemas.microsoft.com/office/powerpoint/2010/main" showMasterPhAnim="0" showMasterSp="0">
+<p:notes xmlns:a="http://schemas.openxmlformats.org/drawingml/2006/main" xmlns:r="http://schemas.openxmlformats.org/officeDocument/2006/relationships" xmlns:p="http://schemas.openxmlformats.org/presentationml/2006/main" showMasterSp="0" showMasterPhAnim="0">
   <p:cSld>
     <p:spTree>
       <p:nvGrpSpPr>
-        <p:cNvPr id="209" name="Shape 209"/>
+        <p:cNvPr id="1" name="Shape 209"/>
         <p:cNvGrpSpPr/>
         <p:nvPr/>
       </p:nvGrpSpPr>
@@ -1713,9 +1969,11 @@
       <p:sp>
         <p:nvSpPr>
           <p:cNvPr id="210" name="Shape 210"/>
-          <p:cNvSpPr/>
+          <p:cNvSpPr>
+            <a:spLocks noGrp="1" noRot="1" noChangeAspect="1"/>
+          </p:cNvSpPr>
           <p:nvPr>
-            <p:ph idx="2" type="sldImg"/>
+            <p:ph type="sldImg" idx="2"/>
           </p:nvPr>
         </p:nvSpPr>
         <p:spPr>
@@ -1724,8 +1982,13 @@
             <a:ext cx="4572299" cy="3429000"/>
           </a:xfrm>
           <a:custGeom>
+            <a:avLst/>
+            <a:gdLst/>
+            <a:ahLst/>
+            <a:cxnLst/>
+            <a:rect l="0" t="0" r="0" b="0"/>
             <a:pathLst>
-              <a:path extrusionOk="0" h="120000" w="120000">
+              <a:path w="120000" h="120000" extrusionOk="0">
                 <a:moveTo>
                   <a:pt x="0" y="0"/>
                 </a:moveTo>
@@ -1747,9 +2010,11 @@
       <p:sp>
         <p:nvSpPr>
           <p:cNvPr id="211" name="Shape 211"/>
-          <p:cNvSpPr txBox="1"/>
+          <p:cNvSpPr txBox="1">
+            <a:spLocks noGrp="1"/>
+          </p:cNvSpPr>
           <p:nvPr>
-            <p:ph idx="1" type="body"/>
+            <p:ph type="body" idx="1"/>
           </p:nvPr>
         </p:nvSpPr>
         <p:spPr>
@@ -1762,7 +2027,7 @@
           </a:prstGeom>
         </p:spPr>
         <p:txBody>
-          <a:bodyPr anchorCtr="0" anchor="t" bIns="91425" lIns="91425" rIns="91425" tIns="91425">
+          <a:bodyPr lIns="91425" tIns="91425" rIns="91425" bIns="91425" anchor="t" anchorCtr="0">
             <a:noAutofit/>
           </a:bodyPr>
           <a:lstStyle/>
@@ -1773,14 +2038,16 @@
               </a:spcBef>
               <a:buNone/>
             </a:pPr>
-            <a:r>
-              <a:t/>
-            </a:r>
             <a:endParaRPr/>
           </a:p>
         </p:txBody>
       </p:sp>
     </p:spTree>
+    <p:extLst>
+      <p:ext uri="{BB962C8B-B14F-4D97-AF65-F5344CB8AC3E}">
+        <p14:creationId xmlns:p14="http://schemas.microsoft.com/office/powerpoint/2010/main" val="1154050386"/>
+      </p:ext>
+    </p:extLst>
   </p:cSld>
   <p:clrMapOvr>
     <a:masterClrMapping/>
@@ -1789,11 +2056,11 @@
 </file>
 
 <file path=ppt/notesSlides/notesSlide22.xml><?xml version="1.0" encoding="utf-8"?>
-<p:notes xmlns:a="http://schemas.openxmlformats.org/drawingml/2006/main" xmlns:r="http://schemas.openxmlformats.org/officeDocument/2006/relationships" xmlns:mc="http://schemas.openxmlformats.org/markup-compatibility/2006" xmlns:mv="urn:schemas-microsoft-com:mac:vml" xmlns:p="http://schemas.openxmlformats.org/presentationml/2006/main" xmlns:c="http://schemas.openxmlformats.org/drawingml/2006/chart" xmlns:dgm="http://schemas.openxmlformats.org/drawingml/2006/diagram" xmlns:o="urn:schemas-microsoft-com:office:office" xmlns:v="urn:schemas-microsoft-com:vml" xmlns:pvml="urn:schemas-microsoft-com:office:powerpoint" xmlns:com="http://schemas.openxmlformats.org/drawingml/2006/compatibility" xmlns:p14="http://schemas.microsoft.com/office/powerpoint/2010/main" showMasterPhAnim="0" showMasterSp="0">
+<p:notes xmlns:a="http://schemas.openxmlformats.org/drawingml/2006/main" xmlns:r="http://schemas.openxmlformats.org/officeDocument/2006/relationships" xmlns:p="http://schemas.openxmlformats.org/presentationml/2006/main" showMasterSp="0" showMasterPhAnim="0">
   <p:cSld>
     <p:spTree>
       <p:nvGrpSpPr>
-        <p:cNvPr id="215" name="Shape 215"/>
+        <p:cNvPr id="1" name="Shape 215"/>
         <p:cNvGrpSpPr/>
         <p:nvPr/>
       </p:nvGrpSpPr>
@@ -1808,9 +2075,11 @@
       <p:sp>
         <p:nvSpPr>
           <p:cNvPr id="216" name="Shape 216"/>
-          <p:cNvSpPr/>
+          <p:cNvSpPr>
+            <a:spLocks noGrp="1" noRot="1" noChangeAspect="1"/>
+          </p:cNvSpPr>
           <p:nvPr>
-            <p:ph idx="2" type="sldImg"/>
+            <p:ph type="sldImg" idx="2"/>
           </p:nvPr>
         </p:nvSpPr>
         <p:spPr>
@@ -1819,8 +2088,13 @@
             <a:ext cx="4572299" cy="3429000"/>
           </a:xfrm>
           <a:custGeom>
+            <a:avLst/>
+            <a:gdLst/>
+            <a:ahLst/>
+            <a:cxnLst/>
+            <a:rect l="0" t="0" r="0" b="0"/>
             <a:pathLst>
-              <a:path extrusionOk="0" h="120000" w="120000">
+              <a:path w="120000" h="120000" extrusionOk="0">
                 <a:moveTo>
                   <a:pt x="0" y="0"/>
                 </a:moveTo>
@@ -1842,9 +2116,11 @@
       <p:sp>
         <p:nvSpPr>
           <p:cNvPr id="217" name="Shape 217"/>
-          <p:cNvSpPr txBox="1"/>
+          <p:cNvSpPr txBox="1">
+            <a:spLocks noGrp="1"/>
+          </p:cNvSpPr>
           <p:nvPr>
-            <p:ph idx="1" type="body"/>
+            <p:ph type="body" idx="1"/>
           </p:nvPr>
         </p:nvSpPr>
         <p:spPr>
@@ -1857,7 +2133,7 @@
           </a:prstGeom>
         </p:spPr>
         <p:txBody>
-          <a:bodyPr anchorCtr="0" anchor="t" bIns="91425" lIns="91425" rIns="91425" tIns="91425">
+          <a:bodyPr lIns="91425" tIns="91425" rIns="91425" bIns="91425" anchor="t" anchorCtr="0">
             <a:noAutofit/>
           </a:bodyPr>
           <a:lstStyle/>
@@ -1868,14 +2144,16 @@
               </a:spcBef>
               <a:buNone/>
             </a:pPr>
-            <a:r>
-              <a:t/>
-            </a:r>
             <a:endParaRPr/>
           </a:p>
         </p:txBody>
       </p:sp>
     </p:spTree>
+    <p:extLst>
+      <p:ext uri="{BB962C8B-B14F-4D97-AF65-F5344CB8AC3E}">
+        <p14:creationId xmlns:p14="http://schemas.microsoft.com/office/powerpoint/2010/main" val="52537798"/>
+      </p:ext>
+    </p:extLst>
   </p:cSld>
   <p:clrMapOvr>
     <a:masterClrMapping/>
@@ -1884,11 +2162,11 @@
 </file>
 
 <file path=ppt/notesSlides/notesSlide23.xml><?xml version="1.0" encoding="utf-8"?>
-<p:notes xmlns:a="http://schemas.openxmlformats.org/drawingml/2006/main" xmlns:r="http://schemas.openxmlformats.org/officeDocument/2006/relationships" xmlns:mc="http://schemas.openxmlformats.org/markup-compatibility/2006" xmlns:mv="urn:schemas-microsoft-com:mac:vml" xmlns:p="http://schemas.openxmlformats.org/presentationml/2006/main" xmlns:c="http://schemas.openxmlformats.org/drawingml/2006/chart" xmlns:dgm="http://schemas.openxmlformats.org/drawingml/2006/diagram" xmlns:o="urn:schemas-microsoft-com:office:office" xmlns:v="urn:schemas-microsoft-com:vml" xmlns:pvml="urn:schemas-microsoft-com:office:powerpoint" xmlns:com="http://schemas.openxmlformats.org/drawingml/2006/compatibility" xmlns:p14="http://schemas.microsoft.com/office/powerpoint/2010/main" showMasterPhAnim="0" showMasterSp="0">
+<p:notes xmlns:a="http://schemas.openxmlformats.org/drawingml/2006/main" xmlns:r="http://schemas.openxmlformats.org/officeDocument/2006/relationships" xmlns:p="http://schemas.openxmlformats.org/presentationml/2006/main" showMasterSp="0" showMasterPhAnim="0">
   <p:cSld>
     <p:spTree>
       <p:nvGrpSpPr>
-        <p:cNvPr id="221" name="Shape 221"/>
+        <p:cNvPr id="1" name="Shape 221"/>
         <p:cNvGrpSpPr/>
         <p:nvPr/>
       </p:nvGrpSpPr>
@@ -1903,9 +2181,11 @@
       <p:sp>
         <p:nvSpPr>
           <p:cNvPr id="222" name="Shape 222"/>
-          <p:cNvSpPr/>
+          <p:cNvSpPr>
+            <a:spLocks noGrp="1" noRot="1" noChangeAspect="1"/>
+          </p:cNvSpPr>
           <p:nvPr>
-            <p:ph idx="2" type="sldImg"/>
+            <p:ph type="sldImg" idx="2"/>
           </p:nvPr>
         </p:nvSpPr>
         <p:spPr>
@@ -1914,8 +2194,13 @@
             <a:ext cx="4572299" cy="3429000"/>
           </a:xfrm>
           <a:custGeom>
+            <a:avLst/>
+            <a:gdLst/>
+            <a:ahLst/>
+            <a:cxnLst/>
+            <a:rect l="0" t="0" r="0" b="0"/>
             <a:pathLst>
-              <a:path extrusionOk="0" h="120000" w="120000">
+              <a:path w="120000" h="120000" extrusionOk="0">
                 <a:moveTo>
                   <a:pt x="0" y="0"/>
                 </a:moveTo>
@@ -1937,9 +2222,11 @@
       <p:sp>
         <p:nvSpPr>
           <p:cNvPr id="223" name="Shape 223"/>
-          <p:cNvSpPr txBox="1"/>
+          <p:cNvSpPr txBox="1">
+            <a:spLocks noGrp="1"/>
+          </p:cNvSpPr>
           <p:nvPr>
-            <p:ph idx="1" type="body"/>
+            <p:ph type="body" idx="1"/>
           </p:nvPr>
         </p:nvSpPr>
         <p:spPr>
@@ -1952,7 +2239,7 @@
           </a:prstGeom>
         </p:spPr>
         <p:txBody>
-          <a:bodyPr anchorCtr="0" anchor="t" bIns="91425" lIns="91425" rIns="91425" tIns="91425">
+          <a:bodyPr lIns="91425" tIns="91425" rIns="91425" bIns="91425" anchor="t" anchorCtr="0">
             <a:noAutofit/>
           </a:bodyPr>
           <a:lstStyle/>
@@ -1963,14 +2250,16 @@
               </a:spcBef>
               <a:buNone/>
             </a:pPr>
-            <a:r>
-              <a:t/>
-            </a:r>
             <a:endParaRPr/>
           </a:p>
         </p:txBody>
       </p:sp>
     </p:spTree>
+    <p:extLst>
+      <p:ext uri="{BB962C8B-B14F-4D97-AF65-F5344CB8AC3E}">
+        <p14:creationId xmlns:p14="http://schemas.microsoft.com/office/powerpoint/2010/main" val="386992069"/>
+      </p:ext>
+    </p:extLst>
   </p:cSld>
   <p:clrMapOvr>
     <a:masterClrMapping/>
@@ -1979,11 +2268,11 @@
 </file>
 
 <file path=ppt/notesSlides/notesSlide24.xml><?xml version="1.0" encoding="utf-8"?>
-<p:notes xmlns:a="http://schemas.openxmlformats.org/drawingml/2006/main" xmlns:r="http://schemas.openxmlformats.org/officeDocument/2006/relationships" xmlns:mc="http://schemas.openxmlformats.org/markup-compatibility/2006" xmlns:mv="urn:schemas-microsoft-com:mac:vml" xmlns:p="http://schemas.openxmlformats.org/presentationml/2006/main" xmlns:c="http://schemas.openxmlformats.org/drawingml/2006/chart" xmlns:dgm="http://schemas.openxmlformats.org/drawingml/2006/diagram" xmlns:o="urn:schemas-microsoft-com:office:office" xmlns:v="urn:schemas-microsoft-com:vml" xmlns:pvml="urn:schemas-microsoft-com:office:powerpoint" xmlns:com="http://schemas.openxmlformats.org/drawingml/2006/compatibility" xmlns:p14="http://schemas.microsoft.com/office/powerpoint/2010/main" showMasterPhAnim="0" showMasterSp="0">
+<p:notes xmlns:a="http://schemas.openxmlformats.org/drawingml/2006/main" xmlns:r="http://schemas.openxmlformats.org/officeDocument/2006/relationships" xmlns:p="http://schemas.openxmlformats.org/presentationml/2006/main" showMasterSp="0" showMasterPhAnim="0">
   <p:cSld>
     <p:spTree>
       <p:nvGrpSpPr>
-        <p:cNvPr id="231" name="Shape 231"/>
+        <p:cNvPr id="1" name="Shape 231"/>
         <p:cNvGrpSpPr/>
         <p:nvPr/>
       </p:nvGrpSpPr>
@@ -1998,9 +2287,11 @@
       <p:sp>
         <p:nvSpPr>
           <p:cNvPr id="232" name="Shape 232"/>
-          <p:cNvSpPr/>
+          <p:cNvSpPr>
+            <a:spLocks noGrp="1" noRot="1" noChangeAspect="1"/>
+          </p:cNvSpPr>
           <p:nvPr>
-            <p:ph idx="2" type="sldImg"/>
+            <p:ph type="sldImg" idx="2"/>
           </p:nvPr>
         </p:nvSpPr>
         <p:spPr>
@@ -2009,8 +2300,13 @@
             <a:ext cx="4572299" cy="3429000"/>
           </a:xfrm>
           <a:custGeom>
+            <a:avLst/>
+            <a:gdLst/>
+            <a:ahLst/>
+            <a:cxnLst/>
+            <a:rect l="0" t="0" r="0" b="0"/>
             <a:pathLst>
-              <a:path extrusionOk="0" h="120000" w="120000">
+              <a:path w="120000" h="120000" extrusionOk="0">
                 <a:moveTo>
                   <a:pt x="0" y="0"/>
                 </a:moveTo>
@@ -2032,9 +2328,11 @@
       <p:sp>
         <p:nvSpPr>
           <p:cNvPr id="233" name="Shape 233"/>
-          <p:cNvSpPr txBox="1"/>
+          <p:cNvSpPr txBox="1">
+            <a:spLocks noGrp="1"/>
+          </p:cNvSpPr>
           <p:nvPr>
-            <p:ph idx="1" type="body"/>
+            <p:ph type="body" idx="1"/>
           </p:nvPr>
         </p:nvSpPr>
         <p:spPr>
@@ -2047,7 +2345,7 @@
           </a:prstGeom>
         </p:spPr>
         <p:txBody>
-          <a:bodyPr anchorCtr="0" anchor="t" bIns="91425" lIns="91425" rIns="91425" tIns="91425">
+          <a:bodyPr lIns="91425" tIns="91425" rIns="91425" bIns="91425" anchor="t" anchorCtr="0">
             <a:noAutofit/>
           </a:bodyPr>
           <a:lstStyle/>
@@ -2058,14 +2356,16 @@
               </a:spcBef>
               <a:buNone/>
             </a:pPr>
-            <a:r>
-              <a:t/>
-            </a:r>
             <a:endParaRPr/>
           </a:p>
         </p:txBody>
       </p:sp>
     </p:spTree>
+    <p:extLst>
+      <p:ext uri="{BB962C8B-B14F-4D97-AF65-F5344CB8AC3E}">
+        <p14:creationId xmlns:p14="http://schemas.microsoft.com/office/powerpoint/2010/main" val="1595220567"/>
+      </p:ext>
+    </p:extLst>
   </p:cSld>
   <p:clrMapOvr>
     <a:masterClrMapping/>
@@ -2074,11 +2374,11 @@
 </file>
 
 <file path=ppt/notesSlides/notesSlide25.xml><?xml version="1.0" encoding="utf-8"?>
-<p:notes xmlns:a="http://schemas.openxmlformats.org/drawingml/2006/main" xmlns:r="http://schemas.openxmlformats.org/officeDocument/2006/relationships" xmlns:mc="http://schemas.openxmlformats.org/markup-compatibility/2006" xmlns:mv="urn:schemas-microsoft-com:mac:vml" xmlns:p="http://schemas.openxmlformats.org/presentationml/2006/main" xmlns:c="http://schemas.openxmlformats.org/drawingml/2006/chart" xmlns:dgm="http://schemas.openxmlformats.org/drawingml/2006/diagram" xmlns:o="urn:schemas-microsoft-com:office:office" xmlns:v="urn:schemas-microsoft-com:vml" xmlns:pvml="urn:schemas-microsoft-com:office:powerpoint" xmlns:com="http://schemas.openxmlformats.org/drawingml/2006/compatibility" xmlns:p14="http://schemas.microsoft.com/office/powerpoint/2010/main" showMasterPhAnim="0" showMasterSp="0">
+<p:notes xmlns:a="http://schemas.openxmlformats.org/drawingml/2006/main" xmlns:r="http://schemas.openxmlformats.org/officeDocument/2006/relationships" xmlns:p="http://schemas.openxmlformats.org/presentationml/2006/main" showMasterSp="0" showMasterPhAnim="0">
   <p:cSld>
     <p:spTree>
       <p:nvGrpSpPr>
-        <p:cNvPr id="237" name="Shape 237"/>
+        <p:cNvPr id="1" name="Shape 237"/>
         <p:cNvGrpSpPr/>
         <p:nvPr/>
       </p:nvGrpSpPr>
@@ -2093,9 +2393,11 @@
       <p:sp>
         <p:nvSpPr>
           <p:cNvPr id="238" name="Shape 238"/>
-          <p:cNvSpPr/>
+          <p:cNvSpPr>
+            <a:spLocks noGrp="1" noRot="1" noChangeAspect="1"/>
+          </p:cNvSpPr>
           <p:nvPr>
-            <p:ph idx="2" type="sldImg"/>
+            <p:ph type="sldImg" idx="2"/>
           </p:nvPr>
         </p:nvSpPr>
         <p:spPr>
@@ -2104,8 +2406,13 @@
             <a:ext cx="4572299" cy="3429000"/>
           </a:xfrm>
           <a:custGeom>
+            <a:avLst/>
+            <a:gdLst/>
+            <a:ahLst/>
+            <a:cxnLst/>
+            <a:rect l="0" t="0" r="0" b="0"/>
             <a:pathLst>
-              <a:path extrusionOk="0" h="120000" w="120000">
+              <a:path w="120000" h="120000" extrusionOk="0">
                 <a:moveTo>
                   <a:pt x="0" y="0"/>
                 </a:moveTo>
@@ -2127,9 +2434,11 @@
       <p:sp>
         <p:nvSpPr>
           <p:cNvPr id="239" name="Shape 239"/>
-          <p:cNvSpPr txBox="1"/>
+          <p:cNvSpPr txBox="1">
+            <a:spLocks noGrp="1"/>
+          </p:cNvSpPr>
           <p:nvPr>
-            <p:ph idx="1" type="body"/>
+            <p:ph type="body" idx="1"/>
           </p:nvPr>
         </p:nvSpPr>
         <p:spPr>
@@ -2142,7 +2451,7 @@
           </a:prstGeom>
         </p:spPr>
         <p:txBody>
-          <a:bodyPr anchorCtr="0" anchor="t" bIns="91425" lIns="91425" rIns="91425" tIns="91425">
+          <a:bodyPr lIns="91425" tIns="91425" rIns="91425" bIns="91425" anchor="t" anchorCtr="0">
             <a:noAutofit/>
           </a:bodyPr>
           <a:lstStyle/>
@@ -2153,14 +2462,16 @@
               </a:spcBef>
               <a:buNone/>
             </a:pPr>
-            <a:r>
-              <a:t/>
-            </a:r>
             <a:endParaRPr/>
           </a:p>
         </p:txBody>
       </p:sp>
     </p:spTree>
+    <p:extLst>
+      <p:ext uri="{BB962C8B-B14F-4D97-AF65-F5344CB8AC3E}">
+        <p14:creationId xmlns:p14="http://schemas.microsoft.com/office/powerpoint/2010/main" val="1686220421"/>
+      </p:ext>
+    </p:extLst>
   </p:cSld>
   <p:clrMapOvr>
     <a:masterClrMapping/>
@@ -2169,11 +2480,11 @@
 </file>
 
 <file path=ppt/notesSlides/notesSlide26.xml><?xml version="1.0" encoding="utf-8"?>
-<p:notes xmlns:a="http://schemas.openxmlformats.org/drawingml/2006/main" xmlns:r="http://schemas.openxmlformats.org/officeDocument/2006/relationships" xmlns:mc="http://schemas.openxmlformats.org/markup-compatibility/2006" xmlns:mv="urn:schemas-microsoft-com:mac:vml" xmlns:p="http://schemas.openxmlformats.org/presentationml/2006/main" xmlns:c="http://schemas.openxmlformats.org/drawingml/2006/chart" xmlns:dgm="http://schemas.openxmlformats.org/drawingml/2006/diagram" xmlns:o="urn:schemas-microsoft-com:office:office" xmlns:v="urn:schemas-microsoft-com:vml" xmlns:pvml="urn:schemas-microsoft-com:office:powerpoint" xmlns:com="http://schemas.openxmlformats.org/drawingml/2006/compatibility" xmlns:p14="http://schemas.microsoft.com/office/powerpoint/2010/main" showMasterPhAnim="0" showMasterSp="0">
+<p:notes xmlns:a="http://schemas.openxmlformats.org/drawingml/2006/main" xmlns:r="http://schemas.openxmlformats.org/officeDocument/2006/relationships" xmlns:p="http://schemas.openxmlformats.org/presentationml/2006/main" showMasterSp="0" showMasterPhAnim="0">
   <p:cSld>
     <p:spTree>
       <p:nvGrpSpPr>
-        <p:cNvPr id="242" name="Shape 242"/>
+        <p:cNvPr id="1" name="Shape 242"/>
         <p:cNvGrpSpPr/>
         <p:nvPr/>
       </p:nvGrpSpPr>
@@ -2188,9 +2499,11 @@
       <p:sp>
         <p:nvSpPr>
           <p:cNvPr id="243" name="Shape 243"/>
-          <p:cNvSpPr/>
+          <p:cNvSpPr>
+            <a:spLocks noGrp="1" noRot="1" noChangeAspect="1"/>
+          </p:cNvSpPr>
           <p:nvPr>
-            <p:ph idx="2" type="sldImg"/>
+            <p:ph type="sldImg" idx="2"/>
           </p:nvPr>
         </p:nvSpPr>
         <p:spPr>
@@ -2199,8 +2512,13 @@
             <a:ext cx="4572299" cy="3429000"/>
           </a:xfrm>
           <a:custGeom>
+            <a:avLst/>
+            <a:gdLst/>
+            <a:ahLst/>
+            <a:cxnLst/>
+            <a:rect l="0" t="0" r="0" b="0"/>
             <a:pathLst>
-              <a:path extrusionOk="0" h="120000" w="120000">
+              <a:path w="120000" h="120000" extrusionOk="0">
                 <a:moveTo>
                   <a:pt x="0" y="0"/>
                 </a:moveTo>
@@ -2222,9 +2540,11 @@
       <p:sp>
         <p:nvSpPr>
           <p:cNvPr id="244" name="Shape 244"/>
-          <p:cNvSpPr txBox="1"/>
+          <p:cNvSpPr txBox="1">
+            <a:spLocks noGrp="1"/>
+          </p:cNvSpPr>
           <p:nvPr>
-            <p:ph idx="1" type="body"/>
+            <p:ph type="body" idx="1"/>
           </p:nvPr>
         </p:nvSpPr>
         <p:spPr>
@@ -2237,7 +2557,7 @@
           </a:prstGeom>
         </p:spPr>
         <p:txBody>
-          <a:bodyPr anchorCtr="0" anchor="t" bIns="91425" lIns="91425" rIns="91425" tIns="91425">
+          <a:bodyPr lIns="91425" tIns="91425" rIns="91425" bIns="91425" anchor="t" anchorCtr="0">
             <a:noAutofit/>
           </a:bodyPr>
           <a:lstStyle/>
@@ -2248,14 +2568,16 @@
               </a:spcBef>
               <a:buNone/>
             </a:pPr>
-            <a:r>
-              <a:t/>
-            </a:r>
             <a:endParaRPr/>
           </a:p>
         </p:txBody>
       </p:sp>
     </p:spTree>
+    <p:extLst>
+      <p:ext uri="{BB962C8B-B14F-4D97-AF65-F5344CB8AC3E}">
+        <p14:creationId xmlns:p14="http://schemas.microsoft.com/office/powerpoint/2010/main" val="2112409935"/>
+      </p:ext>
+    </p:extLst>
   </p:cSld>
   <p:clrMapOvr>
     <a:masterClrMapping/>
@@ -2264,11 +2586,11 @@
 </file>
 
 <file path=ppt/notesSlides/notesSlide3.xml><?xml version="1.0" encoding="utf-8"?>
-<p:notes xmlns:a="http://schemas.openxmlformats.org/drawingml/2006/main" xmlns:r="http://schemas.openxmlformats.org/officeDocument/2006/relationships" xmlns:mc="http://schemas.openxmlformats.org/markup-compatibility/2006" xmlns:mv="urn:schemas-microsoft-com:mac:vml" xmlns:p="http://schemas.openxmlformats.org/presentationml/2006/main" xmlns:c="http://schemas.openxmlformats.org/drawingml/2006/chart" xmlns:dgm="http://schemas.openxmlformats.org/drawingml/2006/diagram" xmlns:o="urn:schemas-microsoft-com:office:office" xmlns:v="urn:schemas-microsoft-com:vml" xmlns:pvml="urn:schemas-microsoft-com:office:powerpoint" xmlns:com="http://schemas.openxmlformats.org/drawingml/2006/compatibility" xmlns:p14="http://schemas.microsoft.com/office/powerpoint/2010/main" showMasterPhAnim="0" showMasterSp="0">
+<p:notes xmlns:a="http://schemas.openxmlformats.org/drawingml/2006/main" xmlns:r="http://schemas.openxmlformats.org/officeDocument/2006/relationships" xmlns:p="http://schemas.openxmlformats.org/presentationml/2006/main" showMasterSp="0" showMasterPhAnim="0">
   <p:cSld>
     <p:spTree>
       <p:nvGrpSpPr>
-        <p:cNvPr id="48" name="Shape 48"/>
+        <p:cNvPr id="1" name="Shape 48"/>
         <p:cNvGrpSpPr/>
         <p:nvPr/>
       </p:nvGrpSpPr>
@@ -2283,9 +2605,11 @@
       <p:sp>
         <p:nvSpPr>
           <p:cNvPr id="49" name="Shape 49"/>
-          <p:cNvSpPr/>
+          <p:cNvSpPr>
+            <a:spLocks noGrp="1" noRot="1" noChangeAspect="1"/>
+          </p:cNvSpPr>
           <p:nvPr>
-            <p:ph idx="2" type="sldImg"/>
+            <p:ph type="sldImg" idx="2"/>
           </p:nvPr>
         </p:nvSpPr>
         <p:spPr>
@@ -2294,8 +2618,13 @@
             <a:ext cx="4572299" cy="3429000"/>
           </a:xfrm>
           <a:custGeom>
+            <a:avLst/>
+            <a:gdLst/>
+            <a:ahLst/>
+            <a:cxnLst/>
+            <a:rect l="0" t="0" r="0" b="0"/>
             <a:pathLst>
-              <a:path extrusionOk="0" h="120000" w="120000">
+              <a:path w="120000" h="120000" extrusionOk="0">
                 <a:moveTo>
                   <a:pt x="0" y="0"/>
                 </a:moveTo>
@@ -2317,9 +2646,11 @@
       <p:sp>
         <p:nvSpPr>
           <p:cNvPr id="50" name="Shape 50"/>
-          <p:cNvSpPr txBox="1"/>
+          <p:cNvSpPr txBox="1">
+            <a:spLocks noGrp="1"/>
+          </p:cNvSpPr>
           <p:nvPr>
-            <p:ph idx="1" type="body"/>
+            <p:ph type="body" idx="1"/>
           </p:nvPr>
         </p:nvSpPr>
         <p:spPr>
@@ -2332,7 +2663,7 @@
           </a:prstGeom>
         </p:spPr>
         <p:txBody>
-          <a:bodyPr anchorCtr="0" anchor="t" bIns="91425" lIns="91425" rIns="91425" tIns="91425">
+          <a:bodyPr lIns="91425" tIns="91425" rIns="91425" bIns="91425" anchor="t" anchorCtr="0">
             <a:noAutofit/>
           </a:bodyPr>
           <a:lstStyle/>
@@ -2343,14 +2674,16 @@
               </a:spcBef>
               <a:buNone/>
             </a:pPr>
-            <a:r>
-              <a:t/>
-            </a:r>
             <a:endParaRPr/>
           </a:p>
         </p:txBody>
       </p:sp>
     </p:spTree>
+    <p:extLst>
+      <p:ext uri="{BB962C8B-B14F-4D97-AF65-F5344CB8AC3E}">
+        <p14:creationId xmlns:p14="http://schemas.microsoft.com/office/powerpoint/2010/main" val="1834749011"/>
+      </p:ext>
+    </p:extLst>
   </p:cSld>
   <p:clrMapOvr>
     <a:masterClrMapping/>
@@ -2359,11 +2692,11 @@
 </file>
 
 <file path=ppt/notesSlides/notesSlide4.xml><?xml version="1.0" encoding="utf-8"?>
-<p:notes xmlns:a="http://schemas.openxmlformats.org/drawingml/2006/main" xmlns:r="http://schemas.openxmlformats.org/officeDocument/2006/relationships" xmlns:mc="http://schemas.openxmlformats.org/markup-compatibility/2006" xmlns:mv="urn:schemas-microsoft-com:mac:vml" xmlns:p="http://schemas.openxmlformats.org/presentationml/2006/main" xmlns:c="http://schemas.openxmlformats.org/drawingml/2006/chart" xmlns:dgm="http://schemas.openxmlformats.org/drawingml/2006/diagram" xmlns:o="urn:schemas-microsoft-com:office:office" xmlns:v="urn:schemas-microsoft-com:vml" xmlns:pvml="urn:schemas-microsoft-com:office:powerpoint" xmlns:com="http://schemas.openxmlformats.org/drawingml/2006/compatibility" xmlns:p14="http://schemas.microsoft.com/office/powerpoint/2010/main" showMasterPhAnim="0" showMasterSp="0">
+<p:notes xmlns:a="http://schemas.openxmlformats.org/drawingml/2006/main" xmlns:r="http://schemas.openxmlformats.org/officeDocument/2006/relationships" xmlns:p="http://schemas.openxmlformats.org/presentationml/2006/main" showMasterSp="0" showMasterPhAnim="0">
   <p:cSld>
     <p:spTree>
       <p:nvGrpSpPr>
-        <p:cNvPr id="56" name="Shape 56"/>
+        <p:cNvPr id="1" name="Shape 56"/>
         <p:cNvGrpSpPr/>
         <p:nvPr/>
       </p:nvGrpSpPr>
@@ -2378,9 +2711,11 @@
       <p:sp>
         <p:nvSpPr>
           <p:cNvPr id="57" name="Shape 57"/>
-          <p:cNvSpPr/>
+          <p:cNvSpPr>
+            <a:spLocks noGrp="1" noRot="1" noChangeAspect="1"/>
+          </p:cNvSpPr>
           <p:nvPr>
-            <p:ph idx="2" type="sldImg"/>
+            <p:ph type="sldImg" idx="2"/>
           </p:nvPr>
         </p:nvSpPr>
         <p:spPr>
@@ -2389,8 +2724,13 @@
             <a:ext cx="4572299" cy="3429000"/>
           </a:xfrm>
           <a:custGeom>
+            <a:avLst/>
+            <a:gdLst/>
+            <a:ahLst/>
+            <a:cxnLst/>
+            <a:rect l="0" t="0" r="0" b="0"/>
             <a:pathLst>
-              <a:path extrusionOk="0" h="120000" w="120000">
+              <a:path w="120000" h="120000" extrusionOk="0">
                 <a:moveTo>
                   <a:pt x="0" y="0"/>
                 </a:moveTo>
@@ -2412,9 +2752,11 @@
       <p:sp>
         <p:nvSpPr>
           <p:cNvPr id="58" name="Shape 58"/>
-          <p:cNvSpPr txBox="1"/>
+          <p:cNvSpPr txBox="1">
+            <a:spLocks noGrp="1"/>
+          </p:cNvSpPr>
           <p:nvPr>
-            <p:ph idx="1" type="body"/>
+            <p:ph type="body" idx="1"/>
           </p:nvPr>
         </p:nvSpPr>
         <p:spPr>
@@ -2427,7 +2769,7 @@
           </a:prstGeom>
         </p:spPr>
         <p:txBody>
-          <a:bodyPr anchorCtr="0" anchor="t" bIns="91425" lIns="91425" rIns="91425" tIns="91425">
+          <a:bodyPr lIns="91425" tIns="91425" rIns="91425" bIns="91425" anchor="t" anchorCtr="0">
             <a:noAutofit/>
           </a:bodyPr>
           <a:lstStyle/>
@@ -2438,14 +2780,16 @@
               </a:spcBef>
               <a:buNone/>
             </a:pPr>
-            <a:r>
-              <a:t/>
-            </a:r>
             <a:endParaRPr/>
           </a:p>
         </p:txBody>
       </p:sp>
     </p:spTree>
+    <p:extLst>
+      <p:ext uri="{BB962C8B-B14F-4D97-AF65-F5344CB8AC3E}">
+        <p14:creationId xmlns:p14="http://schemas.microsoft.com/office/powerpoint/2010/main" val="908940604"/>
+      </p:ext>
+    </p:extLst>
   </p:cSld>
   <p:clrMapOvr>
     <a:masterClrMapping/>
@@ -2454,11 +2798,11 @@
 </file>
 
 <file path=ppt/notesSlides/notesSlide5.xml><?xml version="1.0" encoding="utf-8"?>
-<p:notes xmlns:a="http://schemas.openxmlformats.org/drawingml/2006/main" xmlns:r="http://schemas.openxmlformats.org/officeDocument/2006/relationships" xmlns:mc="http://schemas.openxmlformats.org/markup-compatibility/2006" xmlns:mv="urn:schemas-microsoft-com:mac:vml" xmlns:p="http://schemas.openxmlformats.org/presentationml/2006/main" xmlns:c="http://schemas.openxmlformats.org/drawingml/2006/chart" xmlns:dgm="http://schemas.openxmlformats.org/drawingml/2006/diagram" xmlns:o="urn:schemas-microsoft-com:office:office" xmlns:v="urn:schemas-microsoft-com:vml" xmlns:pvml="urn:schemas-microsoft-com:office:powerpoint" xmlns:com="http://schemas.openxmlformats.org/drawingml/2006/compatibility" xmlns:p14="http://schemas.microsoft.com/office/powerpoint/2010/main" showMasterPhAnim="0" showMasterSp="0">
+<p:notes xmlns:a="http://schemas.openxmlformats.org/drawingml/2006/main" xmlns:r="http://schemas.openxmlformats.org/officeDocument/2006/relationships" xmlns:p="http://schemas.openxmlformats.org/presentationml/2006/main" showMasterSp="0" showMasterPhAnim="0">
   <p:cSld>
     <p:spTree>
       <p:nvGrpSpPr>
-        <p:cNvPr id="62" name="Shape 62"/>
+        <p:cNvPr id="1" name="Shape 62"/>
         <p:cNvGrpSpPr/>
         <p:nvPr/>
       </p:nvGrpSpPr>
@@ -2473,9 +2817,11 @@
       <p:sp>
         <p:nvSpPr>
           <p:cNvPr id="63" name="Shape 63"/>
-          <p:cNvSpPr/>
+          <p:cNvSpPr>
+            <a:spLocks noGrp="1" noRot="1" noChangeAspect="1"/>
+          </p:cNvSpPr>
           <p:nvPr>
-            <p:ph idx="2" type="sldImg"/>
+            <p:ph type="sldImg" idx="2"/>
           </p:nvPr>
         </p:nvSpPr>
         <p:spPr>
@@ -2484,8 +2830,13 @@
             <a:ext cx="4572299" cy="3429000"/>
           </a:xfrm>
           <a:custGeom>
+            <a:avLst/>
+            <a:gdLst/>
+            <a:ahLst/>
+            <a:cxnLst/>
+            <a:rect l="0" t="0" r="0" b="0"/>
             <a:pathLst>
-              <a:path extrusionOk="0" h="120000" w="120000">
+              <a:path w="120000" h="120000" extrusionOk="0">
                 <a:moveTo>
                   <a:pt x="0" y="0"/>
                 </a:moveTo>
@@ -2507,9 +2858,11 @@
       <p:sp>
         <p:nvSpPr>
           <p:cNvPr id="64" name="Shape 64"/>
-          <p:cNvSpPr txBox="1"/>
+          <p:cNvSpPr txBox="1">
+            <a:spLocks noGrp="1"/>
+          </p:cNvSpPr>
           <p:nvPr>
-            <p:ph idx="1" type="body"/>
+            <p:ph type="body" idx="1"/>
           </p:nvPr>
         </p:nvSpPr>
         <p:spPr>
@@ -2522,7 +2875,7 @@
           </a:prstGeom>
         </p:spPr>
         <p:txBody>
-          <a:bodyPr anchorCtr="0" anchor="t" bIns="91425" lIns="91425" rIns="91425" tIns="91425">
+          <a:bodyPr lIns="91425" tIns="91425" rIns="91425" bIns="91425" anchor="t" anchorCtr="0">
             <a:noAutofit/>
           </a:bodyPr>
           <a:lstStyle/>
@@ -2533,14 +2886,16 @@
               </a:spcBef>
               <a:buNone/>
             </a:pPr>
-            <a:r>
-              <a:t/>
-            </a:r>
             <a:endParaRPr/>
           </a:p>
         </p:txBody>
       </p:sp>
     </p:spTree>
+    <p:extLst>
+      <p:ext uri="{BB962C8B-B14F-4D97-AF65-F5344CB8AC3E}">
+        <p14:creationId xmlns:p14="http://schemas.microsoft.com/office/powerpoint/2010/main" val="1513550317"/>
+      </p:ext>
+    </p:extLst>
   </p:cSld>
   <p:clrMapOvr>
     <a:masterClrMapping/>
@@ -2549,11 +2904,11 @@
 </file>
 
 <file path=ppt/notesSlides/notesSlide6.xml><?xml version="1.0" encoding="utf-8"?>
-<p:notes xmlns:a="http://schemas.openxmlformats.org/drawingml/2006/main" xmlns:r="http://schemas.openxmlformats.org/officeDocument/2006/relationships" xmlns:mc="http://schemas.openxmlformats.org/markup-compatibility/2006" xmlns:mv="urn:schemas-microsoft-com:mac:vml" xmlns:p="http://schemas.openxmlformats.org/presentationml/2006/main" xmlns:c="http://schemas.openxmlformats.org/drawingml/2006/chart" xmlns:dgm="http://schemas.openxmlformats.org/drawingml/2006/diagram" xmlns:o="urn:schemas-microsoft-com:office:office" xmlns:v="urn:schemas-microsoft-com:vml" xmlns:pvml="urn:schemas-microsoft-com:office:powerpoint" xmlns:com="http://schemas.openxmlformats.org/drawingml/2006/compatibility" xmlns:p14="http://schemas.microsoft.com/office/powerpoint/2010/main" showMasterPhAnim="0" showMasterSp="0">
+<p:notes xmlns:a="http://schemas.openxmlformats.org/drawingml/2006/main" xmlns:r="http://schemas.openxmlformats.org/officeDocument/2006/relationships" xmlns:p="http://schemas.openxmlformats.org/presentationml/2006/main" showMasterSp="0" showMasterPhAnim="0">
   <p:cSld>
     <p:spTree>
       <p:nvGrpSpPr>
-        <p:cNvPr id="75" name="Shape 75"/>
+        <p:cNvPr id="1" name="Shape 75"/>
         <p:cNvGrpSpPr/>
         <p:nvPr/>
       </p:nvGrpSpPr>
@@ -2568,9 +2923,11 @@
       <p:sp>
         <p:nvSpPr>
           <p:cNvPr id="76" name="Shape 76"/>
-          <p:cNvSpPr/>
+          <p:cNvSpPr>
+            <a:spLocks noGrp="1" noRot="1" noChangeAspect="1"/>
+          </p:cNvSpPr>
           <p:nvPr>
-            <p:ph idx="2" type="sldImg"/>
+            <p:ph type="sldImg" idx="2"/>
           </p:nvPr>
         </p:nvSpPr>
         <p:spPr>
@@ -2579,8 +2936,13 @@
             <a:ext cx="4572299" cy="3429000"/>
           </a:xfrm>
           <a:custGeom>
+            <a:avLst/>
+            <a:gdLst/>
+            <a:ahLst/>
+            <a:cxnLst/>
+            <a:rect l="0" t="0" r="0" b="0"/>
             <a:pathLst>
-              <a:path extrusionOk="0" h="120000" w="120000">
+              <a:path w="120000" h="120000" extrusionOk="0">
                 <a:moveTo>
                   <a:pt x="0" y="0"/>
                 </a:moveTo>
@@ -2602,9 +2964,11 @@
       <p:sp>
         <p:nvSpPr>
           <p:cNvPr id="77" name="Shape 77"/>
-          <p:cNvSpPr txBox="1"/>
+          <p:cNvSpPr txBox="1">
+            <a:spLocks noGrp="1"/>
+          </p:cNvSpPr>
           <p:nvPr>
-            <p:ph idx="1" type="body"/>
+            <p:ph type="body" idx="1"/>
           </p:nvPr>
         </p:nvSpPr>
         <p:spPr>
@@ -2617,7 +2981,7 @@
           </a:prstGeom>
         </p:spPr>
         <p:txBody>
-          <a:bodyPr anchorCtr="0" anchor="t" bIns="91425" lIns="91425" rIns="91425" tIns="91425">
+          <a:bodyPr lIns="91425" tIns="91425" rIns="91425" bIns="91425" anchor="t" anchorCtr="0">
             <a:noAutofit/>
           </a:bodyPr>
           <a:lstStyle/>
@@ -2628,14 +2992,16 @@
               </a:spcBef>
               <a:buNone/>
             </a:pPr>
-            <a:r>
-              <a:t/>
-            </a:r>
             <a:endParaRPr/>
           </a:p>
         </p:txBody>
       </p:sp>
     </p:spTree>
+    <p:extLst>
+      <p:ext uri="{BB962C8B-B14F-4D97-AF65-F5344CB8AC3E}">
+        <p14:creationId xmlns:p14="http://schemas.microsoft.com/office/powerpoint/2010/main" val="1296379104"/>
+      </p:ext>
+    </p:extLst>
   </p:cSld>
   <p:clrMapOvr>
     <a:masterClrMapping/>
@@ -2644,11 +3010,11 @@
 </file>
 
 <file path=ppt/notesSlides/notesSlide7.xml><?xml version="1.0" encoding="utf-8"?>
-<p:notes xmlns:a="http://schemas.openxmlformats.org/drawingml/2006/main" xmlns:r="http://schemas.openxmlformats.org/officeDocument/2006/relationships" xmlns:mc="http://schemas.openxmlformats.org/markup-compatibility/2006" xmlns:mv="urn:schemas-microsoft-com:mac:vml" xmlns:p="http://schemas.openxmlformats.org/presentationml/2006/main" xmlns:c="http://schemas.openxmlformats.org/drawingml/2006/chart" xmlns:dgm="http://schemas.openxmlformats.org/drawingml/2006/diagram" xmlns:o="urn:schemas-microsoft-com:office:office" xmlns:v="urn:schemas-microsoft-com:vml" xmlns:pvml="urn:schemas-microsoft-com:office:powerpoint" xmlns:com="http://schemas.openxmlformats.org/drawingml/2006/compatibility" xmlns:p14="http://schemas.microsoft.com/office/powerpoint/2010/main" showMasterPhAnim="0" showMasterSp="0">
+<p:notes xmlns:a="http://schemas.openxmlformats.org/drawingml/2006/main" xmlns:r="http://schemas.openxmlformats.org/officeDocument/2006/relationships" xmlns:p="http://schemas.openxmlformats.org/presentationml/2006/main" showMasterSp="0" showMasterPhAnim="0">
   <p:cSld>
     <p:spTree>
       <p:nvGrpSpPr>
-        <p:cNvPr id="87" name="Shape 87"/>
+        <p:cNvPr id="1" name="Shape 87"/>
         <p:cNvGrpSpPr/>
         <p:nvPr/>
       </p:nvGrpSpPr>
@@ -2663,9 +3029,11 @@
       <p:sp>
         <p:nvSpPr>
           <p:cNvPr id="88" name="Shape 88"/>
-          <p:cNvSpPr/>
+          <p:cNvSpPr>
+            <a:spLocks noGrp="1" noRot="1" noChangeAspect="1"/>
+          </p:cNvSpPr>
           <p:nvPr>
-            <p:ph idx="2" type="sldImg"/>
+            <p:ph type="sldImg" idx="2"/>
           </p:nvPr>
         </p:nvSpPr>
         <p:spPr>
@@ -2674,8 +3042,13 @@
             <a:ext cx="4572299" cy="3429000"/>
           </a:xfrm>
           <a:custGeom>
+            <a:avLst/>
+            <a:gdLst/>
+            <a:ahLst/>
+            <a:cxnLst/>
+            <a:rect l="0" t="0" r="0" b="0"/>
             <a:pathLst>
-              <a:path extrusionOk="0" h="120000" w="120000">
+              <a:path w="120000" h="120000" extrusionOk="0">
                 <a:moveTo>
                   <a:pt x="0" y="0"/>
                 </a:moveTo>
@@ -2697,9 +3070,11 @@
       <p:sp>
         <p:nvSpPr>
           <p:cNvPr id="89" name="Shape 89"/>
-          <p:cNvSpPr txBox="1"/>
+          <p:cNvSpPr txBox="1">
+            <a:spLocks noGrp="1"/>
+          </p:cNvSpPr>
           <p:nvPr>
-            <p:ph idx="1" type="body"/>
+            <p:ph type="body" idx="1"/>
           </p:nvPr>
         </p:nvSpPr>
         <p:spPr>
@@ -2712,7 +3087,7 @@
           </a:prstGeom>
         </p:spPr>
         <p:txBody>
-          <a:bodyPr anchorCtr="0" anchor="t" bIns="91425" lIns="91425" rIns="91425" tIns="91425">
+          <a:bodyPr lIns="91425" tIns="91425" rIns="91425" bIns="91425" anchor="t" anchorCtr="0">
             <a:noAutofit/>
           </a:bodyPr>
           <a:lstStyle/>
@@ -2723,14 +3098,16 @@
               </a:spcBef>
               <a:buNone/>
             </a:pPr>
-            <a:r>
-              <a:t/>
-            </a:r>
             <a:endParaRPr/>
           </a:p>
         </p:txBody>
       </p:sp>
     </p:spTree>
+    <p:extLst>
+      <p:ext uri="{BB962C8B-B14F-4D97-AF65-F5344CB8AC3E}">
+        <p14:creationId xmlns:p14="http://schemas.microsoft.com/office/powerpoint/2010/main" val="2022002113"/>
+      </p:ext>
+    </p:extLst>
   </p:cSld>
   <p:clrMapOvr>
     <a:masterClrMapping/>
@@ -2739,11 +3116,11 @@
 </file>
 
 <file path=ppt/notesSlides/notesSlide8.xml><?xml version="1.0" encoding="utf-8"?>
-<p:notes xmlns:a="http://schemas.openxmlformats.org/drawingml/2006/main" xmlns:r="http://schemas.openxmlformats.org/officeDocument/2006/relationships" xmlns:mc="http://schemas.openxmlformats.org/markup-compatibility/2006" xmlns:mv="urn:schemas-microsoft-com:mac:vml" xmlns:p="http://schemas.openxmlformats.org/presentationml/2006/main" xmlns:c="http://schemas.openxmlformats.org/drawingml/2006/chart" xmlns:dgm="http://schemas.openxmlformats.org/drawingml/2006/diagram" xmlns:o="urn:schemas-microsoft-com:office:office" xmlns:v="urn:schemas-microsoft-com:vml" xmlns:pvml="urn:schemas-microsoft-com:office:powerpoint" xmlns:com="http://schemas.openxmlformats.org/drawingml/2006/compatibility" xmlns:p14="http://schemas.microsoft.com/office/powerpoint/2010/main" showMasterPhAnim="0" showMasterSp="0">
+<p:notes xmlns:a="http://schemas.openxmlformats.org/drawingml/2006/main" xmlns:r="http://schemas.openxmlformats.org/officeDocument/2006/relationships" xmlns:p="http://schemas.openxmlformats.org/presentationml/2006/main" showMasterSp="0" showMasterPhAnim="0">
   <p:cSld>
     <p:spTree>
       <p:nvGrpSpPr>
-        <p:cNvPr id="97" name="Shape 97"/>
+        <p:cNvPr id="1" name="Shape 97"/>
         <p:cNvGrpSpPr/>
         <p:nvPr/>
       </p:nvGrpSpPr>
@@ -2758,9 +3135,11 @@
       <p:sp>
         <p:nvSpPr>
           <p:cNvPr id="98" name="Shape 98"/>
-          <p:cNvSpPr/>
+          <p:cNvSpPr>
+            <a:spLocks noGrp="1" noRot="1" noChangeAspect="1"/>
+          </p:cNvSpPr>
           <p:nvPr>
-            <p:ph idx="2" type="sldImg"/>
+            <p:ph type="sldImg" idx="2"/>
           </p:nvPr>
         </p:nvSpPr>
         <p:spPr>
@@ -2769,8 +3148,13 @@
             <a:ext cx="4572299" cy="3429000"/>
           </a:xfrm>
           <a:custGeom>
+            <a:avLst/>
+            <a:gdLst/>
+            <a:ahLst/>
+            <a:cxnLst/>
+            <a:rect l="0" t="0" r="0" b="0"/>
             <a:pathLst>
-              <a:path extrusionOk="0" h="120000" w="120000">
+              <a:path w="120000" h="120000" extrusionOk="0">
                 <a:moveTo>
                   <a:pt x="0" y="0"/>
                 </a:moveTo>
@@ -2792,9 +3176,11 @@
       <p:sp>
         <p:nvSpPr>
           <p:cNvPr id="99" name="Shape 99"/>
-          <p:cNvSpPr txBox="1"/>
+          <p:cNvSpPr txBox="1">
+            <a:spLocks noGrp="1"/>
+          </p:cNvSpPr>
           <p:nvPr>
-            <p:ph idx="1" type="body"/>
+            <p:ph type="body" idx="1"/>
           </p:nvPr>
         </p:nvSpPr>
         <p:spPr>
@@ -2807,7 +3193,7 @@
           </a:prstGeom>
         </p:spPr>
         <p:txBody>
-          <a:bodyPr anchorCtr="0" anchor="t" bIns="91425" lIns="91425" rIns="91425" tIns="91425">
+          <a:bodyPr lIns="91425" tIns="91425" rIns="91425" bIns="91425" anchor="t" anchorCtr="0">
             <a:noAutofit/>
           </a:bodyPr>
           <a:lstStyle/>
@@ -2818,14 +3204,16 @@
               </a:spcBef>
               <a:buNone/>
             </a:pPr>
-            <a:r>
-              <a:t/>
-            </a:r>
             <a:endParaRPr/>
           </a:p>
         </p:txBody>
       </p:sp>
     </p:spTree>
+    <p:extLst>
+      <p:ext uri="{BB962C8B-B14F-4D97-AF65-F5344CB8AC3E}">
+        <p14:creationId xmlns:p14="http://schemas.microsoft.com/office/powerpoint/2010/main" val="2008283063"/>
+      </p:ext>
+    </p:extLst>
   </p:cSld>
   <p:clrMapOvr>
     <a:masterClrMapping/>
@@ -2834,11 +3222,11 @@
 </file>
 
 <file path=ppt/notesSlides/notesSlide9.xml><?xml version="1.0" encoding="utf-8"?>
-<p:notes xmlns:a="http://schemas.openxmlformats.org/drawingml/2006/main" xmlns:r="http://schemas.openxmlformats.org/officeDocument/2006/relationships" xmlns:mc="http://schemas.openxmlformats.org/markup-compatibility/2006" xmlns:mv="urn:schemas-microsoft-com:mac:vml" xmlns:p="http://schemas.openxmlformats.org/presentationml/2006/main" xmlns:c="http://schemas.openxmlformats.org/drawingml/2006/chart" xmlns:dgm="http://schemas.openxmlformats.org/drawingml/2006/diagram" xmlns:o="urn:schemas-microsoft-com:office:office" xmlns:v="urn:schemas-microsoft-com:vml" xmlns:pvml="urn:schemas-microsoft-com:office:powerpoint" xmlns:com="http://schemas.openxmlformats.org/drawingml/2006/compatibility" xmlns:p14="http://schemas.microsoft.com/office/powerpoint/2010/main" showMasterPhAnim="0" showMasterSp="0">
+<p:notes xmlns:a="http://schemas.openxmlformats.org/drawingml/2006/main" xmlns:r="http://schemas.openxmlformats.org/officeDocument/2006/relationships" xmlns:p="http://schemas.openxmlformats.org/presentationml/2006/main" showMasterSp="0" showMasterPhAnim="0">
   <p:cSld>
     <p:spTree>
       <p:nvGrpSpPr>
-        <p:cNvPr id="107" name="Shape 107"/>
+        <p:cNvPr id="1" name="Shape 107"/>
         <p:cNvGrpSpPr/>
         <p:nvPr/>
       </p:nvGrpSpPr>
@@ -2853,9 +3241,11 @@
       <p:sp>
         <p:nvSpPr>
           <p:cNvPr id="108" name="Shape 108"/>
-          <p:cNvSpPr/>
+          <p:cNvSpPr>
+            <a:spLocks noGrp="1" noRot="1" noChangeAspect="1"/>
+          </p:cNvSpPr>
           <p:nvPr>
-            <p:ph idx="2" type="sldImg"/>
+            <p:ph type="sldImg" idx="2"/>
           </p:nvPr>
         </p:nvSpPr>
         <p:spPr>
@@ -2864,8 +3254,13 @@
             <a:ext cx="4572299" cy="3429000"/>
           </a:xfrm>
           <a:custGeom>
+            <a:avLst/>
+            <a:gdLst/>
+            <a:ahLst/>
+            <a:cxnLst/>
+            <a:rect l="0" t="0" r="0" b="0"/>
             <a:pathLst>
-              <a:path extrusionOk="0" h="120000" w="120000">
+              <a:path w="120000" h="120000" extrusionOk="0">
                 <a:moveTo>
                   <a:pt x="0" y="0"/>
                 </a:moveTo>
@@ -2887,9 +3282,11 @@
       <p:sp>
         <p:nvSpPr>
           <p:cNvPr id="109" name="Shape 109"/>
-          <p:cNvSpPr txBox="1"/>
+          <p:cNvSpPr txBox="1">
+            <a:spLocks noGrp="1"/>
+          </p:cNvSpPr>
           <p:nvPr>
-            <p:ph idx="1" type="body"/>
+            <p:ph type="body" idx="1"/>
           </p:nvPr>
         </p:nvSpPr>
         <p:spPr>
@@ -2902,7 +3299,7 @@
           </a:prstGeom>
         </p:spPr>
         <p:txBody>
-          <a:bodyPr anchorCtr="0" anchor="t" bIns="91425" lIns="91425" rIns="91425" tIns="91425">
+          <a:bodyPr lIns="91425" tIns="91425" rIns="91425" bIns="91425" anchor="t" anchorCtr="0">
             <a:noAutofit/>
           </a:bodyPr>
           <a:lstStyle/>
@@ -2913,14 +3310,16 @@
               </a:spcBef>
               <a:buNone/>
             </a:pPr>
-            <a:r>
-              <a:t/>
-            </a:r>
             <a:endParaRPr/>
           </a:p>
         </p:txBody>
       </p:sp>
     </p:spTree>
+    <p:extLst>
+      <p:ext uri="{BB962C8B-B14F-4D97-AF65-F5344CB8AC3E}">
+        <p14:creationId xmlns:p14="http://schemas.microsoft.com/office/powerpoint/2010/main" val="1212959942"/>
+      </p:ext>
+    </p:extLst>
   </p:cSld>
   <p:clrMapOvr>
     <a:masterClrMapping/>
@@ -2929,11 +3328,11 @@
 </file>
 
 <file path=ppt/slideLayouts/slideLayout1.xml><?xml version="1.0" encoding="utf-8"?>
-<p:sldLayout xmlns:a="http://schemas.openxmlformats.org/drawingml/2006/main" xmlns:r="http://schemas.openxmlformats.org/officeDocument/2006/relationships" xmlns:mc="http://schemas.openxmlformats.org/markup-compatibility/2006" xmlns:mv="urn:schemas-microsoft-com:mac:vml" xmlns:p="http://schemas.openxmlformats.org/presentationml/2006/main" xmlns:c="http://schemas.openxmlformats.org/drawingml/2006/chart" xmlns:dgm="http://schemas.openxmlformats.org/drawingml/2006/diagram" xmlns:o="urn:schemas-microsoft-com:office:office" xmlns:v="urn:schemas-microsoft-com:vml" xmlns:pvml="urn:schemas-microsoft-com:office:powerpoint" xmlns:com="http://schemas.openxmlformats.org/drawingml/2006/compatibility" xmlns:p14="http://schemas.microsoft.com/office/powerpoint/2010/main" type="title">
+<p:sldLayout xmlns:a="http://schemas.openxmlformats.org/drawingml/2006/main" xmlns:r="http://schemas.openxmlformats.org/officeDocument/2006/relationships" xmlns:p="http://schemas.openxmlformats.org/presentationml/2006/main" type="title">
   <p:cSld name="Title slide">
     <p:spTree>
       <p:nvGrpSpPr>
-        <p:cNvPr id="9" name="Shape 9"/>
+        <p:cNvPr id="1" name="Shape 9"/>
         <p:cNvGrpSpPr/>
         <p:nvPr/>
       </p:nvGrpSpPr>
@@ -2948,7 +3347,9 @@
       <p:sp>
         <p:nvSpPr>
           <p:cNvPr id="10" name="Shape 10"/>
-          <p:cNvSpPr txBox="1"/>
+          <p:cNvSpPr txBox="1">
+            <a:spLocks noGrp="1"/>
+          </p:cNvSpPr>
           <p:nvPr>
             <p:ph type="ctrTitle"/>
           </p:nvPr>
@@ -2963,7 +3364,7 @@
           </a:prstGeom>
         </p:spPr>
         <p:txBody>
-          <a:bodyPr anchorCtr="0" anchor="b" bIns="91425" lIns="91425" rIns="91425" tIns="91425"/>
+          <a:bodyPr lIns="91425" tIns="91425" rIns="91425" bIns="91425" anchor="b" anchorCtr="0"/>
           <a:lstStyle>
             <a:lvl1pPr lvl="0" algn="ctr">
               <a:spcBef>
@@ -3029,15 +3430,19 @@
               <a:defRPr sz="4800"/>
             </a:lvl9pPr>
           </a:lstStyle>
-          <a:p/>
+          <a:p>
+            <a:endParaRPr/>
+          </a:p>
         </p:txBody>
       </p:sp>
       <p:sp>
         <p:nvSpPr>
           <p:cNvPr id="11" name="Shape 11"/>
-          <p:cNvSpPr txBox="1"/>
+          <p:cNvSpPr txBox="1">
+            <a:spLocks noGrp="1"/>
+          </p:cNvSpPr>
           <p:nvPr>
-            <p:ph idx="1" type="subTitle"/>
+            <p:ph type="subTitle" idx="1"/>
           </p:nvPr>
         </p:nvSpPr>
         <p:spPr>
@@ -3050,7 +3455,7 @@
           </a:prstGeom>
         </p:spPr>
         <p:txBody>
-          <a:bodyPr anchorCtr="0" anchor="t" bIns="91425" lIns="91425" rIns="91425" tIns="91425"/>
+          <a:bodyPr lIns="91425" tIns="91425" rIns="91425" bIns="91425" anchor="t" anchorCtr="0"/>
           <a:lstStyle>
             <a:lvl1pPr lvl="0" algn="ctr">
               <a:spcBef>
@@ -3187,15 +3592,19 @@
               </a:defRPr>
             </a:lvl9pPr>
           </a:lstStyle>
-          <a:p/>
+          <a:p>
+            <a:endParaRPr/>
+          </a:p>
         </p:txBody>
       </p:sp>
       <p:sp>
         <p:nvSpPr>
           <p:cNvPr id="12" name="Shape 12"/>
-          <p:cNvSpPr txBox="1"/>
+          <p:cNvSpPr txBox="1">
+            <a:spLocks noGrp="1"/>
+          </p:cNvSpPr>
           <p:nvPr>
-            <p:ph idx="12" type="sldNum"/>
+            <p:ph type="sldNum" idx="12"/>
           </p:nvPr>
         </p:nvSpPr>
         <p:spPr>
@@ -3208,7 +3617,7 @@
           </a:prstGeom>
         </p:spPr>
         <p:txBody>
-          <a:bodyPr anchorCtr="0" anchor="ctr" bIns="91425" lIns="91425" rIns="91425" tIns="91425">
+          <a:bodyPr lIns="91425" tIns="91425" rIns="91425" bIns="91425" anchor="ctr" anchorCtr="0">
             <a:noAutofit/>
           </a:bodyPr>
           <a:lstStyle/>
@@ -3223,6 +3632,7 @@
               <a:rPr lang="en"/>
               <a:t>‹#›</a:t>
             </a:fld>
+            <a:endParaRPr lang="en"/>
           </a:p>
         </p:txBody>
       </p:sp>
@@ -3235,11 +3645,11 @@
 </file>
 
 <file path=ppt/slideLayouts/slideLayout2.xml><?xml version="1.0" encoding="utf-8"?>
-<p:sldLayout xmlns:a="http://schemas.openxmlformats.org/drawingml/2006/main" xmlns:r="http://schemas.openxmlformats.org/officeDocument/2006/relationships" xmlns:mc="http://schemas.openxmlformats.org/markup-compatibility/2006" xmlns:mv="urn:schemas-microsoft-com:mac:vml" xmlns:p="http://schemas.openxmlformats.org/presentationml/2006/main" xmlns:c="http://schemas.openxmlformats.org/drawingml/2006/chart" xmlns:dgm="http://schemas.openxmlformats.org/drawingml/2006/diagram" xmlns:o="urn:schemas-microsoft-com:office:office" xmlns:v="urn:schemas-microsoft-com:vml" xmlns:pvml="urn:schemas-microsoft-com:office:powerpoint" xmlns:com="http://schemas.openxmlformats.org/drawingml/2006/compatibility" xmlns:p14="http://schemas.microsoft.com/office/powerpoint/2010/main" type="tx">
+<p:sldLayout xmlns:a="http://schemas.openxmlformats.org/drawingml/2006/main" xmlns:r="http://schemas.openxmlformats.org/officeDocument/2006/relationships" xmlns:p="http://schemas.openxmlformats.org/presentationml/2006/main" type="tx">
   <p:cSld name="Title and body">
     <p:spTree>
       <p:nvGrpSpPr>
-        <p:cNvPr id="13" name="Shape 13"/>
+        <p:cNvPr id="1" name="Shape 13"/>
         <p:cNvGrpSpPr/>
         <p:nvPr/>
       </p:nvGrpSpPr>
@@ -3254,7 +3664,9 @@
       <p:sp>
         <p:nvSpPr>
           <p:cNvPr id="14" name="Shape 14"/>
-          <p:cNvSpPr txBox="1"/>
+          <p:cNvSpPr txBox="1">
+            <a:spLocks noGrp="1"/>
+          </p:cNvSpPr>
           <p:nvPr>
             <p:ph type="title"/>
           </p:nvPr>
@@ -3269,7 +3681,7 @@
           </a:prstGeom>
         </p:spPr>
         <p:txBody>
-          <a:bodyPr anchorCtr="0" anchor="b" bIns="91425" lIns="91425" rIns="91425" tIns="91425"/>
+          <a:bodyPr lIns="91425" tIns="91425" rIns="91425" bIns="91425" anchor="b" anchorCtr="0"/>
           <a:lstStyle>
             <a:lvl1pPr lvl="0">
               <a:spcBef>
@@ -3326,15 +3738,19 @@
               <a:defRPr/>
             </a:lvl9pPr>
           </a:lstStyle>
-          <a:p/>
+          <a:p>
+            <a:endParaRPr/>
+          </a:p>
         </p:txBody>
       </p:sp>
       <p:sp>
         <p:nvSpPr>
           <p:cNvPr id="15" name="Shape 15"/>
-          <p:cNvSpPr txBox="1"/>
+          <p:cNvSpPr txBox="1">
+            <a:spLocks noGrp="1"/>
+          </p:cNvSpPr>
           <p:nvPr>
-            <p:ph idx="1" type="body"/>
+            <p:ph type="body" idx="1"/>
           </p:nvPr>
         </p:nvSpPr>
         <p:spPr>
@@ -3347,7 +3763,7 @@
           </a:prstGeom>
         </p:spPr>
         <p:txBody>
-          <a:bodyPr anchorCtr="0" anchor="t" bIns="91425" lIns="91425" rIns="91425" tIns="91425"/>
+          <a:bodyPr lIns="91425" tIns="91425" rIns="91425" bIns="91425" anchor="t" anchorCtr="0"/>
           <a:lstStyle>
             <a:lvl1pPr lvl="0">
               <a:spcBef>
@@ -3404,15 +3820,19 @@
               <a:defRPr/>
             </a:lvl9pPr>
           </a:lstStyle>
-          <a:p/>
+          <a:p>
+            <a:endParaRPr/>
+          </a:p>
         </p:txBody>
       </p:sp>
       <p:sp>
         <p:nvSpPr>
           <p:cNvPr id="16" name="Shape 16"/>
-          <p:cNvSpPr txBox="1"/>
+          <p:cNvSpPr txBox="1">
+            <a:spLocks noGrp="1"/>
+          </p:cNvSpPr>
           <p:nvPr>
-            <p:ph idx="12" type="sldNum"/>
+            <p:ph type="sldNum" idx="12"/>
           </p:nvPr>
         </p:nvSpPr>
         <p:spPr>
@@ -3425,7 +3845,7 @@
           </a:prstGeom>
         </p:spPr>
         <p:txBody>
-          <a:bodyPr anchorCtr="0" anchor="ctr" bIns="91425" lIns="91425" rIns="91425" tIns="91425">
+          <a:bodyPr lIns="91425" tIns="91425" rIns="91425" bIns="91425" anchor="ctr" anchorCtr="0">
             <a:noAutofit/>
           </a:bodyPr>
           <a:lstStyle/>
@@ -3440,6 +3860,7 @@
               <a:rPr lang="en"/>
               <a:t>‹#›</a:t>
             </a:fld>
+            <a:endParaRPr lang="en"/>
           </a:p>
         </p:txBody>
       </p:sp>
@@ -3452,11 +3873,11 @@
 </file>
 
 <file path=ppt/slideLayouts/slideLayout3.xml><?xml version="1.0" encoding="utf-8"?>
-<p:sldLayout xmlns:a="http://schemas.openxmlformats.org/drawingml/2006/main" xmlns:r="http://schemas.openxmlformats.org/officeDocument/2006/relationships" xmlns:mc="http://schemas.openxmlformats.org/markup-compatibility/2006" xmlns:mv="urn:schemas-microsoft-com:mac:vml" xmlns:p="http://schemas.openxmlformats.org/presentationml/2006/main" xmlns:c="http://schemas.openxmlformats.org/drawingml/2006/chart" xmlns:dgm="http://schemas.openxmlformats.org/drawingml/2006/diagram" xmlns:o="urn:schemas-microsoft-com:office:office" xmlns:v="urn:schemas-microsoft-com:vml" xmlns:pvml="urn:schemas-microsoft-com:office:powerpoint" xmlns:com="http://schemas.openxmlformats.org/drawingml/2006/compatibility" xmlns:p14="http://schemas.microsoft.com/office/powerpoint/2010/main" type="twoColTx">
+<p:sldLayout xmlns:a="http://schemas.openxmlformats.org/drawingml/2006/main" xmlns:r="http://schemas.openxmlformats.org/officeDocument/2006/relationships" xmlns:p="http://schemas.openxmlformats.org/presentationml/2006/main" type="twoColTx">
   <p:cSld name="Title and two columns">
     <p:spTree>
       <p:nvGrpSpPr>
-        <p:cNvPr id="17" name="Shape 17"/>
+        <p:cNvPr id="1" name="Shape 17"/>
         <p:cNvGrpSpPr/>
         <p:nvPr/>
       </p:nvGrpSpPr>
@@ -3471,7 +3892,9 @@
       <p:sp>
         <p:nvSpPr>
           <p:cNvPr id="18" name="Shape 18"/>
-          <p:cNvSpPr txBox="1"/>
+          <p:cNvSpPr txBox="1">
+            <a:spLocks noGrp="1"/>
+          </p:cNvSpPr>
           <p:nvPr>
             <p:ph type="title"/>
           </p:nvPr>
@@ -3486,7 +3909,7 @@
           </a:prstGeom>
         </p:spPr>
         <p:txBody>
-          <a:bodyPr anchorCtr="0" anchor="b" bIns="91425" lIns="91425" rIns="91425" tIns="91425"/>
+          <a:bodyPr lIns="91425" tIns="91425" rIns="91425" bIns="91425" anchor="b" anchorCtr="0"/>
           <a:lstStyle>
             <a:lvl1pPr lvl="0">
               <a:spcBef>
@@ -3543,15 +3966,19 @@
               <a:defRPr/>
             </a:lvl9pPr>
           </a:lstStyle>
-          <a:p/>
+          <a:p>
+            <a:endParaRPr/>
+          </a:p>
         </p:txBody>
       </p:sp>
       <p:sp>
         <p:nvSpPr>
           <p:cNvPr id="19" name="Shape 19"/>
-          <p:cNvSpPr txBox="1"/>
+          <p:cNvSpPr txBox="1">
+            <a:spLocks noGrp="1"/>
+          </p:cNvSpPr>
           <p:nvPr>
-            <p:ph idx="1" type="body"/>
+            <p:ph type="body" idx="1"/>
           </p:nvPr>
         </p:nvSpPr>
         <p:spPr>
@@ -3564,7 +3991,7 @@
           </a:prstGeom>
         </p:spPr>
         <p:txBody>
-          <a:bodyPr anchorCtr="0" anchor="t" bIns="91425" lIns="91425" rIns="91425" tIns="91425"/>
+          <a:bodyPr lIns="91425" tIns="91425" rIns="91425" bIns="91425" anchor="t" anchorCtr="0"/>
           <a:lstStyle>
             <a:lvl1pPr lvl="0">
               <a:spcBef>
@@ -3621,15 +4048,19 @@
               <a:defRPr/>
             </a:lvl9pPr>
           </a:lstStyle>
-          <a:p/>
+          <a:p>
+            <a:endParaRPr/>
+          </a:p>
         </p:txBody>
       </p:sp>
       <p:sp>
         <p:nvSpPr>
           <p:cNvPr id="20" name="Shape 20"/>
-          <p:cNvSpPr txBox="1"/>
+          <p:cNvSpPr txBox="1">
+            <a:spLocks noGrp="1"/>
+          </p:cNvSpPr>
           <p:nvPr>
-            <p:ph idx="2" type="body"/>
+            <p:ph type="body" idx="2"/>
           </p:nvPr>
         </p:nvSpPr>
         <p:spPr>
@@ -3642,7 +4073,7 @@
           </a:prstGeom>
         </p:spPr>
         <p:txBody>
-          <a:bodyPr anchorCtr="0" anchor="t" bIns="91425" lIns="91425" rIns="91425" tIns="91425"/>
+          <a:bodyPr lIns="91425" tIns="91425" rIns="91425" bIns="91425" anchor="t" anchorCtr="0"/>
           <a:lstStyle>
             <a:lvl1pPr lvl="0">
               <a:spcBef>
@@ -3699,15 +4130,19 @@
               <a:defRPr/>
             </a:lvl9pPr>
           </a:lstStyle>
-          <a:p/>
+          <a:p>
+            <a:endParaRPr/>
+          </a:p>
         </p:txBody>
       </p:sp>
       <p:sp>
         <p:nvSpPr>
           <p:cNvPr id="21" name="Shape 21"/>
-          <p:cNvSpPr txBox="1"/>
+          <p:cNvSpPr txBox="1">
+            <a:spLocks noGrp="1"/>
+          </p:cNvSpPr>
           <p:nvPr>
-            <p:ph idx="12" type="sldNum"/>
+            <p:ph type="sldNum" idx="12"/>
           </p:nvPr>
         </p:nvSpPr>
         <p:spPr>
@@ -3720,7 +4155,7 @@
           </a:prstGeom>
         </p:spPr>
         <p:txBody>
-          <a:bodyPr anchorCtr="0" anchor="ctr" bIns="91425" lIns="91425" rIns="91425" tIns="91425">
+          <a:bodyPr lIns="91425" tIns="91425" rIns="91425" bIns="91425" anchor="ctr" anchorCtr="0">
             <a:noAutofit/>
           </a:bodyPr>
           <a:lstStyle/>
@@ -3735,6 +4170,7 @@
               <a:rPr lang="en"/>
               <a:t>‹#›</a:t>
             </a:fld>
+            <a:endParaRPr lang="en"/>
           </a:p>
         </p:txBody>
       </p:sp>
@@ -3747,11 +4183,11 @@
 </file>
 
 <file path=ppt/slideLayouts/slideLayout4.xml><?xml version="1.0" encoding="utf-8"?>
-<p:sldLayout xmlns:a="http://schemas.openxmlformats.org/drawingml/2006/main" xmlns:r="http://schemas.openxmlformats.org/officeDocument/2006/relationships" xmlns:mc="http://schemas.openxmlformats.org/markup-compatibility/2006" xmlns:mv="urn:schemas-microsoft-com:mac:vml" xmlns:p="http://schemas.openxmlformats.org/presentationml/2006/main" xmlns:c="http://schemas.openxmlformats.org/drawingml/2006/chart" xmlns:dgm="http://schemas.openxmlformats.org/drawingml/2006/diagram" xmlns:o="urn:schemas-microsoft-com:office:office" xmlns:v="urn:schemas-microsoft-com:vml" xmlns:pvml="urn:schemas-microsoft-com:office:powerpoint" xmlns:com="http://schemas.openxmlformats.org/drawingml/2006/compatibility" xmlns:p14="http://schemas.microsoft.com/office/powerpoint/2010/main" type="titleOnly">
+<p:sldLayout xmlns:a="http://schemas.openxmlformats.org/drawingml/2006/main" xmlns:r="http://schemas.openxmlformats.org/officeDocument/2006/relationships" xmlns:p="http://schemas.openxmlformats.org/presentationml/2006/main" type="titleOnly">
   <p:cSld name="Title only">
     <p:spTree>
       <p:nvGrpSpPr>
-        <p:cNvPr id="22" name="Shape 22"/>
+        <p:cNvPr id="1" name="Shape 22"/>
         <p:cNvGrpSpPr/>
         <p:nvPr/>
       </p:nvGrpSpPr>
@@ -3766,7 +4202,9 @@
       <p:sp>
         <p:nvSpPr>
           <p:cNvPr id="23" name="Shape 23"/>
-          <p:cNvSpPr txBox="1"/>
+          <p:cNvSpPr txBox="1">
+            <a:spLocks noGrp="1"/>
+          </p:cNvSpPr>
           <p:nvPr>
             <p:ph type="title"/>
           </p:nvPr>
@@ -3781,7 +4219,7 @@
           </a:prstGeom>
         </p:spPr>
         <p:txBody>
-          <a:bodyPr anchorCtr="0" anchor="b" bIns="91425" lIns="91425" rIns="91425" tIns="91425"/>
+          <a:bodyPr lIns="91425" tIns="91425" rIns="91425" bIns="91425" anchor="b" anchorCtr="0"/>
           <a:lstStyle>
             <a:lvl1pPr lvl="0">
               <a:spcBef>
@@ -3838,15 +4276,19 @@
               <a:defRPr/>
             </a:lvl9pPr>
           </a:lstStyle>
-          <a:p/>
+          <a:p>
+            <a:endParaRPr/>
+          </a:p>
         </p:txBody>
       </p:sp>
       <p:sp>
         <p:nvSpPr>
           <p:cNvPr id="24" name="Shape 24"/>
-          <p:cNvSpPr txBox="1"/>
+          <p:cNvSpPr txBox="1">
+            <a:spLocks noGrp="1"/>
+          </p:cNvSpPr>
           <p:nvPr>
-            <p:ph idx="12" type="sldNum"/>
+            <p:ph type="sldNum" idx="12"/>
           </p:nvPr>
         </p:nvSpPr>
         <p:spPr>
@@ -3859,7 +4301,7 @@
           </a:prstGeom>
         </p:spPr>
         <p:txBody>
-          <a:bodyPr anchorCtr="0" anchor="ctr" bIns="91425" lIns="91425" rIns="91425" tIns="91425">
+          <a:bodyPr lIns="91425" tIns="91425" rIns="91425" bIns="91425" anchor="ctr" anchorCtr="0">
             <a:noAutofit/>
           </a:bodyPr>
           <a:lstStyle/>
@@ -3874,6 +4316,7 @@
               <a:rPr lang="en"/>
               <a:t>‹#›</a:t>
             </a:fld>
+            <a:endParaRPr lang="en"/>
           </a:p>
         </p:txBody>
       </p:sp>
@@ -3886,11 +4329,11 @@
 </file>
 
 <file path=ppt/slideLayouts/slideLayout5.xml><?xml version="1.0" encoding="utf-8"?>
-<p:sldLayout xmlns:a="http://schemas.openxmlformats.org/drawingml/2006/main" xmlns:r="http://schemas.openxmlformats.org/officeDocument/2006/relationships" xmlns:mc="http://schemas.openxmlformats.org/markup-compatibility/2006" xmlns:mv="urn:schemas-microsoft-com:mac:vml" xmlns:p="http://schemas.openxmlformats.org/presentationml/2006/main" xmlns:c="http://schemas.openxmlformats.org/drawingml/2006/chart" xmlns:dgm="http://schemas.openxmlformats.org/drawingml/2006/diagram" xmlns:o="urn:schemas-microsoft-com:office:office" xmlns:v="urn:schemas-microsoft-com:vml" xmlns:pvml="urn:schemas-microsoft-com:office:powerpoint" xmlns:com="http://schemas.openxmlformats.org/drawingml/2006/compatibility" xmlns:p14="http://schemas.microsoft.com/office/powerpoint/2010/main">
+<p:sldLayout xmlns:a="http://schemas.openxmlformats.org/drawingml/2006/main" xmlns:r="http://schemas.openxmlformats.org/officeDocument/2006/relationships" xmlns:p="http://schemas.openxmlformats.org/presentationml/2006/main">
   <p:cSld name="Caption">
     <p:spTree>
       <p:nvGrpSpPr>
-        <p:cNvPr id="25" name="Shape 25"/>
+        <p:cNvPr id="1" name="Shape 25"/>
         <p:cNvGrpSpPr/>
         <p:nvPr/>
       </p:nvGrpSpPr>
@@ -3905,9 +4348,11 @@
       <p:sp>
         <p:nvSpPr>
           <p:cNvPr id="26" name="Shape 26"/>
-          <p:cNvSpPr txBox="1"/>
+          <p:cNvSpPr txBox="1">
+            <a:spLocks noGrp="1"/>
+          </p:cNvSpPr>
           <p:nvPr>
-            <p:ph idx="1" type="body"/>
+            <p:ph type="body" idx="1"/>
           </p:nvPr>
         </p:nvSpPr>
         <p:spPr>
@@ -3920,7 +4365,7 @@
           </a:prstGeom>
         </p:spPr>
         <p:txBody>
-          <a:bodyPr anchorCtr="0" anchor="t" bIns="91425" lIns="91425" rIns="91425" tIns="91425"/>
+          <a:bodyPr lIns="91425" tIns="91425" rIns="91425" bIns="91425" anchor="t" anchorCtr="0"/>
           <a:lstStyle>
             <a:lvl1pPr lvl="0" algn="ctr">
               <a:spcBef>
@@ -3931,15 +4376,19 @@
               <a:defRPr sz="1800"/>
             </a:lvl1pPr>
           </a:lstStyle>
-          <a:p/>
+          <a:p>
+            <a:endParaRPr/>
+          </a:p>
         </p:txBody>
       </p:sp>
       <p:sp>
         <p:nvSpPr>
           <p:cNvPr id="27" name="Shape 27"/>
-          <p:cNvSpPr txBox="1"/>
+          <p:cNvSpPr txBox="1">
+            <a:spLocks noGrp="1"/>
+          </p:cNvSpPr>
           <p:nvPr>
-            <p:ph idx="12" type="sldNum"/>
+            <p:ph type="sldNum" idx="12"/>
           </p:nvPr>
         </p:nvSpPr>
         <p:spPr>
@@ -3952,7 +4401,7 @@
           </a:prstGeom>
         </p:spPr>
         <p:txBody>
-          <a:bodyPr anchorCtr="0" anchor="ctr" bIns="91425" lIns="91425" rIns="91425" tIns="91425">
+          <a:bodyPr lIns="91425" tIns="91425" rIns="91425" bIns="91425" anchor="ctr" anchorCtr="0">
             <a:noAutofit/>
           </a:bodyPr>
           <a:lstStyle/>
@@ -3967,6 +4416,7 @@
               <a:rPr lang="en"/>
               <a:t>‹#›</a:t>
             </a:fld>
+            <a:endParaRPr lang="en"/>
           </a:p>
         </p:txBody>
       </p:sp>
@@ -3979,11 +4429,11 @@
 </file>
 
 <file path=ppt/slideLayouts/slideLayout6.xml><?xml version="1.0" encoding="utf-8"?>
-<p:sldLayout xmlns:a="http://schemas.openxmlformats.org/drawingml/2006/main" xmlns:r="http://schemas.openxmlformats.org/officeDocument/2006/relationships" xmlns:mc="http://schemas.openxmlformats.org/markup-compatibility/2006" xmlns:mv="urn:schemas-microsoft-com:mac:vml" xmlns:p="http://schemas.openxmlformats.org/presentationml/2006/main" xmlns:c="http://schemas.openxmlformats.org/drawingml/2006/chart" xmlns:dgm="http://schemas.openxmlformats.org/drawingml/2006/diagram" xmlns:o="urn:schemas-microsoft-com:office:office" xmlns:v="urn:schemas-microsoft-com:vml" xmlns:pvml="urn:schemas-microsoft-com:office:powerpoint" xmlns:com="http://schemas.openxmlformats.org/drawingml/2006/compatibility" xmlns:p14="http://schemas.microsoft.com/office/powerpoint/2010/main" type="blank">
+<p:sldLayout xmlns:a="http://schemas.openxmlformats.org/drawingml/2006/main" xmlns:r="http://schemas.openxmlformats.org/officeDocument/2006/relationships" xmlns:p="http://schemas.openxmlformats.org/presentationml/2006/main" type="blank">
   <p:cSld name="Blank">
     <p:spTree>
       <p:nvGrpSpPr>
-        <p:cNvPr id="28" name="Shape 28"/>
+        <p:cNvPr id="1" name="Shape 28"/>
         <p:cNvGrpSpPr/>
         <p:nvPr/>
       </p:nvGrpSpPr>
@@ -3998,9 +4448,11 @@
       <p:sp>
         <p:nvSpPr>
           <p:cNvPr id="29" name="Shape 29"/>
-          <p:cNvSpPr txBox="1"/>
+          <p:cNvSpPr txBox="1">
+            <a:spLocks noGrp="1"/>
+          </p:cNvSpPr>
           <p:nvPr>
-            <p:ph idx="12" type="sldNum"/>
+            <p:ph type="sldNum" idx="12"/>
           </p:nvPr>
         </p:nvSpPr>
         <p:spPr>
@@ -4013,7 +4465,7 @@
           </a:prstGeom>
         </p:spPr>
         <p:txBody>
-          <a:bodyPr anchorCtr="0" anchor="ctr" bIns="91425" lIns="91425" rIns="91425" tIns="91425">
+          <a:bodyPr lIns="91425" tIns="91425" rIns="91425" bIns="91425" anchor="ctr" anchorCtr="0">
             <a:noAutofit/>
           </a:bodyPr>
           <a:lstStyle/>
@@ -4028,6 +4480,7 @@
               <a:rPr lang="en"/>
               <a:t>‹#›</a:t>
             </a:fld>
+            <a:endParaRPr lang="en"/>
           </a:p>
         </p:txBody>
       </p:sp>
@@ -4040,18 +4493,19 @@
 </file>
 
 <file path=ppt/slideMasters/slideMaster1.xml><?xml version="1.0" encoding="utf-8"?>
-<p:sldMaster xmlns:a="http://schemas.openxmlformats.org/drawingml/2006/main" xmlns:r="http://schemas.openxmlformats.org/officeDocument/2006/relationships" xmlns:mc="http://schemas.openxmlformats.org/markup-compatibility/2006" xmlns:mv="urn:schemas-microsoft-com:mac:vml" xmlns:p="http://schemas.openxmlformats.org/presentationml/2006/main" xmlns:c="http://schemas.openxmlformats.org/drawingml/2006/chart" xmlns:dgm="http://schemas.openxmlformats.org/drawingml/2006/diagram" xmlns:o="urn:schemas-microsoft-com:office:office" xmlns:v="urn:schemas-microsoft-com:vml" xmlns:pvml="urn:schemas-microsoft-com:office:powerpoint" xmlns:com="http://schemas.openxmlformats.org/drawingml/2006/compatibility" xmlns:p14="http://schemas.microsoft.com/office/powerpoint/2010/main">
+<p:sldMaster xmlns:a="http://schemas.openxmlformats.org/drawingml/2006/main" xmlns:r="http://schemas.openxmlformats.org/officeDocument/2006/relationships" xmlns:p="http://schemas.openxmlformats.org/presentationml/2006/main">
   <p:cSld>
     <p:bg>
       <p:bgPr>
         <a:solidFill>
           <a:schemeClr val="lt1"/>
         </a:solidFill>
+        <a:effectLst/>
       </p:bgPr>
     </p:bg>
     <p:spTree>
       <p:nvGrpSpPr>
-        <p:cNvPr id="5" name="Shape 5"/>
+        <p:cNvPr id="1" name="Shape 5"/>
         <p:cNvGrpSpPr/>
         <p:nvPr/>
       </p:nvGrpSpPr>
@@ -4066,7 +4520,9 @@
       <p:sp>
         <p:nvSpPr>
           <p:cNvPr id="6" name="Shape 6"/>
-          <p:cNvSpPr txBox="1"/>
+          <p:cNvSpPr txBox="1">
+            <a:spLocks noGrp="1"/>
+          </p:cNvSpPr>
           <p:nvPr>
             <p:ph type="title"/>
           </p:nvPr>
@@ -4085,7 +4541,7 @@
           </a:ln>
         </p:spPr>
         <p:txBody>
-          <a:bodyPr anchorCtr="0" anchor="b" bIns="91425" lIns="91425" rIns="91425" tIns="91425"/>
+          <a:bodyPr lIns="91425" tIns="91425" rIns="91425" bIns="91425" anchor="b" anchorCtr="0"/>
           <a:lstStyle>
             <a:lvl1pPr lvl="0">
               <a:spcBef>
@@ -4096,7 +4552,7 @@
               </a:buClr>
               <a:buSzPct val="100000"/>
               <a:buNone/>
-              <a:defRPr b="1" sz="3600">
+              <a:defRPr sz="3600" b="1">
                 <a:solidFill>
                   <a:schemeClr val="dk1"/>
                 </a:solidFill>
@@ -4111,7 +4567,7 @@
               </a:buClr>
               <a:buSzPct val="100000"/>
               <a:buNone/>
-              <a:defRPr b="1" sz="3600">
+              <a:defRPr sz="3600" b="1">
                 <a:solidFill>
                   <a:schemeClr val="dk1"/>
                 </a:solidFill>
@@ -4126,7 +4582,7 @@
               </a:buClr>
               <a:buSzPct val="100000"/>
               <a:buNone/>
-              <a:defRPr b="1" sz="3600">
+              <a:defRPr sz="3600" b="1">
                 <a:solidFill>
                   <a:schemeClr val="dk1"/>
                 </a:solidFill>
@@ -4141,7 +4597,7 @@
               </a:buClr>
               <a:buSzPct val="100000"/>
               <a:buNone/>
-              <a:defRPr b="1" sz="3600">
+              <a:defRPr sz="3600" b="1">
                 <a:solidFill>
                   <a:schemeClr val="dk1"/>
                 </a:solidFill>
@@ -4156,7 +4612,7 @@
               </a:buClr>
               <a:buSzPct val="100000"/>
               <a:buNone/>
-              <a:defRPr b="1" sz="3600">
+              <a:defRPr sz="3600" b="1">
                 <a:solidFill>
                   <a:schemeClr val="dk1"/>
                 </a:solidFill>
@@ -4171,7 +4627,7 @@
               </a:buClr>
               <a:buSzPct val="100000"/>
               <a:buNone/>
-              <a:defRPr b="1" sz="3600">
+              <a:defRPr sz="3600" b="1">
                 <a:solidFill>
                   <a:schemeClr val="dk1"/>
                 </a:solidFill>
@@ -4186,7 +4642,7 @@
               </a:buClr>
               <a:buSzPct val="100000"/>
               <a:buNone/>
-              <a:defRPr b="1" sz="3600">
+              <a:defRPr sz="3600" b="1">
                 <a:solidFill>
                   <a:schemeClr val="dk1"/>
                 </a:solidFill>
@@ -4201,7 +4657,7 @@
               </a:buClr>
               <a:buSzPct val="100000"/>
               <a:buNone/>
-              <a:defRPr b="1" sz="3600">
+              <a:defRPr sz="3600" b="1">
                 <a:solidFill>
                   <a:schemeClr val="dk1"/>
                 </a:solidFill>
@@ -4216,22 +4672,26 @@
               </a:buClr>
               <a:buSzPct val="100000"/>
               <a:buNone/>
-              <a:defRPr b="1" sz="3600">
+              <a:defRPr sz="3600" b="1">
                 <a:solidFill>
                   <a:schemeClr val="dk1"/>
                 </a:solidFill>
               </a:defRPr>
             </a:lvl9pPr>
           </a:lstStyle>
-          <a:p/>
+          <a:p>
+            <a:endParaRPr/>
+          </a:p>
         </p:txBody>
       </p:sp>
       <p:sp>
         <p:nvSpPr>
           <p:cNvPr id="7" name="Shape 7"/>
-          <p:cNvSpPr txBox="1"/>
+          <p:cNvSpPr txBox="1">
+            <a:spLocks noGrp="1"/>
+          </p:cNvSpPr>
           <p:nvPr>
-            <p:ph idx="1" type="body"/>
+            <p:ph type="body" idx="1"/>
           </p:nvPr>
         </p:nvSpPr>
         <p:spPr>
@@ -4248,7 +4708,7 @@
           </a:ln>
         </p:spPr>
         <p:txBody>
-          <a:bodyPr anchorCtr="0" anchor="t" bIns="91425" lIns="91425" rIns="91425" tIns="91425"/>
+          <a:bodyPr lIns="91425" tIns="91425" rIns="91425" bIns="91425" anchor="t" anchorCtr="0"/>
           <a:lstStyle>
             <a:lvl1pPr lvl="0">
               <a:spcBef>
@@ -4377,15 +4837,19 @@
               </a:defRPr>
             </a:lvl9pPr>
           </a:lstStyle>
-          <a:p/>
+          <a:p>
+            <a:endParaRPr/>
+          </a:p>
         </p:txBody>
       </p:sp>
       <p:sp>
         <p:nvSpPr>
           <p:cNvPr id="8" name="Shape 8"/>
-          <p:cNvSpPr txBox="1"/>
+          <p:cNvSpPr txBox="1">
+            <a:spLocks noGrp="1"/>
+          </p:cNvSpPr>
           <p:nvPr>
-            <p:ph idx="12" type="sldNum"/>
+            <p:ph type="sldNum" idx="12"/>
           </p:nvPr>
         </p:nvSpPr>
         <p:spPr>
@@ -4402,7 +4866,7 @@
           </a:ln>
         </p:spPr>
         <p:txBody>
-          <a:bodyPr anchorCtr="0" anchor="ctr" bIns="91425" lIns="91425" rIns="91425" tIns="91425">
+          <a:bodyPr lIns="91425" tIns="91425" rIns="91425" bIns="91425" anchor="ctr" anchorCtr="0">
             <a:noAutofit/>
           </a:bodyPr>
           <a:lstStyle/>
@@ -4421,12 +4885,17 @@
               </a:rPr>
               <a:t>‹#›</a:t>
             </a:fld>
+            <a:endParaRPr lang="en" sz="1300">
+              <a:solidFill>
+                <a:schemeClr val="dk1"/>
+              </a:solidFill>
+            </a:endParaRPr>
           </a:p>
         </p:txBody>
       </p:sp>
     </p:spTree>
   </p:cSld>
-  <p:clrMap accent1="accent1" accent2="accent2" accent3="accent3" accent4="accent4" accent5="accent5" accent6="accent6" bg1="lt1" bg2="dk2" tx1="dk1" tx2="lt2" folHlink="folHlink" hlink="hlink"/>
+  <p:clrMap bg1="lt1" tx1="dk1" bg2="dk2" tx2="lt2" accent1="accent1" accent2="accent2" accent3="accent3" accent4="accent4" accent5="accent5" accent6="accent6" hlink="hlink" folHlink="folHlink"/>
   <p:sldLayoutIdLst>
     <p:sldLayoutId id="2147483648" r:id="rId1"/>
     <p:sldLayoutId id="2147483649" r:id="rId2"/>
@@ -4435,10 +4904,10 @@
     <p:sldLayoutId id="2147483652" r:id="rId5"/>
     <p:sldLayoutId id="2147483653" r:id="rId6"/>
   </p:sldLayoutIdLst>
-  <p:hf dt="0" ftr="0" hdr="0" sldNum="0"/>
+  <p:hf sldNum="0" hdr="0" ftr="0" dt="0"/>
   <p:txStyles>
     <p:titleStyle>
-      <a:defPPr lvl="0" marR="0" rtl="0" algn="l">
+      <a:defPPr marR="0" lvl="0" algn="l" rtl="0">
         <a:lnSpc>
           <a:spcPct val="100000"/>
         </a:lnSpc>
@@ -4449,7 +4918,7 @@
           <a:spcPts val="0"/>
         </a:spcAft>
       </a:defPPr>
-      <a:lvl1pPr lvl="0" marR="0" rtl="0" algn="l">
+      <a:lvl1pPr marR="0" lvl="0" algn="l" rtl="0">
         <a:lnSpc>
           <a:spcPct val="100000"/>
         </a:lnSpc>
@@ -4460,7 +4929,7 @@
           <a:spcPts val="0"/>
         </a:spcAft>
         <a:buNone/>
-        <a:defRPr b="0" i="0" sz="1400" u="none" cap="none" strike="noStrike">
+        <a:defRPr sz="1400" b="0" i="0" u="none" strike="noStrike" cap="none">
           <a:solidFill>
             <a:srgbClr val="000000"/>
           </a:solidFill>
@@ -4472,7 +4941,7 @@
       </a:lvl1pPr>
     </p:titleStyle>
     <p:bodyStyle>
-      <a:defPPr lvl="0" marR="0" rtl="0" algn="l">
+      <a:defPPr marR="0" lvl="0" algn="l" rtl="0">
         <a:lnSpc>
           <a:spcPct val="100000"/>
         </a:lnSpc>
@@ -4483,7 +4952,7 @@
           <a:spcPts val="0"/>
         </a:spcAft>
       </a:defPPr>
-      <a:lvl1pPr lvl="0" marR="0" rtl="0" algn="l">
+      <a:lvl1pPr marR="0" lvl="0" algn="l" rtl="0">
         <a:lnSpc>
           <a:spcPct val="100000"/>
         </a:lnSpc>
@@ -4494,7 +4963,7 @@
           <a:spcPts val="0"/>
         </a:spcAft>
         <a:buNone/>
-        <a:defRPr b="0" i="0" sz="1400" u="none" cap="none" strike="noStrike">
+        <a:defRPr sz="1400" b="0" i="0" u="none" strike="noStrike" cap="none">
           <a:solidFill>
             <a:srgbClr val="000000"/>
           </a:solidFill>
@@ -4504,7 +4973,7 @@
           <a:sym typeface="Arial"/>
         </a:defRPr>
       </a:lvl1pPr>
-      <a:lvl2pPr lvl="1" marR="0" rtl="0" algn="l">
+      <a:lvl2pPr marR="0" lvl="1" algn="l" rtl="0">
         <a:lnSpc>
           <a:spcPct val="100000"/>
         </a:lnSpc>
@@ -4515,7 +4984,7 @@
           <a:spcPts val="0"/>
         </a:spcAft>
         <a:buNone/>
-        <a:defRPr b="0" i="0" sz="1400" u="none" cap="none" strike="noStrike">
+        <a:defRPr sz="1400" b="0" i="0" u="none" strike="noStrike" cap="none">
           <a:solidFill>
             <a:srgbClr val="000000"/>
           </a:solidFill>
@@ -4525,7 +4994,7 @@
           <a:sym typeface="Arial"/>
         </a:defRPr>
       </a:lvl2pPr>
-      <a:lvl3pPr lvl="2" marR="0" rtl="0" algn="l">
+      <a:lvl3pPr marR="0" lvl="2" algn="l" rtl="0">
         <a:lnSpc>
           <a:spcPct val="100000"/>
         </a:lnSpc>
@@ -4536,7 +5005,7 @@
           <a:spcPts val="0"/>
         </a:spcAft>
         <a:buNone/>
-        <a:defRPr b="0" i="0" sz="1400" u="none" cap="none" strike="noStrike">
+        <a:defRPr sz="1400" b="0" i="0" u="none" strike="noStrike" cap="none">
           <a:solidFill>
             <a:srgbClr val="000000"/>
           </a:solidFill>
@@ -4546,7 +5015,7 @@
           <a:sym typeface="Arial"/>
         </a:defRPr>
       </a:lvl3pPr>
-      <a:lvl4pPr lvl="3" marR="0" rtl="0" algn="l">
+      <a:lvl4pPr marR="0" lvl="3" algn="l" rtl="0">
         <a:lnSpc>
           <a:spcPct val="100000"/>
         </a:lnSpc>
@@ -4557,7 +5026,7 @@
           <a:spcPts val="0"/>
         </a:spcAft>
         <a:buNone/>
-        <a:defRPr b="0" i="0" sz="1400" u="none" cap="none" strike="noStrike">
+        <a:defRPr sz="1400" b="0" i="0" u="none" strike="noStrike" cap="none">
           <a:solidFill>
             <a:srgbClr val="000000"/>
           </a:solidFill>
@@ -4567,7 +5036,7 @@
           <a:sym typeface="Arial"/>
         </a:defRPr>
       </a:lvl4pPr>
-      <a:lvl5pPr lvl="4" marR="0" rtl="0" algn="l">
+      <a:lvl5pPr marR="0" lvl="4" algn="l" rtl="0">
         <a:lnSpc>
           <a:spcPct val="100000"/>
         </a:lnSpc>
@@ -4578,7 +5047,7 @@
           <a:spcPts val="0"/>
         </a:spcAft>
         <a:buNone/>
-        <a:defRPr b="0" i="0" sz="1400" u="none" cap="none" strike="noStrike">
+        <a:defRPr sz="1400" b="0" i="0" u="none" strike="noStrike" cap="none">
           <a:solidFill>
             <a:srgbClr val="000000"/>
           </a:solidFill>
@@ -4588,7 +5057,7 @@
           <a:sym typeface="Arial"/>
         </a:defRPr>
       </a:lvl5pPr>
-      <a:lvl6pPr lvl="5" marR="0" rtl="0" algn="l">
+      <a:lvl6pPr marR="0" lvl="5" algn="l" rtl="0">
         <a:lnSpc>
           <a:spcPct val="100000"/>
         </a:lnSpc>
@@ -4599,7 +5068,7 @@
           <a:spcPts val="0"/>
         </a:spcAft>
         <a:buNone/>
-        <a:defRPr b="0" i="0" sz="1400" u="none" cap="none" strike="noStrike">
+        <a:defRPr sz="1400" b="0" i="0" u="none" strike="noStrike" cap="none">
           <a:solidFill>
             <a:srgbClr val="000000"/>
           </a:solidFill>
@@ -4609,7 +5078,7 @@
           <a:sym typeface="Arial"/>
         </a:defRPr>
       </a:lvl6pPr>
-      <a:lvl7pPr lvl="6" marR="0" rtl="0" algn="l">
+      <a:lvl7pPr marR="0" lvl="6" algn="l" rtl="0">
         <a:lnSpc>
           <a:spcPct val="100000"/>
         </a:lnSpc>
@@ -4620,7 +5089,7 @@
           <a:spcPts val="0"/>
         </a:spcAft>
         <a:buNone/>
-        <a:defRPr b="0" i="0" sz="1400" u="none" cap="none" strike="noStrike">
+        <a:defRPr sz="1400" b="0" i="0" u="none" strike="noStrike" cap="none">
           <a:solidFill>
             <a:srgbClr val="000000"/>
           </a:solidFill>
@@ -4630,7 +5099,7 @@
           <a:sym typeface="Arial"/>
         </a:defRPr>
       </a:lvl7pPr>
-      <a:lvl8pPr lvl="7" marR="0" rtl="0" algn="l">
+      <a:lvl8pPr marR="0" lvl="7" algn="l" rtl="0">
         <a:lnSpc>
           <a:spcPct val="100000"/>
         </a:lnSpc>
@@ -4641,7 +5110,7 @@
           <a:spcPts val="0"/>
         </a:spcAft>
         <a:buNone/>
-        <a:defRPr b="0" i="0" sz="1400" u="none" cap="none" strike="noStrike">
+        <a:defRPr sz="1400" b="0" i="0" u="none" strike="noStrike" cap="none">
           <a:solidFill>
             <a:srgbClr val="000000"/>
           </a:solidFill>
@@ -4651,7 +5120,7 @@
           <a:sym typeface="Arial"/>
         </a:defRPr>
       </a:lvl8pPr>
-      <a:lvl9pPr lvl="8" marR="0" rtl="0" algn="l">
+      <a:lvl9pPr marR="0" lvl="8" algn="l" rtl="0">
         <a:lnSpc>
           <a:spcPct val="100000"/>
         </a:lnSpc>
@@ -4662,7 +5131,7 @@
           <a:spcPts val="0"/>
         </a:spcAft>
         <a:buNone/>
-        <a:defRPr b="0" i="0" sz="1400" u="none" cap="none" strike="noStrike">
+        <a:defRPr sz="1400" b="0" i="0" u="none" strike="noStrike" cap="none">
           <a:solidFill>
             <a:srgbClr val="000000"/>
           </a:solidFill>
@@ -4674,7 +5143,7 @@
       </a:lvl9pPr>
     </p:bodyStyle>
     <p:otherStyle>
-      <a:defPPr lvl="0" marR="0" rtl="0" algn="l">
+      <a:defPPr marR="0" lvl="0" algn="l" rtl="0">
         <a:lnSpc>
           <a:spcPct val="100000"/>
         </a:lnSpc>
@@ -4685,7 +5154,7 @@
           <a:spcPts val="0"/>
         </a:spcAft>
       </a:defPPr>
-      <a:lvl1pPr lvl="0" marR="0" rtl="0" algn="l">
+      <a:lvl1pPr marR="0" lvl="0" algn="l" rtl="0">
         <a:lnSpc>
           <a:spcPct val="100000"/>
         </a:lnSpc>
@@ -4696,7 +5165,7 @@
           <a:spcPts val="0"/>
         </a:spcAft>
         <a:buNone/>
-        <a:defRPr b="0" i="0" sz="1400" u="none" cap="none" strike="noStrike">
+        <a:defRPr sz="1400" b="0" i="0" u="none" strike="noStrike" cap="none">
           <a:solidFill>
             <a:srgbClr val="000000"/>
           </a:solidFill>
@@ -4706,7 +5175,7 @@
           <a:sym typeface="Arial"/>
         </a:defRPr>
       </a:lvl1pPr>
-      <a:lvl2pPr lvl="1" marR="0" rtl="0" algn="l">
+      <a:lvl2pPr marR="0" lvl="1" algn="l" rtl="0">
         <a:lnSpc>
           <a:spcPct val="100000"/>
         </a:lnSpc>
@@ -4717,7 +5186,7 @@
           <a:spcPts val="0"/>
         </a:spcAft>
         <a:buNone/>
-        <a:defRPr b="0" i="0" sz="1400" u="none" cap="none" strike="noStrike">
+        <a:defRPr sz="1400" b="0" i="0" u="none" strike="noStrike" cap="none">
           <a:solidFill>
             <a:srgbClr val="000000"/>
           </a:solidFill>
@@ -4727,7 +5196,7 @@
           <a:sym typeface="Arial"/>
         </a:defRPr>
       </a:lvl2pPr>
-      <a:lvl3pPr lvl="2" marR="0" rtl="0" algn="l">
+      <a:lvl3pPr marR="0" lvl="2" algn="l" rtl="0">
         <a:lnSpc>
           <a:spcPct val="100000"/>
         </a:lnSpc>
@@ -4738,7 +5207,7 @@
           <a:spcPts val="0"/>
         </a:spcAft>
         <a:buNone/>
-        <a:defRPr b="0" i="0" sz="1400" u="none" cap="none" strike="noStrike">
+        <a:defRPr sz="1400" b="0" i="0" u="none" strike="noStrike" cap="none">
           <a:solidFill>
             <a:srgbClr val="000000"/>
           </a:solidFill>
@@ -4748,7 +5217,7 @@
           <a:sym typeface="Arial"/>
         </a:defRPr>
       </a:lvl3pPr>
-      <a:lvl4pPr lvl="3" marR="0" rtl="0" algn="l">
+      <a:lvl4pPr marR="0" lvl="3" algn="l" rtl="0">
         <a:lnSpc>
           <a:spcPct val="100000"/>
         </a:lnSpc>
@@ -4759,7 +5228,7 @@
           <a:spcPts val="0"/>
         </a:spcAft>
         <a:buNone/>
-        <a:defRPr b="0" i="0" sz="1400" u="none" cap="none" strike="noStrike">
+        <a:defRPr sz="1400" b="0" i="0" u="none" strike="noStrike" cap="none">
           <a:solidFill>
             <a:srgbClr val="000000"/>
           </a:solidFill>
@@ -4769,7 +5238,7 @@
           <a:sym typeface="Arial"/>
         </a:defRPr>
       </a:lvl4pPr>
-      <a:lvl5pPr lvl="4" marR="0" rtl="0" algn="l">
+      <a:lvl5pPr marR="0" lvl="4" algn="l" rtl="0">
         <a:lnSpc>
           <a:spcPct val="100000"/>
         </a:lnSpc>
@@ -4780,7 +5249,7 @@
           <a:spcPts val="0"/>
         </a:spcAft>
         <a:buNone/>
-        <a:defRPr b="0" i="0" sz="1400" u="none" cap="none" strike="noStrike">
+        <a:defRPr sz="1400" b="0" i="0" u="none" strike="noStrike" cap="none">
           <a:solidFill>
             <a:srgbClr val="000000"/>
           </a:solidFill>
@@ -4790,7 +5259,7 @@
           <a:sym typeface="Arial"/>
         </a:defRPr>
       </a:lvl5pPr>
-      <a:lvl6pPr lvl="5" marR="0" rtl="0" algn="l">
+      <a:lvl6pPr marR="0" lvl="5" algn="l" rtl="0">
         <a:lnSpc>
           <a:spcPct val="100000"/>
         </a:lnSpc>
@@ -4801,7 +5270,7 @@
           <a:spcPts val="0"/>
         </a:spcAft>
         <a:buNone/>
-        <a:defRPr b="0" i="0" sz="1400" u="none" cap="none" strike="noStrike">
+        <a:defRPr sz="1400" b="0" i="0" u="none" strike="noStrike" cap="none">
           <a:solidFill>
             <a:srgbClr val="000000"/>
           </a:solidFill>
@@ -4811,7 +5280,7 @@
           <a:sym typeface="Arial"/>
         </a:defRPr>
       </a:lvl6pPr>
-      <a:lvl7pPr lvl="6" marR="0" rtl="0" algn="l">
+      <a:lvl7pPr marR="0" lvl="6" algn="l" rtl="0">
         <a:lnSpc>
           <a:spcPct val="100000"/>
         </a:lnSpc>
@@ -4822,7 +5291,7 @@
           <a:spcPts val="0"/>
         </a:spcAft>
         <a:buNone/>
-        <a:defRPr b="0" i="0" sz="1400" u="none" cap="none" strike="noStrike">
+        <a:defRPr sz="1400" b="0" i="0" u="none" strike="noStrike" cap="none">
           <a:solidFill>
             <a:srgbClr val="000000"/>
           </a:solidFill>
@@ -4832,7 +5301,7 @@
           <a:sym typeface="Arial"/>
         </a:defRPr>
       </a:lvl7pPr>
-      <a:lvl8pPr lvl="7" marR="0" rtl="0" algn="l">
+      <a:lvl8pPr marR="0" lvl="7" algn="l" rtl="0">
         <a:lnSpc>
           <a:spcPct val="100000"/>
         </a:lnSpc>
@@ -4843,7 +5312,7 @@
           <a:spcPts val="0"/>
         </a:spcAft>
         <a:buNone/>
-        <a:defRPr b="0" i="0" sz="1400" u="none" cap="none" strike="noStrike">
+        <a:defRPr sz="1400" b="0" i="0" u="none" strike="noStrike" cap="none">
           <a:solidFill>
             <a:srgbClr val="000000"/>
           </a:solidFill>
@@ -4853,7 +5322,7 @@
           <a:sym typeface="Arial"/>
         </a:defRPr>
       </a:lvl8pPr>
-      <a:lvl9pPr lvl="8" marR="0" rtl="0" algn="l">
+      <a:lvl9pPr marR="0" lvl="8" algn="l" rtl="0">
         <a:lnSpc>
           <a:spcPct val="100000"/>
         </a:lnSpc>
@@ -4864,7 +5333,7 @@
           <a:spcPts val="0"/>
         </a:spcAft>
         <a:buNone/>
-        <a:defRPr b="0" i="0" sz="1400" u="none" cap="none" strike="noStrike">
+        <a:defRPr sz="1400" b="0" i="0" u="none" strike="noStrike" cap="none">
           <a:solidFill>
             <a:srgbClr val="000000"/>
           </a:solidFill>
@@ -4880,11 +5349,11 @@
 </file>
 
 <file path=ppt/slides/slide1.xml><?xml version="1.0" encoding="utf-8"?>
-<p:sld xmlns:a="http://schemas.openxmlformats.org/drawingml/2006/main" xmlns:r="http://schemas.openxmlformats.org/officeDocument/2006/relationships" xmlns:mc="http://schemas.openxmlformats.org/markup-compatibility/2006" xmlns:mv="urn:schemas-microsoft-com:mac:vml" xmlns:p="http://schemas.openxmlformats.org/presentationml/2006/main" xmlns:c="http://schemas.openxmlformats.org/drawingml/2006/chart" xmlns:dgm="http://schemas.openxmlformats.org/drawingml/2006/diagram" xmlns:o="urn:schemas-microsoft-com:office:office" xmlns:v="urn:schemas-microsoft-com:vml" xmlns:pvml="urn:schemas-microsoft-com:office:powerpoint" xmlns:com="http://schemas.openxmlformats.org/drawingml/2006/compatibility" xmlns:p14="http://schemas.microsoft.com/office/powerpoint/2010/main">
+<p:sld xmlns:a="http://schemas.openxmlformats.org/drawingml/2006/main" xmlns:r="http://schemas.openxmlformats.org/officeDocument/2006/relationships" xmlns:p="http://schemas.openxmlformats.org/presentationml/2006/main">
   <p:cSld>
     <p:spTree>
       <p:nvGrpSpPr>
-        <p:cNvPr id="33" name="Shape 33"/>
+        <p:cNvPr id="1" name="Shape 33"/>
         <p:cNvGrpSpPr/>
         <p:nvPr/>
       </p:nvGrpSpPr>
@@ -4899,7 +5368,9 @@
       <p:sp>
         <p:nvSpPr>
           <p:cNvPr id="34" name="Shape 34"/>
-          <p:cNvSpPr txBox="1"/>
+          <p:cNvSpPr txBox="1">
+            <a:spLocks noGrp="1"/>
+          </p:cNvSpPr>
           <p:nvPr>
             <p:ph type="ctrTitle"/>
           </p:nvPr>
@@ -4914,7 +5385,7 @@
           </a:prstGeom>
         </p:spPr>
         <p:txBody>
-          <a:bodyPr anchorCtr="0" anchor="b" bIns="91425" lIns="91425" rIns="91425" tIns="91425">
+          <a:bodyPr lIns="91425" tIns="91425" rIns="91425" bIns="91425" anchor="b" anchorCtr="0">
             <a:noAutofit/>
           </a:bodyPr>
           <a:lstStyle/>
@@ -4944,11 +5415,11 @@
 </file>
 
 <file path=ppt/slides/slide10.xml><?xml version="1.0" encoding="utf-8"?>
-<p:sld xmlns:a="http://schemas.openxmlformats.org/drawingml/2006/main" xmlns:r="http://schemas.openxmlformats.org/officeDocument/2006/relationships" xmlns:mc="http://schemas.openxmlformats.org/markup-compatibility/2006" xmlns:mv="urn:schemas-microsoft-com:mac:vml" xmlns:p="http://schemas.openxmlformats.org/presentationml/2006/main" xmlns:c="http://schemas.openxmlformats.org/drawingml/2006/chart" xmlns:dgm="http://schemas.openxmlformats.org/drawingml/2006/diagram" xmlns:o="urn:schemas-microsoft-com:office:office" xmlns:v="urn:schemas-microsoft-com:vml" xmlns:pvml="urn:schemas-microsoft-com:office:powerpoint" xmlns:com="http://schemas.openxmlformats.org/drawingml/2006/compatibility" xmlns:p14="http://schemas.microsoft.com/office/powerpoint/2010/main">
+<p:sld xmlns:a="http://schemas.openxmlformats.org/drawingml/2006/main" xmlns:r="http://schemas.openxmlformats.org/officeDocument/2006/relationships" xmlns:p="http://schemas.openxmlformats.org/presentationml/2006/main">
   <p:cSld>
     <p:spTree>
       <p:nvGrpSpPr>
-        <p:cNvPr id="120" name="Shape 120"/>
+        <p:cNvPr id="1" name="Shape 120"/>
         <p:cNvGrpSpPr/>
         <p:nvPr/>
       </p:nvGrpSpPr>
@@ -4963,7 +5434,9 @@
       <p:sp>
         <p:nvSpPr>
           <p:cNvPr id="121" name="Shape 121"/>
-          <p:cNvSpPr txBox="1"/>
+          <p:cNvSpPr txBox="1">
+            <a:spLocks noGrp="1"/>
+          </p:cNvSpPr>
           <p:nvPr>
             <p:ph type="title"/>
           </p:nvPr>
@@ -4978,7 +5451,7 @@
           </a:prstGeom>
         </p:spPr>
         <p:txBody>
-          <a:bodyPr anchorCtr="0" anchor="b" bIns="91425" lIns="91425" rIns="91425" tIns="91425">
+          <a:bodyPr lIns="91425" tIns="91425" rIns="91425" bIns="91425" anchor="b" anchorCtr="0">
             <a:noAutofit/>
           </a:bodyPr>
           <a:lstStyle/>
@@ -4999,9 +5472,11 @@
       <p:sp>
         <p:nvSpPr>
           <p:cNvPr id="122" name="Shape 122"/>
-          <p:cNvSpPr txBox="1"/>
+          <p:cNvSpPr txBox="1">
+            <a:spLocks noGrp="1"/>
+          </p:cNvSpPr>
           <p:nvPr>
-            <p:ph idx="1" type="body"/>
+            <p:ph type="body" idx="1"/>
           </p:nvPr>
         </p:nvSpPr>
         <p:spPr>
@@ -5014,19 +5489,19 @@
           </a:prstGeom>
         </p:spPr>
         <p:txBody>
-          <a:bodyPr anchorCtr="0" anchor="t" bIns="91425" lIns="91425" rIns="91425" tIns="91425">
+          <a:bodyPr lIns="91425" tIns="91425" rIns="91425" bIns="91425" anchor="t" anchorCtr="0">
             <a:noAutofit/>
           </a:bodyPr>
           <a:lstStyle/>
           <a:p>
-            <a:pPr lvl="0" rtl="0" algn="ctr">
-              <a:spcBef>
-                <a:spcPts val="0"/>
-              </a:spcBef>
-              <a:buNone/>
-            </a:pPr>
-            <a:r>
-              <a:rPr i="1" lang="en" sz="2400"/>
+            <a:pPr lvl="0" algn="ctr" rtl="0">
+              <a:spcBef>
+                <a:spcPts val="0"/>
+              </a:spcBef>
+              <a:buNone/>
+            </a:pPr>
+            <a:r>
+              <a:rPr lang="en" sz="2400" i="1"/>
               <a:t>Slicing</a:t>
             </a:r>
             <a:r>
@@ -5035,7 +5510,7 @@
             </a:r>
           </a:p>
           <a:p>
-            <a:pPr lvl="0" rtl="0" algn="l">
+            <a:pPr lvl="0" algn="l" rtl="0">
               <a:spcBef>
                 <a:spcPts val="0"/>
               </a:spcBef>
@@ -5052,7 +5527,7 @@
             </a:r>
           </a:p>
           <a:p>
-            <a:pPr lvl="0" rtl="0" algn="l">
+            <a:pPr lvl="0" algn="l" rtl="0">
               <a:spcBef>
                 <a:spcPts val="0"/>
               </a:spcBef>
@@ -5069,15 +5544,12 @@
             </a:r>
           </a:p>
           <a:p>
-            <a:pPr lvl="0" rtl="0" algn="l">
-              <a:spcBef>
-                <a:spcPts val="0"/>
-              </a:spcBef>
-              <a:buNone/>
-            </a:pPr>
-            <a:r>
-              <a:t/>
-            </a:r>
+            <a:pPr lvl="0" algn="l" rtl="0">
+              <a:spcBef>
+                <a:spcPts val="0"/>
+              </a:spcBef>
+              <a:buNone/>
+            </a:pPr>
             <a:endParaRPr sz="2400">
               <a:latin typeface="Courier New"/>
               <a:ea typeface="Courier New"/>
@@ -5086,15 +5558,12 @@
             </a:endParaRPr>
           </a:p>
           <a:p>
-            <a:pPr lvl="0" rtl="0" algn="l">
-              <a:spcBef>
-                <a:spcPts val="0"/>
-              </a:spcBef>
-              <a:buNone/>
-            </a:pPr>
-            <a:r>
-              <a:t/>
-            </a:r>
+            <a:pPr lvl="0" algn="l" rtl="0">
+              <a:spcBef>
+                <a:spcPts val="0"/>
+              </a:spcBef>
+              <a:buNone/>
+            </a:pPr>
             <a:endParaRPr sz="2400">
               <a:latin typeface="Courier New"/>
               <a:ea typeface="Courier New"/>
@@ -5103,15 +5572,12 @@
             </a:endParaRPr>
           </a:p>
           <a:p>
-            <a:pPr lvl="0" rtl="0" algn="l">
-              <a:spcBef>
-                <a:spcPts val="0"/>
-              </a:spcBef>
-              <a:buNone/>
-            </a:pPr>
-            <a:r>
-              <a:t/>
-            </a:r>
+            <a:pPr lvl="0" algn="l" rtl="0">
+              <a:spcBef>
+                <a:spcPts val="0"/>
+              </a:spcBef>
+              <a:buNone/>
+            </a:pPr>
             <a:endParaRPr sz="2400">
               <a:latin typeface="Courier New"/>
               <a:ea typeface="Courier New"/>
@@ -5120,7 +5586,7 @@
             </a:endParaRPr>
           </a:p>
           <a:p>
-            <a:pPr lvl="0" rtl="0" algn="l">
+            <a:pPr lvl="0" algn="l" rtl="0">
               <a:spcBef>
                 <a:spcPts val="0"/>
               </a:spcBef>
@@ -5132,7 +5598,7 @@
             </a:r>
           </a:p>
           <a:p>
-            <a:pPr lvl="0" rtl="0" algn="l">
+            <a:pPr lvl="0" algn="l" rtl="0">
               <a:spcBef>
                 <a:spcPts val="0"/>
               </a:spcBef>
@@ -5163,23 +5629,23 @@
           </a:xfrm>
           <a:prstGeom prst="rightBrace">
             <a:avLst>
-              <a:gd fmla="val 8333" name="adj1"/>
-              <a:gd fmla="val 50000" name="adj2"/>
+              <a:gd name="adj1" fmla="val 8333"/>
+              <a:gd name="adj2" fmla="val 50000"/>
             </a:avLst>
           </a:prstGeom>
           <a:noFill/>
-          <a:ln cap="flat" cmpd="sng" w="38100">
+          <a:ln w="38100" cap="flat" cmpd="sng">
             <a:solidFill>
               <a:schemeClr val="dk2"/>
             </a:solidFill>
             <a:prstDash val="solid"/>
             <a:round/>
-            <a:headEnd len="med" w="med" type="none"/>
-            <a:tailEnd len="med" w="med" type="none"/>
+            <a:headEnd type="none" w="med" len="med"/>
+            <a:tailEnd type="none" w="med" len="med"/>
           </a:ln>
         </p:spPr>
         <p:txBody>
-          <a:bodyPr anchorCtr="0" anchor="ctr" bIns="91425" lIns="91425" rIns="91425" tIns="91425">
+          <a:bodyPr lIns="91425" tIns="91425" rIns="91425" bIns="91425" anchor="ctr" anchorCtr="0">
             <a:noAutofit/>
           </a:bodyPr>
           <a:lstStyle/>
@@ -5190,9 +5656,6 @@
               </a:spcBef>
               <a:buNone/>
             </a:pPr>
-            <a:r>
-              <a:t/>
-            </a:r>
             <a:endParaRPr/>
           </a:p>
         </p:txBody>
@@ -5217,35 +5680,35 @@
           </a:ln>
         </p:spPr>
         <p:txBody>
-          <a:bodyPr anchorCtr="0" anchor="t" bIns="91425" lIns="91425" rIns="91425" tIns="91425">
+          <a:bodyPr lIns="91425" tIns="91425" rIns="91425" bIns="91425" anchor="t" anchorCtr="0">
             <a:noAutofit/>
           </a:bodyPr>
           <a:lstStyle/>
           <a:p>
-            <a:pPr lvl="0" rtl="0" algn="ctr">
-              <a:spcBef>
-                <a:spcPts val="0"/>
-              </a:spcBef>
-              <a:buNone/>
-            </a:pPr>
-            <a:r>
-              <a:rPr b="1" lang="en"/>
+            <a:pPr lvl="0" algn="ctr" rtl="0">
+              <a:spcBef>
+                <a:spcPts val="0"/>
+              </a:spcBef>
+              <a:buNone/>
+            </a:pPr>
+            <a:r>
+              <a:rPr lang="en" b="1"/>
               <a:t>Select elements with </a:t>
             </a:r>
           </a:p>
           <a:p>
-            <a:pPr lvl="0" rtl="0" algn="ctr">
-              <a:spcBef>
-                <a:spcPts val="0"/>
-              </a:spcBef>
-              <a:buNone/>
-            </a:pPr>
-            <a:r>
-              <a:rPr b="1" lang="en"/>
+            <a:pPr lvl="0" algn="ctr" rtl="0">
+              <a:spcBef>
+                <a:spcPts val="0"/>
+              </a:spcBef>
+              <a:buNone/>
+            </a:pPr>
+            <a:r>
+              <a:rPr lang="en" b="1"/>
               <a:t>1 ≤ </a:t>
             </a:r>
             <a:r>
-              <a:rPr b="1" lang="en">
+              <a:rPr lang="en" b="1">
                 <a:solidFill>
                   <a:schemeClr val="dk1"/>
                 </a:solidFill>
@@ -5267,11 +5730,11 @@
 </file>
 
 <file path=ppt/slides/slide11.xml><?xml version="1.0" encoding="utf-8"?>
-<p:sld xmlns:a="http://schemas.openxmlformats.org/drawingml/2006/main" xmlns:r="http://schemas.openxmlformats.org/officeDocument/2006/relationships" xmlns:mc="http://schemas.openxmlformats.org/markup-compatibility/2006" xmlns:mv="urn:schemas-microsoft-com:mac:vml" xmlns:p="http://schemas.openxmlformats.org/presentationml/2006/main" xmlns:c="http://schemas.openxmlformats.org/drawingml/2006/chart" xmlns:dgm="http://schemas.openxmlformats.org/drawingml/2006/diagram" xmlns:o="urn:schemas-microsoft-com:office:office" xmlns:v="urn:schemas-microsoft-com:vml" xmlns:pvml="urn:schemas-microsoft-com:office:powerpoint" xmlns:com="http://schemas.openxmlformats.org/drawingml/2006/compatibility" xmlns:p14="http://schemas.microsoft.com/office/powerpoint/2010/main">
+<p:sld xmlns:a="http://schemas.openxmlformats.org/drawingml/2006/main" xmlns:r="http://schemas.openxmlformats.org/officeDocument/2006/relationships" xmlns:p="http://schemas.openxmlformats.org/presentationml/2006/main">
   <p:cSld>
     <p:spTree>
       <p:nvGrpSpPr>
-        <p:cNvPr id="128" name="Shape 128"/>
+        <p:cNvPr id="1" name="Shape 128"/>
         <p:cNvGrpSpPr/>
         <p:nvPr/>
       </p:nvGrpSpPr>
@@ -5286,7 +5749,9 @@
       <p:sp>
         <p:nvSpPr>
           <p:cNvPr id="129" name="Shape 129"/>
-          <p:cNvSpPr txBox="1"/>
+          <p:cNvSpPr txBox="1">
+            <a:spLocks noGrp="1"/>
+          </p:cNvSpPr>
           <p:nvPr>
             <p:ph type="title"/>
           </p:nvPr>
@@ -5301,7 +5766,7 @@
           </a:prstGeom>
         </p:spPr>
         <p:txBody>
-          <a:bodyPr anchorCtr="0" anchor="b" bIns="91425" lIns="91425" rIns="91425" tIns="91425">
+          <a:bodyPr lIns="91425" tIns="91425" rIns="91425" bIns="91425" anchor="b" anchorCtr="0">
             <a:noAutofit/>
           </a:bodyPr>
           <a:lstStyle/>
@@ -5322,9 +5787,11 @@
       <p:sp>
         <p:nvSpPr>
           <p:cNvPr id="130" name="Shape 130"/>
-          <p:cNvSpPr txBox="1"/>
+          <p:cNvSpPr txBox="1">
+            <a:spLocks noGrp="1"/>
+          </p:cNvSpPr>
           <p:nvPr>
-            <p:ph idx="1" type="body"/>
+            <p:ph type="body" idx="1"/>
           </p:nvPr>
         </p:nvSpPr>
         <p:spPr>
@@ -5337,7 +5804,7 @@
           </a:prstGeom>
         </p:spPr>
         <p:txBody>
-          <a:bodyPr anchorCtr="0" anchor="t" bIns="91425" lIns="91425" rIns="91425" tIns="91425">
+          <a:bodyPr lIns="91425" tIns="91425" rIns="91425" bIns="91425" anchor="t" anchorCtr="0">
             <a:noAutofit/>
           </a:bodyPr>
           <a:lstStyle/>
@@ -5471,11 +5938,11 @@
 </file>
 
 <file path=ppt/slides/slide12.xml><?xml version="1.0" encoding="utf-8"?>
-<p:sld xmlns:a="http://schemas.openxmlformats.org/drawingml/2006/main" xmlns:r="http://schemas.openxmlformats.org/officeDocument/2006/relationships" xmlns:mc="http://schemas.openxmlformats.org/markup-compatibility/2006" xmlns:mv="urn:schemas-microsoft-com:mac:vml" xmlns:p="http://schemas.openxmlformats.org/presentationml/2006/main" xmlns:c="http://schemas.openxmlformats.org/drawingml/2006/chart" xmlns:dgm="http://schemas.openxmlformats.org/drawingml/2006/diagram" xmlns:o="urn:schemas-microsoft-com:office:office" xmlns:v="urn:schemas-microsoft-com:vml" xmlns:pvml="urn:schemas-microsoft-com:office:powerpoint" xmlns:com="http://schemas.openxmlformats.org/drawingml/2006/compatibility" xmlns:p14="http://schemas.microsoft.com/office/powerpoint/2010/main">
+<p:sld xmlns:a="http://schemas.openxmlformats.org/drawingml/2006/main" xmlns:r="http://schemas.openxmlformats.org/officeDocument/2006/relationships" xmlns:p="http://schemas.openxmlformats.org/presentationml/2006/main">
   <p:cSld>
     <p:spTree>
       <p:nvGrpSpPr>
-        <p:cNvPr id="134" name="Shape 134"/>
+        <p:cNvPr id="1" name="Shape 134"/>
         <p:cNvGrpSpPr/>
         <p:nvPr/>
       </p:nvGrpSpPr>
@@ -5490,7 +5957,9 @@
       <p:sp>
         <p:nvSpPr>
           <p:cNvPr id="135" name="Shape 135"/>
-          <p:cNvSpPr txBox="1"/>
+          <p:cNvSpPr txBox="1">
+            <a:spLocks noGrp="1"/>
+          </p:cNvSpPr>
           <p:nvPr>
             <p:ph type="title"/>
           </p:nvPr>
@@ -5505,7 +5974,7 @@
           </a:prstGeom>
         </p:spPr>
         <p:txBody>
-          <a:bodyPr anchorCtr="0" anchor="b" bIns="91425" lIns="91425" rIns="91425" tIns="91425">
+          <a:bodyPr lIns="91425" tIns="91425" rIns="91425" bIns="91425" anchor="b" anchorCtr="0">
             <a:noAutofit/>
           </a:bodyPr>
           <a:lstStyle/>
@@ -5526,9 +5995,11 @@
       <p:sp>
         <p:nvSpPr>
           <p:cNvPr id="136" name="Shape 136"/>
-          <p:cNvSpPr txBox="1"/>
+          <p:cNvSpPr txBox="1">
+            <a:spLocks noGrp="1"/>
+          </p:cNvSpPr>
           <p:nvPr>
-            <p:ph idx="1" type="body"/>
+            <p:ph type="body" idx="1"/>
           </p:nvPr>
         </p:nvSpPr>
         <p:spPr>
@@ -5541,7 +6012,7 @@
           </a:prstGeom>
         </p:spPr>
         <p:txBody>
-          <a:bodyPr anchorCtr="0" anchor="t" bIns="91425" lIns="91425" rIns="91425" tIns="91425">
+          <a:bodyPr lIns="91425" tIns="91425" rIns="91425" bIns="91425" anchor="t" anchorCtr="0">
             <a:noAutofit/>
           </a:bodyPr>
           <a:lstStyle/>
@@ -5702,11 +6173,11 @@
 </file>
 
 <file path=ppt/slides/slide13.xml><?xml version="1.0" encoding="utf-8"?>
-<p:sld xmlns:a="http://schemas.openxmlformats.org/drawingml/2006/main" xmlns:r="http://schemas.openxmlformats.org/officeDocument/2006/relationships" xmlns:mc="http://schemas.openxmlformats.org/markup-compatibility/2006" xmlns:mv="urn:schemas-microsoft-com:mac:vml" xmlns:p="http://schemas.openxmlformats.org/presentationml/2006/main" xmlns:c="http://schemas.openxmlformats.org/drawingml/2006/chart" xmlns:dgm="http://schemas.openxmlformats.org/drawingml/2006/diagram" xmlns:o="urn:schemas-microsoft-com:office:office" xmlns:v="urn:schemas-microsoft-com:vml" xmlns:pvml="urn:schemas-microsoft-com:office:powerpoint" xmlns:com="http://schemas.openxmlformats.org/drawingml/2006/compatibility" xmlns:p14="http://schemas.microsoft.com/office/powerpoint/2010/main">
+<p:sld xmlns:a="http://schemas.openxmlformats.org/drawingml/2006/main" xmlns:r="http://schemas.openxmlformats.org/officeDocument/2006/relationships" xmlns:p="http://schemas.openxmlformats.org/presentationml/2006/main">
   <p:cSld>
     <p:spTree>
       <p:nvGrpSpPr>
-        <p:cNvPr id="140" name="Shape 140"/>
+        <p:cNvPr id="1" name="Shape 140"/>
         <p:cNvGrpSpPr/>
         <p:nvPr/>
       </p:nvGrpSpPr>
@@ -5721,7 +6192,9 @@
       <p:sp>
         <p:nvSpPr>
           <p:cNvPr id="141" name="Shape 141"/>
-          <p:cNvSpPr txBox="1"/>
+          <p:cNvSpPr txBox="1">
+            <a:spLocks noGrp="1"/>
+          </p:cNvSpPr>
           <p:nvPr>
             <p:ph type="title"/>
           </p:nvPr>
@@ -5736,7 +6209,7 @@
           </a:prstGeom>
         </p:spPr>
         <p:txBody>
-          <a:bodyPr anchorCtr="0" anchor="b" bIns="91425" lIns="91425" rIns="91425" tIns="91425">
+          <a:bodyPr lIns="91425" tIns="91425" rIns="91425" bIns="91425" anchor="b" anchorCtr="0">
             <a:noAutofit/>
           </a:bodyPr>
           <a:lstStyle/>
@@ -5770,9 +6243,11 @@
       <p:sp>
         <p:nvSpPr>
           <p:cNvPr id="142" name="Shape 142"/>
-          <p:cNvSpPr txBox="1"/>
+          <p:cNvSpPr txBox="1">
+            <a:spLocks noGrp="1"/>
+          </p:cNvSpPr>
           <p:nvPr>
-            <p:ph idx="1" type="body"/>
+            <p:ph type="body" idx="1"/>
           </p:nvPr>
         </p:nvSpPr>
         <p:spPr>
@@ -5785,12 +6260,12 @@
           </a:prstGeom>
         </p:spPr>
         <p:txBody>
-          <a:bodyPr anchorCtr="0" anchor="t" bIns="91425" lIns="91425" rIns="91425" tIns="91425">
+          <a:bodyPr lIns="91425" tIns="91425" rIns="91425" bIns="91425" anchor="t" anchorCtr="0">
             <a:noAutofit/>
           </a:bodyPr>
           <a:lstStyle/>
           <a:p>
-            <a:pPr lvl="0" rtl="0" algn="ctr">
+            <a:pPr lvl="0" algn="ctr" rtl="0">
               <a:spcBef>
                 <a:spcPts val="0"/>
               </a:spcBef>
@@ -5841,7 +6316,7 @@
             </a:r>
           </a:p>
           <a:p>
-            <a:pPr lvl="0" rtl="0" algn="l">
+            <a:pPr lvl="0" algn="l" rtl="0">
               <a:spcBef>
                 <a:spcPts val="0"/>
               </a:spcBef>
@@ -5858,7 +6333,7 @@
             </a:r>
           </a:p>
           <a:p>
-            <a:pPr lvl="0" rtl="0" algn="l">
+            <a:pPr lvl="0" algn="l" rtl="0">
               <a:spcBef>
                 <a:spcPts val="0"/>
               </a:spcBef>
@@ -5875,7 +6350,7 @@
             </a:r>
           </a:p>
           <a:p>
-            <a:pPr lvl="0" rtl="0" algn="l">
+            <a:pPr lvl="0" algn="l" rtl="0">
               <a:spcBef>
                 <a:spcPts val="0"/>
               </a:spcBef>
@@ -5892,15 +6367,12 @@
             </a:r>
           </a:p>
           <a:p>
-            <a:pPr lvl="0" rtl="0" algn="l">
-              <a:spcBef>
-                <a:spcPts val="0"/>
-              </a:spcBef>
-              <a:buNone/>
-            </a:pPr>
-            <a:r>
-              <a:t/>
-            </a:r>
+            <a:pPr lvl="0" algn="l" rtl="0">
+              <a:spcBef>
+                <a:spcPts val="0"/>
+              </a:spcBef>
+              <a:buNone/>
+            </a:pPr>
             <a:endParaRPr sz="2400">
               <a:latin typeface="Courier New"/>
               <a:ea typeface="Courier New"/>
@@ -5909,7 +6381,7 @@
             </a:endParaRPr>
           </a:p>
           <a:p>
-            <a:pPr lvl="0" rtl="0" algn="l">
+            <a:pPr lvl="0" algn="l" rtl="0">
               <a:spcBef>
                 <a:spcPts val="0"/>
               </a:spcBef>
@@ -5926,7 +6398,7 @@
             </a:r>
           </a:p>
           <a:p>
-            <a:pPr lvl="0" rtl="0" algn="l">
+            <a:pPr lvl="0" algn="l" rtl="0">
               <a:spcBef>
                 <a:spcPts val="0"/>
               </a:spcBef>
@@ -5973,14 +6445,14 @@
             <a:avLst/>
           </a:prstGeom>
           <a:noFill/>
-          <a:ln cap="flat" cmpd="sng" w="38100">
+          <a:ln w="38100" cap="flat" cmpd="sng">
             <a:solidFill>
               <a:schemeClr val="dk2"/>
             </a:solidFill>
             <a:prstDash val="solid"/>
             <a:round/>
-            <a:headEnd len="lg" w="lg" type="none"/>
-            <a:tailEnd len="lg" w="lg" type="triangle"/>
+            <a:headEnd type="none" w="lg" len="lg"/>
+            <a:tailEnd type="triangle" w="lg" len="lg"/>
           </a:ln>
         </p:spPr>
       </p:cxnSp>
@@ -6004,7 +6476,7 @@
           </a:ln>
         </p:spPr>
         <p:txBody>
-          <a:bodyPr anchorCtr="0" anchor="t" bIns="91425" lIns="91425" rIns="91425" tIns="91425">
+          <a:bodyPr lIns="91425" tIns="91425" rIns="91425" bIns="91425" anchor="t" anchorCtr="0">
             <a:noAutofit/>
           </a:bodyPr>
           <a:lstStyle/>
@@ -6016,7 +6488,7 @@
               <a:buNone/>
             </a:pPr>
             <a:r>
-              <a:rPr b="1" lang="en"/>
+              <a:rPr lang="en" b="1"/>
               <a:t>Colon defines a new block</a:t>
             </a:r>
           </a:p>
@@ -6039,14 +6511,14 @@
             <a:avLst/>
           </a:prstGeom>
           <a:noFill/>
-          <a:ln cap="flat" cmpd="sng" w="38100">
+          <a:ln w="38100" cap="flat" cmpd="sng">
             <a:solidFill>
               <a:schemeClr val="dk2"/>
             </a:solidFill>
             <a:prstDash val="solid"/>
             <a:round/>
-            <a:headEnd len="lg" w="lg" type="none"/>
-            <a:tailEnd len="lg" w="lg" type="triangle"/>
+            <a:headEnd type="none" w="lg" len="lg"/>
+            <a:tailEnd type="triangle" w="lg" len="lg"/>
           </a:ln>
         </p:spPr>
       </p:cxnSp>
@@ -6070,7 +6542,7 @@
           </a:ln>
         </p:spPr>
         <p:txBody>
-          <a:bodyPr anchorCtr="0" anchor="t" bIns="91425" lIns="91425" rIns="91425" tIns="91425">
+          <a:bodyPr lIns="91425" tIns="91425" rIns="91425" bIns="91425" anchor="t" anchorCtr="0">
             <a:noAutofit/>
           </a:bodyPr>
           <a:lstStyle/>
@@ -6082,7 +6554,7 @@
               <a:buNone/>
             </a:pPr>
             <a:r>
-              <a:rPr b="1" lang="en"/>
+              <a:rPr lang="en" b="1"/>
               <a:t>Indent indicates the statement belongs to this block</a:t>
             </a:r>
           </a:p>
@@ -6100,11 +6572,11 @@
 </file>
 
 <file path=ppt/slides/slide14.xml><?xml version="1.0" encoding="utf-8"?>
-<p:sld xmlns:a="http://schemas.openxmlformats.org/drawingml/2006/main" xmlns:r="http://schemas.openxmlformats.org/officeDocument/2006/relationships" xmlns:mc="http://schemas.openxmlformats.org/markup-compatibility/2006" xmlns:mv="urn:schemas-microsoft-com:mac:vml" xmlns:p="http://schemas.openxmlformats.org/presentationml/2006/main" xmlns:c="http://schemas.openxmlformats.org/drawingml/2006/chart" xmlns:dgm="http://schemas.openxmlformats.org/drawingml/2006/diagram" xmlns:o="urn:schemas-microsoft-com:office:office" xmlns:v="urn:schemas-microsoft-com:vml" xmlns:pvml="urn:schemas-microsoft-com:office:powerpoint" xmlns:com="http://schemas.openxmlformats.org/drawingml/2006/compatibility" xmlns:p14="http://schemas.microsoft.com/office/powerpoint/2010/main">
+<p:sld xmlns:a="http://schemas.openxmlformats.org/drawingml/2006/main" xmlns:r="http://schemas.openxmlformats.org/officeDocument/2006/relationships" xmlns:p="http://schemas.openxmlformats.org/presentationml/2006/main">
   <p:cSld>
     <p:spTree>
       <p:nvGrpSpPr>
-        <p:cNvPr id="150" name="Shape 150"/>
+        <p:cNvPr id="1" name="Shape 150"/>
         <p:cNvGrpSpPr/>
         <p:nvPr/>
       </p:nvGrpSpPr>
@@ -6119,7 +6591,9 @@
       <p:sp>
         <p:nvSpPr>
           <p:cNvPr id="151" name="Shape 151"/>
-          <p:cNvSpPr txBox="1"/>
+          <p:cNvSpPr txBox="1">
+            <a:spLocks noGrp="1"/>
+          </p:cNvSpPr>
           <p:nvPr>
             <p:ph type="title"/>
           </p:nvPr>
@@ -6134,7 +6608,7 @@
           </a:prstGeom>
         </p:spPr>
         <p:txBody>
-          <a:bodyPr anchorCtr="0" anchor="b" bIns="91425" lIns="91425" rIns="91425" tIns="91425">
+          <a:bodyPr lIns="91425" tIns="91425" rIns="91425" bIns="91425" anchor="b" anchorCtr="0">
             <a:noAutofit/>
           </a:bodyPr>
           <a:lstStyle/>
@@ -6168,9 +6642,11 @@
       <p:sp>
         <p:nvSpPr>
           <p:cNvPr id="152" name="Shape 152"/>
-          <p:cNvSpPr txBox="1"/>
+          <p:cNvSpPr txBox="1">
+            <a:spLocks noGrp="1"/>
+          </p:cNvSpPr>
           <p:nvPr>
-            <p:ph idx="1" type="body"/>
+            <p:ph type="body" idx="1"/>
           </p:nvPr>
         </p:nvSpPr>
         <p:spPr>
@@ -6183,7 +6659,7 @@
           </a:prstGeom>
         </p:spPr>
         <p:txBody>
-          <a:bodyPr anchorCtr="0" anchor="t" bIns="91425" lIns="91425" rIns="91425" tIns="91425">
+          <a:bodyPr lIns="91425" tIns="91425" rIns="91425" bIns="91425" anchor="t" anchorCtr="0">
             <a:noAutofit/>
           </a:bodyPr>
           <a:lstStyle/>
@@ -6364,14 +6840,14 @@
             <a:avLst/>
           </a:prstGeom>
           <a:noFill/>
-          <a:ln cap="flat" cmpd="sng" w="38100">
+          <a:ln w="38100" cap="flat" cmpd="sng">
             <a:solidFill>
               <a:schemeClr val="dk2"/>
             </a:solidFill>
             <a:prstDash val="solid"/>
             <a:round/>
-            <a:headEnd len="lg" w="lg" type="none"/>
-            <a:tailEnd len="lg" w="lg" type="triangle"/>
+            <a:headEnd type="none" w="lg" len="lg"/>
+            <a:tailEnd type="triangle" w="lg" len="lg"/>
           </a:ln>
         </p:spPr>
       </p:cxnSp>
@@ -6395,7 +6871,7 @@
           </a:ln>
         </p:spPr>
         <p:txBody>
-          <a:bodyPr anchorCtr="0" anchor="t" bIns="91425" lIns="91425" rIns="91425" tIns="91425">
+          <a:bodyPr lIns="91425" tIns="91425" rIns="91425" bIns="91425" anchor="t" anchorCtr="0">
             <a:noAutofit/>
           </a:bodyPr>
           <a:lstStyle/>
@@ -6407,7 +6883,7 @@
               <a:buNone/>
             </a:pPr>
             <a:r>
-              <a:rPr b="1" lang="en">
+              <a:rPr lang="en" b="1">
                 <a:latin typeface="Courier New"/>
                 <a:ea typeface="Courier New"/>
                 <a:cs typeface="Courier New"/>
@@ -6435,14 +6911,14 @@
             <a:avLst/>
           </a:prstGeom>
           <a:noFill/>
-          <a:ln cap="flat" cmpd="sng" w="38100">
+          <a:ln w="38100" cap="flat" cmpd="sng">
             <a:solidFill>
               <a:schemeClr val="dk2"/>
             </a:solidFill>
             <a:prstDash val="solid"/>
             <a:round/>
-            <a:headEnd len="lg" w="lg" type="none"/>
-            <a:tailEnd len="lg" w="lg" type="triangle"/>
+            <a:headEnd type="none" w="lg" len="lg"/>
+            <a:tailEnd type="triangle" w="lg" len="lg"/>
           </a:ln>
         </p:spPr>
       </p:cxnSp>
@@ -6466,7 +6942,7 @@
           </a:ln>
         </p:spPr>
         <p:txBody>
-          <a:bodyPr anchorCtr="0" anchor="t" bIns="91425" lIns="91425" rIns="91425" tIns="91425">
+          <a:bodyPr lIns="91425" tIns="91425" rIns="91425" bIns="91425" anchor="t" anchorCtr="0">
             <a:noAutofit/>
           </a:bodyPr>
           <a:lstStyle/>
@@ -6478,11 +6954,11 @@
               <a:buNone/>
             </a:pPr>
             <a:r>
-              <a:rPr b="1" lang="en"/>
+              <a:rPr lang="en" b="1"/>
               <a:t>Each iteration, </a:t>
             </a:r>
             <a:r>
-              <a:rPr b="1" lang="en">
+              <a:rPr lang="en" b="1">
                 <a:latin typeface="Courier New"/>
                 <a:ea typeface="Courier New"/>
                 <a:cs typeface="Courier New"/>
@@ -6491,11 +6967,11 @@
               <a:t>number</a:t>
             </a:r>
             <a:r>
-              <a:rPr b="1" lang="en"/>
+              <a:rPr lang="en" b="1"/>
               <a:t> takes the next value in</a:t>
             </a:r>
             <a:r>
-              <a:rPr b="1" lang="en">
+              <a:rPr lang="en" b="1">
                 <a:latin typeface="Courier New"/>
                 <a:ea typeface="Courier New"/>
                 <a:cs typeface="Courier New"/>
@@ -6518,11 +6994,11 @@
 </file>
 
 <file path=ppt/slides/slide15.xml><?xml version="1.0" encoding="utf-8"?>
-<p:sld xmlns:a="http://schemas.openxmlformats.org/drawingml/2006/main" xmlns:r="http://schemas.openxmlformats.org/officeDocument/2006/relationships" xmlns:mc="http://schemas.openxmlformats.org/markup-compatibility/2006" xmlns:mv="urn:schemas-microsoft-com:mac:vml" xmlns:p="http://schemas.openxmlformats.org/presentationml/2006/main" xmlns:c="http://schemas.openxmlformats.org/drawingml/2006/chart" xmlns:dgm="http://schemas.openxmlformats.org/drawingml/2006/diagram" xmlns:o="urn:schemas-microsoft-com:office:office" xmlns:v="urn:schemas-microsoft-com:vml" xmlns:pvml="urn:schemas-microsoft-com:office:powerpoint" xmlns:com="http://schemas.openxmlformats.org/drawingml/2006/compatibility" xmlns:p14="http://schemas.microsoft.com/office/powerpoint/2010/main">
+<p:sld xmlns:a="http://schemas.openxmlformats.org/drawingml/2006/main" xmlns:r="http://schemas.openxmlformats.org/officeDocument/2006/relationships" xmlns:p="http://schemas.openxmlformats.org/presentationml/2006/main">
   <p:cSld>
     <p:spTree>
       <p:nvGrpSpPr>
-        <p:cNvPr id="160" name="Shape 160"/>
+        <p:cNvPr id="1" name="Shape 160"/>
         <p:cNvGrpSpPr/>
         <p:nvPr/>
       </p:nvGrpSpPr>
@@ -6537,7 +7013,9 @@
       <p:sp>
         <p:nvSpPr>
           <p:cNvPr id="161" name="Shape 161"/>
-          <p:cNvSpPr txBox="1"/>
+          <p:cNvSpPr txBox="1">
+            <a:spLocks noGrp="1"/>
+          </p:cNvSpPr>
           <p:nvPr>
             <p:ph type="title"/>
           </p:nvPr>
@@ -6552,7 +7030,7 @@
           </a:prstGeom>
         </p:spPr>
         <p:txBody>
-          <a:bodyPr anchorCtr="0" anchor="b" bIns="91425" lIns="91425" rIns="91425" tIns="91425">
+          <a:bodyPr lIns="91425" tIns="91425" rIns="91425" bIns="91425" anchor="b" anchorCtr="0">
             <a:noAutofit/>
           </a:bodyPr>
           <a:lstStyle/>
@@ -6595,9 +7073,11 @@
       <p:sp>
         <p:nvSpPr>
           <p:cNvPr id="162" name="Shape 162"/>
-          <p:cNvSpPr txBox="1"/>
+          <p:cNvSpPr txBox="1">
+            <a:spLocks noGrp="1"/>
+          </p:cNvSpPr>
           <p:nvPr>
-            <p:ph idx="1" type="body"/>
+            <p:ph type="body" idx="1"/>
           </p:nvPr>
         </p:nvSpPr>
         <p:spPr>
@@ -6610,7 +7090,7 @@
           </a:prstGeom>
         </p:spPr>
         <p:txBody>
-          <a:bodyPr anchorCtr="0" anchor="t" bIns="91425" lIns="91425" rIns="91425" tIns="91425">
+          <a:bodyPr lIns="91425" tIns="91425" rIns="91425" bIns="91425" anchor="t" anchorCtr="0">
             <a:noAutofit/>
           </a:bodyPr>
           <a:lstStyle/>
@@ -6662,9 +7142,6 @@
               </a:spcBef>
               <a:buNone/>
             </a:pPr>
-            <a:r>
-              <a:t/>
-            </a:r>
             <a:endParaRPr/>
           </a:p>
           <a:p>
@@ -6727,11 +7204,11 @@
 </file>
 
 <file path=ppt/slides/slide16.xml><?xml version="1.0" encoding="utf-8"?>
-<p:sld xmlns:a="http://schemas.openxmlformats.org/drawingml/2006/main" xmlns:r="http://schemas.openxmlformats.org/officeDocument/2006/relationships" xmlns:mc="http://schemas.openxmlformats.org/markup-compatibility/2006" xmlns:mv="urn:schemas-microsoft-com:mac:vml" xmlns:p="http://schemas.openxmlformats.org/presentationml/2006/main" xmlns:c="http://schemas.openxmlformats.org/drawingml/2006/chart" xmlns:dgm="http://schemas.openxmlformats.org/drawingml/2006/diagram" xmlns:o="urn:schemas-microsoft-com:office:office" xmlns:v="urn:schemas-microsoft-com:vml" xmlns:pvml="urn:schemas-microsoft-com:office:powerpoint" xmlns:com="http://schemas.openxmlformats.org/drawingml/2006/compatibility" xmlns:p14="http://schemas.microsoft.com/office/powerpoint/2010/main">
+<p:sld xmlns:a="http://schemas.openxmlformats.org/drawingml/2006/main" xmlns:r="http://schemas.openxmlformats.org/officeDocument/2006/relationships" xmlns:p="http://schemas.openxmlformats.org/presentationml/2006/main">
   <p:cSld>
     <p:spTree>
       <p:nvGrpSpPr>
-        <p:cNvPr id="166" name="Shape 166"/>
+        <p:cNvPr id="1" name="Shape 166"/>
         <p:cNvGrpSpPr/>
         <p:nvPr/>
       </p:nvGrpSpPr>
@@ -6746,7 +7223,9 @@
       <p:sp>
         <p:nvSpPr>
           <p:cNvPr id="167" name="Shape 167"/>
-          <p:cNvSpPr txBox="1"/>
+          <p:cNvSpPr txBox="1">
+            <a:spLocks noGrp="1"/>
+          </p:cNvSpPr>
           <p:nvPr>
             <p:ph type="title"/>
           </p:nvPr>
@@ -6761,7 +7240,7 @@
           </a:prstGeom>
         </p:spPr>
         <p:txBody>
-          <a:bodyPr anchorCtr="0" anchor="b" bIns="91425" lIns="91425" rIns="91425" tIns="91425">
+          <a:bodyPr lIns="91425" tIns="91425" rIns="91425" bIns="91425" anchor="b" anchorCtr="0">
             <a:noAutofit/>
           </a:bodyPr>
           <a:lstStyle/>
@@ -6804,9 +7283,11 @@
       <p:sp>
         <p:nvSpPr>
           <p:cNvPr id="168" name="Shape 168"/>
-          <p:cNvSpPr txBox="1"/>
+          <p:cNvSpPr txBox="1">
+            <a:spLocks noGrp="1"/>
+          </p:cNvSpPr>
           <p:nvPr>
-            <p:ph idx="1" type="body"/>
+            <p:ph type="body" idx="1"/>
           </p:nvPr>
         </p:nvSpPr>
         <p:spPr>
@@ -6819,7 +7300,7 @@
           </a:prstGeom>
         </p:spPr>
         <p:txBody>
-          <a:bodyPr anchorCtr="0" anchor="t" bIns="91425" lIns="91425" rIns="91425" tIns="91425">
+          <a:bodyPr lIns="91425" tIns="91425" rIns="91425" bIns="91425" anchor="t" anchorCtr="0">
             <a:noAutofit/>
           </a:bodyPr>
           <a:lstStyle/>
@@ -6915,9 +7396,6 @@
               </a:spcBef>
               <a:buNone/>
             </a:pPr>
-            <a:r>
-              <a:t/>
-            </a:r>
             <a:endParaRPr sz="2400">
               <a:latin typeface="Courier New"/>
               <a:ea typeface="Courier New"/>
@@ -6949,9 +7427,6 @@
               </a:spcBef>
               <a:buNone/>
             </a:pPr>
-            <a:r>
-              <a:t/>
-            </a:r>
             <a:endParaRPr sz="2400">
               <a:latin typeface="Courier New"/>
               <a:ea typeface="Courier New"/>
@@ -7000,9 +7475,6 @@
               </a:spcBef>
               <a:buNone/>
             </a:pPr>
-            <a:r>
-              <a:t/>
-            </a:r>
             <a:endParaRPr sz="2400"/>
           </a:p>
         </p:txBody>
@@ -7019,11 +7491,11 @@
 </file>
 
 <file path=ppt/slides/slide17.xml><?xml version="1.0" encoding="utf-8"?>
-<p:sld xmlns:a="http://schemas.openxmlformats.org/drawingml/2006/main" xmlns:r="http://schemas.openxmlformats.org/officeDocument/2006/relationships" xmlns:mc="http://schemas.openxmlformats.org/markup-compatibility/2006" xmlns:mv="urn:schemas-microsoft-com:mac:vml" xmlns:p="http://schemas.openxmlformats.org/presentationml/2006/main" xmlns:c="http://schemas.openxmlformats.org/drawingml/2006/chart" xmlns:dgm="http://schemas.openxmlformats.org/drawingml/2006/diagram" xmlns:o="urn:schemas-microsoft-com:office:office" xmlns:v="urn:schemas-microsoft-com:vml" xmlns:pvml="urn:schemas-microsoft-com:office:powerpoint" xmlns:com="http://schemas.openxmlformats.org/drawingml/2006/compatibility" xmlns:p14="http://schemas.microsoft.com/office/powerpoint/2010/main">
+<p:sld xmlns:a="http://schemas.openxmlformats.org/drawingml/2006/main" xmlns:r="http://schemas.openxmlformats.org/officeDocument/2006/relationships" xmlns:p="http://schemas.openxmlformats.org/presentationml/2006/main">
   <p:cSld>
     <p:spTree>
       <p:nvGrpSpPr>
-        <p:cNvPr id="172" name="Shape 172"/>
+        <p:cNvPr id="1" name="Shape 172"/>
         <p:cNvGrpSpPr/>
         <p:nvPr/>
       </p:nvGrpSpPr>
@@ -7038,7 +7510,9 @@
       <p:sp>
         <p:nvSpPr>
           <p:cNvPr id="173" name="Shape 173"/>
-          <p:cNvSpPr txBox="1"/>
+          <p:cNvSpPr txBox="1">
+            <a:spLocks noGrp="1"/>
+          </p:cNvSpPr>
           <p:nvPr>
             <p:ph type="title"/>
           </p:nvPr>
@@ -7053,7 +7527,7 @@
           </a:prstGeom>
         </p:spPr>
         <p:txBody>
-          <a:bodyPr anchorCtr="0" anchor="b" bIns="91425" lIns="91425" rIns="91425" tIns="91425">
+          <a:bodyPr lIns="91425" tIns="91425" rIns="91425" bIns="91425" anchor="b" anchorCtr="0">
             <a:noAutofit/>
           </a:bodyPr>
           <a:lstStyle/>
@@ -7074,9 +7548,11 @@
       <p:sp>
         <p:nvSpPr>
           <p:cNvPr id="174" name="Shape 174"/>
-          <p:cNvSpPr txBox="1"/>
+          <p:cNvSpPr txBox="1">
+            <a:spLocks noGrp="1"/>
+          </p:cNvSpPr>
           <p:nvPr>
-            <p:ph idx="1" type="body"/>
+            <p:ph type="body" idx="1"/>
           </p:nvPr>
         </p:nvSpPr>
         <p:spPr>
@@ -7089,19 +7565,19 @@
           </a:prstGeom>
         </p:spPr>
         <p:txBody>
-          <a:bodyPr anchorCtr="0" anchor="t" bIns="91425" lIns="91425" rIns="91425" tIns="91425">
+          <a:bodyPr lIns="91425" tIns="91425" rIns="91425" bIns="91425" anchor="t" anchorCtr="0">
             <a:noAutofit/>
           </a:bodyPr>
           <a:lstStyle/>
           <a:p>
-            <a:pPr lvl="0" rtl="0" algn="ctr">
-              <a:spcBef>
-                <a:spcPts val="0"/>
-              </a:spcBef>
-              <a:buNone/>
-            </a:pPr>
-            <a:r>
-              <a:rPr i="1" lang="en" sz="2400"/>
+            <a:pPr lvl="0" algn="ctr" rtl="0">
+              <a:spcBef>
+                <a:spcPts val="0"/>
+              </a:spcBef>
+              <a:buNone/>
+            </a:pPr>
+            <a:r>
+              <a:rPr lang="en" sz="2400" i="1"/>
               <a:t>Comments</a:t>
             </a:r>
             <a:r>
@@ -7109,12 +7585,12 @@
               <a:t> help add explanatory material to your code. </a:t>
             </a:r>
             <a:r>
-              <a:rPr b="1" lang="en" sz="2400"/>
+              <a:rPr lang="en" sz="2400" b="1"/>
               <a:t>They are vital to good code.</a:t>
             </a:r>
           </a:p>
           <a:p>
-            <a:pPr lvl="0" rtl="0" algn="l">
+            <a:pPr lvl="0" algn="l" rtl="0">
               <a:spcBef>
                 <a:spcPts val="0"/>
               </a:spcBef>
@@ -7126,19 +7602,16 @@
             </a:r>
           </a:p>
           <a:p>
-            <a:pPr lvl="0" rtl="0" algn="l">
-              <a:spcBef>
-                <a:spcPts val="0"/>
-              </a:spcBef>
-              <a:buNone/>
-            </a:pPr>
-            <a:r>
-              <a:t/>
-            </a:r>
+            <a:pPr lvl="0" algn="l" rtl="0">
+              <a:spcBef>
+                <a:spcPts val="0"/>
+              </a:spcBef>
+              <a:buNone/>
+            </a:pPr>
             <a:endParaRPr sz="2400"/>
           </a:p>
           <a:p>
-            <a:pPr lvl="0" rtl="0" algn="l">
+            <a:pPr lvl="0" algn="l" rtl="0">
               <a:spcBef>
                 <a:spcPts val="0"/>
               </a:spcBef>
@@ -7155,7 +7628,7 @@
             </a:r>
           </a:p>
           <a:p>
-            <a:pPr lvl="0" rtl="0" algn="l">
+            <a:pPr lvl="0" algn="l" rtl="0">
               <a:spcBef>
                 <a:spcPts val="0"/>
               </a:spcBef>
@@ -7172,7 +7645,7 @@
             </a:r>
           </a:p>
           <a:p>
-            <a:pPr lvl="0" rtl="0" algn="l">
+            <a:pPr lvl="0" algn="l" rtl="0">
               <a:spcBef>
                 <a:spcPts val="0"/>
               </a:spcBef>
@@ -7189,7 +7662,7 @@
             </a:r>
           </a:p>
           <a:p>
-            <a:pPr lvl="0" rtl="0" algn="l">
+            <a:pPr lvl="0" algn="l" rtl="0">
               <a:spcBef>
                 <a:spcPts val="0"/>
               </a:spcBef>
@@ -7231,11 +7704,11 @@
 </file>
 
 <file path=ppt/slides/slide18.xml><?xml version="1.0" encoding="utf-8"?>
-<p:sld xmlns:a="http://schemas.openxmlformats.org/drawingml/2006/main" xmlns:r="http://schemas.openxmlformats.org/officeDocument/2006/relationships" xmlns:mc="http://schemas.openxmlformats.org/markup-compatibility/2006" xmlns:mv="urn:schemas-microsoft-com:mac:vml" xmlns:p="http://schemas.openxmlformats.org/presentationml/2006/main" xmlns:c="http://schemas.openxmlformats.org/drawingml/2006/chart" xmlns:dgm="http://schemas.openxmlformats.org/drawingml/2006/diagram" xmlns:o="urn:schemas-microsoft-com:office:office" xmlns:v="urn:schemas-microsoft-com:vml" xmlns:pvml="urn:schemas-microsoft-com:office:powerpoint" xmlns:com="http://schemas.openxmlformats.org/drawingml/2006/compatibility" xmlns:p14="http://schemas.microsoft.com/office/powerpoint/2010/main">
+<p:sld xmlns:a="http://schemas.openxmlformats.org/drawingml/2006/main" xmlns:r="http://schemas.openxmlformats.org/officeDocument/2006/relationships" xmlns:p="http://schemas.openxmlformats.org/presentationml/2006/main">
   <p:cSld>
     <p:spTree>
       <p:nvGrpSpPr>
-        <p:cNvPr id="178" name="Shape 178"/>
+        <p:cNvPr id="1" name="Shape 178"/>
         <p:cNvGrpSpPr/>
         <p:nvPr/>
       </p:nvGrpSpPr>
@@ -7250,7 +7723,9 @@
       <p:sp>
         <p:nvSpPr>
           <p:cNvPr id="179" name="Shape 179"/>
-          <p:cNvSpPr txBox="1"/>
+          <p:cNvSpPr txBox="1">
+            <a:spLocks noGrp="1"/>
+          </p:cNvSpPr>
           <p:nvPr>
             <p:ph type="title"/>
           </p:nvPr>
@@ -7265,7 +7740,7 @@
           </a:prstGeom>
         </p:spPr>
         <p:txBody>
-          <a:bodyPr anchorCtr="0" anchor="b" bIns="91425" lIns="91425" rIns="91425" tIns="91425">
+          <a:bodyPr lIns="91425" tIns="91425" rIns="91425" bIns="91425" anchor="b" anchorCtr="0">
             <a:noAutofit/>
           </a:bodyPr>
           <a:lstStyle/>
@@ -7286,9 +7761,11 @@
       <p:sp>
         <p:nvSpPr>
           <p:cNvPr id="180" name="Shape 180"/>
-          <p:cNvSpPr txBox="1"/>
+          <p:cNvSpPr txBox="1">
+            <a:spLocks noGrp="1"/>
+          </p:cNvSpPr>
           <p:nvPr>
-            <p:ph idx="1" type="body"/>
+            <p:ph type="body" idx="1"/>
           </p:nvPr>
         </p:nvSpPr>
         <p:spPr>
@@ -7301,19 +7778,19 @@
           </a:prstGeom>
         </p:spPr>
         <p:txBody>
-          <a:bodyPr anchorCtr="0" anchor="t" bIns="91425" lIns="91425" rIns="91425" tIns="91425">
+          <a:bodyPr lIns="91425" tIns="91425" rIns="91425" bIns="91425" anchor="t" anchorCtr="0">
             <a:noAutofit/>
           </a:bodyPr>
           <a:lstStyle/>
           <a:p>
-            <a:pPr lvl="0" rtl="0" algn="ctr">
-              <a:spcBef>
-                <a:spcPts val="0"/>
-              </a:spcBef>
-              <a:buNone/>
-            </a:pPr>
-            <a:r>
-              <a:rPr i="1" lang="en" sz="2400"/>
+            <a:pPr lvl="0" algn="ctr" rtl="0">
+              <a:spcBef>
+                <a:spcPts val="0"/>
+              </a:spcBef>
+              <a:buNone/>
+            </a:pPr>
+            <a:r>
+              <a:rPr lang="en" sz="2400" i="1"/>
               <a:t>Functions</a:t>
             </a:r>
             <a:r>
@@ -7322,15 +7799,12 @@
             </a:r>
           </a:p>
           <a:p>
-            <a:pPr indent="0" lvl="0" marL="0">
-              <a:spcBef>
-                <a:spcPts val="0"/>
-              </a:spcBef>
-              <a:buNone/>
-            </a:pPr>
-            <a:r>
-              <a:t/>
-            </a:r>
+            <a:pPr marL="0" lvl="0" indent="0">
+              <a:spcBef>
+                <a:spcPts val="0"/>
+              </a:spcBef>
+              <a:buNone/>
+            </a:pPr>
             <a:endParaRPr sz="1800">
               <a:latin typeface="Courier New"/>
               <a:ea typeface="Courier New"/>
@@ -7360,7 +7834,7 @@
           </a:ln>
         </p:spPr>
         <p:txBody>
-          <a:bodyPr anchorCtr="0" anchor="ctr" bIns="91425" lIns="91425" rIns="91425" tIns="91425">
+          <a:bodyPr lIns="91425" tIns="91425" rIns="91425" bIns="91425" anchor="ctr" anchorCtr="0">
             <a:noAutofit/>
           </a:bodyPr>
           <a:lstStyle/>
@@ -7405,7 +7879,7 @@
             </a:r>
           </a:p>
           <a:p>
-            <a:pPr indent="457200" lvl="0" rtl="0">
+            <a:pPr lvl="0" indent="457200" rtl="0">
               <a:spcBef>
                 <a:spcPts val="600"/>
               </a:spcBef>
@@ -7445,7 +7919,7 @@
             </a:r>
           </a:p>
           <a:p>
-            <a:pPr indent="457200" lvl="0" marL="457200" rtl="0">
+            <a:pPr marL="457200" lvl="0" indent="457200" rtl="0">
               <a:spcBef>
                 <a:spcPts val="600"/>
               </a:spcBef>
@@ -7465,15 +7939,12 @@
             </a:r>
           </a:p>
           <a:p>
-            <a:pPr indent="457200" lvl="0" marL="457200" rtl="0">
+            <a:pPr marL="457200" lvl="0" indent="457200" rtl="0">
               <a:spcBef>
                 <a:spcPts val="600"/>
               </a:spcBef>
               <a:buNone/>
             </a:pPr>
-            <a:r>
-              <a:t/>
-            </a:r>
             <a:endParaRPr sz="1800">
               <a:solidFill>
                 <a:schemeClr val="dk1"/>
@@ -7485,7 +7956,7 @@
             </a:endParaRPr>
           </a:p>
           <a:p>
-            <a:pPr indent="0" lvl="0" marL="0" rtl="0">
+            <a:pPr marL="0" lvl="0" indent="0" rtl="0">
               <a:spcBef>
                 <a:spcPts val="600"/>
               </a:spcBef>
@@ -7559,23 +8030,23 @@
           </a:xfrm>
           <a:prstGeom prst="rightBrace">
             <a:avLst>
-              <a:gd fmla="val 8333" name="adj1"/>
-              <a:gd fmla="val 50000" name="adj2"/>
+              <a:gd name="adj1" fmla="val 8333"/>
+              <a:gd name="adj2" fmla="val 50000"/>
             </a:avLst>
           </a:prstGeom>
           <a:noFill/>
-          <a:ln cap="flat" cmpd="sng" w="38100">
+          <a:ln w="38100" cap="flat" cmpd="sng">
             <a:solidFill>
               <a:schemeClr val="dk2"/>
             </a:solidFill>
             <a:prstDash val="solid"/>
             <a:round/>
-            <a:headEnd len="med" w="med" type="none"/>
-            <a:tailEnd len="med" w="med" type="none"/>
+            <a:headEnd type="none" w="med" len="med"/>
+            <a:tailEnd type="none" w="med" len="med"/>
           </a:ln>
         </p:spPr>
         <p:txBody>
-          <a:bodyPr anchorCtr="0" anchor="ctr" bIns="91425" lIns="91425" rIns="91425" tIns="91425">
+          <a:bodyPr lIns="91425" tIns="91425" rIns="91425" bIns="91425" anchor="ctr" anchorCtr="0">
             <a:noAutofit/>
           </a:bodyPr>
           <a:lstStyle/>
@@ -7586,9 +8057,6 @@
               </a:spcBef>
               <a:buNone/>
             </a:pPr>
-            <a:r>
-              <a:t/>
-            </a:r>
             <a:endParaRPr/>
           </a:p>
         </p:txBody>
@@ -7613,31 +8081,31 @@
           </a:ln>
         </p:spPr>
         <p:txBody>
-          <a:bodyPr anchorCtr="0" anchor="t" bIns="91425" lIns="91425" rIns="91425" tIns="91425">
+          <a:bodyPr lIns="91425" tIns="91425" rIns="91425" bIns="91425" anchor="t" anchorCtr="0">
             <a:noAutofit/>
           </a:bodyPr>
           <a:lstStyle/>
           <a:p>
-            <a:pPr lvl="0" rtl="0" algn="ctr">
-              <a:spcBef>
-                <a:spcPts val="0"/>
-              </a:spcBef>
-              <a:buNone/>
-            </a:pPr>
-            <a:r>
-              <a:rPr b="1" lang="en"/>
+            <a:pPr lvl="0" algn="ctr" rtl="0">
+              <a:spcBef>
+                <a:spcPts val="0"/>
+              </a:spcBef>
+              <a:buNone/>
+            </a:pPr>
+            <a:r>
+              <a:rPr lang="en" b="1"/>
               <a:t>Within the </a:t>
             </a:r>
           </a:p>
           <a:p>
-            <a:pPr lvl="0" rtl="0" algn="ctr">
-              <a:spcBef>
-                <a:spcPts val="0"/>
-              </a:spcBef>
-              <a:buNone/>
-            </a:pPr>
-            <a:r>
-              <a:rPr b="1" lang="en"/>
+            <a:pPr lvl="0" algn="ctr" rtl="0">
+              <a:spcBef>
+                <a:spcPts val="0"/>
+              </a:spcBef>
+              <a:buNone/>
+            </a:pPr>
+            <a:r>
+              <a:rPr lang="en" b="1"/>
               <a:t>function</a:t>
             </a:r>
           </a:p>
@@ -7663,31 +8131,31 @@
           </a:ln>
         </p:spPr>
         <p:txBody>
-          <a:bodyPr anchorCtr="0" anchor="t" bIns="91425" lIns="91425" rIns="91425" tIns="91425">
+          <a:bodyPr lIns="91425" tIns="91425" rIns="91425" bIns="91425" anchor="t" anchorCtr="0">
             <a:noAutofit/>
           </a:bodyPr>
           <a:lstStyle/>
           <a:p>
-            <a:pPr lvl="0" rtl="0" algn="ctr">
-              <a:spcBef>
-                <a:spcPts val="0"/>
-              </a:spcBef>
-              <a:buNone/>
-            </a:pPr>
-            <a:r>
-              <a:rPr b="1" lang="en"/>
+            <a:pPr lvl="0" algn="ctr" rtl="0">
+              <a:spcBef>
+                <a:spcPts val="0"/>
+              </a:spcBef>
+              <a:buNone/>
+            </a:pPr>
+            <a:r>
+              <a:rPr lang="en" b="1"/>
               <a:t>Within the </a:t>
             </a:r>
           </a:p>
           <a:p>
-            <a:pPr lvl="0" rtl="0" algn="ctr">
-              <a:spcBef>
-                <a:spcPts val="0"/>
-              </a:spcBef>
-              <a:buNone/>
-            </a:pPr>
-            <a:r>
-              <a:rPr b="1" lang="en">
+            <a:pPr lvl="0" algn="ctr" rtl="0">
+              <a:spcBef>
+                <a:spcPts val="0"/>
+              </a:spcBef>
+              <a:buNone/>
+            </a:pPr>
+            <a:r>
+              <a:rPr lang="en" b="1">
                 <a:latin typeface="Courier New"/>
                 <a:ea typeface="Courier New"/>
                 <a:cs typeface="Courier New"/>
@@ -7696,7 +8164,7 @@
               <a:t>for</a:t>
             </a:r>
             <a:r>
-              <a:rPr b="1" lang="en"/>
+              <a:rPr lang="en" b="1"/>
               <a:t> loop</a:t>
             </a:r>
           </a:p>
@@ -7715,23 +8183,23 @@
           </a:xfrm>
           <a:prstGeom prst="rightBrace">
             <a:avLst>
-              <a:gd fmla="val 8333" name="adj1"/>
-              <a:gd fmla="val 50000" name="adj2"/>
+              <a:gd name="adj1" fmla="val 8333"/>
+              <a:gd name="adj2" fmla="val 50000"/>
             </a:avLst>
           </a:prstGeom>
           <a:noFill/>
-          <a:ln cap="flat" cmpd="sng" w="38100">
+          <a:ln w="38100" cap="flat" cmpd="sng">
             <a:solidFill>
               <a:schemeClr val="dk2"/>
             </a:solidFill>
             <a:prstDash val="solid"/>
             <a:round/>
-            <a:headEnd len="med" w="med" type="none"/>
-            <a:tailEnd len="med" w="med" type="none"/>
+            <a:headEnd type="none" w="med" len="med"/>
+            <a:tailEnd type="none" w="med" len="med"/>
           </a:ln>
         </p:spPr>
         <p:txBody>
-          <a:bodyPr anchorCtr="0" anchor="ctr" bIns="91425" lIns="91425" rIns="91425" tIns="91425">
+          <a:bodyPr lIns="91425" tIns="91425" rIns="91425" bIns="91425" anchor="ctr" anchorCtr="0">
             <a:noAutofit/>
           </a:bodyPr>
           <a:lstStyle/>
@@ -7742,9 +8210,6 @@
               </a:spcBef>
               <a:buNone/>
             </a:pPr>
-            <a:r>
-              <a:t/>
-            </a:r>
             <a:endParaRPr/>
           </a:p>
         </p:txBody>
@@ -7764,14 +8229,14 @@
             <a:avLst/>
           </a:prstGeom>
           <a:noFill/>
-          <a:ln cap="flat" cmpd="sng" w="38100">
+          <a:ln w="38100" cap="flat" cmpd="sng">
             <a:solidFill>
               <a:schemeClr val="dk2"/>
             </a:solidFill>
             <a:prstDash val="solid"/>
             <a:round/>
-            <a:headEnd len="lg" w="lg" type="none"/>
-            <a:tailEnd len="lg" w="lg" type="triangle"/>
+            <a:headEnd type="none" w="lg" len="lg"/>
+            <a:tailEnd type="triangle" w="lg" len="lg"/>
           </a:ln>
         </p:spPr>
       </p:cxnSp>
@@ -7795,19 +8260,19 @@
           </a:ln>
         </p:spPr>
         <p:txBody>
-          <a:bodyPr anchorCtr="0" anchor="t" bIns="91425" lIns="91425" rIns="91425" tIns="91425">
+          <a:bodyPr lIns="91425" tIns="91425" rIns="91425" bIns="91425" anchor="t" anchorCtr="0">
             <a:noAutofit/>
           </a:bodyPr>
           <a:lstStyle/>
           <a:p>
-            <a:pPr lvl="0" rtl="0" algn="ctr">
-              <a:spcBef>
-                <a:spcPts val="0"/>
-              </a:spcBef>
-              <a:buNone/>
-            </a:pPr>
-            <a:r>
-              <a:rPr b="1" lang="en"/>
+            <a:pPr lvl="0" algn="ctr" rtl="0">
+              <a:spcBef>
+                <a:spcPts val="0"/>
+              </a:spcBef>
+              <a:buNone/>
+            </a:pPr>
+            <a:r>
+              <a:rPr lang="en" b="1"/>
               <a:t>Variables to be passed to the function</a:t>
             </a:r>
           </a:p>
@@ -7825,11 +8290,11 @@
 </file>
 
 <file path=ppt/slides/slide19.xml><?xml version="1.0" encoding="utf-8"?>
-<p:sld xmlns:a="http://schemas.openxmlformats.org/drawingml/2006/main" xmlns:r="http://schemas.openxmlformats.org/officeDocument/2006/relationships" xmlns:mc="http://schemas.openxmlformats.org/markup-compatibility/2006" xmlns:mv="urn:schemas-microsoft-com:mac:vml" xmlns:p="http://schemas.openxmlformats.org/presentationml/2006/main" xmlns:c="http://schemas.openxmlformats.org/drawingml/2006/chart" xmlns:dgm="http://schemas.openxmlformats.org/drawingml/2006/diagram" xmlns:o="urn:schemas-microsoft-com:office:office" xmlns:v="urn:schemas-microsoft-com:vml" xmlns:pvml="urn:schemas-microsoft-com:office:powerpoint" xmlns:com="http://schemas.openxmlformats.org/drawingml/2006/compatibility" xmlns:p14="http://schemas.microsoft.com/office/powerpoint/2010/main">
+<p:sld xmlns:a="http://schemas.openxmlformats.org/drawingml/2006/main" xmlns:r="http://schemas.openxmlformats.org/officeDocument/2006/relationships" xmlns:p="http://schemas.openxmlformats.org/presentationml/2006/main">
   <p:cSld>
     <p:spTree>
       <p:nvGrpSpPr>
-        <p:cNvPr id="191" name="Shape 191"/>
+        <p:cNvPr id="1" name="Shape 191"/>
         <p:cNvGrpSpPr/>
         <p:nvPr/>
       </p:nvGrpSpPr>
@@ -7844,7 +8309,9 @@
       <p:sp>
         <p:nvSpPr>
           <p:cNvPr id="192" name="Shape 192"/>
-          <p:cNvSpPr txBox="1"/>
+          <p:cNvSpPr txBox="1">
+            <a:spLocks noGrp="1"/>
+          </p:cNvSpPr>
           <p:nvPr>
             <p:ph type="title"/>
           </p:nvPr>
@@ -7859,7 +8326,7 @@
           </a:prstGeom>
         </p:spPr>
         <p:txBody>
-          <a:bodyPr anchorCtr="0" anchor="b" bIns="91425" lIns="91425" rIns="91425" tIns="91425">
+          <a:bodyPr lIns="91425" tIns="91425" rIns="91425" bIns="91425" anchor="b" anchorCtr="0">
             <a:noAutofit/>
           </a:bodyPr>
           <a:lstStyle/>
@@ -7880,9 +8347,11 @@
       <p:sp>
         <p:nvSpPr>
           <p:cNvPr id="193" name="Shape 193"/>
-          <p:cNvSpPr txBox="1"/>
+          <p:cNvSpPr txBox="1">
+            <a:spLocks noGrp="1"/>
+          </p:cNvSpPr>
           <p:nvPr>
-            <p:ph idx="1" type="body"/>
+            <p:ph type="body" idx="1"/>
           </p:nvPr>
         </p:nvSpPr>
         <p:spPr>
@@ -7895,12 +8364,12 @@
           </a:prstGeom>
         </p:spPr>
         <p:txBody>
-          <a:bodyPr anchorCtr="0" anchor="t" bIns="91425" lIns="91425" rIns="91425" tIns="91425">
+          <a:bodyPr lIns="91425" tIns="91425" rIns="91425" bIns="91425" anchor="t" anchorCtr="0">
             <a:noAutofit/>
           </a:bodyPr>
           <a:lstStyle/>
           <a:p>
-            <a:pPr lvl="0" rtl="0" algn="ctr">
+            <a:pPr lvl="0" algn="ctr" rtl="0">
               <a:spcBef>
                 <a:spcPts val="0"/>
               </a:spcBef>
@@ -7925,15 +8394,12 @@
             </a:r>
           </a:p>
           <a:p>
-            <a:pPr indent="0" lvl="0" marL="0" rtl="0">
-              <a:spcBef>
-                <a:spcPts val="0"/>
-              </a:spcBef>
-              <a:buNone/>
-            </a:pPr>
-            <a:r>
-              <a:t/>
-            </a:r>
+            <a:pPr marL="0" lvl="0" indent="0" rtl="0">
+              <a:spcBef>
+                <a:spcPts val="0"/>
+              </a:spcBef>
+              <a:buNone/>
+            </a:pPr>
             <a:endParaRPr sz="1800">
               <a:latin typeface="Courier New"/>
               <a:ea typeface="Courier New"/>
@@ -7963,7 +8429,7 @@
           </a:ln>
         </p:spPr>
         <p:txBody>
-          <a:bodyPr anchorCtr="0" anchor="ctr" bIns="91425" lIns="91425" rIns="91425" tIns="91425">
+          <a:bodyPr lIns="91425" tIns="91425" rIns="91425" bIns="91425" anchor="ctr" anchorCtr="0">
             <a:noAutofit/>
           </a:bodyPr>
           <a:lstStyle/>
@@ -8154,9 +8620,6 @@
               </a:spcBef>
               <a:buNone/>
             </a:pPr>
-            <a:r>
-              <a:t/>
-            </a:r>
             <a:endParaRPr sz="1800">
               <a:solidFill>
                 <a:schemeClr val="dk1"/>
@@ -8225,19 +8688,19 @@
           </a:ln>
         </p:spPr>
         <p:txBody>
-          <a:bodyPr anchorCtr="0" anchor="t" bIns="91425" lIns="91425" rIns="91425" tIns="91425">
+          <a:bodyPr lIns="91425" tIns="91425" rIns="91425" bIns="91425" anchor="t" anchorCtr="0">
             <a:noAutofit/>
           </a:bodyPr>
           <a:lstStyle/>
           <a:p>
-            <a:pPr lvl="0" rtl="0" algn="ctr">
-              <a:spcBef>
-                <a:spcPts val="0"/>
-              </a:spcBef>
-              <a:buNone/>
-            </a:pPr>
-            <a:r>
-              <a:rPr b="1" lang="en">
+            <a:pPr lvl="0" algn="ctr" rtl="0">
+              <a:spcBef>
+                <a:spcPts val="0"/>
+              </a:spcBef>
+              <a:buNone/>
+            </a:pPr>
+            <a:r>
+              <a:rPr lang="en" b="1">
                 <a:latin typeface="Courier New"/>
                 <a:ea typeface="Courier New"/>
                 <a:cs typeface="Courier New"/>
@@ -8246,7 +8709,7 @@
               <a:t>while</a:t>
             </a:r>
             <a:r>
-              <a:rPr b="1" lang="en"/>
+              <a:rPr lang="en" b="1"/>
               <a:t> loops execute until their statement becomes false</a:t>
             </a:r>
           </a:p>
@@ -8267,14 +8730,14 @@
             <a:avLst/>
           </a:prstGeom>
           <a:noFill/>
-          <a:ln cap="flat" cmpd="sng" w="38100">
+          <a:ln w="38100" cap="flat" cmpd="sng">
             <a:solidFill>
               <a:schemeClr val="dk2"/>
             </a:solidFill>
             <a:prstDash val="solid"/>
             <a:round/>
-            <a:headEnd len="lg" w="lg" type="none"/>
-            <a:tailEnd len="lg" w="lg" type="triangle"/>
+            <a:headEnd type="none" w="lg" len="lg"/>
+            <a:tailEnd type="triangle" w="lg" len="lg"/>
           </a:ln>
         </p:spPr>
       </p:cxnSp>
@@ -8290,11 +8753,11 @@
 </file>
 
 <file path=ppt/slides/slide2.xml><?xml version="1.0" encoding="utf-8"?>
-<p:sld xmlns:a="http://schemas.openxmlformats.org/drawingml/2006/main" xmlns:r="http://schemas.openxmlformats.org/officeDocument/2006/relationships" xmlns:mc="http://schemas.openxmlformats.org/markup-compatibility/2006" xmlns:mv="urn:schemas-microsoft-com:mac:vml" xmlns:p="http://schemas.openxmlformats.org/presentationml/2006/main" xmlns:c="http://schemas.openxmlformats.org/drawingml/2006/chart" xmlns:dgm="http://schemas.openxmlformats.org/drawingml/2006/diagram" xmlns:o="urn:schemas-microsoft-com:office:office" xmlns:v="urn:schemas-microsoft-com:vml" xmlns:pvml="urn:schemas-microsoft-com:office:powerpoint" xmlns:com="http://schemas.openxmlformats.org/drawingml/2006/compatibility" xmlns:p14="http://schemas.microsoft.com/office/powerpoint/2010/main">
+<p:sld xmlns:a="http://schemas.openxmlformats.org/drawingml/2006/main" xmlns:r="http://schemas.openxmlformats.org/officeDocument/2006/relationships" xmlns:p="http://schemas.openxmlformats.org/presentationml/2006/main">
   <p:cSld>
     <p:spTree>
       <p:nvGrpSpPr>
-        <p:cNvPr id="38" name="Shape 38"/>
+        <p:cNvPr id="1" name="Shape 38"/>
         <p:cNvGrpSpPr/>
         <p:nvPr/>
       </p:nvGrpSpPr>
@@ -8309,7 +8772,9 @@
       <p:sp>
         <p:nvSpPr>
           <p:cNvPr id="39" name="Shape 39"/>
-          <p:cNvSpPr txBox="1"/>
+          <p:cNvSpPr txBox="1">
+            <a:spLocks noGrp="1"/>
+          </p:cNvSpPr>
           <p:nvPr>
             <p:ph type="title"/>
           </p:nvPr>
@@ -8324,7 +8789,7 @@
           </a:prstGeom>
         </p:spPr>
         <p:txBody>
-          <a:bodyPr anchorCtr="0" anchor="b" bIns="91425" lIns="91425" rIns="91425" tIns="91425">
+          <a:bodyPr lIns="91425" tIns="91425" rIns="91425" bIns="91425" anchor="b" anchorCtr="0">
             <a:noAutofit/>
           </a:bodyPr>
           <a:lstStyle/>
@@ -8345,9 +8810,11 @@
       <p:sp>
         <p:nvSpPr>
           <p:cNvPr id="40" name="Shape 40"/>
-          <p:cNvSpPr txBox="1"/>
+          <p:cNvSpPr txBox="1">
+            <a:spLocks noGrp="1"/>
+          </p:cNvSpPr>
           <p:nvPr>
-            <p:ph idx="1" type="body"/>
+            <p:ph type="body" idx="1"/>
           </p:nvPr>
         </p:nvSpPr>
         <p:spPr>
@@ -8360,7 +8827,7 @@
           </a:prstGeom>
         </p:spPr>
         <p:txBody>
-          <a:bodyPr anchorCtr="0" anchor="t" bIns="91425" lIns="91425" rIns="91425" tIns="91425">
+          <a:bodyPr lIns="91425" tIns="91425" rIns="91425" bIns="91425" anchor="t" anchorCtr="0">
             <a:noAutofit/>
           </a:bodyPr>
           <a:lstStyle/>
@@ -8372,98 +8839,8 @@
               <a:buNone/>
             </a:pPr>
             <a:r>
-              <a:rPr lang="en" sz="2800"/>
+              <a:rPr lang="en" sz="2800" dirty="0"/>
               <a:t>Python is an interpreted programming language</a:t>
-            </a:r>
-          </a:p>
-        </p:txBody>
-      </p:sp>
-      <p:cxnSp>
-        <p:nvCxnSpPr>
-          <p:cNvPr id="41" name="Shape 41"/>
-          <p:cNvCxnSpPr>
-            <a:stCxn id="42" idx="0"/>
-          </p:cNvCxnSpPr>
-          <p:nvPr/>
-        </p:nvCxnSpPr>
-        <p:spPr>
-          <a:xfrm flipH="1" rot="10800000">
-            <a:off x="1276849" y="2266950"/>
-            <a:ext cx="64500" cy="911100"/>
-          </a:xfrm>
-          <a:prstGeom prst="straightConnector1">
-            <a:avLst/>
-          </a:prstGeom>
-          <a:noFill/>
-          <a:ln cap="flat" cmpd="sng" w="38100">
-            <a:solidFill>
-              <a:schemeClr val="dk2"/>
-            </a:solidFill>
-            <a:prstDash val="solid"/>
-            <a:round/>
-            <a:headEnd len="lg" w="lg" type="none"/>
-            <a:tailEnd len="lg" w="lg" type="triangle"/>
-          </a:ln>
-        </p:spPr>
-      </p:cxnSp>
-      <p:sp>
-        <p:nvSpPr>
-          <p:cNvPr id="42" name="Shape 42"/>
-          <p:cNvSpPr txBox="1"/>
-          <p:nvPr/>
-        </p:nvSpPr>
-        <p:spPr>
-          <a:xfrm>
-            <a:off x="832100" y="3178050"/>
-            <a:ext cx="889499" cy="867899"/>
-          </a:xfrm>
-          <a:prstGeom prst="rect">
-            <a:avLst/>
-          </a:prstGeom>
-          <a:noFill/>
-          <a:ln>
-            <a:noFill/>
-          </a:ln>
-        </p:spPr>
-        <p:txBody>
-          <a:bodyPr anchorCtr="0" anchor="t" bIns="91425" lIns="91425" rIns="91425" tIns="91425">
-            <a:noAutofit/>
-          </a:bodyPr>
-          <a:lstStyle/>
-          <a:p>
-            <a:pPr lvl="0" rtl="0" algn="ctr">
-              <a:spcBef>
-                <a:spcPts val="0"/>
-              </a:spcBef>
-              <a:buNone/>
-            </a:pPr>
-            <a:r>
-              <a:rPr b="1" lang="en"/>
-              <a:t>Snakes</a:t>
-            </a:r>
-          </a:p>
-          <a:p>
-            <a:pPr lvl="0" rtl="0" algn="ctr">
-              <a:spcBef>
-                <a:spcPts val="0"/>
-              </a:spcBef>
-              <a:buNone/>
-            </a:pPr>
-            <a:r>
-              <a:rPr b="1" lang="en"/>
-              <a:t>are</a:t>
-            </a:r>
-          </a:p>
-          <a:p>
-            <a:pPr lvl="0" algn="ctr">
-              <a:spcBef>
-                <a:spcPts val="0"/>
-              </a:spcBef>
-              <a:buNone/>
-            </a:pPr>
-            <a:r>
-              <a:rPr b="1" lang="en"/>
-              <a:t>cool!</a:t>
             </a:r>
           </a:p>
         </p:txBody>
@@ -8485,14 +8862,14 @@
             <a:avLst/>
           </a:prstGeom>
           <a:noFill/>
-          <a:ln cap="flat" cmpd="sng" w="38100">
+          <a:ln w="38100" cap="flat" cmpd="sng">
             <a:solidFill>
               <a:schemeClr val="dk2"/>
             </a:solidFill>
             <a:prstDash val="solid"/>
             <a:round/>
-            <a:headEnd len="lg" w="lg" type="none"/>
-            <a:tailEnd len="lg" w="lg" type="triangle"/>
+            <a:headEnd type="none" w="lg" len="lg"/>
+            <a:tailEnd type="triangle" w="lg" len="lg"/>
           </a:ln>
         </p:spPr>
       </p:cxnSp>
@@ -8516,19 +8893,19 @@
           </a:ln>
         </p:spPr>
         <p:txBody>
-          <a:bodyPr anchorCtr="0" anchor="t" bIns="91425" lIns="91425" rIns="91425" tIns="91425">
+          <a:bodyPr lIns="91425" tIns="91425" rIns="91425" bIns="91425" anchor="t" anchorCtr="0">
             <a:noAutofit/>
           </a:bodyPr>
           <a:lstStyle/>
           <a:p>
-            <a:pPr lvl="0" rtl="0" algn="ctr">
-              <a:spcBef>
-                <a:spcPts val="0"/>
-              </a:spcBef>
-              <a:buNone/>
-            </a:pPr>
-            <a:r>
-              <a:rPr b="1" lang="en"/>
+            <a:pPr lvl="0" algn="ctr" rtl="0">
+              <a:spcBef>
+                <a:spcPts val="0"/>
+              </a:spcBef>
+              <a:buNone/>
+            </a:pPr>
+            <a:r>
+              <a:rPr lang="en" b="1"/>
               <a:t>No need to compile!</a:t>
             </a:r>
           </a:p>
@@ -8554,19 +8931,19 @@
           </a:ln>
         </p:spPr>
         <p:txBody>
-          <a:bodyPr anchorCtr="0" anchor="t" bIns="91425" lIns="91425" rIns="91425" tIns="91425">
+          <a:bodyPr lIns="91425" tIns="91425" rIns="91425" bIns="91425" anchor="t" anchorCtr="0">
             <a:noAutofit/>
           </a:bodyPr>
           <a:lstStyle/>
           <a:p>
-            <a:pPr lvl="0" rtl="0" algn="ctr">
-              <a:spcBef>
-                <a:spcPts val="0"/>
-              </a:spcBef>
-              <a:buNone/>
-            </a:pPr>
-            <a:r>
-              <a:rPr b="1" lang="en"/>
+            <a:pPr lvl="0" algn="ctr" rtl="0">
+              <a:spcBef>
+                <a:spcPts val="0"/>
+              </a:spcBef>
+              <a:buNone/>
+            </a:pPr>
+            <a:r>
+              <a:rPr lang="en" b="1"/>
               <a:t>Solving problems with a computer!</a:t>
             </a:r>
           </a:p>
@@ -8589,14 +8966,14 @@
             <a:avLst/>
           </a:prstGeom>
           <a:noFill/>
-          <a:ln cap="flat" cmpd="sng" w="38100">
+          <a:ln w="38100" cap="flat" cmpd="sng">
             <a:solidFill>
               <a:schemeClr val="dk2"/>
             </a:solidFill>
             <a:prstDash val="solid"/>
             <a:round/>
-            <a:headEnd len="lg" w="lg" type="none"/>
-            <a:tailEnd len="lg" w="lg" type="triangle"/>
+            <a:headEnd type="none" w="lg" len="lg"/>
+            <a:tailEnd type="triangle" w="lg" len="lg"/>
           </a:ln>
         </p:spPr>
       </p:cxnSp>
@@ -8609,7 +8986,7 @@
           <p:nvPr/>
         </p:nvCxnSpPr>
         <p:spPr>
-          <a:xfrm flipH="1" rot="10800000">
+          <a:xfrm rot="10800000" flipH="1">
             <a:off x="6944925" y="2288425"/>
             <a:ext cx="522900" cy="1070700"/>
           </a:xfrm>
@@ -8617,14 +8994,14 @@
             <a:avLst/>
           </a:prstGeom>
           <a:noFill/>
-          <a:ln cap="flat" cmpd="sng" w="38100">
+          <a:ln w="38100" cap="flat" cmpd="sng">
             <a:solidFill>
               <a:schemeClr val="dk2"/>
             </a:solidFill>
             <a:prstDash val="solid"/>
             <a:round/>
-            <a:headEnd len="lg" w="lg" type="none"/>
-            <a:tailEnd len="lg" w="lg" type="triangle"/>
+            <a:headEnd type="none" w="lg" len="lg"/>
+            <a:tailEnd type="triangle" w="lg" len="lg"/>
           </a:ln>
         </p:spPr>
       </p:cxnSp>
@@ -8640,11 +9017,11 @@
 </file>
 
 <file path=ppt/slides/slide20.xml><?xml version="1.0" encoding="utf-8"?>
-<p:sld xmlns:a="http://schemas.openxmlformats.org/drawingml/2006/main" xmlns:r="http://schemas.openxmlformats.org/officeDocument/2006/relationships" xmlns:mc="http://schemas.openxmlformats.org/markup-compatibility/2006" xmlns:mv="urn:schemas-microsoft-com:mac:vml" xmlns:p="http://schemas.openxmlformats.org/presentationml/2006/main" xmlns:c="http://schemas.openxmlformats.org/drawingml/2006/chart" xmlns:dgm="http://schemas.openxmlformats.org/drawingml/2006/diagram" xmlns:o="urn:schemas-microsoft-com:office:office" xmlns:v="urn:schemas-microsoft-com:vml" xmlns:pvml="urn:schemas-microsoft-com:office:powerpoint" xmlns:com="http://schemas.openxmlformats.org/drawingml/2006/compatibility" xmlns:p14="http://schemas.microsoft.com/office/powerpoint/2010/main">
+<p:sld xmlns:a="http://schemas.openxmlformats.org/drawingml/2006/main" xmlns:r="http://schemas.openxmlformats.org/officeDocument/2006/relationships" xmlns:p="http://schemas.openxmlformats.org/presentationml/2006/main">
   <p:cSld>
     <p:spTree>
       <p:nvGrpSpPr>
-        <p:cNvPr id="200" name="Shape 200"/>
+        <p:cNvPr id="1" name="Shape 200"/>
         <p:cNvGrpSpPr/>
         <p:nvPr/>
       </p:nvGrpSpPr>
@@ -8659,7 +9036,9 @@
       <p:sp>
         <p:nvSpPr>
           <p:cNvPr id="201" name="Shape 201"/>
-          <p:cNvSpPr txBox="1"/>
+          <p:cNvSpPr txBox="1">
+            <a:spLocks noGrp="1"/>
+          </p:cNvSpPr>
           <p:nvPr>
             <p:ph type="title"/>
           </p:nvPr>
@@ -8674,7 +9053,7 @@
           </a:prstGeom>
         </p:spPr>
         <p:txBody>
-          <a:bodyPr anchorCtr="0" anchor="b" bIns="91425" lIns="91425" rIns="91425" tIns="91425">
+          <a:bodyPr lIns="91425" tIns="91425" rIns="91425" bIns="91425" anchor="b" anchorCtr="0">
             <a:noAutofit/>
           </a:bodyPr>
           <a:lstStyle/>
@@ -8695,9 +9074,11 @@
       <p:sp>
         <p:nvSpPr>
           <p:cNvPr id="202" name="Shape 202"/>
-          <p:cNvSpPr txBox="1"/>
+          <p:cNvSpPr txBox="1">
+            <a:spLocks noGrp="1"/>
+          </p:cNvSpPr>
           <p:nvPr>
-            <p:ph idx="1" type="body"/>
+            <p:ph type="body" idx="1"/>
           </p:nvPr>
         </p:nvSpPr>
         <p:spPr>
@@ -8710,12 +9091,12 @@
           </a:prstGeom>
         </p:spPr>
         <p:txBody>
-          <a:bodyPr anchorCtr="0" anchor="t" bIns="91425" lIns="91425" rIns="91425" tIns="91425">
+          <a:bodyPr lIns="91425" tIns="91425" rIns="91425" bIns="91425" anchor="t" anchorCtr="0">
             <a:noAutofit/>
           </a:bodyPr>
           <a:lstStyle/>
           <a:p>
-            <a:pPr lvl="0" rtl="0" algn="ctr">
+            <a:pPr lvl="0" algn="ctr" rtl="0">
               <a:spcBef>
                 <a:spcPts val="0"/>
               </a:spcBef>
@@ -8740,7 +9121,7 @@
             </a:r>
           </a:p>
           <a:p>
-            <a:pPr lvl="0" rtl="0" algn="l">
+            <a:pPr lvl="0" algn="l" rtl="0">
               <a:spcBef>
                 <a:spcPts val="0"/>
               </a:spcBef>
@@ -8757,7 +9138,7 @@
             </a:r>
           </a:p>
           <a:p>
-            <a:pPr lvl="0" rtl="0" algn="l">
+            <a:pPr lvl="0" algn="l" rtl="0">
               <a:spcBef>
                 <a:spcPts val="0"/>
               </a:spcBef>
@@ -8774,15 +9155,12 @@
             </a:r>
           </a:p>
           <a:p>
-            <a:pPr lvl="0" rtl="0" algn="l">
-              <a:spcBef>
-                <a:spcPts val="0"/>
-              </a:spcBef>
-              <a:buNone/>
-            </a:pPr>
-            <a:r>
-              <a:t/>
-            </a:r>
+            <a:pPr lvl="0" algn="l" rtl="0">
+              <a:spcBef>
+                <a:spcPts val="0"/>
+              </a:spcBef>
+              <a:buNone/>
+            </a:pPr>
             <a:endParaRPr sz="2400">
               <a:latin typeface="Courier New"/>
               <a:ea typeface="Courier New"/>
@@ -8791,15 +9169,12 @@
             </a:endParaRPr>
           </a:p>
           <a:p>
-            <a:pPr lvl="0" rtl="0" algn="l">
-              <a:spcBef>
-                <a:spcPts val="0"/>
-              </a:spcBef>
-              <a:buNone/>
-            </a:pPr>
-            <a:r>
-              <a:t/>
-            </a:r>
+            <a:pPr lvl="0" algn="l" rtl="0">
+              <a:spcBef>
+                <a:spcPts val="0"/>
+              </a:spcBef>
+              <a:buNone/>
+            </a:pPr>
             <a:endParaRPr sz="2400">
               <a:latin typeface="Courier New"/>
               <a:ea typeface="Courier New"/>
@@ -8808,7 +9183,7 @@
             </a:endParaRPr>
           </a:p>
           <a:p>
-            <a:pPr lvl="0" rtl="0" algn="l">
+            <a:pPr lvl="0" algn="l" rtl="0">
               <a:spcBef>
                 <a:spcPts val="0"/>
               </a:spcBef>
@@ -8856,23 +9231,23 @@
           </a:xfrm>
           <a:prstGeom prst="rightBrace">
             <a:avLst>
-              <a:gd fmla="val 8333" name="adj1"/>
-              <a:gd fmla="val 50000" name="adj2"/>
+              <a:gd name="adj1" fmla="val 8333"/>
+              <a:gd name="adj2" fmla="val 50000"/>
             </a:avLst>
           </a:prstGeom>
           <a:noFill/>
-          <a:ln cap="flat" cmpd="sng" w="38100">
+          <a:ln w="38100" cap="flat" cmpd="sng">
             <a:solidFill>
               <a:schemeClr val="dk2"/>
             </a:solidFill>
             <a:prstDash val="solid"/>
             <a:round/>
-            <a:headEnd len="med" w="med" type="none"/>
-            <a:tailEnd len="med" w="med" type="none"/>
+            <a:headEnd type="none" w="med" len="med"/>
+            <a:tailEnd type="none" w="med" len="med"/>
           </a:ln>
         </p:spPr>
         <p:txBody>
-          <a:bodyPr anchorCtr="0" anchor="ctr" bIns="91425" lIns="91425" rIns="91425" tIns="91425">
+          <a:bodyPr lIns="91425" tIns="91425" rIns="91425" bIns="91425" anchor="ctr" anchorCtr="0">
             <a:noAutofit/>
           </a:bodyPr>
           <a:lstStyle/>
@@ -8883,9 +9258,6 @@
               </a:spcBef>
               <a:buNone/>
             </a:pPr>
-            <a:r>
-              <a:t/>
-            </a:r>
             <a:endParaRPr/>
           </a:p>
         </p:txBody>
@@ -8910,19 +9282,19 @@
           </a:ln>
         </p:spPr>
         <p:txBody>
-          <a:bodyPr anchorCtr="0" anchor="t" bIns="91425" lIns="91425" rIns="91425" tIns="91425">
+          <a:bodyPr lIns="91425" tIns="91425" rIns="91425" bIns="91425" anchor="t" anchorCtr="0">
             <a:noAutofit/>
           </a:bodyPr>
           <a:lstStyle/>
           <a:p>
-            <a:pPr lvl="0" rtl="0" algn="ctr">
-              <a:spcBef>
-                <a:spcPts val="0"/>
-              </a:spcBef>
-              <a:buNone/>
-            </a:pPr>
-            <a:r>
-              <a:rPr b="1" lang="en"/>
+            <a:pPr lvl="0" algn="ctr" rtl="0">
+              <a:spcBef>
+                <a:spcPts val="0"/>
+              </a:spcBef>
+              <a:buNone/>
+            </a:pPr>
+            <a:r>
+              <a:rPr lang="en" b="1"/>
               <a:t>Name of the Python package</a:t>
             </a:r>
           </a:p>
@@ -8948,19 +9320,19 @@
           </a:ln>
         </p:spPr>
         <p:txBody>
-          <a:bodyPr anchorCtr="0" anchor="t" bIns="91425" lIns="91425" rIns="91425" tIns="91425">
+          <a:bodyPr lIns="91425" tIns="91425" rIns="91425" bIns="91425" anchor="t" anchorCtr="0">
             <a:noAutofit/>
           </a:bodyPr>
           <a:lstStyle/>
           <a:p>
-            <a:pPr lvl="0" rtl="0" algn="ctr">
-              <a:spcBef>
-                <a:spcPts val="0"/>
-              </a:spcBef>
-              <a:buNone/>
-            </a:pPr>
-            <a:r>
-              <a:rPr b="1" lang="en"/>
+            <a:pPr lvl="0" algn="ctr" rtl="0">
+              <a:spcBef>
+                <a:spcPts val="0"/>
+              </a:spcBef>
+              <a:buNone/>
+            </a:pPr>
+            <a:r>
+              <a:rPr lang="en" b="1"/>
               <a:t>Want to use a function within numpy</a:t>
             </a:r>
           </a:p>
@@ -8979,23 +9351,23 @@
           </a:xfrm>
           <a:prstGeom prst="rightBrace">
             <a:avLst>
-              <a:gd fmla="val 8333" name="adj1"/>
-              <a:gd fmla="val 50000" name="adj2"/>
+              <a:gd name="adj1" fmla="val 8333"/>
+              <a:gd name="adj2" fmla="val 50000"/>
             </a:avLst>
           </a:prstGeom>
           <a:noFill/>
-          <a:ln cap="flat" cmpd="sng" w="38100">
+          <a:ln w="38100" cap="flat" cmpd="sng">
             <a:solidFill>
               <a:schemeClr val="dk2"/>
             </a:solidFill>
             <a:prstDash val="solid"/>
             <a:round/>
-            <a:headEnd len="med" w="med" type="none"/>
-            <a:tailEnd len="med" w="med" type="none"/>
+            <a:headEnd type="none" w="med" len="med"/>
+            <a:tailEnd type="none" w="med" len="med"/>
           </a:ln>
         </p:spPr>
         <p:txBody>
-          <a:bodyPr anchorCtr="0" anchor="ctr" bIns="91425" lIns="91425" rIns="91425" tIns="91425">
+          <a:bodyPr lIns="91425" tIns="91425" rIns="91425" bIns="91425" anchor="ctr" anchorCtr="0">
             <a:noAutofit/>
           </a:bodyPr>
           <a:lstStyle/>
@@ -9006,9 +9378,6 @@
               </a:spcBef>
               <a:buNone/>
             </a:pPr>
-            <a:r>
-              <a:t/>
-            </a:r>
             <a:endParaRPr/>
           </a:p>
         </p:txBody>
@@ -9033,19 +9402,19 @@
           </a:ln>
         </p:spPr>
         <p:txBody>
-          <a:bodyPr anchorCtr="0" anchor="t" bIns="91425" lIns="91425" rIns="91425" tIns="91425">
+          <a:bodyPr lIns="91425" tIns="91425" rIns="91425" bIns="91425" anchor="t" anchorCtr="0">
             <a:noAutofit/>
           </a:bodyPr>
           <a:lstStyle/>
           <a:p>
-            <a:pPr lvl="0" rtl="0" algn="ctr">
-              <a:spcBef>
-                <a:spcPts val="0"/>
-              </a:spcBef>
-              <a:buNone/>
-            </a:pPr>
-            <a:r>
-              <a:rPr b="1" lang="en"/>
+            <a:pPr lvl="0" algn="ctr" rtl="0">
+              <a:spcBef>
+                <a:spcPts val="0"/>
+              </a:spcBef>
+              <a:buNone/>
+            </a:pPr>
+            <a:r>
+              <a:rPr lang="en" b="1"/>
               <a:t>Name of the numpy function</a:t>
             </a:r>
           </a:p>
@@ -9064,23 +9433,23 @@
           </a:xfrm>
           <a:prstGeom prst="rightBrace">
             <a:avLst>
-              <a:gd fmla="val 8333" name="adj1"/>
-              <a:gd fmla="val 50000" name="adj2"/>
+              <a:gd name="adj1" fmla="val 8333"/>
+              <a:gd name="adj2" fmla="val 50000"/>
             </a:avLst>
           </a:prstGeom>
           <a:noFill/>
-          <a:ln cap="flat" cmpd="sng" w="38100">
+          <a:ln w="38100" cap="flat" cmpd="sng">
             <a:solidFill>
               <a:schemeClr val="dk2"/>
             </a:solidFill>
             <a:prstDash val="solid"/>
             <a:round/>
-            <a:headEnd len="med" w="med" type="none"/>
-            <a:tailEnd len="med" w="med" type="none"/>
+            <a:headEnd type="none" w="med" len="med"/>
+            <a:tailEnd type="none" w="med" len="med"/>
           </a:ln>
         </p:spPr>
         <p:txBody>
-          <a:bodyPr anchorCtr="0" anchor="ctr" bIns="91425" lIns="91425" rIns="91425" tIns="91425">
+          <a:bodyPr lIns="91425" tIns="91425" rIns="91425" bIns="91425" anchor="ctr" anchorCtr="0">
             <a:noAutofit/>
           </a:bodyPr>
           <a:lstStyle/>
@@ -9091,9 +9460,6 @@
               </a:spcBef>
               <a:buNone/>
             </a:pPr>
-            <a:r>
-              <a:t/>
-            </a:r>
             <a:endParaRPr/>
           </a:p>
         </p:txBody>
@@ -9110,11 +9476,11 @@
 </file>
 
 <file path=ppt/slides/slide21.xml><?xml version="1.0" encoding="utf-8"?>
-<p:sld xmlns:a="http://schemas.openxmlformats.org/drawingml/2006/main" xmlns:r="http://schemas.openxmlformats.org/officeDocument/2006/relationships" xmlns:mc="http://schemas.openxmlformats.org/markup-compatibility/2006" xmlns:mv="urn:schemas-microsoft-com:mac:vml" xmlns:p="http://schemas.openxmlformats.org/presentationml/2006/main" xmlns:c="http://schemas.openxmlformats.org/drawingml/2006/chart" xmlns:dgm="http://schemas.openxmlformats.org/drawingml/2006/diagram" xmlns:o="urn:schemas-microsoft-com:office:office" xmlns:v="urn:schemas-microsoft-com:vml" xmlns:pvml="urn:schemas-microsoft-com:office:powerpoint" xmlns:com="http://schemas.openxmlformats.org/drawingml/2006/compatibility" xmlns:p14="http://schemas.microsoft.com/office/powerpoint/2010/main">
+<p:sld xmlns:a="http://schemas.openxmlformats.org/drawingml/2006/main" xmlns:r="http://schemas.openxmlformats.org/officeDocument/2006/relationships" xmlns:p="http://schemas.openxmlformats.org/presentationml/2006/main">
   <p:cSld>
     <p:spTree>
       <p:nvGrpSpPr>
-        <p:cNvPr id="212" name="Shape 212"/>
+        <p:cNvPr id="1" name="Shape 212"/>
         <p:cNvGrpSpPr/>
         <p:nvPr/>
       </p:nvGrpSpPr>
@@ -9129,7 +9495,9 @@
       <p:sp>
         <p:nvSpPr>
           <p:cNvPr id="213" name="Shape 213"/>
-          <p:cNvSpPr txBox="1"/>
+          <p:cNvSpPr txBox="1">
+            <a:spLocks noGrp="1"/>
+          </p:cNvSpPr>
           <p:nvPr>
             <p:ph type="title"/>
           </p:nvPr>
@@ -9144,7 +9512,7 @@
           </a:prstGeom>
         </p:spPr>
         <p:txBody>
-          <a:bodyPr anchorCtr="0" anchor="b" bIns="91425" lIns="91425" rIns="91425" tIns="91425">
+          <a:bodyPr lIns="91425" tIns="91425" rIns="91425" bIns="91425" anchor="b" anchorCtr="0">
             <a:noAutofit/>
           </a:bodyPr>
           <a:lstStyle/>
@@ -9165,9 +9533,11 @@
       <p:sp>
         <p:nvSpPr>
           <p:cNvPr id="214" name="Shape 214"/>
-          <p:cNvSpPr txBox="1"/>
+          <p:cNvSpPr txBox="1">
+            <a:spLocks noGrp="1"/>
+          </p:cNvSpPr>
           <p:nvPr>
-            <p:ph idx="1" type="body"/>
+            <p:ph type="body" idx="1"/>
           </p:nvPr>
         </p:nvSpPr>
         <p:spPr>
@@ -9180,12 +9550,12 @@
           </a:prstGeom>
         </p:spPr>
         <p:txBody>
-          <a:bodyPr anchorCtr="0" anchor="t" bIns="91425" lIns="91425" rIns="91425" tIns="91425">
+          <a:bodyPr lIns="91425" tIns="91425" rIns="91425" bIns="91425" anchor="t" anchorCtr="0">
             <a:noAutofit/>
           </a:bodyPr>
           <a:lstStyle/>
           <a:p>
-            <a:pPr lvl="0" rtl="0" algn="ctr">
+            <a:pPr lvl="0" algn="ctr" rtl="0">
               <a:spcBef>
                 <a:spcPts val="0"/>
               </a:spcBef>
@@ -9197,19 +9567,16 @@
             </a:r>
           </a:p>
           <a:p>
-            <a:pPr lvl="0" rtl="0" algn="l">
-              <a:spcBef>
-                <a:spcPts val="0"/>
-              </a:spcBef>
-              <a:buNone/>
-            </a:pPr>
-            <a:r>
-              <a:t/>
-            </a:r>
+            <a:pPr lvl="0" algn="l" rtl="0">
+              <a:spcBef>
+                <a:spcPts val="0"/>
+              </a:spcBef>
+              <a:buNone/>
+            </a:pPr>
             <a:endParaRPr sz="2400"/>
           </a:p>
           <a:p>
-            <a:pPr lvl="0" rtl="0" algn="l">
+            <a:pPr lvl="0" algn="l" rtl="0">
               <a:spcBef>
                 <a:spcPts val="0"/>
               </a:spcBef>
@@ -9226,7 +9593,7 @@
             </a:r>
           </a:p>
           <a:p>
-            <a:pPr lvl="0" rtl="0" algn="l">
+            <a:pPr lvl="0" algn="l" rtl="0">
               <a:spcBef>
                 <a:spcPts val="0"/>
               </a:spcBef>
@@ -9243,7 +9610,7 @@
             </a:r>
           </a:p>
           <a:p>
-            <a:pPr lvl="0" rtl="0" algn="l">
+            <a:pPr lvl="0" algn="l" rtl="0">
               <a:spcBef>
                 <a:spcPts val="0"/>
               </a:spcBef>
@@ -9260,15 +9627,12 @@
             </a:r>
           </a:p>
           <a:p>
-            <a:pPr lvl="0" rtl="0" algn="l">
-              <a:spcBef>
-                <a:spcPts val="0"/>
-              </a:spcBef>
-              <a:buNone/>
-            </a:pPr>
-            <a:r>
-              <a:t/>
-            </a:r>
+            <a:pPr lvl="0" algn="l" rtl="0">
+              <a:spcBef>
+                <a:spcPts val="0"/>
+              </a:spcBef>
+              <a:buNone/>
+            </a:pPr>
             <a:endParaRPr sz="2400">
               <a:latin typeface="Courier New"/>
               <a:ea typeface="Courier New"/>
@@ -9277,7 +9641,7 @@
             </a:endParaRPr>
           </a:p>
           <a:p>
-            <a:pPr lvl="0" rtl="0" algn="l">
+            <a:pPr lvl="0" algn="l" rtl="0">
               <a:spcBef>
                 <a:spcPts val="0"/>
               </a:spcBef>
@@ -9289,7 +9653,7 @@
             </a:r>
           </a:p>
           <a:p>
-            <a:pPr lvl="0" rtl="0" algn="l">
+            <a:pPr lvl="0" algn="l" rtl="0">
               <a:spcBef>
                 <a:spcPts val="0"/>
               </a:spcBef>
@@ -9311,7 +9675,7 @@
             </a:r>
           </a:p>
           <a:p>
-            <a:pPr lvl="0" rtl="0" algn="l">
+            <a:pPr lvl="0" algn="l" rtl="0">
               <a:spcBef>
                 <a:spcPts val="0"/>
               </a:spcBef>
@@ -9333,7 +9697,7 @@
             </a:r>
           </a:p>
           <a:p>
-            <a:pPr lvl="0" rtl="0" algn="l">
+            <a:pPr lvl="0" algn="l" rtl="0">
               <a:spcBef>
                 <a:spcPts val="0"/>
               </a:spcBef>
@@ -9355,15 +9719,12 @@
             </a:r>
           </a:p>
           <a:p>
-            <a:pPr lvl="0" rtl="0" algn="l">
-              <a:spcBef>
-                <a:spcPts val="0"/>
-              </a:spcBef>
-              <a:buNone/>
-            </a:pPr>
-            <a:r>
-              <a:t/>
-            </a:r>
+            <a:pPr lvl="0" algn="l" rtl="0">
+              <a:spcBef>
+                <a:spcPts val="0"/>
+              </a:spcBef>
+              <a:buNone/>
+            </a:pPr>
             <a:endParaRPr sz="2400"/>
           </a:p>
           <a:p>
@@ -9373,9 +9734,6 @@
               </a:spcBef>
               <a:buNone/>
             </a:pPr>
-            <a:r>
-              <a:t/>
-            </a:r>
             <a:endParaRPr sz="2400"/>
           </a:p>
         </p:txBody>
@@ -9392,11 +9750,11 @@
 </file>
 
 <file path=ppt/slides/slide22.xml><?xml version="1.0" encoding="utf-8"?>
-<p:sld xmlns:a="http://schemas.openxmlformats.org/drawingml/2006/main" xmlns:r="http://schemas.openxmlformats.org/officeDocument/2006/relationships" xmlns:mc="http://schemas.openxmlformats.org/markup-compatibility/2006" xmlns:mv="urn:schemas-microsoft-com:mac:vml" xmlns:p="http://schemas.openxmlformats.org/presentationml/2006/main" xmlns:c="http://schemas.openxmlformats.org/drawingml/2006/chart" xmlns:dgm="http://schemas.openxmlformats.org/drawingml/2006/diagram" xmlns:o="urn:schemas-microsoft-com:office:office" xmlns:v="urn:schemas-microsoft-com:vml" xmlns:pvml="urn:schemas-microsoft-com:office:powerpoint" xmlns:com="http://schemas.openxmlformats.org/drawingml/2006/compatibility" xmlns:p14="http://schemas.microsoft.com/office/powerpoint/2010/main">
+<p:sld xmlns:a="http://schemas.openxmlformats.org/drawingml/2006/main" xmlns:r="http://schemas.openxmlformats.org/officeDocument/2006/relationships" xmlns:p="http://schemas.openxmlformats.org/presentationml/2006/main">
   <p:cSld>
     <p:spTree>
       <p:nvGrpSpPr>
-        <p:cNvPr id="218" name="Shape 218"/>
+        <p:cNvPr id="1" name="Shape 218"/>
         <p:cNvGrpSpPr/>
         <p:nvPr/>
       </p:nvGrpSpPr>
@@ -9411,7 +9769,9 @@
       <p:sp>
         <p:nvSpPr>
           <p:cNvPr id="219" name="Shape 219"/>
-          <p:cNvSpPr txBox="1"/>
+          <p:cNvSpPr txBox="1">
+            <a:spLocks noGrp="1"/>
+          </p:cNvSpPr>
           <p:nvPr>
             <p:ph type="title"/>
           </p:nvPr>
@@ -9426,7 +9786,7 @@
           </a:prstGeom>
         </p:spPr>
         <p:txBody>
-          <a:bodyPr anchorCtr="0" anchor="b" bIns="91425" lIns="91425" rIns="91425" tIns="91425">
+          <a:bodyPr lIns="91425" tIns="91425" rIns="91425" bIns="91425" anchor="b" anchorCtr="0">
             <a:noAutofit/>
           </a:bodyPr>
           <a:lstStyle/>
@@ -9447,9 +9807,11 @@
       <p:sp>
         <p:nvSpPr>
           <p:cNvPr id="220" name="Shape 220"/>
-          <p:cNvSpPr txBox="1"/>
+          <p:cNvSpPr txBox="1">
+            <a:spLocks noGrp="1"/>
+          </p:cNvSpPr>
           <p:nvPr>
-            <p:ph idx="1" type="body"/>
+            <p:ph type="body" idx="1"/>
           </p:nvPr>
         </p:nvSpPr>
         <p:spPr>
@@ -9462,12 +9824,12 @@
           </a:prstGeom>
         </p:spPr>
         <p:txBody>
-          <a:bodyPr anchorCtr="0" anchor="t" bIns="91425" lIns="91425" rIns="91425" tIns="91425">
+          <a:bodyPr lIns="91425" tIns="91425" rIns="91425" bIns="91425" anchor="t" anchorCtr="0">
             <a:noAutofit/>
           </a:bodyPr>
           <a:lstStyle/>
           <a:p>
-            <a:pPr lvl="0" rtl="0" algn="ctr">
+            <a:pPr lvl="0" algn="ctr" rtl="0">
               <a:spcBef>
                 <a:spcPts val="0"/>
               </a:spcBef>
@@ -9479,7 +9841,7 @@
             </a:r>
           </a:p>
           <a:p>
-            <a:pPr lvl="0" rtl="0" algn="l">
+            <a:pPr lvl="0" algn="l" rtl="0">
               <a:spcBef>
                 <a:spcPts val="0"/>
               </a:spcBef>
@@ -9496,7 +9858,7 @@
             </a:r>
           </a:p>
           <a:p>
-            <a:pPr lvl="0" rtl="0" algn="l">
+            <a:pPr lvl="0" algn="l" rtl="0">
               <a:spcBef>
                 <a:spcPts val="0"/>
               </a:spcBef>
@@ -9513,15 +9875,12 @@
             </a:r>
           </a:p>
           <a:p>
-            <a:pPr lvl="0" rtl="0" algn="l">
-              <a:spcBef>
-                <a:spcPts val="0"/>
-              </a:spcBef>
-              <a:buNone/>
-            </a:pPr>
-            <a:r>
-              <a:t/>
-            </a:r>
+            <a:pPr lvl="0" algn="l" rtl="0">
+              <a:spcBef>
+                <a:spcPts val="0"/>
+              </a:spcBef>
+              <a:buNone/>
+            </a:pPr>
             <a:endParaRPr sz="2400">
               <a:latin typeface="Courier New"/>
               <a:ea typeface="Courier New"/>
@@ -9530,7 +9889,7 @@
             </a:endParaRPr>
           </a:p>
           <a:p>
-            <a:pPr lvl="0" rtl="0" algn="l">
+            <a:pPr lvl="0" algn="l" rtl="0">
               <a:spcBef>
                 <a:spcPts val="0"/>
               </a:spcBef>
@@ -9542,7 +9901,7 @@
             </a:r>
           </a:p>
           <a:p>
-            <a:pPr lvl="0" rtl="0" algn="l">
+            <a:pPr lvl="0" algn="l" rtl="0">
               <a:spcBef>
                 <a:spcPts val="0"/>
               </a:spcBef>
@@ -9559,15 +9918,12 @@
             </a:r>
           </a:p>
           <a:p>
-            <a:pPr lvl="0" rtl="0" algn="l">
-              <a:spcBef>
-                <a:spcPts val="0"/>
-              </a:spcBef>
-              <a:buNone/>
-            </a:pPr>
-            <a:r>
-              <a:t/>
-            </a:r>
+            <a:pPr lvl="0" algn="l" rtl="0">
+              <a:spcBef>
+                <a:spcPts val="0"/>
+              </a:spcBef>
+              <a:buNone/>
+            </a:pPr>
             <a:endParaRPr sz="2400">
               <a:latin typeface="Courier New"/>
               <a:ea typeface="Courier New"/>
@@ -9576,7 +9932,7 @@
             </a:endParaRPr>
           </a:p>
           <a:p>
-            <a:pPr lvl="0" rtl="0" algn="l">
+            <a:pPr lvl="0" algn="l" rtl="0">
               <a:spcBef>
                 <a:spcPts val="0"/>
               </a:spcBef>
@@ -9610,11 +9966,11 @@
 </file>
 
 <file path=ppt/slides/slide23.xml><?xml version="1.0" encoding="utf-8"?>
-<p:sld xmlns:a="http://schemas.openxmlformats.org/drawingml/2006/main" xmlns:r="http://schemas.openxmlformats.org/officeDocument/2006/relationships" xmlns:mc="http://schemas.openxmlformats.org/markup-compatibility/2006" xmlns:mv="urn:schemas-microsoft-com:mac:vml" xmlns:p="http://schemas.openxmlformats.org/presentationml/2006/main" xmlns:c="http://schemas.openxmlformats.org/drawingml/2006/chart" xmlns:dgm="http://schemas.openxmlformats.org/drawingml/2006/diagram" xmlns:o="urn:schemas-microsoft-com:office:office" xmlns:v="urn:schemas-microsoft-com:vml" xmlns:pvml="urn:schemas-microsoft-com:office:powerpoint" xmlns:com="http://schemas.openxmlformats.org/drawingml/2006/compatibility" xmlns:p14="http://schemas.microsoft.com/office/powerpoint/2010/main">
+<p:sld xmlns:a="http://schemas.openxmlformats.org/drawingml/2006/main" xmlns:r="http://schemas.openxmlformats.org/officeDocument/2006/relationships" xmlns:p="http://schemas.openxmlformats.org/presentationml/2006/main">
   <p:cSld>
     <p:spTree>
       <p:nvGrpSpPr>
-        <p:cNvPr id="224" name="Shape 224"/>
+        <p:cNvPr id="1" name="Shape 224"/>
         <p:cNvGrpSpPr/>
         <p:nvPr/>
       </p:nvGrpSpPr>
@@ -9629,7 +9985,9 @@
       <p:sp>
         <p:nvSpPr>
           <p:cNvPr id="225" name="Shape 225"/>
-          <p:cNvSpPr txBox="1"/>
+          <p:cNvSpPr txBox="1">
+            <a:spLocks noGrp="1"/>
+          </p:cNvSpPr>
           <p:nvPr>
             <p:ph type="title"/>
           </p:nvPr>
@@ -9644,7 +10002,7 @@
           </a:prstGeom>
         </p:spPr>
         <p:txBody>
-          <a:bodyPr anchorCtr="0" anchor="b" bIns="91425" lIns="91425" rIns="91425" tIns="91425">
+          <a:bodyPr lIns="91425" tIns="91425" rIns="91425" bIns="91425" anchor="b" anchorCtr="0">
             <a:noAutofit/>
           </a:bodyPr>
           <a:lstStyle/>
@@ -9665,9 +10023,11 @@
       <p:sp>
         <p:nvSpPr>
           <p:cNvPr id="226" name="Shape 226"/>
-          <p:cNvSpPr txBox="1"/>
+          <p:cNvSpPr txBox="1">
+            <a:spLocks noGrp="1"/>
+          </p:cNvSpPr>
           <p:nvPr>
-            <p:ph idx="1" type="body"/>
+            <p:ph type="body" idx="1"/>
           </p:nvPr>
         </p:nvSpPr>
         <p:spPr>
@@ -9680,12 +10040,12 @@
           </a:prstGeom>
         </p:spPr>
         <p:txBody>
-          <a:bodyPr anchorCtr="0" anchor="t" bIns="91425" lIns="91425" rIns="91425" tIns="91425">
+          <a:bodyPr lIns="91425" tIns="91425" rIns="91425" bIns="91425" anchor="t" anchorCtr="0">
             <a:noAutofit/>
           </a:bodyPr>
           <a:lstStyle/>
           <a:p>
-            <a:pPr lvl="0" rtl="0" algn="ctr">
+            <a:pPr lvl="0" algn="ctr" rtl="0">
               <a:spcBef>
                 <a:spcPts val="0"/>
               </a:spcBef>
@@ -9710,7 +10070,7 @@
             </a:r>
           </a:p>
           <a:p>
-            <a:pPr lvl="0" rtl="0" algn="l">
+            <a:pPr lvl="0" algn="l" rtl="0">
               <a:spcBef>
                 <a:spcPts val="0"/>
               </a:spcBef>
@@ -9727,7 +10087,7 @@
             </a:r>
           </a:p>
           <a:p>
-            <a:pPr lvl="0" rtl="0" algn="l">
+            <a:pPr lvl="0" algn="l" rtl="0">
               <a:spcBef>
                 <a:spcPts val="0"/>
               </a:spcBef>
@@ -9744,15 +10104,12 @@
             </a:r>
           </a:p>
           <a:p>
-            <a:pPr lvl="0" rtl="0" algn="l">
-              <a:spcBef>
-                <a:spcPts val="0"/>
-              </a:spcBef>
-              <a:buNone/>
-            </a:pPr>
-            <a:r>
-              <a:t/>
-            </a:r>
+            <a:pPr lvl="0" algn="l" rtl="0">
+              <a:spcBef>
+                <a:spcPts val="0"/>
+              </a:spcBef>
+              <a:buNone/>
+            </a:pPr>
             <a:endParaRPr sz="2400">
               <a:latin typeface="Courier New"/>
               <a:ea typeface="Courier New"/>
@@ -9761,15 +10118,12 @@
             </a:endParaRPr>
           </a:p>
           <a:p>
-            <a:pPr lvl="0" rtl="0" algn="l">
-              <a:spcBef>
-                <a:spcPts val="0"/>
-              </a:spcBef>
-              <a:buNone/>
-            </a:pPr>
-            <a:r>
-              <a:t/>
-            </a:r>
+            <a:pPr lvl="0" algn="l" rtl="0">
+              <a:spcBef>
+                <a:spcPts val="0"/>
+              </a:spcBef>
+              <a:buNone/>
+            </a:pPr>
             <a:endParaRPr sz="2400">
               <a:latin typeface="Courier New"/>
               <a:ea typeface="Courier New"/>
@@ -9778,7 +10132,7 @@
             </a:endParaRPr>
           </a:p>
           <a:p>
-            <a:pPr lvl="0" rtl="0" algn="l">
+            <a:pPr lvl="0" algn="l" rtl="0">
               <a:spcBef>
                 <a:spcPts val="0"/>
               </a:spcBef>
@@ -9795,7 +10149,7 @@
             </a:r>
           </a:p>
           <a:p>
-            <a:pPr lvl="0" rtl="0" algn="l">
+            <a:pPr lvl="0" algn="l" rtl="0">
               <a:spcBef>
                 <a:spcPts val="0"/>
               </a:spcBef>
@@ -9812,15 +10166,12 @@
             </a:r>
           </a:p>
           <a:p>
-            <a:pPr lvl="0" rtl="0" algn="l">
-              <a:spcBef>
-                <a:spcPts val="0"/>
-              </a:spcBef>
-              <a:buNone/>
-            </a:pPr>
-            <a:r>
-              <a:t/>
-            </a:r>
+            <a:pPr lvl="0" algn="l" rtl="0">
+              <a:spcBef>
+                <a:spcPts val="0"/>
+              </a:spcBef>
+              <a:buNone/>
+            </a:pPr>
             <a:endParaRPr sz="2400">
               <a:latin typeface="Courier New"/>
               <a:ea typeface="Courier New"/>
@@ -9829,7 +10180,7 @@
             </a:endParaRPr>
           </a:p>
           <a:p>
-            <a:pPr lvl="0" rtl="0" algn="l">
+            <a:pPr lvl="0" algn="l" rtl="0">
               <a:spcBef>
                 <a:spcPts val="0"/>
               </a:spcBef>
@@ -9877,23 +10228,23 @@
           </a:xfrm>
           <a:prstGeom prst="rightBrace">
             <a:avLst>
-              <a:gd fmla="val 8333" name="adj1"/>
-              <a:gd fmla="val 50000" name="adj2"/>
+              <a:gd name="adj1" fmla="val 8333"/>
+              <a:gd name="adj2" fmla="val 50000"/>
             </a:avLst>
           </a:prstGeom>
           <a:noFill/>
-          <a:ln cap="flat" cmpd="sng" w="38100">
+          <a:ln w="38100" cap="flat" cmpd="sng">
             <a:solidFill>
               <a:schemeClr val="dk2"/>
             </a:solidFill>
             <a:prstDash val="solid"/>
             <a:round/>
-            <a:headEnd len="med" w="med" type="none"/>
-            <a:tailEnd len="med" w="med" type="none"/>
+            <a:headEnd type="none" w="med" len="med"/>
+            <a:tailEnd type="none" w="med" len="med"/>
           </a:ln>
         </p:spPr>
         <p:txBody>
-          <a:bodyPr anchorCtr="0" anchor="ctr" bIns="91425" lIns="91425" rIns="91425" tIns="91425">
+          <a:bodyPr lIns="91425" tIns="91425" rIns="91425" bIns="91425" anchor="ctr" anchorCtr="0">
             <a:noAutofit/>
           </a:bodyPr>
           <a:lstStyle/>
@@ -9904,9 +10255,6 @@
               </a:spcBef>
               <a:buNone/>
             </a:pPr>
-            <a:r>
-              <a:t/>
-            </a:r>
             <a:endParaRPr/>
           </a:p>
         </p:txBody>
@@ -9931,19 +10279,19 @@
           </a:ln>
         </p:spPr>
         <p:txBody>
-          <a:bodyPr anchorCtr="0" anchor="t" bIns="91425" lIns="91425" rIns="91425" tIns="91425">
+          <a:bodyPr lIns="91425" tIns="91425" rIns="91425" bIns="91425" anchor="t" anchorCtr="0">
             <a:noAutofit/>
           </a:bodyPr>
           <a:lstStyle/>
           <a:p>
-            <a:pPr lvl="0" rtl="0" algn="ctr">
-              <a:spcBef>
-                <a:spcPts val="0"/>
-              </a:spcBef>
-              <a:buNone/>
-            </a:pPr>
-            <a:r>
-              <a:rPr b="1" lang="en"/>
+            <a:pPr lvl="0" algn="ctr" rtl="0">
+              <a:spcBef>
+                <a:spcPts val="0"/>
+              </a:spcBef>
+              <a:buNone/>
+            </a:pPr>
+            <a:r>
+              <a:rPr lang="en" b="1"/>
               <a:t>File to be opened</a:t>
             </a:r>
           </a:p>
@@ -9962,23 +10310,23 @@
           </a:xfrm>
           <a:prstGeom prst="rightBrace">
             <a:avLst>
-              <a:gd fmla="val 46274" name="adj1"/>
-              <a:gd fmla="val 50000" name="adj2"/>
+              <a:gd name="adj1" fmla="val 46274"/>
+              <a:gd name="adj2" fmla="val 50000"/>
             </a:avLst>
           </a:prstGeom>
           <a:noFill/>
-          <a:ln cap="flat" cmpd="sng" w="38100">
+          <a:ln w="38100" cap="flat" cmpd="sng">
             <a:solidFill>
               <a:schemeClr val="dk2"/>
             </a:solidFill>
             <a:prstDash val="solid"/>
             <a:round/>
-            <a:headEnd len="med" w="med" type="none"/>
-            <a:tailEnd len="med" w="med" type="none"/>
+            <a:headEnd type="none" w="med" len="med"/>
+            <a:tailEnd type="none" w="med" len="med"/>
           </a:ln>
         </p:spPr>
         <p:txBody>
-          <a:bodyPr anchorCtr="0" anchor="ctr" bIns="91425" lIns="91425" rIns="91425" tIns="91425">
+          <a:bodyPr lIns="91425" tIns="91425" rIns="91425" bIns="91425" anchor="ctr" anchorCtr="0">
             <a:noAutofit/>
           </a:bodyPr>
           <a:lstStyle/>
@@ -9989,9 +10337,6 @@
               </a:spcBef>
               <a:buNone/>
             </a:pPr>
-            <a:r>
-              <a:t/>
-            </a:r>
             <a:endParaRPr/>
           </a:p>
         </p:txBody>
@@ -10016,19 +10361,19 @@
           </a:ln>
         </p:spPr>
         <p:txBody>
-          <a:bodyPr anchorCtr="0" anchor="t" bIns="91425" lIns="91425" rIns="91425" tIns="91425">
+          <a:bodyPr lIns="91425" tIns="91425" rIns="91425" bIns="91425" anchor="t" anchorCtr="0">
             <a:noAutofit/>
           </a:bodyPr>
           <a:lstStyle/>
           <a:p>
-            <a:pPr lvl="0" rtl="0" algn="ctr">
-              <a:spcBef>
-                <a:spcPts val="0"/>
-              </a:spcBef>
-              <a:buNone/>
-            </a:pPr>
-            <a:r>
-              <a:rPr b="1" lang="en">
+            <a:pPr lvl="0" algn="ctr" rtl="0">
+              <a:spcBef>
+                <a:spcPts val="0"/>
+              </a:spcBef>
+              <a:buNone/>
+            </a:pPr>
+            <a:r>
+              <a:rPr lang="en" b="1">
                 <a:latin typeface="Courier New"/>
                 <a:ea typeface="Courier New"/>
                 <a:cs typeface="Courier New"/>
@@ -10037,11 +10382,11 @@
               <a:t>r</a:t>
             </a:r>
             <a:r>
-              <a:rPr b="1" lang="en"/>
+              <a:rPr lang="en" b="1"/>
               <a:t> for read, </a:t>
             </a:r>
             <a:r>
-              <a:rPr b="1" lang="en">
+              <a:rPr lang="en" b="1">
                 <a:latin typeface="Courier New"/>
                 <a:ea typeface="Courier New"/>
                 <a:cs typeface="Courier New"/>
@@ -10050,11 +10395,11 @@
               <a:t>w</a:t>
             </a:r>
             <a:r>
-              <a:rPr b="1" lang="en"/>
+              <a:rPr lang="en" b="1"/>
               <a:t> for write, add b for a binary file (e.g., ‘</a:t>
             </a:r>
             <a:r>
-              <a:rPr b="1" lang="en">
+              <a:rPr lang="en" b="1">
                 <a:latin typeface="Courier New"/>
                 <a:ea typeface="Courier New"/>
                 <a:cs typeface="Courier New"/>
@@ -10063,7 +10408,7 @@
               <a:t>rb</a:t>
             </a:r>
             <a:r>
-              <a:rPr b="1" lang="en"/>
+              <a:rPr lang="en" b="1"/>
               <a:t>’)</a:t>
             </a:r>
           </a:p>
@@ -10081,11 +10426,11 @@
 </file>
 
 <file path=ppt/slides/slide24.xml><?xml version="1.0" encoding="utf-8"?>
-<p:sld xmlns:a="http://schemas.openxmlformats.org/drawingml/2006/main" xmlns:r="http://schemas.openxmlformats.org/officeDocument/2006/relationships" xmlns:mc="http://schemas.openxmlformats.org/markup-compatibility/2006" xmlns:mv="urn:schemas-microsoft-com:mac:vml" xmlns:p="http://schemas.openxmlformats.org/presentationml/2006/main" xmlns:c="http://schemas.openxmlformats.org/drawingml/2006/chart" xmlns:dgm="http://schemas.openxmlformats.org/drawingml/2006/diagram" xmlns:o="urn:schemas-microsoft-com:office:office" xmlns:v="urn:schemas-microsoft-com:vml" xmlns:pvml="urn:schemas-microsoft-com:office:powerpoint" xmlns:com="http://schemas.openxmlformats.org/drawingml/2006/compatibility" xmlns:p14="http://schemas.microsoft.com/office/powerpoint/2010/main">
+<p:sld xmlns:a="http://schemas.openxmlformats.org/drawingml/2006/main" xmlns:r="http://schemas.openxmlformats.org/officeDocument/2006/relationships" xmlns:p="http://schemas.openxmlformats.org/presentationml/2006/main">
   <p:cSld>
     <p:spTree>
       <p:nvGrpSpPr>
-        <p:cNvPr id="234" name="Shape 234"/>
+        <p:cNvPr id="1" name="Shape 234"/>
         <p:cNvGrpSpPr/>
         <p:nvPr/>
       </p:nvGrpSpPr>
@@ -10100,7 +10445,9 @@
       <p:sp>
         <p:nvSpPr>
           <p:cNvPr id="235" name="Shape 235"/>
-          <p:cNvSpPr txBox="1"/>
+          <p:cNvSpPr txBox="1">
+            <a:spLocks noGrp="1"/>
+          </p:cNvSpPr>
           <p:nvPr>
             <p:ph type="title"/>
           </p:nvPr>
@@ -10115,7 +10462,7 @@
           </a:prstGeom>
         </p:spPr>
         <p:txBody>
-          <a:bodyPr anchorCtr="0" anchor="b" bIns="91425" lIns="91425" rIns="91425" tIns="91425">
+          <a:bodyPr lIns="91425" tIns="91425" rIns="91425" bIns="91425" anchor="b" anchorCtr="0">
             <a:noAutofit/>
           </a:bodyPr>
           <a:lstStyle/>
@@ -10136,9 +10483,11 @@
       <p:sp>
         <p:nvSpPr>
           <p:cNvPr id="236" name="Shape 236"/>
-          <p:cNvSpPr txBox="1"/>
+          <p:cNvSpPr txBox="1">
+            <a:spLocks noGrp="1"/>
+          </p:cNvSpPr>
           <p:nvPr>
-            <p:ph idx="1" type="body"/>
+            <p:ph type="body" idx="1"/>
           </p:nvPr>
         </p:nvSpPr>
         <p:spPr>
@@ -10151,12 +10500,12 @@
           </a:prstGeom>
         </p:spPr>
         <p:txBody>
-          <a:bodyPr anchorCtr="0" anchor="t" bIns="91425" lIns="91425" rIns="91425" tIns="91425">
+          <a:bodyPr lIns="91425" tIns="91425" rIns="91425" bIns="91425" anchor="t" anchorCtr="0">
             <a:noAutofit/>
           </a:bodyPr>
           <a:lstStyle/>
           <a:p>
-            <a:pPr lvl="0" rtl="0" algn="ctr">
+            <a:pPr lvl="0" algn="ctr" rtl="0">
               <a:spcBef>
                 <a:spcPts val="0"/>
               </a:spcBef>
@@ -10181,7 +10530,7 @@
             </a:r>
           </a:p>
           <a:p>
-            <a:pPr lvl="0" rtl="0" algn="l">
+            <a:pPr lvl="0" algn="l" rtl="0">
               <a:spcBef>
                 <a:spcPts val="0"/>
               </a:spcBef>
@@ -10198,7 +10547,7 @@
             </a:r>
           </a:p>
           <a:p>
-            <a:pPr lvl="0" rtl="0" algn="l">
+            <a:pPr lvl="0" algn="l" rtl="0">
               <a:spcBef>
                 <a:spcPts val="0"/>
               </a:spcBef>
@@ -10215,15 +10564,12 @@
             </a:r>
           </a:p>
           <a:p>
-            <a:pPr lvl="0" rtl="0" algn="l">
-              <a:spcBef>
-                <a:spcPts val="0"/>
-              </a:spcBef>
-              <a:buNone/>
-            </a:pPr>
-            <a:r>
-              <a:t/>
-            </a:r>
+            <a:pPr lvl="0" algn="l" rtl="0">
+              <a:spcBef>
+                <a:spcPts val="0"/>
+              </a:spcBef>
+              <a:buNone/>
+            </a:pPr>
             <a:endParaRPr sz="1800">
               <a:latin typeface="Courier New"/>
               <a:ea typeface="Courier New"/>
@@ -10232,7 +10578,7 @@
             </a:endParaRPr>
           </a:p>
           <a:p>
-            <a:pPr lvl="0" rtl="0" algn="l">
+            <a:pPr lvl="0" algn="l" rtl="0">
               <a:spcBef>
                 <a:spcPts val="0"/>
               </a:spcBef>
@@ -10249,7 +10595,7 @@
             </a:r>
           </a:p>
           <a:p>
-            <a:pPr lvl="0" rtl="0" algn="l">
+            <a:pPr lvl="0" algn="l" rtl="0">
               <a:spcBef>
                 <a:spcPts val="0"/>
               </a:spcBef>
@@ -10266,15 +10612,12 @@
             </a:r>
           </a:p>
           <a:p>
-            <a:pPr lvl="0" rtl="0" algn="l">
-              <a:spcBef>
-                <a:spcPts val="0"/>
-              </a:spcBef>
-              <a:buNone/>
-            </a:pPr>
-            <a:r>
-              <a:t/>
-            </a:r>
+            <a:pPr lvl="0" algn="l" rtl="0">
+              <a:spcBef>
+                <a:spcPts val="0"/>
+              </a:spcBef>
+              <a:buNone/>
+            </a:pPr>
             <a:endParaRPr sz="1800">
               <a:latin typeface="Courier New"/>
               <a:ea typeface="Courier New"/>
@@ -10283,7 +10626,7 @@
             </a:endParaRPr>
           </a:p>
           <a:p>
-            <a:pPr lvl="0" rtl="0" algn="l">
+            <a:pPr lvl="0" algn="l" rtl="0">
               <a:spcBef>
                 <a:spcPts val="0"/>
               </a:spcBef>
@@ -10300,7 +10643,7 @@
             </a:r>
           </a:p>
           <a:p>
-            <a:pPr lvl="0" rtl="0" algn="l">
+            <a:pPr lvl="0" algn="l" rtl="0">
               <a:spcBef>
                 <a:spcPts val="0"/>
               </a:spcBef>
@@ -10317,15 +10660,12 @@
             </a:r>
           </a:p>
           <a:p>
-            <a:pPr lvl="0" rtl="0" algn="l">
-              <a:spcBef>
-                <a:spcPts val="0"/>
-              </a:spcBef>
-              <a:buNone/>
-            </a:pPr>
-            <a:r>
-              <a:t/>
-            </a:r>
+            <a:pPr lvl="0" algn="l" rtl="0">
+              <a:spcBef>
+                <a:spcPts val="0"/>
+              </a:spcBef>
+              <a:buNone/>
+            </a:pPr>
             <a:endParaRPr sz="1800">
               <a:latin typeface="Courier New"/>
               <a:ea typeface="Courier New"/>
@@ -10334,7 +10674,7 @@
             </a:endParaRPr>
           </a:p>
           <a:p>
-            <a:pPr lvl="0" rtl="0" algn="l">
+            <a:pPr lvl="0" algn="l" rtl="0">
               <a:spcBef>
                 <a:spcPts val="0"/>
               </a:spcBef>
@@ -10346,7 +10686,7 @@
             </a:r>
           </a:p>
           <a:p>
-            <a:pPr lvl="0" rtl="0" algn="l">
+            <a:pPr lvl="0" algn="l" rtl="0">
               <a:spcBef>
                 <a:spcPts val="0"/>
               </a:spcBef>
@@ -10376,11 +10716,11 @@
 </file>
 
 <file path=ppt/slides/slide25.xml><?xml version="1.0" encoding="utf-8"?>
-<p:sld xmlns:a="http://schemas.openxmlformats.org/drawingml/2006/main" xmlns:r="http://schemas.openxmlformats.org/officeDocument/2006/relationships" xmlns:mc="http://schemas.openxmlformats.org/markup-compatibility/2006" xmlns:mv="urn:schemas-microsoft-com:mac:vml" xmlns:p="http://schemas.openxmlformats.org/presentationml/2006/main" xmlns:c="http://schemas.openxmlformats.org/drawingml/2006/chart" xmlns:dgm="http://schemas.openxmlformats.org/drawingml/2006/diagram" xmlns:o="urn:schemas-microsoft-com:office:office" xmlns:v="urn:schemas-microsoft-com:vml" xmlns:pvml="urn:schemas-microsoft-com:office:powerpoint" xmlns:com="http://schemas.openxmlformats.org/drawingml/2006/compatibility" xmlns:p14="http://schemas.microsoft.com/office/powerpoint/2010/main">
+<p:sld xmlns:a="http://schemas.openxmlformats.org/drawingml/2006/main" xmlns:r="http://schemas.openxmlformats.org/officeDocument/2006/relationships" xmlns:p="http://schemas.openxmlformats.org/presentationml/2006/main">
   <p:cSld>
     <p:spTree>
       <p:nvGrpSpPr>
-        <p:cNvPr id="240" name="Shape 240"/>
+        <p:cNvPr id="1" name="Shape 240"/>
         <p:cNvGrpSpPr/>
         <p:nvPr/>
       </p:nvGrpSpPr>
@@ -10412,19 +10752,19 @@
           </a:ln>
         </p:spPr>
         <p:txBody>
-          <a:bodyPr anchorCtr="0" anchor="ctr" bIns="91425" lIns="91425" rIns="91425" tIns="91425">
+          <a:bodyPr lIns="91425" tIns="91425" rIns="91425" bIns="91425" anchor="ctr" anchorCtr="0">
             <a:noAutofit/>
           </a:bodyPr>
           <a:lstStyle/>
           <a:p>
-            <a:pPr lvl="0" rtl="0" algn="ctr">
-              <a:spcBef>
-                <a:spcPts val="0"/>
-              </a:spcBef>
-              <a:buNone/>
-            </a:pPr>
-            <a:r>
-              <a:rPr b="1" lang="en" sz="3300">
+            <a:pPr lvl="0" algn="ctr" rtl="0">
+              <a:spcBef>
+                <a:spcPts val="0"/>
+              </a:spcBef>
+              <a:buNone/>
+            </a:pPr>
+            <a:r>
+              <a:rPr lang="en" sz="3300" b="1">
                 <a:solidFill>
                   <a:schemeClr val="dk1"/>
                 </a:solidFill>
@@ -10446,11 +10786,11 @@
 </file>
 
 <file path=ppt/slides/slide26.xml><?xml version="1.0" encoding="utf-8"?>
-<p:sld xmlns:a="http://schemas.openxmlformats.org/drawingml/2006/main" xmlns:r="http://schemas.openxmlformats.org/officeDocument/2006/relationships" xmlns:mc="http://schemas.openxmlformats.org/markup-compatibility/2006" xmlns:mv="urn:schemas-microsoft-com:mac:vml" xmlns:p="http://schemas.openxmlformats.org/presentationml/2006/main" xmlns:c="http://schemas.openxmlformats.org/drawingml/2006/chart" xmlns:dgm="http://schemas.openxmlformats.org/drawingml/2006/diagram" xmlns:o="urn:schemas-microsoft-com:office:office" xmlns:v="urn:schemas-microsoft-com:vml" xmlns:pvml="urn:schemas-microsoft-com:office:powerpoint" xmlns:com="http://schemas.openxmlformats.org/drawingml/2006/compatibility" xmlns:p14="http://schemas.microsoft.com/office/powerpoint/2010/main">
+<p:sld xmlns:a="http://schemas.openxmlformats.org/drawingml/2006/main" xmlns:r="http://schemas.openxmlformats.org/officeDocument/2006/relationships" xmlns:p="http://schemas.openxmlformats.org/presentationml/2006/main">
   <p:cSld>
     <p:spTree>
       <p:nvGrpSpPr>
-        <p:cNvPr id="245" name="Shape 245"/>
+        <p:cNvPr id="1" name="Shape 245"/>
         <p:cNvGrpSpPr/>
         <p:nvPr/>
       </p:nvGrpSpPr>
@@ -10465,7 +10805,9 @@
       <p:sp>
         <p:nvSpPr>
           <p:cNvPr id="246" name="Shape 246"/>
-          <p:cNvSpPr txBox="1"/>
+          <p:cNvSpPr txBox="1">
+            <a:spLocks noGrp="1"/>
+          </p:cNvSpPr>
           <p:nvPr>
             <p:ph type="title"/>
           </p:nvPr>
@@ -10480,7 +10822,7 @@
           </a:prstGeom>
         </p:spPr>
         <p:txBody>
-          <a:bodyPr anchorCtr="0" anchor="b" bIns="91425" lIns="91425" rIns="91425" tIns="91425">
+          <a:bodyPr lIns="91425" tIns="91425" rIns="91425" bIns="91425" anchor="b" anchorCtr="0">
             <a:noAutofit/>
           </a:bodyPr>
           <a:lstStyle/>
@@ -10501,9 +10843,11 @@
       <p:sp>
         <p:nvSpPr>
           <p:cNvPr id="247" name="Shape 247"/>
-          <p:cNvSpPr txBox="1"/>
+          <p:cNvSpPr txBox="1">
+            <a:spLocks noGrp="1"/>
+          </p:cNvSpPr>
           <p:nvPr>
-            <p:ph idx="1" type="body"/>
+            <p:ph type="body" idx="1"/>
           </p:nvPr>
         </p:nvSpPr>
         <p:spPr>
@@ -10516,12 +10860,12 @@
           </a:prstGeom>
         </p:spPr>
         <p:txBody>
-          <a:bodyPr anchorCtr="0" anchor="t" bIns="91425" lIns="91425" rIns="91425" tIns="91425">
+          <a:bodyPr lIns="91425" tIns="91425" rIns="91425" bIns="91425" anchor="t" anchorCtr="0">
             <a:noAutofit/>
           </a:bodyPr>
           <a:lstStyle/>
           <a:p>
-            <a:pPr lvl="0" rtl="0" algn="ctr">
+            <a:pPr lvl="0" algn="ctr" rtl="0">
               <a:spcBef>
                 <a:spcPts val="0"/>
               </a:spcBef>
@@ -10533,7 +10877,7 @@
             </a:r>
           </a:p>
           <a:p>
-            <a:pPr lvl="0" rtl="0" algn="l">
+            <a:pPr lvl="0" algn="l" rtl="0">
               <a:spcBef>
                 <a:spcPts val="0"/>
               </a:spcBef>
@@ -10545,13 +10889,13 @@
             </a:r>
           </a:p>
           <a:p>
-            <a:pPr indent="-228600" lvl="0" marL="457200" rtl="0" algn="l">
-              <a:spcBef>
-                <a:spcPts val="0"/>
-              </a:spcBef>
-            </a:pPr>
-            <a:r>
-              <a:rPr b="1" lang="en"/>
+            <a:pPr marL="457200" lvl="0" indent="-228600" algn="l" rtl="0">
+              <a:spcBef>
+                <a:spcPts val="0"/>
+              </a:spcBef>
+            </a:pPr>
+            <a:r>
+              <a:rPr lang="en" b="1"/>
               <a:t>Not</a:t>
             </a:r>
             <a:r>
@@ -10560,7 +10904,7 @@
             </a:r>
           </a:p>
           <a:p>
-            <a:pPr indent="-228600" lvl="0" marL="457200" rtl="0" algn="l">
+            <a:pPr marL="457200" lvl="0" indent="-228600" algn="l" rtl="0">
               <a:spcBef>
                 <a:spcPts val="0"/>
               </a:spcBef>
@@ -10571,7 +10915,7 @@
             </a:r>
           </a:p>
           <a:p>
-            <a:pPr indent="-228600" lvl="0" marL="457200" rtl="0" algn="l">
+            <a:pPr marL="457200" lvl="0" indent="-228600" algn="l" rtl="0">
               <a:spcBef>
                 <a:spcPts val="0"/>
               </a:spcBef>
@@ -10582,7 +10926,7 @@
             </a:r>
           </a:p>
           <a:p>
-            <a:pPr lvl="0" rtl="0" algn="l">
+            <a:pPr lvl="0" algn="l" rtl="0">
               <a:spcBef>
                 <a:spcPts val="0"/>
               </a:spcBef>
@@ -10594,7 +10938,7 @@
             </a:r>
           </a:p>
           <a:p>
-            <a:pPr lvl="0" rtl="0" algn="l">
+            <a:pPr lvl="0" algn="l" rtl="0">
               <a:spcBef>
                 <a:spcPts val="0"/>
               </a:spcBef>
@@ -10631,11 +10975,11 @@
 </file>
 
 <file path=ppt/slides/slide3.xml><?xml version="1.0" encoding="utf-8"?>
-<p:sld xmlns:a="http://schemas.openxmlformats.org/drawingml/2006/main" xmlns:r="http://schemas.openxmlformats.org/officeDocument/2006/relationships" xmlns:mc="http://schemas.openxmlformats.org/markup-compatibility/2006" xmlns:mv="urn:schemas-microsoft-com:mac:vml" xmlns:p="http://schemas.openxmlformats.org/presentationml/2006/main" xmlns:c="http://schemas.openxmlformats.org/drawingml/2006/chart" xmlns:dgm="http://schemas.openxmlformats.org/drawingml/2006/diagram" xmlns:o="urn:schemas-microsoft-com:office:office" xmlns:v="urn:schemas-microsoft-com:vml" xmlns:pvml="urn:schemas-microsoft-com:office:powerpoint" xmlns:com="http://schemas.openxmlformats.org/drawingml/2006/compatibility" xmlns:p14="http://schemas.microsoft.com/office/powerpoint/2010/main">
+<p:sld xmlns:a="http://schemas.openxmlformats.org/drawingml/2006/main" xmlns:r="http://schemas.openxmlformats.org/officeDocument/2006/relationships" xmlns:p="http://schemas.openxmlformats.org/presentationml/2006/main">
   <p:cSld>
     <p:spTree>
       <p:nvGrpSpPr>
-        <p:cNvPr id="51" name="Shape 51"/>
+        <p:cNvPr id="1" name="Shape 51"/>
         <p:cNvGrpSpPr/>
         <p:nvPr/>
       </p:nvGrpSpPr>
@@ -10650,7 +10994,9 @@
       <p:sp>
         <p:nvSpPr>
           <p:cNvPr id="52" name="Shape 52"/>
-          <p:cNvSpPr txBox="1"/>
+          <p:cNvSpPr txBox="1">
+            <a:spLocks noGrp="1"/>
+          </p:cNvSpPr>
           <p:nvPr>
             <p:ph type="title"/>
           </p:nvPr>
@@ -10665,7 +11011,7 @@
           </a:prstGeom>
         </p:spPr>
         <p:txBody>
-          <a:bodyPr anchorCtr="0" anchor="b" bIns="91425" lIns="91425" rIns="91425" tIns="91425">
+          <a:bodyPr lIns="91425" tIns="91425" rIns="91425" bIns="91425" anchor="b" anchorCtr="0">
             <a:noAutofit/>
           </a:bodyPr>
           <a:lstStyle/>
@@ -10686,9 +11032,11 @@
       <p:sp>
         <p:nvSpPr>
           <p:cNvPr id="53" name="Shape 53"/>
-          <p:cNvSpPr txBox="1"/>
+          <p:cNvSpPr txBox="1">
+            <a:spLocks noGrp="1"/>
+          </p:cNvSpPr>
           <p:nvPr>
-            <p:ph idx="1" type="body"/>
+            <p:ph type="body" idx="1"/>
           </p:nvPr>
         </p:nvSpPr>
         <p:spPr>
@@ -10701,12 +11049,12 @@
           </a:prstGeom>
         </p:spPr>
         <p:txBody>
-          <a:bodyPr anchorCtr="0" anchor="t" bIns="91425" lIns="91425" rIns="91425" tIns="91425">
+          <a:bodyPr lIns="91425" tIns="91425" rIns="91425" bIns="91425" anchor="t" anchorCtr="0">
             <a:noAutofit/>
           </a:bodyPr>
           <a:lstStyle/>
           <a:p>
-            <a:pPr indent="-381000" lvl="0" marL="457200" rtl="0">
+            <a:pPr marL="457200" lvl="0" indent="-381000" rtl="0">
               <a:spcBef>
                 <a:spcPts val="0"/>
               </a:spcBef>
@@ -10718,7 +11066,7 @@
             </a:r>
           </a:p>
           <a:p>
-            <a:pPr indent="-381000" lvl="0" marL="457200" rtl="0">
+            <a:pPr marL="457200" lvl="0" indent="-381000" rtl="0">
               <a:spcBef>
                 <a:spcPts val="0"/>
               </a:spcBef>
@@ -10730,7 +11078,7 @@
             </a:r>
           </a:p>
           <a:p>
-            <a:pPr indent="-381000" lvl="0" marL="457200" rtl="0">
+            <a:pPr marL="457200" lvl="0" indent="-381000" rtl="0">
               <a:spcBef>
                 <a:spcPts val="0"/>
               </a:spcBef>
@@ -10742,7 +11090,7 @@
             </a:r>
           </a:p>
           <a:p>
-            <a:pPr indent="-381000" lvl="0" marL="457200" rtl="0">
+            <a:pPr marL="457200" lvl="0" indent="-381000" rtl="0">
               <a:spcBef>
                 <a:spcPts val="0"/>
               </a:spcBef>
@@ -10754,7 +11102,7 @@
             </a:r>
           </a:p>
           <a:p>
-            <a:pPr indent="-381000" lvl="0" marL="457200" rtl="0">
+            <a:pPr marL="457200" lvl="0" indent="-381000" rtl="0">
               <a:spcBef>
                 <a:spcPts val="0"/>
               </a:spcBef>
@@ -10766,7 +11114,7 @@
             </a:r>
           </a:p>
           <a:p>
-            <a:pPr indent="-381000" lvl="0" marL="457200" rtl="0">
+            <a:pPr marL="457200" lvl="0" indent="-381000" rtl="0">
               <a:spcBef>
                 <a:spcPts val="0"/>
               </a:spcBef>
@@ -10778,7 +11126,7 @@
             </a:r>
           </a:p>
           <a:p>
-            <a:pPr indent="-381000" lvl="0" marL="457200" rtl="0">
+            <a:pPr marL="457200" lvl="0" indent="-381000" rtl="0">
               <a:spcBef>
                 <a:spcPts val="0"/>
               </a:spcBef>
@@ -10790,7 +11138,7 @@
             </a:r>
           </a:p>
           <a:p>
-            <a:pPr indent="-381000" lvl="0" marL="457200" rtl="0">
+            <a:pPr marL="457200" lvl="0" indent="-381000" rtl="0">
               <a:spcBef>
                 <a:spcPts val="0"/>
               </a:spcBef>
@@ -10802,7 +11150,7 @@
             </a:r>
           </a:p>
           <a:p>
-            <a:pPr indent="-381000" lvl="0" marL="457200" rtl="0">
+            <a:pPr marL="457200" lvl="0" indent="-381000" rtl="0">
               <a:spcBef>
                 <a:spcPts val="0"/>
               </a:spcBef>
@@ -10814,7 +11162,7 @@
             </a:r>
           </a:p>
           <a:p>
-            <a:pPr indent="-381000" lvl="0" marL="457200" rtl="0">
+            <a:pPr marL="457200" lvl="0" indent="-381000" rtl="0">
               <a:spcBef>
                 <a:spcPts val="0"/>
               </a:spcBef>
@@ -10826,7 +11174,7 @@
             </a:r>
           </a:p>
           <a:p>
-            <a:pPr indent="-381000" lvl="0" marL="457200" rtl="0">
+            <a:pPr marL="457200" lvl="0" indent="-381000" rtl="0">
               <a:spcBef>
                 <a:spcPts val="0"/>
               </a:spcBef>
@@ -10838,7 +11186,7 @@
             </a:r>
           </a:p>
           <a:p>
-            <a:pPr indent="-381000" lvl="0" marL="457200" rtl="0">
+            <a:pPr marL="457200" lvl="0" indent="-381000" rtl="0">
               <a:spcBef>
                 <a:spcPts val="0"/>
               </a:spcBef>
@@ -10864,23 +11212,23 @@
           </a:xfrm>
           <a:prstGeom prst="rightBrace">
             <a:avLst>
-              <a:gd fmla="val 8333" name="adj1"/>
-              <a:gd fmla="val 50000" name="adj2"/>
+              <a:gd name="adj1" fmla="val 8333"/>
+              <a:gd name="adj2" fmla="val 50000"/>
             </a:avLst>
           </a:prstGeom>
           <a:noFill/>
-          <a:ln cap="flat" cmpd="sng" w="76200">
+          <a:ln w="76200" cap="flat" cmpd="sng">
             <a:solidFill>
               <a:schemeClr val="dk2"/>
             </a:solidFill>
             <a:prstDash val="solid"/>
             <a:round/>
-            <a:headEnd len="med" w="med" type="none"/>
-            <a:tailEnd len="med" w="med" type="none"/>
+            <a:headEnd type="none" w="med" len="med"/>
+            <a:tailEnd type="none" w="med" len="med"/>
           </a:ln>
         </p:spPr>
         <p:txBody>
-          <a:bodyPr anchorCtr="0" anchor="ctr" bIns="91425" lIns="91425" rIns="91425" tIns="91425">
+          <a:bodyPr lIns="91425" tIns="91425" rIns="91425" bIns="91425" anchor="ctr" anchorCtr="0">
             <a:noAutofit/>
           </a:bodyPr>
           <a:lstStyle/>
@@ -10891,9 +11239,6 @@
               </a:spcBef>
               <a:buNone/>
             </a:pPr>
-            <a:r>
-              <a:t/>
-            </a:r>
             <a:endParaRPr/>
           </a:p>
         </p:txBody>
@@ -10918,7 +11263,7 @@
           </a:ln>
         </p:spPr>
         <p:txBody>
-          <a:bodyPr anchorCtr="0" anchor="t" bIns="91425" lIns="91425" rIns="91425" tIns="91425">
+          <a:bodyPr lIns="91425" tIns="91425" rIns="91425" bIns="91425" anchor="t" anchorCtr="0">
             <a:noAutofit/>
           </a:bodyPr>
           <a:lstStyle/>
@@ -10948,11 +11293,11 @@
 </file>
 
 <file path=ppt/slides/slide4.xml><?xml version="1.0" encoding="utf-8"?>
-<p:sld xmlns:a="http://schemas.openxmlformats.org/drawingml/2006/main" xmlns:r="http://schemas.openxmlformats.org/officeDocument/2006/relationships" xmlns:mc="http://schemas.openxmlformats.org/markup-compatibility/2006" xmlns:mv="urn:schemas-microsoft-com:mac:vml" xmlns:p="http://schemas.openxmlformats.org/presentationml/2006/main" xmlns:c="http://schemas.openxmlformats.org/drawingml/2006/chart" xmlns:dgm="http://schemas.openxmlformats.org/drawingml/2006/diagram" xmlns:o="urn:schemas-microsoft-com:office:office" xmlns:v="urn:schemas-microsoft-com:vml" xmlns:pvml="urn:schemas-microsoft-com:office:powerpoint" xmlns:com="http://schemas.openxmlformats.org/drawingml/2006/compatibility" xmlns:p14="http://schemas.microsoft.com/office/powerpoint/2010/main">
+<p:sld xmlns:a="http://schemas.openxmlformats.org/drawingml/2006/main" xmlns:r="http://schemas.openxmlformats.org/officeDocument/2006/relationships" xmlns:p="http://schemas.openxmlformats.org/presentationml/2006/main">
   <p:cSld>
     <p:spTree>
       <p:nvGrpSpPr>
-        <p:cNvPr id="59" name="Shape 59"/>
+        <p:cNvPr id="1" name="Shape 59"/>
         <p:cNvGrpSpPr/>
         <p:nvPr/>
       </p:nvGrpSpPr>
@@ -10967,7 +11312,9 @@
       <p:sp>
         <p:nvSpPr>
           <p:cNvPr id="60" name="Shape 60"/>
-          <p:cNvSpPr txBox="1"/>
+          <p:cNvSpPr txBox="1">
+            <a:spLocks noGrp="1"/>
+          </p:cNvSpPr>
           <p:nvPr>
             <p:ph type="title"/>
           </p:nvPr>
@@ -10982,7 +11329,7 @@
           </a:prstGeom>
         </p:spPr>
         <p:txBody>
-          <a:bodyPr anchorCtr="0" anchor="b" bIns="91425" lIns="91425" rIns="91425" tIns="91425">
+          <a:bodyPr lIns="91425" tIns="91425" rIns="91425" bIns="91425" anchor="b" anchorCtr="0">
             <a:noAutofit/>
           </a:bodyPr>
           <a:lstStyle/>
@@ -11003,9 +11350,11 @@
       <p:sp>
         <p:nvSpPr>
           <p:cNvPr id="61" name="Shape 61"/>
-          <p:cNvSpPr txBox="1"/>
+          <p:cNvSpPr txBox="1">
+            <a:spLocks noGrp="1"/>
+          </p:cNvSpPr>
           <p:nvPr>
-            <p:ph idx="1" type="body"/>
+            <p:ph type="body" idx="1"/>
           </p:nvPr>
         </p:nvSpPr>
         <p:spPr>
@@ -11018,7 +11367,7 @@
           </a:prstGeom>
         </p:spPr>
         <p:txBody>
-          <a:bodyPr anchorCtr="0" anchor="t" bIns="91425" lIns="91425" rIns="91425" tIns="91425">
+          <a:bodyPr lIns="91425" tIns="91425" rIns="91425" bIns="91425" anchor="t" anchorCtr="0">
             <a:noAutofit/>
           </a:bodyPr>
           <a:lstStyle/>
@@ -11070,9 +11419,6 @@
               </a:spcBef>
               <a:buNone/>
             </a:pPr>
-            <a:r>
-              <a:t/>
-            </a:r>
             <a:endParaRPr>
               <a:latin typeface="Consolas"/>
               <a:ea typeface="Consolas"/>
@@ -11099,9 +11445,6 @@
               </a:spcBef>
               <a:buNone/>
             </a:pPr>
-            <a:r>
-              <a:t/>
-            </a:r>
             <a:endParaRPr>
               <a:latin typeface="Consolas"/>
               <a:ea typeface="Consolas"/>
@@ -11140,11 +11483,11 @@
 </file>
 
 <file path=ppt/slides/slide5.xml><?xml version="1.0" encoding="utf-8"?>
-<p:sld xmlns:a="http://schemas.openxmlformats.org/drawingml/2006/main" xmlns:r="http://schemas.openxmlformats.org/officeDocument/2006/relationships" xmlns:mc="http://schemas.openxmlformats.org/markup-compatibility/2006" xmlns:mv="urn:schemas-microsoft-com:mac:vml" xmlns:p="http://schemas.openxmlformats.org/presentationml/2006/main" xmlns:c="http://schemas.openxmlformats.org/drawingml/2006/chart" xmlns:dgm="http://schemas.openxmlformats.org/drawingml/2006/diagram" xmlns:o="urn:schemas-microsoft-com:office:office" xmlns:v="urn:schemas-microsoft-com:vml" xmlns:pvml="urn:schemas-microsoft-com:office:powerpoint" xmlns:com="http://schemas.openxmlformats.org/drawingml/2006/compatibility" xmlns:p14="http://schemas.microsoft.com/office/powerpoint/2010/main">
+<p:sld xmlns:a="http://schemas.openxmlformats.org/drawingml/2006/main" xmlns:r="http://schemas.openxmlformats.org/officeDocument/2006/relationships" xmlns:p="http://schemas.openxmlformats.org/presentationml/2006/main">
   <p:cSld>
     <p:spTree>
       <p:nvGrpSpPr>
-        <p:cNvPr id="65" name="Shape 65"/>
+        <p:cNvPr id="1" name="Shape 65"/>
         <p:cNvGrpSpPr/>
         <p:nvPr/>
       </p:nvGrpSpPr>
@@ -11159,7 +11502,9 @@
       <p:sp>
         <p:nvSpPr>
           <p:cNvPr id="66" name="Shape 66"/>
-          <p:cNvSpPr txBox="1"/>
+          <p:cNvSpPr txBox="1">
+            <a:spLocks noGrp="1"/>
+          </p:cNvSpPr>
           <p:nvPr>
             <p:ph type="title"/>
           </p:nvPr>
@@ -11174,7 +11519,7 @@
           </a:prstGeom>
         </p:spPr>
         <p:txBody>
-          <a:bodyPr anchorCtr="0" anchor="b" bIns="91425" lIns="91425" rIns="91425" tIns="91425">
+          <a:bodyPr lIns="91425" tIns="91425" rIns="91425" bIns="91425" anchor="b" anchorCtr="0">
             <a:noAutofit/>
           </a:bodyPr>
           <a:lstStyle/>
@@ -11195,9 +11540,11 @@
       <p:sp>
         <p:nvSpPr>
           <p:cNvPr id="67" name="Shape 67"/>
-          <p:cNvSpPr txBox="1"/>
+          <p:cNvSpPr txBox="1">
+            <a:spLocks noGrp="1"/>
+          </p:cNvSpPr>
           <p:nvPr>
-            <p:ph idx="1" type="body"/>
+            <p:ph type="body" idx="1"/>
           </p:nvPr>
         </p:nvSpPr>
         <p:spPr>
@@ -11210,7 +11557,7 @@
           </a:prstGeom>
         </p:spPr>
         <p:txBody>
-          <a:bodyPr anchorCtr="0" anchor="t" bIns="91425" lIns="91425" rIns="91425" tIns="91425">
+          <a:bodyPr lIns="91425" tIns="91425" rIns="91425" bIns="91425" anchor="t" anchorCtr="0">
             <a:noAutofit/>
           </a:bodyPr>
           <a:lstStyle/>
@@ -11233,9 +11580,6 @@
               </a:spcBef>
               <a:buNone/>
             </a:pPr>
-            <a:r>
-              <a:t/>
-            </a:r>
             <a:endParaRPr/>
           </a:p>
           <a:p>
@@ -11262,9 +11606,6 @@
               </a:spcBef>
               <a:buNone/>
             </a:pPr>
-            <a:r>
-              <a:t/>
-            </a:r>
             <a:endParaRPr>
               <a:latin typeface="Consolas"/>
               <a:ea typeface="Consolas"/>
@@ -11279,9 +11620,6 @@
               </a:spcBef>
               <a:buNone/>
             </a:pPr>
-            <a:r>
-              <a:t/>
-            </a:r>
             <a:endParaRPr>
               <a:latin typeface="Consolas"/>
               <a:ea typeface="Consolas"/>
@@ -11296,9 +11634,6 @@
               </a:spcBef>
               <a:buNone/>
             </a:pPr>
-            <a:r>
-              <a:t/>
-            </a:r>
             <a:endParaRPr/>
           </a:p>
           <a:p>
@@ -11345,23 +11680,23 @@
           </a:xfrm>
           <a:prstGeom prst="rightBrace">
             <a:avLst>
-              <a:gd fmla="val 8333" name="adj1"/>
-              <a:gd fmla="val 50000" name="adj2"/>
+              <a:gd name="adj1" fmla="val 8333"/>
+              <a:gd name="adj2" fmla="val 50000"/>
             </a:avLst>
           </a:prstGeom>
           <a:noFill/>
-          <a:ln cap="flat" cmpd="sng" w="38100">
+          <a:ln w="38100" cap="flat" cmpd="sng">
             <a:solidFill>
               <a:schemeClr val="dk2"/>
             </a:solidFill>
             <a:prstDash val="solid"/>
             <a:round/>
-            <a:headEnd len="med" w="med" type="none"/>
-            <a:tailEnd len="med" w="med" type="none"/>
+            <a:headEnd type="none" w="med" len="med"/>
+            <a:tailEnd type="none" w="med" len="med"/>
           </a:ln>
         </p:spPr>
         <p:txBody>
-          <a:bodyPr anchorCtr="0" anchor="ctr" bIns="91425" lIns="91425" rIns="91425" tIns="91425">
+          <a:bodyPr lIns="91425" tIns="91425" rIns="91425" bIns="91425" anchor="ctr" anchorCtr="0">
             <a:noAutofit/>
           </a:bodyPr>
           <a:lstStyle/>
@@ -11372,9 +11707,6 @@
               </a:spcBef>
               <a:buNone/>
             </a:pPr>
-            <a:r>
-              <a:t/>
-            </a:r>
             <a:endParaRPr/>
           </a:p>
         </p:txBody>
@@ -11392,23 +11724,23 @@
           </a:xfrm>
           <a:prstGeom prst="rightBrace">
             <a:avLst>
-              <a:gd fmla="val 8333" name="adj1"/>
-              <a:gd fmla="val 50000" name="adj2"/>
+              <a:gd name="adj1" fmla="val 8333"/>
+              <a:gd name="adj2" fmla="val 50000"/>
             </a:avLst>
           </a:prstGeom>
           <a:noFill/>
-          <a:ln cap="flat" cmpd="sng" w="38100">
+          <a:ln w="38100" cap="flat" cmpd="sng">
             <a:solidFill>
               <a:schemeClr val="dk2"/>
             </a:solidFill>
             <a:prstDash val="solid"/>
             <a:round/>
-            <a:headEnd len="med" w="med" type="none"/>
-            <a:tailEnd len="med" w="med" type="none"/>
+            <a:headEnd type="none" w="med" len="med"/>
+            <a:tailEnd type="none" w="med" len="med"/>
           </a:ln>
         </p:spPr>
         <p:txBody>
-          <a:bodyPr anchorCtr="0" anchor="ctr" bIns="91425" lIns="91425" rIns="91425" tIns="91425">
+          <a:bodyPr lIns="91425" tIns="91425" rIns="91425" bIns="91425" anchor="ctr" anchorCtr="0">
             <a:noAutofit/>
           </a:bodyPr>
           <a:lstStyle/>
@@ -11419,9 +11751,6 @@
               </a:spcBef>
               <a:buNone/>
             </a:pPr>
-            <a:r>
-              <a:t/>
-            </a:r>
             <a:endParaRPr/>
           </a:p>
         </p:txBody>
@@ -11443,14 +11772,14 @@
             <a:avLst/>
           </a:prstGeom>
           <a:noFill/>
-          <a:ln cap="flat" cmpd="sng" w="38100">
+          <a:ln w="38100" cap="flat" cmpd="sng">
             <a:solidFill>
               <a:schemeClr val="dk2"/>
             </a:solidFill>
             <a:prstDash val="solid"/>
             <a:round/>
-            <a:headEnd len="lg" w="lg" type="none"/>
-            <a:tailEnd len="lg" w="lg" type="triangle"/>
+            <a:headEnd type="none" w="lg" len="lg"/>
+            <a:tailEnd type="triangle" w="lg" len="lg"/>
           </a:ln>
         </p:spPr>
       </p:cxnSp>
@@ -11463,7 +11792,7 @@
           <p:nvPr/>
         </p:nvCxnSpPr>
         <p:spPr>
-          <a:xfrm flipH="1" rot="10800000">
+          <a:xfrm rot="10800000" flipH="1">
             <a:off x="5576674" y="3379000"/>
             <a:ext cx="477900" cy="1342200"/>
           </a:xfrm>
@@ -11471,14 +11800,14 @@
             <a:avLst/>
           </a:prstGeom>
           <a:noFill/>
-          <a:ln cap="flat" cmpd="sng" w="38100">
+          <a:ln w="38100" cap="flat" cmpd="sng">
             <a:solidFill>
               <a:schemeClr val="dk2"/>
             </a:solidFill>
             <a:prstDash val="solid"/>
             <a:round/>
-            <a:headEnd len="lg" w="lg" type="none"/>
-            <a:tailEnd len="lg" w="lg" type="triangle"/>
+            <a:headEnd type="none" w="lg" len="lg"/>
+            <a:tailEnd type="triangle" w="lg" len="lg"/>
           </a:ln>
         </p:spPr>
       </p:cxnSp>
@@ -11502,19 +11831,19 @@
           </a:ln>
         </p:spPr>
         <p:txBody>
-          <a:bodyPr anchorCtr="0" anchor="t" bIns="91425" lIns="91425" rIns="91425" tIns="91425">
+          <a:bodyPr lIns="91425" tIns="91425" rIns="91425" bIns="91425" anchor="t" anchorCtr="0">
             <a:noAutofit/>
           </a:bodyPr>
           <a:lstStyle/>
           <a:p>
-            <a:pPr lvl="0" rtl="0" algn="ctr">
-              <a:spcBef>
-                <a:spcPts val="0"/>
-              </a:spcBef>
-              <a:buNone/>
-            </a:pPr>
-            <a:r>
-              <a:rPr b="1" lang="en"/>
+            <a:pPr lvl="0" algn="ctr" rtl="0">
+              <a:spcBef>
+                <a:spcPts val="0"/>
+              </a:spcBef>
+              <a:buNone/>
+            </a:pPr>
+            <a:r>
+              <a:rPr lang="en" b="1"/>
               <a:t>Name of the function</a:t>
             </a:r>
           </a:p>
@@ -11540,19 +11869,19 @@
           </a:ln>
         </p:spPr>
         <p:txBody>
-          <a:bodyPr anchorCtr="0" anchor="t" bIns="91425" lIns="91425" rIns="91425" tIns="91425">
+          <a:bodyPr lIns="91425" tIns="91425" rIns="91425" bIns="91425" anchor="t" anchorCtr="0">
             <a:noAutofit/>
           </a:bodyPr>
           <a:lstStyle/>
           <a:p>
-            <a:pPr lvl="0" rtl="0" algn="ctr">
-              <a:spcBef>
-                <a:spcPts val="0"/>
-              </a:spcBef>
-              <a:buNone/>
-            </a:pPr>
-            <a:r>
-              <a:rPr b="1" lang="en"/>
+            <a:pPr lvl="0" algn="ctr" rtl="0">
+              <a:spcBef>
+                <a:spcPts val="0"/>
+              </a:spcBef>
+              <a:buNone/>
+            </a:pPr>
+            <a:r>
+              <a:rPr lang="en" b="1"/>
               <a:t>Parenthesis begin and end a function</a:t>
             </a:r>
           </a:p>
@@ -11578,23 +11907,23 @@
           </a:ln>
         </p:spPr>
         <p:txBody>
-          <a:bodyPr anchorCtr="0" anchor="t" bIns="91425" lIns="91425" rIns="91425" tIns="91425">
+          <a:bodyPr lIns="91425" tIns="91425" rIns="91425" bIns="91425" anchor="t" anchorCtr="0">
             <a:noAutofit/>
           </a:bodyPr>
           <a:lstStyle/>
           <a:p>
-            <a:pPr lvl="0" rtl="0" algn="ctr">
-              <a:spcBef>
-                <a:spcPts val="0"/>
-              </a:spcBef>
-              <a:buNone/>
-            </a:pPr>
-            <a:r>
-              <a:rPr b="1" lang="en"/>
+            <a:pPr lvl="0" algn="ctr" rtl="0">
+              <a:spcBef>
+                <a:spcPts val="0"/>
+              </a:spcBef>
+              <a:buNone/>
+            </a:pPr>
+            <a:r>
+              <a:rPr lang="en" b="1"/>
               <a:t>Words (“strings”) are enclosed by </a:t>
             </a:r>
             <a:r>
-              <a:rPr b="1" lang="en">
+              <a:rPr lang="en" b="1">
                 <a:latin typeface="Courier New"/>
                 <a:ea typeface="Courier New"/>
                 <a:cs typeface="Courier New"/>
@@ -11603,11 +11932,11 @@
               <a:t>’</a:t>
             </a:r>
             <a:r>
-              <a:rPr b="1" lang="en"/>
+              <a:rPr lang="en" b="1"/>
               <a:t> or </a:t>
             </a:r>
             <a:r>
-              <a:rPr b="1" lang="en">
+              <a:rPr lang="en" b="1">
                 <a:latin typeface="Courier New"/>
                 <a:ea typeface="Courier New"/>
                 <a:cs typeface="Courier New"/>
@@ -11630,11 +11959,11 @@
 </file>
 
 <file path=ppt/slides/slide6.xml><?xml version="1.0" encoding="utf-8"?>
-<p:sld xmlns:a="http://schemas.openxmlformats.org/drawingml/2006/main" xmlns:r="http://schemas.openxmlformats.org/officeDocument/2006/relationships" xmlns:mc="http://schemas.openxmlformats.org/markup-compatibility/2006" xmlns:mv="urn:schemas-microsoft-com:mac:vml" xmlns:p="http://schemas.openxmlformats.org/presentationml/2006/main" xmlns:c="http://schemas.openxmlformats.org/drawingml/2006/chart" xmlns:dgm="http://schemas.openxmlformats.org/drawingml/2006/diagram" xmlns:o="urn:schemas-microsoft-com:office:office" xmlns:v="urn:schemas-microsoft-com:vml" xmlns:pvml="urn:schemas-microsoft-com:office:powerpoint" xmlns:com="http://schemas.openxmlformats.org/drawingml/2006/compatibility" xmlns:p14="http://schemas.microsoft.com/office/powerpoint/2010/main">
+<p:sld xmlns:a="http://schemas.openxmlformats.org/drawingml/2006/main" xmlns:r="http://schemas.openxmlformats.org/officeDocument/2006/relationships" xmlns:p="http://schemas.openxmlformats.org/presentationml/2006/main">
   <p:cSld>
     <p:spTree>
       <p:nvGrpSpPr>
-        <p:cNvPr id="78" name="Shape 78"/>
+        <p:cNvPr id="1" name="Shape 78"/>
         <p:cNvGrpSpPr/>
         <p:nvPr/>
       </p:nvGrpSpPr>
@@ -11649,7 +11978,9 @@
       <p:sp>
         <p:nvSpPr>
           <p:cNvPr id="79" name="Shape 79"/>
-          <p:cNvSpPr txBox="1"/>
+          <p:cNvSpPr txBox="1">
+            <a:spLocks noGrp="1"/>
+          </p:cNvSpPr>
           <p:nvPr>
             <p:ph type="title"/>
           </p:nvPr>
@@ -11664,7 +11995,7 @@
           </a:prstGeom>
         </p:spPr>
         <p:txBody>
-          <a:bodyPr anchorCtr="0" anchor="b" bIns="91425" lIns="91425" rIns="91425" tIns="91425">
+          <a:bodyPr lIns="91425" tIns="91425" rIns="91425" bIns="91425" anchor="b" anchorCtr="0">
             <a:noAutofit/>
           </a:bodyPr>
           <a:lstStyle/>
@@ -11685,9 +12016,11 @@
       <p:sp>
         <p:nvSpPr>
           <p:cNvPr id="80" name="Shape 80"/>
-          <p:cNvSpPr txBox="1"/>
+          <p:cNvSpPr txBox="1">
+            <a:spLocks noGrp="1"/>
+          </p:cNvSpPr>
           <p:nvPr>
-            <p:ph idx="1" type="body"/>
+            <p:ph type="body" idx="1"/>
           </p:nvPr>
         </p:nvSpPr>
         <p:spPr>
@@ -11700,19 +12033,19 @@
           </a:prstGeom>
         </p:spPr>
         <p:txBody>
-          <a:bodyPr anchorCtr="0" anchor="t" bIns="91425" lIns="91425" rIns="91425" tIns="91425">
+          <a:bodyPr lIns="91425" tIns="91425" rIns="91425" bIns="91425" anchor="t" anchorCtr="0">
             <a:noAutofit/>
           </a:bodyPr>
           <a:lstStyle/>
           <a:p>
-            <a:pPr lvl="0" rtl="0" algn="ctr">
-              <a:spcBef>
-                <a:spcPts val="0"/>
-              </a:spcBef>
-              <a:buNone/>
-            </a:pPr>
-            <a:r>
-              <a:rPr i="1" lang="en" sz="2400"/>
+            <a:pPr lvl="0" algn="ctr" rtl="0">
+              <a:spcBef>
+                <a:spcPts val="0"/>
+              </a:spcBef>
+              <a:buNone/>
+            </a:pPr>
+            <a:r>
+              <a:rPr lang="en" sz="2400" i="1"/>
               <a:t>Variables</a:t>
             </a:r>
             <a:r>
@@ -11721,7 +12054,7 @@
             </a:r>
           </a:p>
           <a:p>
-            <a:pPr lvl="0" rtl="0" algn="l">
+            <a:pPr lvl="0" algn="l" rtl="0">
               <a:spcBef>
                 <a:spcPts val="0"/>
               </a:spcBef>
@@ -11733,7 +12066,7 @@
             </a:r>
           </a:p>
           <a:p>
-            <a:pPr lvl="0" rtl="0" algn="l">
+            <a:pPr lvl="0" algn="l" rtl="0">
               <a:spcBef>
                 <a:spcPts val="0"/>
               </a:spcBef>
@@ -11750,55 +12083,43 @@
             </a:r>
           </a:p>
           <a:p>
-            <a:pPr lvl="0" rtl="0" algn="l">
-              <a:spcBef>
-                <a:spcPts val="0"/>
-              </a:spcBef>
-              <a:buNone/>
-            </a:pPr>
-            <a:r>
-              <a:t/>
-            </a:r>
+            <a:pPr lvl="0" algn="l" rtl="0">
+              <a:spcBef>
+                <a:spcPts val="0"/>
+              </a:spcBef>
+              <a:buNone/>
+            </a:pPr>
             <a:endParaRPr/>
           </a:p>
           <a:p>
-            <a:pPr lvl="0" rtl="0" algn="l">
-              <a:spcBef>
-                <a:spcPts val="0"/>
-              </a:spcBef>
-              <a:buNone/>
-            </a:pPr>
-            <a:r>
-              <a:t/>
-            </a:r>
+            <a:pPr lvl="0" algn="l" rtl="0">
+              <a:spcBef>
+                <a:spcPts val="0"/>
+              </a:spcBef>
+              <a:buNone/>
+            </a:pPr>
             <a:endParaRPr/>
           </a:p>
           <a:p>
-            <a:pPr lvl="0" rtl="0" algn="l">
-              <a:spcBef>
-                <a:spcPts val="0"/>
-              </a:spcBef>
-              <a:buNone/>
-            </a:pPr>
-            <a:r>
-              <a:t/>
-            </a:r>
+            <a:pPr lvl="0" algn="l" rtl="0">
+              <a:spcBef>
+                <a:spcPts val="0"/>
+              </a:spcBef>
+              <a:buNone/>
+            </a:pPr>
             <a:endParaRPr/>
           </a:p>
           <a:p>
-            <a:pPr lvl="0" rtl="0" algn="l">
-              <a:spcBef>
-                <a:spcPts val="0"/>
-              </a:spcBef>
-              <a:buNone/>
-            </a:pPr>
-            <a:r>
-              <a:t/>
-            </a:r>
+            <a:pPr lvl="0" algn="l" rtl="0">
+              <a:spcBef>
+                <a:spcPts val="0"/>
+              </a:spcBef>
+              <a:buNone/>
+            </a:pPr>
             <a:endParaRPr/>
           </a:p>
           <a:p>
-            <a:pPr lvl="0" rtl="0" algn="l">
+            <a:pPr lvl="0" algn="l" rtl="0">
               <a:spcBef>
                 <a:spcPts val="0"/>
               </a:spcBef>
@@ -11846,23 +12167,23 @@
           </a:xfrm>
           <a:prstGeom prst="rightBrace">
             <a:avLst>
-              <a:gd fmla="val 8333" name="adj1"/>
-              <a:gd fmla="val 50000" name="adj2"/>
+              <a:gd name="adj1" fmla="val 8333"/>
+              <a:gd name="adj2" fmla="val 50000"/>
             </a:avLst>
           </a:prstGeom>
           <a:noFill/>
-          <a:ln cap="flat" cmpd="sng" w="38100">
+          <a:ln w="38100" cap="flat" cmpd="sng">
             <a:solidFill>
               <a:schemeClr val="dk2"/>
             </a:solidFill>
             <a:prstDash val="solid"/>
             <a:round/>
-            <a:headEnd len="med" w="med" type="none"/>
-            <a:tailEnd len="med" w="med" type="none"/>
+            <a:headEnd type="none" w="med" len="med"/>
+            <a:tailEnd type="none" w="med" len="med"/>
           </a:ln>
         </p:spPr>
         <p:txBody>
-          <a:bodyPr anchorCtr="0" anchor="ctr" bIns="91425" lIns="91425" rIns="91425" tIns="91425">
+          <a:bodyPr lIns="91425" tIns="91425" rIns="91425" bIns="91425" anchor="ctr" anchorCtr="0">
             <a:noAutofit/>
           </a:bodyPr>
           <a:lstStyle/>
@@ -11873,9 +12194,6 @@
               </a:spcBef>
               <a:buNone/>
             </a:pPr>
-            <a:r>
-              <a:t/>
-            </a:r>
             <a:endParaRPr/>
           </a:p>
         </p:txBody>
@@ -11900,19 +12218,19 @@
           </a:ln>
         </p:spPr>
         <p:txBody>
-          <a:bodyPr anchorCtr="0" anchor="t" bIns="91425" lIns="91425" rIns="91425" tIns="91425">
+          <a:bodyPr lIns="91425" tIns="91425" rIns="91425" bIns="91425" anchor="t" anchorCtr="0">
             <a:noAutofit/>
           </a:bodyPr>
           <a:lstStyle/>
           <a:p>
-            <a:pPr lvl="0" rtl="0" algn="ctr">
-              <a:spcBef>
-                <a:spcPts val="0"/>
-              </a:spcBef>
-              <a:buNone/>
-            </a:pPr>
-            <a:r>
-              <a:rPr b="1" lang="en"/>
+            <a:pPr lvl="0" algn="ctr" rtl="0">
+              <a:spcBef>
+                <a:spcPts val="0"/>
+              </a:spcBef>
+              <a:buNone/>
+            </a:pPr>
+            <a:r>
+              <a:rPr lang="en" b="1"/>
               <a:t>Name of the variable</a:t>
             </a:r>
           </a:p>
@@ -11931,23 +12249,23 @@
           </a:xfrm>
           <a:prstGeom prst="rightBrace">
             <a:avLst>
-              <a:gd fmla="val 8333" name="adj1"/>
-              <a:gd fmla="val 50000" name="adj2"/>
+              <a:gd name="adj1" fmla="val 8333"/>
+              <a:gd name="adj2" fmla="val 50000"/>
             </a:avLst>
           </a:prstGeom>
           <a:noFill/>
-          <a:ln cap="flat" cmpd="sng" w="38100">
+          <a:ln w="38100" cap="flat" cmpd="sng">
             <a:solidFill>
               <a:schemeClr val="dk2"/>
             </a:solidFill>
             <a:prstDash val="solid"/>
             <a:round/>
-            <a:headEnd len="med" w="med" type="none"/>
-            <a:tailEnd len="med" w="med" type="none"/>
+            <a:headEnd type="none" w="med" len="med"/>
+            <a:tailEnd type="none" w="med" len="med"/>
           </a:ln>
         </p:spPr>
         <p:txBody>
-          <a:bodyPr anchorCtr="0" anchor="ctr" bIns="91425" lIns="91425" rIns="91425" tIns="91425">
+          <a:bodyPr lIns="91425" tIns="91425" rIns="91425" bIns="91425" anchor="ctr" anchorCtr="0">
             <a:noAutofit/>
           </a:bodyPr>
           <a:lstStyle/>
@@ -11958,9 +12276,6 @@
               </a:spcBef>
               <a:buNone/>
             </a:pPr>
-            <a:r>
-              <a:t/>
-            </a:r>
             <a:endParaRPr/>
           </a:p>
         </p:txBody>
@@ -11985,23 +12300,23 @@
           </a:ln>
         </p:spPr>
         <p:txBody>
-          <a:bodyPr anchorCtr="0" anchor="t" bIns="91425" lIns="91425" rIns="91425" tIns="91425">
+          <a:bodyPr lIns="91425" tIns="91425" rIns="91425" bIns="91425" anchor="t" anchorCtr="0">
             <a:noAutofit/>
           </a:bodyPr>
           <a:lstStyle/>
           <a:p>
-            <a:pPr lvl="0" rtl="0" algn="ctr">
-              <a:spcBef>
-                <a:spcPts val="0"/>
-              </a:spcBef>
-              <a:buNone/>
-            </a:pPr>
-            <a:r>
-              <a:rPr b="1" lang="en"/>
+            <a:pPr lvl="0" algn="ctr" rtl="0">
+              <a:spcBef>
+                <a:spcPts val="0"/>
+              </a:spcBef>
+              <a:buNone/>
+            </a:pPr>
+            <a:r>
+              <a:rPr lang="en" b="1"/>
               <a:t>Data to be stored in </a:t>
             </a:r>
             <a:r>
-              <a:rPr b="1" lang="en">
+              <a:rPr lang="en" b="1">
                 <a:latin typeface="Courier New"/>
                 <a:ea typeface="Courier New"/>
                 <a:cs typeface="Courier New"/>
@@ -12027,14 +12342,14 @@
             <a:avLst/>
           </a:prstGeom>
           <a:noFill/>
-          <a:ln cap="flat" cmpd="sng" w="38100">
+          <a:ln w="38100" cap="flat" cmpd="sng">
             <a:solidFill>
               <a:schemeClr val="dk2"/>
             </a:solidFill>
             <a:prstDash val="solid"/>
             <a:round/>
-            <a:headEnd len="lg" w="lg" type="none"/>
-            <a:tailEnd len="lg" w="lg" type="triangle"/>
+            <a:headEnd type="none" w="lg" len="lg"/>
+            <a:tailEnd type="triangle" w="lg" len="lg"/>
           </a:ln>
         </p:spPr>
       </p:cxnSp>
@@ -12058,23 +12373,23 @@
           </a:ln>
         </p:spPr>
         <p:txBody>
-          <a:bodyPr anchorCtr="0" anchor="t" bIns="91425" lIns="91425" rIns="91425" tIns="91425">
+          <a:bodyPr lIns="91425" tIns="91425" rIns="91425" bIns="91425" anchor="t" anchorCtr="0">
             <a:noAutofit/>
           </a:bodyPr>
           <a:lstStyle/>
           <a:p>
-            <a:pPr lvl="0" rtl="0" algn="ctr">
-              <a:spcBef>
-                <a:spcPts val="0"/>
-              </a:spcBef>
-              <a:buNone/>
-            </a:pPr>
-            <a:r>
-              <a:rPr b="1" lang="en"/>
+            <a:pPr lvl="0" algn="ctr" rtl="0">
+              <a:spcBef>
+                <a:spcPts val="0"/>
+              </a:spcBef>
+              <a:buNone/>
+            </a:pPr>
+            <a:r>
+              <a:rPr lang="en" b="1"/>
               <a:t>One </a:t>
             </a:r>
             <a:r>
-              <a:rPr b="1" lang="en">
+              <a:rPr lang="en" b="1">
                 <a:latin typeface="Courier New"/>
                 <a:ea typeface="Courier New"/>
                 <a:cs typeface="Courier New"/>
@@ -12083,7 +12398,7 @@
               <a:t>=</a:t>
             </a:r>
             <a:r>
-              <a:rPr b="1" lang="en"/>
+              <a:rPr lang="en" b="1"/>
               <a:t> assigns a variable</a:t>
             </a:r>
           </a:p>
@@ -12101,11 +12416,11 @@
 </file>
 
 <file path=ppt/slides/slide7.xml><?xml version="1.0" encoding="utf-8"?>
-<p:sld xmlns:a="http://schemas.openxmlformats.org/drawingml/2006/main" xmlns:r="http://schemas.openxmlformats.org/officeDocument/2006/relationships" xmlns:mc="http://schemas.openxmlformats.org/markup-compatibility/2006" xmlns:mv="urn:schemas-microsoft-com:mac:vml" xmlns:p="http://schemas.openxmlformats.org/presentationml/2006/main" xmlns:c="http://schemas.openxmlformats.org/drawingml/2006/chart" xmlns:dgm="http://schemas.openxmlformats.org/drawingml/2006/diagram" xmlns:o="urn:schemas-microsoft-com:office:office" xmlns:v="urn:schemas-microsoft-com:vml" xmlns:pvml="urn:schemas-microsoft-com:office:powerpoint" xmlns:com="http://schemas.openxmlformats.org/drawingml/2006/compatibility" xmlns:p14="http://schemas.microsoft.com/office/powerpoint/2010/main">
+<p:sld xmlns:a="http://schemas.openxmlformats.org/drawingml/2006/main" xmlns:r="http://schemas.openxmlformats.org/officeDocument/2006/relationships" xmlns:p="http://schemas.openxmlformats.org/presentationml/2006/main">
   <p:cSld>
     <p:spTree>
       <p:nvGrpSpPr>
-        <p:cNvPr id="90" name="Shape 90"/>
+        <p:cNvPr id="1" name="Shape 90"/>
         <p:cNvGrpSpPr/>
         <p:nvPr/>
       </p:nvGrpSpPr>
@@ -12120,7 +12435,9 @@
       <p:sp>
         <p:nvSpPr>
           <p:cNvPr id="91" name="Shape 91"/>
-          <p:cNvSpPr txBox="1"/>
+          <p:cNvSpPr txBox="1">
+            <a:spLocks noGrp="1"/>
+          </p:cNvSpPr>
           <p:nvPr>
             <p:ph type="title"/>
           </p:nvPr>
@@ -12135,7 +12452,7 @@
           </a:prstGeom>
         </p:spPr>
         <p:txBody>
-          <a:bodyPr anchorCtr="0" anchor="b" bIns="91425" lIns="91425" rIns="91425" tIns="91425">
+          <a:bodyPr lIns="91425" tIns="91425" rIns="91425" bIns="91425" anchor="b" anchorCtr="0">
             <a:noAutofit/>
           </a:bodyPr>
           <a:lstStyle/>
@@ -12156,9 +12473,11 @@
       <p:sp>
         <p:nvSpPr>
           <p:cNvPr id="92" name="Shape 92"/>
-          <p:cNvSpPr txBox="1"/>
+          <p:cNvSpPr txBox="1">
+            <a:spLocks noGrp="1"/>
+          </p:cNvSpPr>
           <p:nvPr>
-            <p:ph idx="1" type="body"/>
+            <p:ph type="body" idx="1"/>
           </p:nvPr>
         </p:nvSpPr>
         <p:spPr>
@@ -12171,12 +12490,12 @@
           </a:prstGeom>
         </p:spPr>
         <p:txBody>
-          <a:bodyPr anchorCtr="0" anchor="t" bIns="91425" lIns="91425" rIns="91425" tIns="91425">
+          <a:bodyPr lIns="91425" tIns="91425" rIns="91425" bIns="91425" anchor="t" anchorCtr="0">
             <a:noAutofit/>
           </a:bodyPr>
           <a:lstStyle/>
           <a:p>
-            <a:pPr lvl="0" rtl="0" algn="ctr">
+            <a:pPr lvl="0" algn="ctr" rtl="0">
               <a:spcBef>
                 <a:spcPts val="0"/>
               </a:spcBef>
@@ -12187,7 +12506,7 @@
               <a:t>Variables in Python are </a:t>
             </a:r>
             <a:r>
-              <a:rPr i="1" lang="en" sz="2400"/>
+              <a:rPr lang="en" sz="2400" i="1"/>
               <a:t>dynamically typed</a:t>
             </a:r>
             <a:r>
@@ -12196,19 +12515,16 @@
             </a:r>
           </a:p>
           <a:p>
-            <a:pPr lvl="0" rtl="0" algn="ctr">
-              <a:spcBef>
-                <a:spcPts val="0"/>
-              </a:spcBef>
-              <a:buNone/>
-            </a:pPr>
-            <a:r>
-              <a:t/>
-            </a:r>
+            <a:pPr lvl="0" algn="ctr" rtl="0">
+              <a:spcBef>
+                <a:spcPts val="0"/>
+              </a:spcBef>
+              <a:buNone/>
+            </a:pPr>
             <a:endParaRPr sz="2400"/>
           </a:p>
           <a:p>
-            <a:pPr lvl="0" rtl="0" algn="l">
+            <a:pPr lvl="0" algn="l" rtl="0">
               <a:spcBef>
                 <a:spcPts val="0"/>
               </a:spcBef>
@@ -12225,7 +12541,7 @@
             </a:r>
           </a:p>
           <a:p>
-            <a:pPr lvl="0" rtl="0" algn="l">
+            <a:pPr lvl="0" algn="l" rtl="0">
               <a:spcBef>
                 <a:spcPts val="0"/>
               </a:spcBef>
@@ -12242,7 +12558,7 @@
             </a:r>
           </a:p>
           <a:p>
-            <a:pPr lvl="0" rtl="0" algn="l">
+            <a:pPr lvl="0" algn="l" rtl="0">
               <a:spcBef>
                 <a:spcPts val="0"/>
               </a:spcBef>
@@ -12259,7 +12575,7 @@
             </a:r>
           </a:p>
           <a:p>
-            <a:pPr lvl="0" rtl="0" algn="l">
+            <a:pPr lvl="0" algn="l" rtl="0">
               <a:spcBef>
                 <a:spcPts val="0"/>
               </a:spcBef>
@@ -12276,7 +12592,7 @@
             </a:r>
           </a:p>
           <a:p>
-            <a:pPr lvl="0" rtl="0" algn="l">
+            <a:pPr lvl="0" algn="l" rtl="0">
               <a:spcBef>
                 <a:spcPts val="0"/>
               </a:spcBef>
@@ -12328,14 +12644,14 @@
             <a:avLst/>
           </a:prstGeom>
           <a:noFill/>
-          <a:ln cap="flat" cmpd="sng" w="38100">
+          <a:ln w="38100" cap="flat" cmpd="sng">
             <a:solidFill>
               <a:schemeClr val="dk2"/>
             </a:solidFill>
             <a:prstDash val="solid"/>
             <a:round/>
-            <a:headEnd len="lg" w="lg" type="none"/>
-            <a:tailEnd len="lg" w="lg" type="triangle"/>
+            <a:headEnd type="none" w="lg" len="lg"/>
+            <a:tailEnd type="triangle" w="lg" len="lg"/>
           </a:ln>
         </p:spPr>
       </p:cxnSp>
@@ -12359,7 +12675,7 @@
           </a:ln>
         </p:spPr>
         <p:txBody>
-          <a:bodyPr anchorCtr="0" anchor="t" bIns="91425" lIns="91425" rIns="91425" tIns="91425">
+          <a:bodyPr lIns="91425" tIns="91425" rIns="91425" bIns="91425" anchor="t" anchorCtr="0">
             <a:noAutofit/>
           </a:bodyPr>
           <a:lstStyle/>
@@ -12371,7 +12687,7 @@
               <a:buNone/>
             </a:pPr>
             <a:r>
-              <a:rPr b="1" lang="en">
+              <a:rPr lang="en" b="1">
                 <a:latin typeface="Courier New"/>
                 <a:ea typeface="Courier New"/>
                 <a:cs typeface="Courier New"/>
@@ -12380,7 +12696,7 @@
               <a:t>my_var</a:t>
             </a:r>
             <a:r>
-              <a:rPr b="1" lang="en"/>
+              <a:rPr lang="en" b="1"/>
               <a:t> is an integer</a:t>
             </a:r>
           </a:p>
@@ -12403,14 +12719,14 @@
             <a:avLst/>
           </a:prstGeom>
           <a:noFill/>
-          <a:ln cap="flat" cmpd="sng" w="38100">
+          <a:ln w="38100" cap="flat" cmpd="sng">
             <a:solidFill>
               <a:schemeClr val="dk2"/>
             </a:solidFill>
             <a:prstDash val="solid"/>
             <a:round/>
-            <a:headEnd len="lg" w="lg" type="none"/>
-            <a:tailEnd len="lg" w="lg" type="triangle"/>
+            <a:headEnd type="none" w="lg" len="lg"/>
+            <a:tailEnd type="triangle" w="lg" len="lg"/>
           </a:ln>
         </p:spPr>
       </p:cxnSp>
@@ -12434,7 +12750,7 @@
           </a:ln>
         </p:spPr>
         <p:txBody>
-          <a:bodyPr anchorCtr="0" anchor="t" bIns="91425" lIns="91425" rIns="91425" tIns="91425">
+          <a:bodyPr lIns="91425" tIns="91425" rIns="91425" bIns="91425" anchor="t" anchorCtr="0">
             <a:noAutofit/>
           </a:bodyPr>
           <a:lstStyle/>
@@ -12446,7 +12762,7 @@
               <a:buNone/>
             </a:pPr>
             <a:r>
-              <a:rPr b="1" lang="en">
+              <a:rPr lang="en" b="1">
                 <a:latin typeface="Courier New"/>
                 <a:ea typeface="Courier New"/>
                 <a:cs typeface="Courier New"/>
@@ -12455,7 +12771,7 @@
               <a:t>my_var</a:t>
             </a:r>
             <a:r>
-              <a:rPr b="1" lang="en"/>
+              <a:rPr lang="en" b="1"/>
               <a:t> is a string</a:t>
             </a:r>
           </a:p>
@@ -12473,11 +12789,11 @@
 </file>
 
 <file path=ppt/slides/slide8.xml><?xml version="1.0" encoding="utf-8"?>
-<p:sld xmlns:a="http://schemas.openxmlformats.org/drawingml/2006/main" xmlns:r="http://schemas.openxmlformats.org/officeDocument/2006/relationships" xmlns:mc="http://schemas.openxmlformats.org/markup-compatibility/2006" xmlns:mv="urn:schemas-microsoft-com:mac:vml" xmlns:p="http://schemas.openxmlformats.org/presentationml/2006/main" xmlns:c="http://schemas.openxmlformats.org/drawingml/2006/chart" xmlns:dgm="http://schemas.openxmlformats.org/drawingml/2006/diagram" xmlns:o="urn:schemas-microsoft-com:office:office" xmlns:v="urn:schemas-microsoft-com:vml" xmlns:pvml="urn:schemas-microsoft-com:office:powerpoint" xmlns:com="http://schemas.openxmlformats.org/drawingml/2006/compatibility" xmlns:p14="http://schemas.microsoft.com/office/powerpoint/2010/main">
+<p:sld xmlns:a="http://schemas.openxmlformats.org/drawingml/2006/main" xmlns:r="http://schemas.openxmlformats.org/officeDocument/2006/relationships" xmlns:p="http://schemas.openxmlformats.org/presentationml/2006/main">
   <p:cSld>
     <p:spTree>
       <p:nvGrpSpPr>
-        <p:cNvPr id="100" name="Shape 100"/>
+        <p:cNvPr id="1" name="Shape 100"/>
         <p:cNvGrpSpPr/>
         <p:nvPr/>
       </p:nvGrpSpPr>
@@ -12492,7 +12808,9 @@
       <p:sp>
         <p:nvSpPr>
           <p:cNvPr id="101" name="Shape 101"/>
-          <p:cNvSpPr txBox="1"/>
+          <p:cNvSpPr txBox="1">
+            <a:spLocks noGrp="1"/>
+          </p:cNvSpPr>
           <p:nvPr>
             <p:ph type="title"/>
           </p:nvPr>
@@ -12507,7 +12825,7 @@
           </a:prstGeom>
         </p:spPr>
         <p:txBody>
-          <a:bodyPr anchorCtr="0" anchor="b" bIns="91425" lIns="91425" rIns="91425" tIns="91425">
+          <a:bodyPr lIns="91425" tIns="91425" rIns="91425" bIns="91425" anchor="b" anchorCtr="0">
             <a:noAutofit/>
           </a:bodyPr>
           <a:lstStyle/>
@@ -12528,9 +12846,11 @@
       <p:sp>
         <p:nvSpPr>
           <p:cNvPr id="102" name="Shape 102"/>
-          <p:cNvSpPr txBox="1"/>
+          <p:cNvSpPr txBox="1">
+            <a:spLocks noGrp="1"/>
+          </p:cNvSpPr>
           <p:nvPr>
-            <p:ph idx="1" type="body"/>
+            <p:ph type="body" idx="1"/>
           </p:nvPr>
         </p:nvSpPr>
         <p:spPr>
@@ -12543,12 +12863,12 @@
           </a:prstGeom>
         </p:spPr>
         <p:txBody>
-          <a:bodyPr anchorCtr="0" anchor="t" bIns="91425" lIns="91425" rIns="91425" tIns="91425">
+          <a:bodyPr lIns="91425" tIns="91425" rIns="91425" bIns="91425" anchor="t" anchorCtr="0">
             <a:noAutofit/>
           </a:bodyPr>
           <a:lstStyle/>
           <a:p>
-            <a:pPr lvl="0" rtl="0" algn="ctr">
+            <a:pPr lvl="0" algn="ctr" rtl="0">
               <a:spcBef>
                 <a:spcPts val="0"/>
               </a:spcBef>
@@ -12560,7 +12880,7 @@
             </a:r>
           </a:p>
           <a:p>
-            <a:pPr lvl="0" rtl="0" algn="ctr">
+            <a:pPr lvl="0" algn="ctr" rtl="0">
               <a:spcBef>
                 <a:spcPts val="0"/>
               </a:spcBef>
@@ -12685,9 +13005,6 @@
               </a:spcBef>
               <a:buNone/>
             </a:pPr>
-            <a:r>
-              <a:t/>
-            </a:r>
             <a:endParaRPr b="1"/>
           </a:p>
         </p:txBody>
@@ -12709,14 +13026,14 @@
             <a:avLst/>
           </a:prstGeom>
           <a:noFill/>
-          <a:ln cap="flat" cmpd="sng" w="38100">
+          <a:ln w="38100" cap="flat" cmpd="sng">
             <a:solidFill>
               <a:schemeClr val="dk2"/>
             </a:solidFill>
             <a:prstDash val="solid"/>
             <a:round/>
-            <a:headEnd len="lg" w="lg" type="none"/>
-            <a:tailEnd len="lg" w="lg" type="triangle"/>
+            <a:headEnd type="none" w="lg" len="lg"/>
+            <a:tailEnd type="triangle" w="lg" len="lg"/>
           </a:ln>
         </p:spPr>
       </p:cxnSp>
@@ -12740,7 +13057,7 @@
           </a:ln>
         </p:spPr>
         <p:txBody>
-          <a:bodyPr anchorCtr="0" anchor="t" bIns="91425" lIns="91425" rIns="91425" tIns="91425">
+          <a:bodyPr lIns="91425" tIns="91425" rIns="91425" bIns="91425" anchor="t" anchorCtr="0">
             <a:noAutofit/>
           </a:bodyPr>
           <a:lstStyle/>
@@ -12752,7 +13069,7 @@
               <a:buNone/>
             </a:pPr>
             <a:r>
-              <a:rPr b="1" lang="en">
+              <a:rPr lang="en" b="1">
                 <a:latin typeface="Courier New"/>
                 <a:ea typeface="Courier New"/>
                 <a:cs typeface="Courier New"/>
@@ -12780,14 +13097,14 @@
             <a:avLst/>
           </a:prstGeom>
           <a:noFill/>
-          <a:ln cap="flat" cmpd="sng" w="38100">
+          <a:ln w="38100" cap="flat" cmpd="sng">
             <a:solidFill>
               <a:schemeClr val="dk2"/>
             </a:solidFill>
             <a:prstDash val="solid"/>
             <a:round/>
-            <a:headEnd len="lg" w="lg" type="none"/>
-            <a:tailEnd len="lg" w="lg" type="triangle"/>
+            <a:headEnd type="none" w="lg" len="lg"/>
+            <a:tailEnd type="triangle" w="lg" len="lg"/>
           </a:ln>
         </p:spPr>
       </p:cxnSp>
@@ -12811,7 +13128,7 @@
           </a:ln>
         </p:spPr>
         <p:txBody>
-          <a:bodyPr anchorCtr="0" anchor="t" bIns="91425" lIns="91425" rIns="91425" tIns="91425">
+          <a:bodyPr lIns="91425" tIns="91425" rIns="91425" bIns="91425" anchor="t" anchorCtr="0">
             <a:noAutofit/>
           </a:bodyPr>
           <a:lstStyle/>
@@ -12823,7 +13140,7 @@
               <a:buNone/>
             </a:pPr>
             <a:r>
-              <a:rPr b="1" lang="en">
+              <a:rPr lang="en" b="1">
                 <a:latin typeface="Courier New"/>
                 <a:ea typeface="Courier New"/>
                 <a:cs typeface="Courier New"/>
@@ -12846,11 +13163,11 @@
 </file>
 
 <file path=ppt/slides/slide9.xml><?xml version="1.0" encoding="utf-8"?>
-<p:sld xmlns:a="http://schemas.openxmlformats.org/drawingml/2006/main" xmlns:r="http://schemas.openxmlformats.org/officeDocument/2006/relationships" xmlns:mc="http://schemas.openxmlformats.org/markup-compatibility/2006" xmlns:mv="urn:schemas-microsoft-com:mac:vml" xmlns:p="http://schemas.openxmlformats.org/presentationml/2006/main" xmlns:c="http://schemas.openxmlformats.org/drawingml/2006/chart" xmlns:dgm="http://schemas.openxmlformats.org/drawingml/2006/diagram" xmlns:o="urn:schemas-microsoft-com:office:office" xmlns:v="urn:schemas-microsoft-com:vml" xmlns:pvml="urn:schemas-microsoft-com:office:powerpoint" xmlns:com="http://schemas.openxmlformats.org/drawingml/2006/compatibility" xmlns:p14="http://schemas.microsoft.com/office/powerpoint/2010/main">
+<p:sld xmlns:a="http://schemas.openxmlformats.org/drawingml/2006/main" xmlns:r="http://schemas.openxmlformats.org/officeDocument/2006/relationships" xmlns:p="http://schemas.openxmlformats.org/presentationml/2006/main">
   <p:cSld>
     <p:spTree>
       <p:nvGrpSpPr>
-        <p:cNvPr id="110" name="Shape 110"/>
+        <p:cNvPr id="1" name="Shape 110"/>
         <p:cNvGrpSpPr/>
         <p:nvPr/>
       </p:nvGrpSpPr>
@@ -12865,7 +13182,9 @@
       <p:sp>
         <p:nvSpPr>
           <p:cNvPr id="111" name="Shape 111"/>
-          <p:cNvSpPr txBox="1"/>
+          <p:cNvSpPr txBox="1">
+            <a:spLocks noGrp="1"/>
+          </p:cNvSpPr>
           <p:nvPr>
             <p:ph type="title"/>
           </p:nvPr>
@@ -12880,7 +13199,7 @@
           </a:prstGeom>
         </p:spPr>
         <p:txBody>
-          <a:bodyPr anchorCtr="0" anchor="b" bIns="91425" lIns="91425" rIns="91425" tIns="91425">
+          <a:bodyPr lIns="91425" tIns="91425" rIns="91425" bIns="91425" anchor="b" anchorCtr="0">
             <a:noAutofit/>
           </a:bodyPr>
           <a:lstStyle/>
@@ -12901,9 +13220,11 @@
       <p:sp>
         <p:nvSpPr>
           <p:cNvPr id="112" name="Shape 112"/>
-          <p:cNvSpPr txBox="1"/>
+          <p:cNvSpPr txBox="1">
+            <a:spLocks noGrp="1"/>
+          </p:cNvSpPr>
           <p:nvPr>
-            <p:ph idx="1" type="body"/>
+            <p:ph type="body" idx="1"/>
           </p:nvPr>
         </p:nvSpPr>
         <p:spPr>
@@ -12916,19 +13237,19 @@
           </a:prstGeom>
         </p:spPr>
         <p:txBody>
-          <a:bodyPr anchorCtr="0" anchor="t" bIns="91425" lIns="91425" rIns="91425" tIns="91425">
+          <a:bodyPr lIns="91425" tIns="91425" rIns="91425" bIns="91425" anchor="t" anchorCtr="0">
             <a:noAutofit/>
           </a:bodyPr>
           <a:lstStyle/>
           <a:p>
-            <a:pPr lvl="0" rtl="0" algn="ctr">
-              <a:spcBef>
-                <a:spcPts val="0"/>
-              </a:spcBef>
-              <a:buNone/>
-            </a:pPr>
-            <a:r>
-              <a:rPr i="1" lang="en" sz="2400"/>
+            <a:pPr lvl="0" algn="ctr" rtl="0">
+              <a:spcBef>
+                <a:spcPts val="0"/>
+              </a:spcBef>
+              <a:buNone/>
+            </a:pPr>
+            <a:r>
+              <a:rPr lang="en" sz="2400" i="1"/>
               <a:t>Arrays</a:t>
             </a:r>
             <a:r>
@@ -12937,7 +13258,7 @@
             </a:r>
           </a:p>
           <a:p>
-            <a:pPr lvl="0" rtl="0" algn="l">
+            <a:pPr lvl="0" algn="l" rtl="0">
               <a:spcBef>
                 <a:spcPts val="0"/>
               </a:spcBef>
@@ -12954,7 +13275,7 @@
             </a:r>
           </a:p>
           <a:p>
-            <a:pPr lvl="0" rtl="0" algn="l">
+            <a:pPr lvl="0" algn="l" rtl="0">
               <a:spcBef>
                 <a:spcPts val="0"/>
               </a:spcBef>
@@ -12971,7 +13292,7 @@
             </a:r>
           </a:p>
           <a:p>
-            <a:pPr lvl="0" rtl="0" algn="l">
+            <a:pPr lvl="0" algn="l" rtl="0">
               <a:spcBef>
                 <a:spcPts val="0"/>
               </a:spcBef>
@@ -12988,7 +13309,7 @@
             </a:r>
           </a:p>
           <a:p>
-            <a:pPr lvl="0" rtl="0" algn="l">
+            <a:pPr lvl="0" algn="l" rtl="0">
               <a:spcBef>
                 <a:spcPts val="0"/>
               </a:spcBef>
@@ -13000,7 +13321,7 @@
             </a:r>
           </a:p>
           <a:p>
-            <a:pPr lvl="0" rtl="0" algn="l">
+            <a:pPr lvl="0" algn="l" rtl="0">
               <a:spcBef>
                 <a:spcPts val="0"/>
               </a:spcBef>
@@ -13017,7 +13338,7 @@
             </a:r>
           </a:p>
           <a:p>
-            <a:pPr lvl="0" rtl="0" algn="l">
+            <a:pPr lvl="0" algn="l" rtl="0">
               <a:spcBef>
                 <a:spcPts val="0"/>
               </a:spcBef>
@@ -13034,7 +13355,7 @@
             </a:r>
           </a:p>
           <a:p>
-            <a:pPr lvl="0" rtl="0" algn="l">
+            <a:pPr lvl="0" algn="l" rtl="0">
               <a:spcBef>
                 <a:spcPts val="0"/>
               </a:spcBef>
@@ -13046,7 +13367,7 @@
             </a:r>
           </a:p>
           <a:p>
-            <a:pPr lvl="0" rtl="0" algn="l">
+            <a:pPr lvl="0" algn="l" rtl="0">
               <a:spcBef>
                 <a:spcPts val="0"/>
               </a:spcBef>
@@ -13098,14 +13419,14 @@
             <a:avLst/>
           </a:prstGeom>
           <a:noFill/>
-          <a:ln cap="flat" cmpd="sng" w="38100">
+          <a:ln w="38100" cap="flat" cmpd="sng">
             <a:solidFill>
               <a:schemeClr val="dk2"/>
             </a:solidFill>
             <a:prstDash val="solid"/>
             <a:round/>
-            <a:headEnd len="lg" w="lg" type="none"/>
-            <a:tailEnd len="lg" w="lg" type="triangle"/>
+            <a:headEnd type="none" w="lg" len="lg"/>
+            <a:tailEnd type="triangle" w="lg" len="lg"/>
           </a:ln>
         </p:spPr>
       </p:cxnSp>
@@ -13129,7 +13450,7 @@
           </a:ln>
         </p:spPr>
         <p:txBody>
-          <a:bodyPr anchorCtr="0" anchor="t" bIns="91425" lIns="91425" rIns="91425" tIns="91425">
+          <a:bodyPr lIns="91425" tIns="91425" rIns="91425" bIns="91425" anchor="t" anchorCtr="0">
             <a:noAutofit/>
           </a:bodyPr>
           <a:lstStyle/>
@@ -13141,7 +13462,7 @@
               <a:buNone/>
             </a:pPr>
             <a:r>
-              <a:rPr b="1" lang="en"/>
+              <a:rPr lang="en" b="1"/>
               <a:t>element (“index”) 0</a:t>
             </a:r>
           </a:p>
@@ -13160,23 +13481,23 @@
           </a:xfrm>
           <a:prstGeom prst="rightBrace">
             <a:avLst>
-              <a:gd fmla="val 8333" name="adj1"/>
-              <a:gd fmla="val 50000" name="adj2"/>
+              <a:gd name="adj1" fmla="val 8333"/>
+              <a:gd name="adj2" fmla="val 50000"/>
             </a:avLst>
           </a:prstGeom>
           <a:noFill/>
-          <a:ln cap="flat" cmpd="sng" w="38100">
+          <a:ln w="38100" cap="flat" cmpd="sng">
             <a:solidFill>
               <a:schemeClr val="dk2"/>
             </a:solidFill>
             <a:prstDash val="solid"/>
             <a:round/>
-            <a:headEnd len="med" w="med" type="none"/>
-            <a:tailEnd len="med" w="med" type="none"/>
+            <a:headEnd type="none" w="med" len="med"/>
+            <a:tailEnd type="none" w="med" len="med"/>
           </a:ln>
         </p:spPr>
         <p:txBody>
-          <a:bodyPr anchorCtr="0" anchor="ctr" bIns="91425" lIns="91425" rIns="91425" tIns="91425">
+          <a:bodyPr lIns="91425" tIns="91425" rIns="91425" bIns="91425" anchor="ctr" anchorCtr="0">
             <a:noAutofit/>
           </a:bodyPr>
           <a:lstStyle/>
@@ -13187,9 +13508,6 @@
               </a:spcBef>
               <a:buNone/>
             </a:pPr>
-            <a:r>
-              <a:t/>
-            </a:r>
             <a:endParaRPr/>
           </a:p>
         </p:txBody>
@@ -13214,23 +13532,23 @@
           </a:ln>
         </p:spPr>
         <p:txBody>
-          <a:bodyPr anchorCtr="0" anchor="t" bIns="91425" lIns="91425" rIns="91425" tIns="91425">
+          <a:bodyPr lIns="91425" tIns="91425" rIns="91425" bIns="91425" anchor="t" anchorCtr="0">
             <a:noAutofit/>
           </a:bodyPr>
           <a:lstStyle/>
           <a:p>
-            <a:pPr lvl="0" rtl="0" algn="ctr">
-              <a:spcBef>
-                <a:spcPts val="0"/>
-              </a:spcBef>
-              <a:buNone/>
-            </a:pPr>
-            <a:r>
-              <a:rPr b="1" lang="en"/>
+            <a:pPr lvl="0" algn="ctr" rtl="0">
+              <a:spcBef>
+                <a:spcPts val="0"/>
+              </a:spcBef>
+              <a:buNone/>
+            </a:pPr>
+            <a:r>
+              <a:rPr lang="en" b="1"/>
               <a:t>Here, we’ve nested the </a:t>
             </a:r>
             <a:r>
-              <a:rPr b="1" lang="en">
+              <a:rPr lang="en" b="1">
                 <a:latin typeface="Courier New"/>
                 <a:ea typeface="Courier New"/>
                 <a:cs typeface="Courier New"/>
@@ -13239,11 +13557,11 @@
               <a:t>len</a:t>
             </a:r>
             <a:r>
-              <a:rPr b="1" lang="en"/>
+              <a:rPr lang="en" b="1"/>
               <a:t> function inside of </a:t>
             </a:r>
             <a:r>
-              <a:rPr b="1" lang="en">
+              <a:rPr lang="en" b="1">
                 <a:latin typeface="Courier New"/>
                 <a:ea typeface="Courier New"/>
                 <a:cs typeface="Courier New"/>
@@ -13252,7 +13570,7 @@
               <a:t>print</a:t>
             </a:r>
             <a:r>
-              <a:rPr b="1" lang="en"/>
+              <a:rPr lang="en" b="1"/>
               <a:t>.</a:t>
             </a:r>
           </a:p>
@@ -13270,7 +13588,288 @@
 </file>
 
 <file path=ppt/theme/theme1.xml><?xml version="1.0" encoding="utf-8"?>
-<a:theme xmlns:a="http://schemas.openxmlformats.org/drawingml/2006/main" xmlns:r="http://schemas.openxmlformats.org/officeDocument/2006/relationships" name="Custom Theme">
+<a:theme xmlns:a="http://schemas.openxmlformats.org/drawingml/2006/main" name="simple-light">
+  <a:themeElements>
+    <a:clrScheme name="Custom 347">
+      <a:dk1>
+        <a:srgbClr val="000000"/>
+      </a:dk1>
+      <a:lt1>
+        <a:srgbClr val="FFFFFF"/>
+      </a:lt1>
+      <a:dk2>
+        <a:srgbClr val="666666"/>
+      </a:dk2>
+      <a:lt2>
+        <a:srgbClr val="CCCCCC"/>
+      </a:lt2>
+      <a:accent1>
+        <a:srgbClr val="3A81BA"/>
+      </a:accent1>
+      <a:accent2>
+        <a:srgbClr val="D89F39"/>
+      </a:accent2>
+      <a:accent3>
+        <a:srgbClr val="8BAB42"/>
+      </a:accent3>
+      <a:accent4>
+        <a:srgbClr val="57A7B5"/>
+      </a:accent4>
+      <a:accent5>
+        <a:srgbClr val="8B81D2"/>
+      </a:accent5>
+      <a:accent6>
+        <a:srgbClr val="963334"/>
+      </a:accent6>
+      <a:hlink>
+        <a:srgbClr val="1155CC"/>
+      </a:hlink>
+      <a:folHlink>
+        <a:srgbClr val="6611CC"/>
+      </a:folHlink>
+    </a:clrScheme>
+    <a:fontScheme name="Office">
+      <a:majorFont>
+        <a:latin typeface="Arial"/>
+        <a:ea typeface=""/>
+        <a:cs typeface=""/>
+        <a:font script="Jpan" typeface="ＭＳ Ｐゴシック"/>
+        <a:font script="Hang" typeface="맑은 고딕"/>
+        <a:font script="Hans" typeface="宋体"/>
+        <a:font script="Hant" typeface="新細明體"/>
+        <a:font script="Arab" typeface="Times New Roman"/>
+        <a:font script="Hebr" typeface="Times New Roman"/>
+        <a:font script="Thai" typeface="Angsana New"/>
+        <a:font script="Ethi" typeface="Nyala"/>
+        <a:font script="Beng" typeface="Vrinda"/>
+        <a:font script="Gujr" typeface="Shruti"/>
+        <a:font script="Khmr" typeface="MoolBoran"/>
+        <a:font script="Knda" typeface="Tunga"/>
+        <a:font script="Guru" typeface="Raavi"/>
+        <a:font script="Cans" typeface="Euphemia"/>
+        <a:font script="Cher" typeface="Plantagenet Cherokee"/>
+        <a:font script="Yiii" typeface="Microsoft Yi Baiti"/>
+        <a:font script="Tibt" typeface="Microsoft Himalaya"/>
+        <a:font script="Thaa" typeface="MV Boli"/>
+        <a:font script="Deva" typeface="Mangal"/>
+        <a:font script="Telu" typeface="Gautami"/>
+        <a:font script="Taml" typeface="Latha"/>
+        <a:font script="Syrc" typeface="Estrangelo Edessa"/>
+        <a:font script="Orya" typeface="Kalinga"/>
+        <a:font script="Mlym" typeface="Kartika"/>
+        <a:font script="Laoo" typeface="DokChampa"/>
+        <a:font script="Sinh" typeface="Iskoola Pota"/>
+        <a:font script="Mong" typeface="Mongolian Baiti"/>
+        <a:font script="Viet" typeface="Times New Roman"/>
+        <a:font script="Uigh" typeface="Microsoft Uighur"/>
+        <a:font script="Geor" typeface="Sylfaen"/>
+      </a:majorFont>
+      <a:minorFont>
+        <a:latin typeface="Arial"/>
+        <a:ea typeface=""/>
+        <a:cs typeface=""/>
+        <a:font script="Jpan" typeface="ＭＳ Ｐゴシック"/>
+        <a:font script="Hang" typeface="맑은 고딕"/>
+        <a:font script="Hans" typeface="宋体"/>
+        <a:font script="Hant" typeface="新細明體"/>
+        <a:font script="Arab" typeface="Arial"/>
+        <a:font script="Hebr" typeface="Arial"/>
+        <a:font script="Thai" typeface="Cordia New"/>
+        <a:font script="Ethi" typeface="Nyala"/>
+        <a:font script="Beng" typeface="Vrinda"/>
+        <a:font script="Gujr" typeface="Shruti"/>
+        <a:font script="Khmr" typeface="DaunPenh"/>
+        <a:font script="Knda" typeface="Tunga"/>
+        <a:font script="Guru" typeface="Raavi"/>
+        <a:font script="Cans" typeface="Euphemia"/>
+        <a:font script="Cher" typeface="Plantagenet Cherokee"/>
+        <a:font script="Yiii" typeface="Microsoft Yi Baiti"/>
+        <a:font script="Tibt" typeface="Microsoft Himalaya"/>
+        <a:font script="Thaa" typeface="MV Boli"/>
+        <a:font script="Deva" typeface="Mangal"/>
+        <a:font script="Telu" typeface="Gautami"/>
+        <a:font script="Taml" typeface="Latha"/>
+        <a:font script="Syrc" typeface="Estrangelo Edessa"/>
+        <a:font script="Orya" typeface="Kalinga"/>
+        <a:font script="Mlym" typeface="Kartika"/>
+        <a:font script="Laoo" typeface="DokChampa"/>
+        <a:font script="Sinh" typeface="Iskoola Pota"/>
+        <a:font script="Mong" typeface="Mongolian Baiti"/>
+        <a:font script="Viet" typeface="Arial"/>
+        <a:font script="Uigh" typeface="Microsoft Uighur"/>
+        <a:font script="Geor" typeface="Sylfaen"/>
+      </a:minorFont>
+    </a:fontScheme>
+    <a:fmtScheme name="Office">
+      <a:fillStyleLst>
+        <a:solidFill>
+          <a:schemeClr val="phClr"/>
+        </a:solidFill>
+        <a:gradFill rotWithShape="1">
+          <a:gsLst>
+            <a:gs pos="0">
+              <a:schemeClr val="phClr">
+                <a:tint val="50000"/>
+                <a:satMod val="300000"/>
+              </a:schemeClr>
+            </a:gs>
+            <a:gs pos="35000">
+              <a:schemeClr val="phClr">
+                <a:tint val="37000"/>
+                <a:satMod val="300000"/>
+              </a:schemeClr>
+            </a:gs>
+            <a:gs pos="100000">
+              <a:schemeClr val="phClr">
+                <a:tint val="15000"/>
+                <a:satMod val="350000"/>
+              </a:schemeClr>
+            </a:gs>
+          </a:gsLst>
+          <a:lin ang="16200000" scaled="1"/>
+        </a:gradFill>
+        <a:gradFill rotWithShape="1">
+          <a:gsLst>
+            <a:gs pos="0">
+              <a:schemeClr val="phClr">
+                <a:tint val="100000"/>
+                <a:shade val="100000"/>
+                <a:satMod val="130000"/>
+              </a:schemeClr>
+            </a:gs>
+            <a:gs pos="100000">
+              <a:schemeClr val="phClr">
+                <a:tint val="50000"/>
+                <a:shade val="100000"/>
+                <a:satMod val="350000"/>
+              </a:schemeClr>
+            </a:gs>
+          </a:gsLst>
+          <a:lin ang="16200000" scaled="0"/>
+        </a:gradFill>
+      </a:fillStyleLst>
+      <a:lnStyleLst>
+        <a:ln w="9525" cap="flat" cmpd="sng" algn="ctr">
+          <a:solidFill>
+            <a:schemeClr val="phClr">
+              <a:shade val="95000"/>
+              <a:satMod val="105000"/>
+            </a:schemeClr>
+          </a:solidFill>
+          <a:prstDash val="solid"/>
+        </a:ln>
+        <a:ln w="25400" cap="flat" cmpd="sng" algn="ctr">
+          <a:solidFill>
+            <a:schemeClr val="phClr"/>
+          </a:solidFill>
+          <a:prstDash val="solid"/>
+        </a:ln>
+        <a:ln w="38100" cap="flat" cmpd="sng" algn="ctr">
+          <a:solidFill>
+            <a:schemeClr val="phClr"/>
+          </a:solidFill>
+          <a:prstDash val="solid"/>
+        </a:ln>
+      </a:lnStyleLst>
+      <a:effectStyleLst>
+        <a:effectStyle>
+          <a:effectLst>
+            <a:outerShdw blurRad="40000" dist="20000" dir="5400000" rotWithShape="0">
+              <a:srgbClr val="000000">
+                <a:alpha val="38000"/>
+              </a:srgbClr>
+            </a:outerShdw>
+          </a:effectLst>
+        </a:effectStyle>
+        <a:effectStyle>
+          <a:effectLst>
+            <a:outerShdw blurRad="40000" dist="23000" dir="5400000" rotWithShape="0">
+              <a:srgbClr val="000000">
+                <a:alpha val="35000"/>
+              </a:srgbClr>
+            </a:outerShdw>
+          </a:effectLst>
+        </a:effectStyle>
+        <a:effectStyle>
+          <a:effectLst>
+            <a:outerShdw blurRad="40000" dist="23000" dir="5400000" rotWithShape="0">
+              <a:srgbClr val="000000">
+                <a:alpha val="35000"/>
+              </a:srgbClr>
+            </a:outerShdw>
+          </a:effectLst>
+          <a:scene3d>
+            <a:camera prst="orthographicFront">
+              <a:rot lat="0" lon="0" rev="0"/>
+            </a:camera>
+            <a:lightRig rig="threePt" dir="t">
+              <a:rot lat="0" lon="0" rev="1200000"/>
+            </a:lightRig>
+          </a:scene3d>
+          <a:sp3d>
+            <a:bevelT w="63500" h="25400"/>
+          </a:sp3d>
+        </a:effectStyle>
+      </a:effectStyleLst>
+      <a:bgFillStyleLst>
+        <a:solidFill>
+          <a:schemeClr val="phClr"/>
+        </a:solidFill>
+        <a:gradFill rotWithShape="1">
+          <a:gsLst>
+            <a:gs pos="0">
+              <a:schemeClr val="phClr">
+                <a:tint val="40000"/>
+                <a:satMod val="350000"/>
+              </a:schemeClr>
+            </a:gs>
+            <a:gs pos="40000">
+              <a:schemeClr val="phClr">
+                <a:tint val="45000"/>
+                <a:shade val="99000"/>
+                <a:satMod val="350000"/>
+              </a:schemeClr>
+            </a:gs>
+            <a:gs pos="100000">
+              <a:schemeClr val="phClr">
+                <a:shade val="20000"/>
+                <a:satMod val="255000"/>
+              </a:schemeClr>
+            </a:gs>
+          </a:gsLst>
+          <a:path path="circle">
+            <a:fillToRect l="50000" t="-80000" r="50000" b="180000"/>
+          </a:path>
+        </a:gradFill>
+        <a:gradFill rotWithShape="1">
+          <a:gsLst>
+            <a:gs pos="0">
+              <a:schemeClr val="phClr">
+                <a:tint val="80000"/>
+                <a:satMod val="300000"/>
+              </a:schemeClr>
+            </a:gs>
+            <a:gs pos="100000">
+              <a:schemeClr val="phClr">
+                <a:shade val="30000"/>
+                <a:satMod val="200000"/>
+              </a:schemeClr>
+            </a:gs>
+          </a:gsLst>
+          <a:path path="circle">
+            <a:fillToRect l="50000" t="50000" r="50000" b="50000"/>
+          </a:path>
+        </a:gradFill>
+      </a:bgFillStyleLst>
+    </a:fmtScheme>
+  </a:themeElements>
+  <a:objectDefaults/>
+  <a:extraClrSchemeLst/>
+</a:theme>
+</file>
+
+<file path=ppt/theme/theme2.xml><?xml version="1.0" encoding="utf-8"?>
+<a:theme xmlns:a="http://schemas.openxmlformats.org/drawingml/2006/main" name="Custom Theme">
   <a:themeElements>
     <a:clrScheme name="Default">
       <a:dk1>
@@ -13545,284 +14144,7 @@
       </a:bgFillStyleLst>
     </a:fmtScheme>
   </a:themeElements>
-</a:theme>
-</file>
-
-<file path=ppt/theme/theme2.xml><?xml version="1.0" encoding="utf-8"?>
-<a:theme xmlns:a="http://schemas.openxmlformats.org/drawingml/2006/main" xmlns:r="http://schemas.openxmlformats.org/officeDocument/2006/relationships" name="simple-light">
-  <a:themeElements>
-    <a:clrScheme name="Custom 347">
-      <a:dk1>
-        <a:srgbClr val="000000"/>
-      </a:dk1>
-      <a:lt1>
-        <a:srgbClr val="FFFFFF"/>
-      </a:lt1>
-      <a:dk2>
-        <a:srgbClr val="666666"/>
-      </a:dk2>
-      <a:lt2>
-        <a:srgbClr val="CCCCCC"/>
-      </a:lt2>
-      <a:accent1>
-        <a:srgbClr val="3A81BA"/>
-      </a:accent1>
-      <a:accent2>
-        <a:srgbClr val="D89F39"/>
-      </a:accent2>
-      <a:accent3>
-        <a:srgbClr val="8BAB42"/>
-      </a:accent3>
-      <a:accent4>
-        <a:srgbClr val="57A7B5"/>
-      </a:accent4>
-      <a:accent5>
-        <a:srgbClr val="8B81D2"/>
-      </a:accent5>
-      <a:accent6>
-        <a:srgbClr val="963334"/>
-      </a:accent6>
-      <a:hlink>
-        <a:srgbClr val="1155CC"/>
-      </a:hlink>
-      <a:folHlink>
-        <a:srgbClr val="6611CC"/>
-      </a:folHlink>
-    </a:clrScheme>
-    <a:fontScheme name="Office">
-      <a:majorFont>
-        <a:latin typeface="Arial"/>
-        <a:ea typeface=""/>
-        <a:cs typeface=""/>
-        <a:font script="Jpan" typeface="ＭＳ Ｐゴシック"/>
-        <a:font script="Hang" typeface="맑은 고딕"/>
-        <a:font script="Hans" typeface="宋体"/>
-        <a:font script="Hant" typeface="新細明體"/>
-        <a:font script="Arab" typeface="Times New Roman"/>
-        <a:font script="Hebr" typeface="Times New Roman"/>
-        <a:font script="Thai" typeface="Angsana New"/>
-        <a:font script="Ethi" typeface="Nyala"/>
-        <a:font script="Beng" typeface="Vrinda"/>
-        <a:font script="Gujr" typeface="Shruti"/>
-        <a:font script="Khmr" typeface="MoolBoran"/>
-        <a:font script="Knda" typeface="Tunga"/>
-        <a:font script="Guru" typeface="Raavi"/>
-        <a:font script="Cans" typeface="Euphemia"/>
-        <a:font script="Cher" typeface="Plantagenet Cherokee"/>
-        <a:font script="Yiii" typeface="Microsoft Yi Baiti"/>
-        <a:font script="Tibt" typeface="Microsoft Himalaya"/>
-        <a:font script="Thaa" typeface="MV Boli"/>
-        <a:font script="Deva" typeface="Mangal"/>
-        <a:font script="Telu" typeface="Gautami"/>
-        <a:font script="Taml" typeface="Latha"/>
-        <a:font script="Syrc" typeface="Estrangelo Edessa"/>
-        <a:font script="Orya" typeface="Kalinga"/>
-        <a:font script="Mlym" typeface="Kartika"/>
-        <a:font script="Laoo" typeface="DokChampa"/>
-        <a:font script="Sinh" typeface="Iskoola Pota"/>
-        <a:font script="Mong" typeface="Mongolian Baiti"/>
-        <a:font script="Viet" typeface="Times New Roman"/>
-        <a:font script="Uigh" typeface="Microsoft Uighur"/>
-        <a:font script="Geor" typeface="Sylfaen"/>
-      </a:majorFont>
-      <a:minorFont>
-        <a:latin typeface="Arial"/>
-        <a:ea typeface=""/>
-        <a:cs typeface=""/>
-        <a:font script="Jpan" typeface="ＭＳ Ｐゴシック"/>
-        <a:font script="Hang" typeface="맑은 고딕"/>
-        <a:font script="Hans" typeface="宋体"/>
-        <a:font script="Hant" typeface="新細明體"/>
-        <a:font script="Arab" typeface="Arial"/>
-        <a:font script="Hebr" typeface="Arial"/>
-        <a:font script="Thai" typeface="Cordia New"/>
-        <a:font script="Ethi" typeface="Nyala"/>
-        <a:font script="Beng" typeface="Vrinda"/>
-        <a:font script="Gujr" typeface="Shruti"/>
-        <a:font script="Khmr" typeface="DaunPenh"/>
-        <a:font script="Knda" typeface="Tunga"/>
-        <a:font script="Guru" typeface="Raavi"/>
-        <a:font script="Cans" typeface="Euphemia"/>
-        <a:font script="Cher" typeface="Plantagenet Cherokee"/>
-        <a:font script="Yiii" typeface="Microsoft Yi Baiti"/>
-        <a:font script="Tibt" typeface="Microsoft Himalaya"/>
-        <a:font script="Thaa" typeface="MV Boli"/>
-        <a:font script="Deva" typeface="Mangal"/>
-        <a:font script="Telu" typeface="Gautami"/>
-        <a:font script="Taml" typeface="Latha"/>
-        <a:font script="Syrc" typeface="Estrangelo Edessa"/>
-        <a:font script="Orya" typeface="Kalinga"/>
-        <a:font script="Mlym" typeface="Kartika"/>
-        <a:font script="Laoo" typeface="DokChampa"/>
-        <a:font script="Sinh" typeface="Iskoola Pota"/>
-        <a:font script="Mong" typeface="Mongolian Baiti"/>
-        <a:font script="Viet" typeface="Arial"/>
-        <a:font script="Uigh" typeface="Microsoft Uighur"/>
-        <a:font script="Geor" typeface="Sylfaen"/>
-      </a:minorFont>
-    </a:fontScheme>
-    <a:fmtScheme name="Office">
-      <a:fillStyleLst>
-        <a:solidFill>
-          <a:schemeClr val="phClr"/>
-        </a:solidFill>
-        <a:gradFill rotWithShape="1">
-          <a:gsLst>
-            <a:gs pos="0">
-              <a:schemeClr val="phClr">
-                <a:tint val="50000"/>
-                <a:satMod val="300000"/>
-              </a:schemeClr>
-            </a:gs>
-            <a:gs pos="35000">
-              <a:schemeClr val="phClr">
-                <a:tint val="37000"/>
-                <a:satMod val="300000"/>
-              </a:schemeClr>
-            </a:gs>
-            <a:gs pos="100000">
-              <a:schemeClr val="phClr">
-                <a:tint val="15000"/>
-                <a:satMod val="350000"/>
-              </a:schemeClr>
-            </a:gs>
-          </a:gsLst>
-          <a:lin ang="16200000" scaled="1"/>
-        </a:gradFill>
-        <a:gradFill rotWithShape="1">
-          <a:gsLst>
-            <a:gs pos="0">
-              <a:schemeClr val="phClr">
-                <a:tint val="100000"/>
-                <a:shade val="100000"/>
-                <a:satMod val="130000"/>
-              </a:schemeClr>
-            </a:gs>
-            <a:gs pos="100000">
-              <a:schemeClr val="phClr">
-                <a:tint val="50000"/>
-                <a:shade val="100000"/>
-                <a:satMod val="350000"/>
-              </a:schemeClr>
-            </a:gs>
-          </a:gsLst>
-          <a:lin ang="16200000" scaled="0"/>
-        </a:gradFill>
-      </a:fillStyleLst>
-      <a:lnStyleLst>
-        <a:ln w="9525" cap="flat" cmpd="sng" algn="ctr">
-          <a:solidFill>
-            <a:schemeClr val="phClr">
-              <a:shade val="95000"/>
-              <a:satMod val="105000"/>
-            </a:schemeClr>
-          </a:solidFill>
-          <a:prstDash val="solid"/>
-        </a:ln>
-        <a:ln w="25400" cap="flat" cmpd="sng" algn="ctr">
-          <a:solidFill>
-            <a:schemeClr val="phClr"/>
-          </a:solidFill>
-          <a:prstDash val="solid"/>
-        </a:ln>
-        <a:ln w="38100" cap="flat" cmpd="sng" algn="ctr">
-          <a:solidFill>
-            <a:schemeClr val="phClr"/>
-          </a:solidFill>
-          <a:prstDash val="solid"/>
-        </a:ln>
-      </a:lnStyleLst>
-      <a:effectStyleLst>
-        <a:effectStyle>
-          <a:effectLst>
-            <a:outerShdw blurRad="40000" dist="20000" dir="5400000" rotWithShape="0">
-              <a:srgbClr val="000000">
-                <a:alpha val="38000"/>
-              </a:srgbClr>
-            </a:outerShdw>
-          </a:effectLst>
-        </a:effectStyle>
-        <a:effectStyle>
-          <a:effectLst>
-            <a:outerShdw blurRad="40000" dist="23000" dir="5400000" rotWithShape="0">
-              <a:srgbClr val="000000">
-                <a:alpha val="35000"/>
-              </a:srgbClr>
-            </a:outerShdw>
-          </a:effectLst>
-        </a:effectStyle>
-        <a:effectStyle>
-          <a:effectLst>
-            <a:outerShdw blurRad="40000" dist="23000" dir="5400000" rotWithShape="0">
-              <a:srgbClr val="000000">
-                <a:alpha val="35000"/>
-              </a:srgbClr>
-            </a:outerShdw>
-          </a:effectLst>
-          <a:scene3d>
-            <a:camera prst="orthographicFront">
-              <a:rot lat="0" lon="0" rev="0"/>
-            </a:camera>
-            <a:lightRig rig="threePt" dir="t">
-              <a:rot lat="0" lon="0" rev="1200000"/>
-            </a:lightRig>
-          </a:scene3d>
-          <a:sp3d>
-            <a:bevelT w="63500" h="25400"/>
-          </a:sp3d>
-        </a:effectStyle>
-      </a:effectStyleLst>
-      <a:bgFillStyleLst>
-        <a:solidFill>
-          <a:schemeClr val="phClr"/>
-        </a:solidFill>
-        <a:gradFill rotWithShape="1">
-          <a:gsLst>
-            <a:gs pos="0">
-              <a:schemeClr val="phClr">
-                <a:tint val="40000"/>
-                <a:satMod val="350000"/>
-              </a:schemeClr>
-            </a:gs>
-            <a:gs pos="40000">
-              <a:schemeClr val="phClr">
-                <a:tint val="45000"/>
-                <a:shade val="99000"/>
-                <a:satMod val="350000"/>
-              </a:schemeClr>
-            </a:gs>
-            <a:gs pos="100000">
-              <a:schemeClr val="phClr">
-                <a:shade val="20000"/>
-                <a:satMod val="255000"/>
-              </a:schemeClr>
-            </a:gs>
-          </a:gsLst>
-          <a:path path="circle">
-            <a:fillToRect l="50000" t="-80000" r="50000" b="180000"/>
-          </a:path>
-        </a:gradFill>
-        <a:gradFill rotWithShape="1">
-          <a:gsLst>
-            <a:gs pos="0">
-              <a:schemeClr val="phClr">
-                <a:tint val="80000"/>
-                <a:satMod val="300000"/>
-              </a:schemeClr>
-            </a:gs>
-            <a:gs pos="100000">
-              <a:schemeClr val="phClr">
-                <a:shade val="30000"/>
-                <a:satMod val="200000"/>
-              </a:schemeClr>
-            </a:gs>
-          </a:gsLst>
-          <a:path path="circle">
-            <a:fillToRect l="50000" t="50000" r="50000" b="50000"/>
-          </a:path>
-        </a:gradFill>
-      </a:bgFillStyleLst>
-    </a:fmtScheme>
-  </a:themeElements>
+  <a:objectDefaults/>
+  <a:extraClrSchemeLst/>
 </a:theme>
 </file>